--- a/Apprendre symfony.pptx
+++ b/Apprendre symfony.pptx
@@ -29,6 +29,13 @@
     <p:sldId id="278" r:id="rId23"/>
     <p:sldId id="279" r:id="rId24"/>
     <p:sldId id="280" r:id="rId25"/>
+    <p:sldId id="281" r:id="rId26"/>
+    <p:sldId id="282" r:id="rId27"/>
+    <p:sldId id="283" r:id="rId28"/>
+    <p:sldId id="284" r:id="rId29"/>
+    <p:sldId id="285" r:id="rId30"/>
+    <p:sldId id="286" r:id="rId31"/>
+    <p:sldId id="287" r:id="rId32"/>
   </p:sldIdLst>
   <p:sldSz cx="12192000" cy="6858000"/>
   <p:notesSz cx="6858000" cy="9144000"/>
@@ -2710,7 +2717,7 @@
           <a:p>
             <a:fld id="{5843EF6F-EE83-4674-8CAA-9D66CA8CE89A}" type="datetimeFigureOut">
               <a:rPr lang="fr-FR" smtClean="0"/>
-              <a:t>04/06/2019</a:t>
+              <a:t>08/06/2019</a:t>
             </a:fld>
             <a:endParaRPr lang="fr-FR"/>
           </a:p>
@@ -2908,7 +2915,7 @@
           <a:p>
             <a:fld id="{5843EF6F-EE83-4674-8CAA-9D66CA8CE89A}" type="datetimeFigureOut">
               <a:rPr lang="fr-FR" smtClean="0"/>
-              <a:t>04/06/2019</a:t>
+              <a:t>08/06/2019</a:t>
             </a:fld>
             <a:endParaRPr lang="fr-FR"/>
           </a:p>
@@ -3116,7 +3123,7 @@
           <a:p>
             <a:fld id="{5843EF6F-EE83-4674-8CAA-9D66CA8CE89A}" type="datetimeFigureOut">
               <a:rPr lang="fr-FR" smtClean="0"/>
-              <a:t>04/06/2019</a:t>
+              <a:t>08/06/2019</a:t>
             </a:fld>
             <a:endParaRPr lang="fr-FR"/>
           </a:p>
@@ -3314,7 +3321,7 @@
           <a:p>
             <a:fld id="{5843EF6F-EE83-4674-8CAA-9D66CA8CE89A}" type="datetimeFigureOut">
               <a:rPr lang="fr-FR" smtClean="0"/>
-              <a:t>04/06/2019</a:t>
+              <a:t>08/06/2019</a:t>
             </a:fld>
             <a:endParaRPr lang="fr-FR"/>
           </a:p>
@@ -3589,7 +3596,7 @@
           <a:p>
             <a:fld id="{5843EF6F-EE83-4674-8CAA-9D66CA8CE89A}" type="datetimeFigureOut">
               <a:rPr lang="fr-FR" smtClean="0"/>
-              <a:t>04/06/2019</a:t>
+              <a:t>08/06/2019</a:t>
             </a:fld>
             <a:endParaRPr lang="fr-FR"/>
           </a:p>
@@ -3854,7 +3861,7 @@
           <a:p>
             <a:fld id="{5843EF6F-EE83-4674-8CAA-9D66CA8CE89A}" type="datetimeFigureOut">
               <a:rPr lang="fr-FR" smtClean="0"/>
-              <a:t>04/06/2019</a:t>
+              <a:t>08/06/2019</a:t>
             </a:fld>
             <a:endParaRPr lang="fr-FR"/>
           </a:p>
@@ -4266,7 +4273,7 @@
           <a:p>
             <a:fld id="{5843EF6F-EE83-4674-8CAA-9D66CA8CE89A}" type="datetimeFigureOut">
               <a:rPr lang="fr-FR" smtClean="0"/>
-              <a:t>04/06/2019</a:t>
+              <a:t>08/06/2019</a:t>
             </a:fld>
             <a:endParaRPr lang="fr-FR"/>
           </a:p>
@@ -4407,7 +4414,7 @@
           <a:p>
             <a:fld id="{5843EF6F-EE83-4674-8CAA-9D66CA8CE89A}" type="datetimeFigureOut">
               <a:rPr lang="fr-FR" smtClean="0"/>
-              <a:t>04/06/2019</a:t>
+              <a:t>08/06/2019</a:t>
             </a:fld>
             <a:endParaRPr lang="fr-FR"/>
           </a:p>
@@ -4520,7 +4527,7 @@
           <a:p>
             <a:fld id="{5843EF6F-EE83-4674-8CAA-9D66CA8CE89A}" type="datetimeFigureOut">
               <a:rPr lang="fr-FR" smtClean="0"/>
-              <a:t>04/06/2019</a:t>
+              <a:t>08/06/2019</a:t>
             </a:fld>
             <a:endParaRPr lang="fr-FR"/>
           </a:p>
@@ -4831,7 +4838,7 @@
           <a:p>
             <a:fld id="{5843EF6F-EE83-4674-8CAA-9D66CA8CE89A}" type="datetimeFigureOut">
               <a:rPr lang="fr-FR" smtClean="0"/>
-              <a:t>04/06/2019</a:t>
+              <a:t>08/06/2019</a:t>
             </a:fld>
             <a:endParaRPr lang="fr-FR"/>
           </a:p>
@@ -5119,7 +5126,7 @@
           <a:p>
             <a:fld id="{5843EF6F-EE83-4674-8CAA-9D66CA8CE89A}" type="datetimeFigureOut">
               <a:rPr lang="fr-FR" smtClean="0"/>
-              <a:t>04/06/2019</a:t>
+              <a:t>08/06/2019</a:t>
             </a:fld>
             <a:endParaRPr lang="fr-FR"/>
           </a:p>
@@ -5360,7 +5367,7 @@
           <a:p>
             <a:fld id="{5843EF6F-EE83-4674-8CAA-9D66CA8CE89A}" type="datetimeFigureOut">
               <a:rPr lang="fr-FR" smtClean="0"/>
-              <a:t>04/06/2019</a:t>
+              <a:t>08/06/2019</a:t>
             </a:fld>
             <a:endParaRPr lang="fr-FR"/>
           </a:p>
@@ -11881,7 +11888,7 @@
             </a:pPr>
             <a:r>
               <a:rPr lang="fr-FR" sz="1400" dirty="0"/>
-              <a:t>Tout d’abord, on créé la fonction show, en lui passant en paramètre le slug, ainsi qu’une dépendance permettant de récupérer le repo des annonces. Ensuite, il va nous falloir configurer la route, et où il faudra veiller à passer en paramètre dans l’url le slug désiré.</a:t>
+              <a:t>Tout d’abord, on créé la fonction show, en lui passant en paramètre le slug, ainsi qu’une dépendance permettant de récupérer le repo des annonces. Ensuite, il va nous falloir configurer la route, et où il faudra veiller à passer le slug en paramètre dans l’url le slug désiré.</a:t>
             </a:r>
           </a:p>
           <a:p>
@@ -11891,15 +11898,1630 @@
             </a:pPr>
             <a:r>
               <a:rPr lang="fr-FR" sz="1400" dirty="0"/>
-              <a:t>Au sein de la fonction, on créé une variable </a:t>
+              <a:t>Au sein de la fonction, on créé une variable qui récupèrera le l’annonce en fonction du slug :</a:t>
+            </a:r>
+          </a:p>
+          <a:p>
+            <a:pPr marL="0" indent="0">
+              <a:buFont typeface="Arial" panose="020B0604020202020204" pitchFamily="34" charset="0"/>
+              <a:buNone/>
+            </a:pPr>
+            <a:r>
+              <a:rPr lang="fr-FR" sz="1400" dirty="0"/>
+              <a:t>$ad = $repo-&gt;</a:t>
+            </a:r>
+            <a:r>
+              <a:rPr lang="fr-FR" sz="1400" dirty="0" err="1"/>
+              <a:t>findOneBySlug</a:t>
+            </a:r>
+            <a:r>
+              <a:rPr lang="fr-FR" sz="1400" dirty="0"/>
+              <a:t>($slug);</a:t>
+            </a:r>
+          </a:p>
+          <a:p>
+            <a:pPr marL="0" indent="0">
+              <a:buFont typeface="Arial" panose="020B0604020202020204" pitchFamily="34" charset="0"/>
+              <a:buNone/>
+            </a:pPr>
+            <a:r>
+              <a:rPr lang="fr-FR" sz="1400" dirty="0"/>
+              <a:t>Ensuite on retourne un </a:t>
+            </a:r>
+            <a:r>
+              <a:rPr lang="fr-FR" sz="1400" dirty="0" err="1"/>
+              <a:t>render</a:t>
+            </a:r>
+            <a:r>
+              <a:rPr lang="fr-FR" sz="1400" dirty="0"/>
+              <a:t> dans la vue désirée, ainsi que la variable nouvellement créée dans le tableau de variable.</a:t>
             </a:r>
           </a:p>
         </p:txBody>
       </p:sp>
+      <p:pic>
+        <p:nvPicPr>
+          <p:cNvPr id="2" name="Image 1">
+            <a:extLst>
+              <a:ext uri="{FF2B5EF4-FFF2-40B4-BE49-F238E27FC236}">
+                <a16:creationId xmlns:a16="http://schemas.microsoft.com/office/drawing/2014/main" id="{110A1618-5679-4C3B-A3D3-5614F93931FB}"/>
+              </a:ext>
+            </a:extLst>
+          </p:cNvPr>
+          <p:cNvPicPr>
+            <a:picLocks noChangeAspect="1"/>
+          </p:cNvPicPr>
+          <p:nvPr/>
+        </p:nvPicPr>
+        <p:blipFill>
+          <a:blip r:embed="rId2"/>
+          <a:stretch>
+            <a:fillRect/>
+          </a:stretch>
+        </p:blipFill>
+        <p:spPr>
+          <a:xfrm>
+            <a:off x="6096000" y="1828998"/>
+            <a:ext cx="4705350" cy="3524250"/>
+          </a:xfrm>
+          <a:prstGeom prst="rect">
+            <a:avLst/>
+          </a:prstGeom>
+        </p:spPr>
+      </p:pic>
     </p:spTree>
     <p:extLst>
       <p:ext uri="{BB962C8B-B14F-4D97-AF65-F5344CB8AC3E}">
         <p14:creationId xmlns:p14="http://schemas.microsoft.com/office/powerpoint/2010/main" val="2376056180"/>
+      </p:ext>
+    </p:extLst>
+  </p:cSld>
+  <p:clrMapOvr>
+    <a:masterClrMapping/>
+  </p:clrMapOvr>
+</p:sld>
+</file>
+
+<file path=ppt/slides/slide25.xml><?xml version="1.0" encoding="utf-8"?>
+<p:sld xmlns:a="http://schemas.openxmlformats.org/drawingml/2006/main" xmlns:r="http://schemas.openxmlformats.org/officeDocument/2006/relationships" xmlns:p="http://schemas.openxmlformats.org/presentationml/2006/main">
+  <p:cSld>
+    <p:spTree>
+      <p:nvGrpSpPr>
+        <p:cNvPr id="1" name=""/>
+        <p:cNvGrpSpPr/>
+        <p:nvPr/>
+      </p:nvGrpSpPr>
+      <p:grpSpPr>
+        <a:xfrm>
+          <a:off x="0" y="0"/>
+          <a:ext cx="0" cy="0"/>
+          <a:chOff x="0" y="0"/>
+          <a:chExt cx="0" cy="0"/>
+        </a:xfrm>
+      </p:grpSpPr>
+      <p:sp>
+        <p:nvSpPr>
+          <p:cNvPr id="4" name="Titre 1">
+            <a:extLst>
+              <a:ext uri="{FF2B5EF4-FFF2-40B4-BE49-F238E27FC236}">
+                <a16:creationId xmlns:a16="http://schemas.microsoft.com/office/drawing/2014/main" id="{E10FDBEC-A481-44B6-BF61-889455E6DBC1}"/>
+              </a:ext>
+            </a:extLst>
+          </p:cNvPr>
+          <p:cNvSpPr>
+            <a:spLocks noGrp="1"/>
+          </p:cNvSpPr>
+          <p:nvPr>
+            <p:ph type="title"/>
+          </p:nvPr>
+        </p:nvSpPr>
+        <p:spPr>
+          <a:xfrm>
+            <a:off x="838200" y="365125"/>
+            <a:ext cx="10515600" cy="1325563"/>
+          </a:xfrm>
+        </p:spPr>
+        <p:txBody>
+          <a:bodyPr/>
+          <a:lstStyle/>
+          <a:p>
+            <a:r>
+              <a:rPr lang="fr-FR" dirty="0"/>
+              <a:t>Etape 13 : Affichage de l’annonce après avoir récupérer le slug</a:t>
+            </a:r>
+          </a:p>
+        </p:txBody>
+      </p:sp>
+      <p:pic>
+        <p:nvPicPr>
+          <p:cNvPr id="7" name="Image 6">
+            <a:extLst>
+              <a:ext uri="{FF2B5EF4-FFF2-40B4-BE49-F238E27FC236}">
+                <a16:creationId xmlns:a16="http://schemas.microsoft.com/office/drawing/2014/main" id="{1423B854-BAAF-4A7C-9578-E1FDF3F82B11}"/>
+              </a:ext>
+            </a:extLst>
+          </p:cNvPr>
+          <p:cNvPicPr>
+            <a:picLocks noChangeAspect="1"/>
+          </p:cNvPicPr>
+          <p:nvPr/>
+        </p:nvPicPr>
+        <p:blipFill>
+          <a:blip r:embed="rId2"/>
+          <a:stretch>
+            <a:fillRect/>
+          </a:stretch>
+        </p:blipFill>
+        <p:spPr>
+          <a:xfrm>
+            <a:off x="1716349" y="1779251"/>
+            <a:ext cx="8759301" cy="2011699"/>
+          </a:xfrm>
+          <a:prstGeom prst="rect">
+            <a:avLst/>
+          </a:prstGeom>
+        </p:spPr>
+      </p:pic>
+      <p:pic>
+        <p:nvPicPr>
+          <p:cNvPr id="9" name="Image 8">
+            <a:extLst>
+              <a:ext uri="{FF2B5EF4-FFF2-40B4-BE49-F238E27FC236}">
+                <a16:creationId xmlns:a16="http://schemas.microsoft.com/office/drawing/2014/main" id="{839CA5B5-3C12-4B59-9738-4E65E63C0ED6}"/>
+              </a:ext>
+            </a:extLst>
+          </p:cNvPr>
+          <p:cNvPicPr>
+            <a:picLocks noChangeAspect="1"/>
+          </p:cNvPicPr>
+          <p:nvPr/>
+        </p:nvPicPr>
+        <p:blipFill>
+          <a:blip r:embed="rId3"/>
+          <a:stretch>
+            <a:fillRect/>
+          </a:stretch>
+        </p:blipFill>
+        <p:spPr>
+          <a:xfrm>
+            <a:off x="1716349" y="3790950"/>
+            <a:ext cx="8759301" cy="2701925"/>
+          </a:xfrm>
+          <a:prstGeom prst="rect">
+            <a:avLst/>
+          </a:prstGeom>
+        </p:spPr>
+      </p:pic>
+    </p:spTree>
+    <p:extLst>
+      <p:ext uri="{BB962C8B-B14F-4D97-AF65-F5344CB8AC3E}">
+        <p14:creationId xmlns:p14="http://schemas.microsoft.com/office/powerpoint/2010/main" val="2400713994"/>
+      </p:ext>
+    </p:extLst>
+  </p:cSld>
+  <p:clrMapOvr>
+    <a:masterClrMapping/>
+  </p:clrMapOvr>
+</p:sld>
+</file>
+
+<file path=ppt/slides/slide26.xml><?xml version="1.0" encoding="utf-8"?>
+<p:sld xmlns:a="http://schemas.openxmlformats.org/drawingml/2006/main" xmlns:r="http://schemas.openxmlformats.org/officeDocument/2006/relationships" xmlns:p="http://schemas.openxmlformats.org/presentationml/2006/main">
+  <p:cSld>
+    <p:spTree>
+      <p:nvGrpSpPr>
+        <p:cNvPr id="1" name=""/>
+        <p:cNvGrpSpPr/>
+        <p:nvPr/>
+      </p:nvGrpSpPr>
+      <p:grpSpPr>
+        <a:xfrm>
+          <a:off x="0" y="0"/>
+          <a:ext cx="0" cy="0"/>
+          <a:chOff x="0" y="0"/>
+          <a:chExt cx="0" cy="0"/>
+        </a:xfrm>
+      </p:grpSpPr>
+      <p:sp>
+        <p:nvSpPr>
+          <p:cNvPr id="4" name="Titre 1">
+            <a:extLst>
+              <a:ext uri="{FF2B5EF4-FFF2-40B4-BE49-F238E27FC236}">
+                <a16:creationId xmlns:a16="http://schemas.microsoft.com/office/drawing/2014/main" id="{E10FDBEC-A481-44B6-BF61-889455E6DBC1}"/>
+              </a:ext>
+            </a:extLst>
+          </p:cNvPr>
+          <p:cNvSpPr>
+            <a:spLocks noGrp="1"/>
+          </p:cNvSpPr>
+          <p:nvPr>
+            <p:ph type="title"/>
+          </p:nvPr>
+        </p:nvSpPr>
+        <p:spPr>
+          <a:xfrm>
+            <a:off x="838200" y="365125"/>
+            <a:ext cx="10515600" cy="1325563"/>
+          </a:xfrm>
+        </p:spPr>
+        <p:txBody>
+          <a:bodyPr/>
+          <a:lstStyle/>
+          <a:p>
+            <a:r>
+              <a:rPr lang="fr-FR" dirty="0"/>
+              <a:t>Etape 14 : Optimisation du </a:t>
+            </a:r>
+            <a:r>
+              <a:rPr lang="fr-FR" dirty="0" err="1"/>
+              <a:t>css</a:t>
+            </a:r>
+            <a:r>
+              <a:rPr lang="fr-FR" dirty="0"/>
+              <a:t> de la page show</a:t>
+            </a:r>
+          </a:p>
+        </p:txBody>
+      </p:sp>
+      <p:pic>
+        <p:nvPicPr>
+          <p:cNvPr id="2" name="Image 1">
+            <a:extLst>
+              <a:ext uri="{FF2B5EF4-FFF2-40B4-BE49-F238E27FC236}">
+                <a16:creationId xmlns:a16="http://schemas.microsoft.com/office/drawing/2014/main" id="{1B0C547C-E79A-4638-BDEF-B471097A7526}"/>
+              </a:ext>
+            </a:extLst>
+          </p:cNvPr>
+          <p:cNvPicPr>
+            <a:picLocks noChangeAspect="1"/>
+          </p:cNvPicPr>
+          <p:nvPr/>
+        </p:nvPicPr>
+        <p:blipFill>
+          <a:blip r:embed="rId2"/>
+          <a:stretch>
+            <a:fillRect/>
+          </a:stretch>
+        </p:blipFill>
+        <p:spPr>
+          <a:xfrm>
+            <a:off x="1628775" y="1966912"/>
+            <a:ext cx="8934450" cy="3743325"/>
+          </a:xfrm>
+          <a:prstGeom prst="rect">
+            <a:avLst/>
+          </a:prstGeom>
+        </p:spPr>
+      </p:pic>
+    </p:spTree>
+    <p:extLst>
+      <p:ext uri="{BB962C8B-B14F-4D97-AF65-F5344CB8AC3E}">
+        <p14:creationId xmlns:p14="http://schemas.microsoft.com/office/powerpoint/2010/main" val="1942408965"/>
+      </p:ext>
+    </p:extLst>
+  </p:cSld>
+  <p:clrMapOvr>
+    <a:masterClrMapping/>
+  </p:clrMapOvr>
+</p:sld>
+</file>
+
+<file path=ppt/slides/slide27.xml><?xml version="1.0" encoding="utf-8"?>
+<p:sld xmlns:a="http://schemas.openxmlformats.org/drawingml/2006/main" xmlns:r="http://schemas.openxmlformats.org/officeDocument/2006/relationships" xmlns:p="http://schemas.openxmlformats.org/presentationml/2006/main">
+  <p:cSld>
+    <p:spTree>
+      <p:nvGrpSpPr>
+        <p:cNvPr id="1" name=""/>
+        <p:cNvGrpSpPr/>
+        <p:nvPr/>
+      </p:nvGrpSpPr>
+      <p:grpSpPr>
+        <a:xfrm>
+          <a:off x="0" y="0"/>
+          <a:ext cx="0" cy="0"/>
+          <a:chOff x="0" y="0"/>
+          <a:chExt cx="0" cy="0"/>
+        </a:xfrm>
+      </p:grpSpPr>
+      <p:sp>
+        <p:nvSpPr>
+          <p:cNvPr id="4" name="Titre 1">
+            <a:extLst>
+              <a:ext uri="{FF2B5EF4-FFF2-40B4-BE49-F238E27FC236}">
+                <a16:creationId xmlns:a16="http://schemas.microsoft.com/office/drawing/2014/main" id="{E10FDBEC-A481-44B6-BF61-889455E6DBC1}"/>
+              </a:ext>
+            </a:extLst>
+          </p:cNvPr>
+          <p:cNvSpPr>
+            <a:spLocks noGrp="1"/>
+          </p:cNvSpPr>
+          <p:nvPr>
+            <p:ph type="title"/>
+          </p:nvPr>
+        </p:nvSpPr>
+        <p:spPr>
+          <a:xfrm>
+            <a:off x="838200" y="365125"/>
+            <a:ext cx="10515600" cy="1325563"/>
+          </a:xfrm>
+        </p:spPr>
+        <p:txBody>
+          <a:bodyPr/>
+          <a:lstStyle/>
+          <a:p>
+            <a:r>
+              <a:rPr lang="fr-FR" dirty="0"/>
+              <a:t>Etape 15 : Parcourir les images grâce à la relation entre les deux entités</a:t>
+            </a:r>
+          </a:p>
+        </p:txBody>
+      </p:sp>
+      <p:sp>
+        <p:nvSpPr>
+          <p:cNvPr id="5" name="Espace réservé du contenu 2">
+            <a:extLst>
+              <a:ext uri="{FF2B5EF4-FFF2-40B4-BE49-F238E27FC236}">
+                <a16:creationId xmlns:a16="http://schemas.microsoft.com/office/drawing/2014/main" id="{CCCDC96B-5686-4F54-989D-2F82B4FCBDD8}"/>
+              </a:ext>
+            </a:extLst>
+          </p:cNvPr>
+          <p:cNvSpPr>
+            <a:spLocks noGrp="1"/>
+          </p:cNvSpPr>
+          <p:nvPr>
+            <p:ph idx="1"/>
+          </p:nvPr>
+        </p:nvSpPr>
+        <p:spPr>
+          <a:xfrm>
+            <a:off x="838200" y="1556897"/>
+            <a:ext cx="10256520" cy="327111"/>
+          </a:xfrm>
+        </p:spPr>
+        <p:txBody>
+          <a:bodyPr>
+            <a:normAutofit/>
+          </a:bodyPr>
+          <a:lstStyle/>
+          <a:p>
+            <a:pPr marL="0" indent="0" algn="ctr">
+              <a:buNone/>
+            </a:pPr>
+            <a:r>
+              <a:rPr lang="fr-FR" sz="1400" b="1" dirty="0"/>
+              <a:t>Ici il est question d’afficher un </a:t>
+            </a:r>
+            <a:r>
+              <a:rPr lang="fr-FR" sz="1400" b="1" dirty="0" err="1"/>
+              <a:t>carroussel</a:t>
+            </a:r>
+            <a:r>
+              <a:rPr lang="fr-FR" sz="1400" b="1" dirty="0"/>
+              <a:t> de toutes les images qui sont liées à une annonce</a:t>
+            </a:r>
+            <a:endParaRPr lang="fr-FR" sz="1400" dirty="0"/>
+          </a:p>
+        </p:txBody>
+      </p:sp>
+      <p:pic>
+        <p:nvPicPr>
+          <p:cNvPr id="6" name="Image 5">
+            <a:extLst>
+              <a:ext uri="{FF2B5EF4-FFF2-40B4-BE49-F238E27FC236}">
+                <a16:creationId xmlns:a16="http://schemas.microsoft.com/office/drawing/2014/main" id="{2C4584B6-A04D-4A3E-94F1-40C6B380679D}"/>
+              </a:ext>
+            </a:extLst>
+          </p:cNvPr>
+          <p:cNvPicPr>
+            <a:picLocks noChangeAspect="1"/>
+          </p:cNvPicPr>
+          <p:nvPr/>
+        </p:nvPicPr>
+        <p:blipFill>
+          <a:blip r:embed="rId2"/>
+          <a:stretch>
+            <a:fillRect/>
+          </a:stretch>
+        </p:blipFill>
+        <p:spPr>
+          <a:xfrm>
+            <a:off x="952500" y="2019178"/>
+            <a:ext cx="9963150" cy="4411169"/>
+          </a:xfrm>
+          <a:prstGeom prst="rect">
+            <a:avLst/>
+          </a:prstGeom>
+        </p:spPr>
+      </p:pic>
+      <p:pic>
+        <p:nvPicPr>
+          <p:cNvPr id="7" name="Image 6">
+            <a:extLst>
+              <a:ext uri="{FF2B5EF4-FFF2-40B4-BE49-F238E27FC236}">
+                <a16:creationId xmlns:a16="http://schemas.microsoft.com/office/drawing/2014/main" id="{4DF6EC9F-B2F3-43F4-9281-C594B3226044}"/>
+              </a:ext>
+            </a:extLst>
+          </p:cNvPr>
+          <p:cNvPicPr>
+            <a:picLocks noChangeAspect="1"/>
+          </p:cNvPicPr>
+          <p:nvPr/>
+        </p:nvPicPr>
+        <p:blipFill>
+          <a:blip r:embed="rId3"/>
+          <a:stretch>
+            <a:fillRect/>
+          </a:stretch>
+        </p:blipFill>
+        <p:spPr>
+          <a:xfrm>
+            <a:off x="7991475" y="3631406"/>
+            <a:ext cx="2533650" cy="769144"/>
+          </a:xfrm>
+          <a:prstGeom prst="rect">
+            <a:avLst/>
+          </a:prstGeom>
+          <a:effectLst>
+            <a:glow rad="228600">
+              <a:schemeClr val="accent4">
+                <a:satMod val="175000"/>
+                <a:alpha val="40000"/>
+              </a:schemeClr>
+            </a:glow>
+            <a:outerShdw blurRad="50800" dist="38100" dir="5400000" algn="t" rotWithShape="0">
+              <a:prstClr val="black">
+                <a:alpha val="40000"/>
+              </a:prstClr>
+            </a:outerShdw>
+          </a:effectLst>
+        </p:spPr>
+      </p:pic>
+    </p:spTree>
+    <p:extLst>
+      <p:ext uri="{BB962C8B-B14F-4D97-AF65-F5344CB8AC3E}">
+        <p14:creationId xmlns:p14="http://schemas.microsoft.com/office/powerpoint/2010/main" val="1794490559"/>
+      </p:ext>
+    </p:extLst>
+  </p:cSld>
+  <p:clrMapOvr>
+    <a:masterClrMapping/>
+  </p:clrMapOvr>
+</p:sld>
+</file>
+
+<file path=ppt/slides/slide28.xml><?xml version="1.0" encoding="utf-8"?>
+<p:sld xmlns:a="http://schemas.openxmlformats.org/drawingml/2006/main" xmlns:r="http://schemas.openxmlformats.org/officeDocument/2006/relationships" xmlns:p="http://schemas.openxmlformats.org/presentationml/2006/main">
+  <p:cSld>
+    <p:spTree>
+      <p:nvGrpSpPr>
+        <p:cNvPr id="1" name=""/>
+        <p:cNvGrpSpPr/>
+        <p:nvPr/>
+      </p:nvGrpSpPr>
+      <p:grpSpPr>
+        <a:xfrm>
+          <a:off x="0" y="0"/>
+          <a:ext cx="0" cy="0"/>
+          <a:chOff x="0" y="0"/>
+          <a:chExt cx="0" cy="0"/>
+        </a:xfrm>
+      </p:grpSpPr>
+      <p:sp>
+        <p:nvSpPr>
+          <p:cNvPr id="4" name="Titre 1">
+            <a:extLst>
+              <a:ext uri="{FF2B5EF4-FFF2-40B4-BE49-F238E27FC236}">
+                <a16:creationId xmlns:a16="http://schemas.microsoft.com/office/drawing/2014/main" id="{960C1D7C-377E-4936-AFF5-23D603AD6FF4}"/>
+              </a:ext>
+            </a:extLst>
+          </p:cNvPr>
+          <p:cNvSpPr>
+            <a:spLocks noGrp="1"/>
+          </p:cNvSpPr>
+          <p:nvPr>
+            <p:ph type="title"/>
+          </p:nvPr>
+        </p:nvSpPr>
+        <p:spPr>
+          <a:xfrm>
+            <a:off x="838200" y="365125"/>
+            <a:ext cx="10515600" cy="1325563"/>
+          </a:xfrm>
+        </p:spPr>
+        <p:txBody>
+          <a:bodyPr/>
+          <a:lstStyle/>
+          <a:p>
+            <a:r>
+              <a:rPr lang="fr-FR" dirty="0"/>
+              <a:t>Etape 20 : Création d’un formulaire pour la création d’une annonce</a:t>
+            </a:r>
+          </a:p>
+        </p:txBody>
+      </p:sp>
+      <p:sp>
+        <p:nvSpPr>
+          <p:cNvPr id="5" name="Espace réservé du contenu 2">
+            <a:extLst>
+              <a:ext uri="{FF2B5EF4-FFF2-40B4-BE49-F238E27FC236}">
+                <a16:creationId xmlns:a16="http://schemas.microsoft.com/office/drawing/2014/main" id="{3B763A35-D543-4FDB-A8CE-923B319DB5EC}"/>
+              </a:ext>
+            </a:extLst>
+          </p:cNvPr>
+          <p:cNvSpPr txBox="1">
+            <a:spLocks/>
+          </p:cNvSpPr>
+          <p:nvPr/>
+        </p:nvSpPr>
+        <p:spPr>
+          <a:xfrm>
+            <a:off x="838200" y="1828998"/>
+            <a:ext cx="4389120" cy="4351338"/>
+          </a:xfrm>
+          <a:prstGeom prst="rect">
+            <a:avLst/>
+          </a:prstGeom>
+        </p:spPr>
+        <p:txBody>
+          <a:bodyPr vert="horz" lIns="91440" tIns="45720" rIns="91440" bIns="45720" rtlCol="0">
+            <a:normAutofit/>
+          </a:bodyPr>
+          <a:lstStyle>
+            <a:lvl1pPr marL="228600" indent="-228600" algn="l" defTabSz="914400" rtl="0" eaLnBrk="1" latinLnBrk="0" hangingPunct="1">
+              <a:lnSpc>
+                <a:spcPct val="90000"/>
+              </a:lnSpc>
+              <a:spcBef>
+                <a:spcPts val="1000"/>
+              </a:spcBef>
+              <a:buFont typeface="Arial" panose="020B0604020202020204" pitchFamily="34" charset="0"/>
+              <a:buChar char="•"/>
+              <a:defRPr sz="2800" kern="1200">
+                <a:solidFill>
+                  <a:schemeClr val="tx1"/>
+                </a:solidFill>
+                <a:latin typeface="+mn-lt"/>
+                <a:ea typeface="+mn-ea"/>
+                <a:cs typeface="+mn-cs"/>
+              </a:defRPr>
+            </a:lvl1pPr>
+            <a:lvl2pPr marL="685800" indent="-228600" algn="l" defTabSz="914400" rtl="0" eaLnBrk="1" latinLnBrk="0" hangingPunct="1">
+              <a:lnSpc>
+                <a:spcPct val="90000"/>
+              </a:lnSpc>
+              <a:spcBef>
+                <a:spcPts val="500"/>
+              </a:spcBef>
+              <a:buFont typeface="Arial" panose="020B0604020202020204" pitchFamily="34" charset="0"/>
+              <a:buChar char="•"/>
+              <a:defRPr sz="2400" kern="1200">
+                <a:solidFill>
+                  <a:schemeClr val="tx1"/>
+                </a:solidFill>
+                <a:latin typeface="+mn-lt"/>
+                <a:ea typeface="+mn-ea"/>
+                <a:cs typeface="+mn-cs"/>
+              </a:defRPr>
+            </a:lvl2pPr>
+            <a:lvl3pPr marL="1143000" indent="-228600" algn="l" defTabSz="914400" rtl="0" eaLnBrk="1" latinLnBrk="0" hangingPunct="1">
+              <a:lnSpc>
+                <a:spcPct val="90000"/>
+              </a:lnSpc>
+              <a:spcBef>
+                <a:spcPts val="500"/>
+              </a:spcBef>
+              <a:buFont typeface="Arial" panose="020B0604020202020204" pitchFamily="34" charset="0"/>
+              <a:buChar char="•"/>
+              <a:defRPr sz="2000" kern="1200">
+                <a:solidFill>
+                  <a:schemeClr val="tx1"/>
+                </a:solidFill>
+                <a:latin typeface="+mn-lt"/>
+                <a:ea typeface="+mn-ea"/>
+                <a:cs typeface="+mn-cs"/>
+              </a:defRPr>
+            </a:lvl3pPr>
+            <a:lvl4pPr marL="1600200" indent="-228600" algn="l" defTabSz="914400" rtl="0" eaLnBrk="1" latinLnBrk="0" hangingPunct="1">
+              <a:lnSpc>
+                <a:spcPct val="90000"/>
+              </a:lnSpc>
+              <a:spcBef>
+                <a:spcPts val="500"/>
+              </a:spcBef>
+              <a:buFont typeface="Arial" panose="020B0604020202020204" pitchFamily="34" charset="0"/>
+              <a:buChar char="•"/>
+              <a:defRPr sz="1800" kern="1200">
+                <a:solidFill>
+                  <a:schemeClr val="tx1"/>
+                </a:solidFill>
+                <a:latin typeface="+mn-lt"/>
+                <a:ea typeface="+mn-ea"/>
+                <a:cs typeface="+mn-cs"/>
+              </a:defRPr>
+            </a:lvl4pPr>
+            <a:lvl5pPr marL="2057400" indent="-228600" algn="l" defTabSz="914400" rtl="0" eaLnBrk="1" latinLnBrk="0" hangingPunct="1">
+              <a:lnSpc>
+                <a:spcPct val="90000"/>
+              </a:lnSpc>
+              <a:spcBef>
+                <a:spcPts val="500"/>
+              </a:spcBef>
+              <a:buFont typeface="Arial" panose="020B0604020202020204" pitchFamily="34" charset="0"/>
+              <a:buChar char="•"/>
+              <a:defRPr sz="1800" kern="1200">
+                <a:solidFill>
+                  <a:schemeClr val="tx1"/>
+                </a:solidFill>
+                <a:latin typeface="+mn-lt"/>
+                <a:ea typeface="+mn-ea"/>
+                <a:cs typeface="+mn-cs"/>
+              </a:defRPr>
+            </a:lvl5pPr>
+            <a:lvl6pPr marL="2514600" indent="-228600" algn="l" defTabSz="914400" rtl="0" eaLnBrk="1" latinLnBrk="0" hangingPunct="1">
+              <a:lnSpc>
+                <a:spcPct val="90000"/>
+              </a:lnSpc>
+              <a:spcBef>
+                <a:spcPts val="500"/>
+              </a:spcBef>
+              <a:buFont typeface="Arial" panose="020B0604020202020204" pitchFamily="34" charset="0"/>
+              <a:buChar char="•"/>
+              <a:defRPr sz="1800" kern="1200">
+                <a:solidFill>
+                  <a:schemeClr val="tx1"/>
+                </a:solidFill>
+                <a:latin typeface="+mn-lt"/>
+                <a:ea typeface="+mn-ea"/>
+                <a:cs typeface="+mn-cs"/>
+              </a:defRPr>
+            </a:lvl6pPr>
+            <a:lvl7pPr marL="2971800" indent="-228600" algn="l" defTabSz="914400" rtl="0" eaLnBrk="1" latinLnBrk="0" hangingPunct="1">
+              <a:lnSpc>
+                <a:spcPct val="90000"/>
+              </a:lnSpc>
+              <a:spcBef>
+                <a:spcPts val="500"/>
+              </a:spcBef>
+              <a:buFont typeface="Arial" panose="020B0604020202020204" pitchFamily="34" charset="0"/>
+              <a:buChar char="•"/>
+              <a:defRPr sz="1800" kern="1200">
+                <a:solidFill>
+                  <a:schemeClr val="tx1"/>
+                </a:solidFill>
+                <a:latin typeface="+mn-lt"/>
+                <a:ea typeface="+mn-ea"/>
+                <a:cs typeface="+mn-cs"/>
+              </a:defRPr>
+            </a:lvl7pPr>
+            <a:lvl8pPr marL="3429000" indent="-228600" algn="l" defTabSz="914400" rtl="0" eaLnBrk="1" latinLnBrk="0" hangingPunct="1">
+              <a:lnSpc>
+                <a:spcPct val="90000"/>
+              </a:lnSpc>
+              <a:spcBef>
+                <a:spcPts val="500"/>
+              </a:spcBef>
+              <a:buFont typeface="Arial" panose="020B0604020202020204" pitchFamily="34" charset="0"/>
+              <a:buChar char="•"/>
+              <a:defRPr sz="1800" kern="1200">
+                <a:solidFill>
+                  <a:schemeClr val="tx1"/>
+                </a:solidFill>
+                <a:latin typeface="+mn-lt"/>
+                <a:ea typeface="+mn-ea"/>
+                <a:cs typeface="+mn-cs"/>
+              </a:defRPr>
+            </a:lvl8pPr>
+            <a:lvl9pPr marL="3886200" indent="-228600" algn="l" defTabSz="914400" rtl="0" eaLnBrk="1" latinLnBrk="0" hangingPunct="1">
+              <a:lnSpc>
+                <a:spcPct val="90000"/>
+              </a:lnSpc>
+              <a:spcBef>
+                <a:spcPts val="500"/>
+              </a:spcBef>
+              <a:buFont typeface="Arial" panose="020B0604020202020204" pitchFamily="34" charset="0"/>
+              <a:buChar char="•"/>
+              <a:defRPr sz="1800" kern="1200">
+                <a:solidFill>
+                  <a:schemeClr val="tx1"/>
+                </a:solidFill>
+                <a:latin typeface="+mn-lt"/>
+                <a:ea typeface="+mn-ea"/>
+                <a:cs typeface="+mn-cs"/>
+              </a:defRPr>
+            </a:lvl9pPr>
+          </a:lstStyle>
+          <a:p>
+            <a:pPr marL="0" indent="0">
+              <a:buFont typeface="Arial" panose="020B0604020202020204" pitchFamily="34" charset="0"/>
+              <a:buNone/>
+            </a:pPr>
+            <a:r>
+              <a:rPr lang="fr-FR" sz="1400" dirty="0"/>
+              <a:t>Création de la méthode </a:t>
+            </a:r>
+            <a:r>
+              <a:rPr lang="fr-FR" sz="1400" dirty="0" err="1"/>
+              <a:t>create</a:t>
+            </a:r>
+            <a:r>
+              <a:rPr lang="fr-FR" sz="1400" dirty="0"/>
+              <a:t> dans </a:t>
+            </a:r>
+            <a:r>
+              <a:rPr lang="fr-FR" sz="1400" dirty="0" err="1"/>
+              <a:t>AdController.php</a:t>
+            </a:r>
+            <a:endParaRPr lang="fr-FR" sz="1400" dirty="0"/>
+          </a:p>
+          <a:p>
+            <a:pPr>
+              <a:buFont typeface="Symbol" panose="05050102010706020507" pitchFamily="18" charset="2"/>
+              <a:buChar char="Þ"/>
+            </a:pPr>
+            <a:r>
+              <a:rPr lang="fr-FR" sz="1400" dirty="0"/>
+              <a:t>Création de la méthode (Il faut bien évidement créer la méthode avant la méthode show pour éviter les problèmes de </a:t>
+            </a:r>
+            <a:r>
+              <a:rPr lang="fr-FR" sz="1400" dirty="0" err="1"/>
+              <a:t>paramConverter</a:t>
+            </a:r>
+            <a:r>
+              <a:rPr lang="fr-FR" sz="1400" dirty="0"/>
+              <a:t>)</a:t>
+            </a:r>
+          </a:p>
+          <a:p>
+            <a:pPr>
+              <a:buFont typeface="Symbol" panose="05050102010706020507" pitchFamily="18" charset="2"/>
+              <a:buChar char="Þ"/>
+            </a:pPr>
+            <a:r>
+              <a:rPr lang="fr-FR" sz="1400" dirty="0"/>
+              <a:t>Ajout des annotations </a:t>
+            </a:r>
+          </a:p>
+          <a:p>
+            <a:pPr lvl="1">
+              <a:buFont typeface="Symbol" panose="05050102010706020507" pitchFamily="18" charset="2"/>
+              <a:buChar char="Þ"/>
+            </a:pPr>
+            <a:r>
+              <a:rPr lang="fr-FR" sz="1000" dirty="0" err="1"/>
+              <a:t>Def</a:t>
+            </a:r>
+            <a:endParaRPr lang="fr-FR" sz="1000" dirty="0"/>
+          </a:p>
+          <a:p>
+            <a:pPr lvl="1">
+              <a:buFont typeface="Symbol" panose="05050102010706020507" pitchFamily="18" charset="2"/>
+              <a:buChar char="Þ"/>
+            </a:pPr>
+            <a:r>
+              <a:rPr lang="fr-FR" sz="1000" dirty="0"/>
+              <a:t>@Route(«  ad/new», </a:t>
+            </a:r>
+            <a:r>
+              <a:rPr lang="fr-FR" sz="1000" dirty="0" err="1"/>
+              <a:t>name</a:t>
+            </a:r>
+            <a:r>
+              <a:rPr lang="fr-FR" sz="1000" dirty="0"/>
+              <a:t>=« </a:t>
+            </a:r>
+            <a:r>
+              <a:rPr lang="fr-FR" sz="1000" dirty="0" err="1"/>
+              <a:t>ad_new</a:t>
+            </a:r>
+            <a:r>
+              <a:rPr lang="fr-FR" sz="1000" dirty="0"/>
+              <a:t> »)</a:t>
+            </a:r>
+          </a:p>
+          <a:p>
+            <a:pPr lvl="1">
+              <a:buFont typeface="Symbol" panose="05050102010706020507" pitchFamily="18" charset="2"/>
+              <a:buChar char="Þ"/>
+            </a:pPr>
+            <a:r>
+              <a:rPr lang="fr-FR" sz="1000" dirty="0"/>
+              <a:t>return </a:t>
+            </a:r>
+            <a:r>
+              <a:rPr lang="fr-FR" sz="1000" dirty="0" err="1"/>
+              <a:t>Response</a:t>
+            </a:r>
+            <a:endParaRPr lang="fr-FR" sz="1000" dirty="0"/>
+          </a:p>
+          <a:p>
+            <a:pPr>
+              <a:buFont typeface="Symbol" panose="05050102010706020507" pitchFamily="18" charset="2"/>
+              <a:buChar char="Þ"/>
+            </a:pPr>
+            <a:r>
+              <a:rPr lang="fr-FR" sz="1400" dirty="0"/>
+              <a:t>Ajout du </a:t>
+            </a:r>
+            <a:r>
+              <a:rPr lang="fr-FR" sz="1400" dirty="0" err="1"/>
+              <a:t>render</a:t>
+            </a:r>
+            <a:endParaRPr lang="fr-FR" sz="1400" dirty="0"/>
+          </a:p>
+          <a:p>
+            <a:pPr lvl="1">
+              <a:buFont typeface="Symbol" panose="05050102010706020507" pitchFamily="18" charset="2"/>
+              <a:buChar char="Þ"/>
+            </a:pPr>
+            <a:r>
+              <a:rPr lang="fr-FR" sz="1000" dirty="0"/>
+              <a:t>return $</a:t>
+            </a:r>
+            <a:r>
+              <a:rPr lang="fr-FR" sz="1000" dirty="0" err="1"/>
+              <a:t>this</a:t>
+            </a:r>
+            <a:r>
+              <a:rPr lang="fr-FR" sz="1000" dirty="0"/>
+              <a:t>-&gt;</a:t>
+            </a:r>
+            <a:r>
+              <a:rPr lang="fr-FR" sz="1000" dirty="0" err="1"/>
+              <a:t>render</a:t>
+            </a:r>
+            <a:r>
+              <a:rPr lang="fr-FR" sz="1000" dirty="0"/>
+              <a:t>(‘ad/</a:t>
+            </a:r>
+            <a:r>
+              <a:rPr lang="fr-FR" sz="1000" dirty="0" err="1"/>
+              <a:t>new.html.twig</a:t>
+            </a:r>
+            <a:r>
+              <a:rPr lang="fr-FR" sz="1000" dirty="0"/>
+              <a:t>’)</a:t>
+            </a:r>
+          </a:p>
+          <a:p>
+            <a:pPr>
+              <a:buFont typeface="Symbol" panose="05050102010706020507" pitchFamily="18" charset="2"/>
+              <a:buChar char="Þ"/>
+            </a:pPr>
+            <a:r>
+              <a:rPr lang="fr-FR" sz="1400" dirty="0"/>
+              <a:t>Création de la vue</a:t>
+            </a:r>
+          </a:p>
+          <a:p>
+            <a:pPr lvl="1">
+              <a:buFont typeface="Symbol" panose="05050102010706020507" pitchFamily="18" charset="2"/>
+              <a:buChar char="Þ"/>
+            </a:pPr>
+            <a:r>
+              <a:rPr lang="fr-FR" sz="1000" dirty="0"/>
+              <a:t>Création de </a:t>
+            </a:r>
+            <a:r>
+              <a:rPr lang="fr-FR" sz="1000" dirty="0" err="1"/>
+              <a:t>new.html.twig</a:t>
+            </a:r>
+            <a:endParaRPr lang="fr-FR" sz="1000" dirty="0"/>
+          </a:p>
+          <a:p>
+            <a:pPr>
+              <a:buFont typeface="Symbol" panose="05050102010706020507" pitchFamily="18" charset="2"/>
+              <a:buChar char="Þ"/>
+            </a:pPr>
+            <a:r>
+              <a:rPr lang="fr-FR" sz="1400" dirty="0"/>
+              <a:t>f</a:t>
+            </a:r>
+          </a:p>
+        </p:txBody>
+      </p:sp>
+      <p:pic>
+        <p:nvPicPr>
+          <p:cNvPr id="6" name="Image 5">
+            <a:extLst>
+              <a:ext uri="{FF2B5EF4-FFF2-40B4-BE49-F238E27FC236}">
+                <a16:creationId xmlns:a16="http://schemas.microsoft.com/office/drawing/2014/main" id="{32EC17D3-A9AF-49AE-8DA7-6A6FDD12FDE1}"/>
+              </a:ext>
+            </a:extLst>
+          </p:cNvPr>
+          <p:cNvPicPr>
+            <a:picLocks noChangeAspect="1"/>
+          </p:cNvPicPr>
+          <p:nvPr/>
+        </p:nvPicPr>
+        <p:blipFill>
+          <a:blip r:embed="rId2"/>
+          <a:stretch>
+            <a:fillRect/>
+          </a:stretch>
+        </p:blipFill>
+        <p:spPr>
+          <a:xfrm>
+            <a:off x="6325716" y="1690689"/>
+            <a:ext cx="5028084" cy="2481262"/>
+          </a:xfrm>
+          <a:prstGeom prst="rect">
+            <a:avLst/>
+          </a:prstGeom>
+        </p:spPr>
+      </p:pic>
+      <p:pic>
+        <p:nvPicPr>
+          <p:cNvPr id="7" name="Image 6">
+            <a:extLst>
+              <a:ext uri="{FF2B5EF4-FFF2-40B4-BE49-F238E27FC236}">
+                <a16:creationId xmlns:a16="http://schemas.microsoft.com/office/drawing/2014/main" id="{3C27CA85-F196-462A-958C-588C47D8E220}"/>
+              </a:ext>
+            </a:extLst>
+          </p:cNvPr>
+          <p:cNvPicPr>
+            <a:picLocks noChangeAspect="1"/>
+          </p:cNvPicPr>
+          <p:nvPr/>
+        </p:nvPicPr>
+        <p:blipFill>
+          <a:blip r:embed="rId3"/>
+          <a:stretch>
+            <a:fillRect/>
+          </a:stretch>
+        </p:blipFill>
+        <p:spPr>
+          <a:xfrm>
+            <a:off x="6325714" y="4321175"/>
+            <a:ext cx="5028085" cy="2171700"/>
+          </a:xfrm>
+          <a:prstGeom prst="rect">
+            <a:avLst/>
+          </a:prstGeom>
+        </p:spPr>
+      </p:pic>
+    </p:spTree>
+    <p:extLst>
+      <p:ext uri="{BB962C8B-B14F-4D97-AF65-F5344CB8AC3E}">
+        <p14:creationId xmlns:p14="http://schemas.microsoft.com/office/powerpoint/2010/main" val="3808903897"/>
+      </p:ext>
+    </p:extLst>
+  </p:cSld>
+  <p:clrMapOvr>
+    <a:masterClrMapping/>
+  </p:clrMapOvr>
+</p:sld>
+</file>
+
+<file path=ppt/slides/slide29.xml><?xml version="1.0" encoding="utf-8"?>
+<p:sld xmlns:a="http://schemas.openxmlformats.org/drawingml/2006/main" xmlns:r="http://schemas.openxmlformats.org/officeDocument/2006/relationships" xmlns:p="http://schemas.openxmlformats.org/presentationml/2006/main">
+  <p:cSld>
+    <p:spTree>
+      <p:nvGrpSpPr>
+        <p:cNvPr id="1" name=""/>
+        <p:cNvGrpSpPr/>
+        <p:nvPr/>
+      </p:nvGrpSpPr>
+      <p:grpSpPr>
+        <a:xfrm>
+          <a:off x="0" y="0"/>
+          <a:ext cx="0" cy="0"/>
+          <a:chOff x="0" y="0"/>
+          <a:chExt cx="0" cy="0"/>
+        </a:xfrm>
+      </p:grpSpPr>
+      <p:sp>
+        <p:nvSpPr>
+          <p:cNvPr id="4" name="Titre 1">
+            <a:extLst>
+              <a:ext uri="{FF2B5EF4-FFF2-40B4-BE49-F238E27FC236}">
+                <a16:creationId xmlns:a16="http://schemas.microsoft.com/office/drawing/2014/main" id="{960C1D7C-377E-4936-AFF5-23D603AD6FF4}"/>
+              </a:ext>
+            </a:extLst>
+          </p:cNvPr>
+          <p:cNvSpPr>
+            <a:spLocks noGrp="1"/>
+          </p:cNvSpPr>
+          <p:nvPr>
+            <p:ph type="title"/>
+          </p:nvPr>
+        </p:nvSpPr>
+        <p:spPr>
+          <a:xfrm>
+            <a:off x="838200" y="365125"/>
+            <a:ext cx="10515600" cy="1325563"/>
+          </a:xfrm>
+        </p:spPr>
+        <p:txBody>
+          <a:bodyPr/>
+          <a:lstStyle/>
+          <a:p>
+            <a:r>
+              <a:rPr lang="fr-FR" dirty="0"/>
+              <a:t>Etape 21 : Découverte de </a:t>
+            </a:r>
+            <a:r>
+              <a:rPr lang="fr-FR" dirty="0" err="1"/>
+              <a:t>formbuilder</a:t>
+            </a:r>
+            <a:endParaRPr lang="fr-FR" dirty="0"/>
+          </a:p>
+        </p:txBody>
+      </p:sp>
+      <p:sp>
+        <p:nvSpPr>
+          <p:cNvPr id="5" name="Espace réservé du contenu 2">
+            <a:extLst>
+              <a:ext uri="{FF2B5EF4-FFF2-40B4-BE49-F238E27FC236}">
+                <a16:creationId xmlns:a16="http://schemas.microsoft.com/office/drawing/2014/main" id="{3B763A35-D543-4FDB-A8CE-923B319DB5EC}"/>
+              </a:ext>
+            </a:extLst>
+          </p:cNvPr>
+          <p:cNvSpPr txBox="1">
+            <a:spLocks/>
+          </p:cNvSpPr>
+          <p:nvPr/>
+        </p:nvSpPr>
+        <p:spPr>
+          <a:xfrm>
+            <a:off x="838200" y="1828998"/>
+            <a:ext cx="4389120" cy="4351338"/>
+          </a:xfrm>
+          <a:prstGeom prst="rect">
+            <a:avLst/>
+          </a:prstGeom>
+        </p:spPr>
+        <p:txBody>
+          <a:bodyPr vert="horz" lIns="91440" tIns="45720" rIns="91440" bIns="45720" rtlCol="0">
+            <a:normAutofit/>
+          </a:bodyPr>
+          <a:lstStyle>
+            <a:lvl1pPr marL="228600" indent="-228600" algn="l" defTabSz="914400" rtl="0" eaLnBrk="1" latinLnBrk="0" hangingPunct="1">
+              <a:lnSpc>
+                <a:spcPct val="90000"/>
+              </a:lnSpc>
+              <a:spcBef>
+                <a:spcPts val="1000"/>
+              </a:spcBef>
+              <a:buFont typeface="Arial" panose="020B0604020202020204" pitchFamily="34" charset="0"/>
+              <a:buChar char="•"/>
+              <a:defRPr sz="2800" kern="1200">
+                <a:solidFill>
+                  <a:schemeClr val="tx1"/>
+                </a:solidFill>
+                <a:latin typeface="+mn-lt"/>
+                <a:ea typeface="+mn-ea"/>
+                <a:cs typeface="+mn-cs"/>
+              </a:defRPr>
+            </a:lvl1pPr>
+            <a:lvl2pPr marL="685800" indent="-228600" algn="l" defTabSz="914400" rtl="0" eaLnBrk="1" latinLnBrk="0" hangingPunct="1">
+              <a:lnSpc>
+                <a:spcPct val="90000"/>
+              </a:lnSpc>
+              <a:spcBef>
+                <a:spcPts val="500"/>
+              </a:spcBef>
+              <a:buFont typeface="Arial" panose="020B0604020202020204" pitchFamily="34" charset="0"/>
+              <a:buChar char="•"/>
+              <a:defRPr sz="2400" kern="1200">
+                <a:solidFill>
+                  <a:schemeClr val="tx1"/>
+                </a:solidFill>
+                <a:latin typeface="+mn-lt"/>
+                <a:ea typeface="+mn-ea"/>
+                <a:cs typeface="+mn-cs"/>
+              </a:defRPr>
+            </a:lvl2pPr>
+            <a:lvl3pPr marL="1143000" indent="-228600" algn="l" defTabSz="914400" rtl="0" eaLnBrk="1" latinLnBrk="0" hangingPunct="1">
+              <a:lnSpc>
+                <a:spcPct val="90000"/>
+              </a:lnSpc>
+              <a:spcBef>
+                <a:spcPts val="500"/>
+              </a:spcBef>
+              <a:buFont typeface="Arial" panose="020B0604020202020204" pitchFamily="34" charset="0"/>
+              <a:buChar char="•"/>
+              <a:defRPr sz="2000" kern="1200">
+                <a:solidFill>
+                  <a:schemeClr val="tx1"/>
+                </a:solidFill>
+                <a:latin typeface="+mn-lt"/>
+                <a:ea typeface="+mn-ea"/>
+                <a:cs typeface="+mn-cs"/>
+              </a:defRPr>
+            </a:lvl3pPr>
+            <a:lvl4pPr marL="1600200" indent="-228600" algn="l" defTabSz="914400" rtl="0" eaLnBrk="1" latinLnBrk="0" hangingPunct="1">
+              <a:lnSpc>
+                <a:spcPct val="90000"/>
+              </a:lnSpc>
+              <a:spcBef>
+                <a:spcPts val="500"/>
+              </a:spcBef>
+              <a:buFont typeface="Arial" panose="020B0604020202020204" pitchFamily="34" charset="0"/>
+              <a:buChar char="•"/>
+              <a:defRPr sz="1800" kern="1200">
+                <a:solidFill>
+                  <a:schemeClr val="tx1"/>
+                </a:solidFill>
+                <a:latin typeface="+mn-lt"/>
+                <a:ea typeface="+mn-ea"/>
+                <a:cs typeface="+mn-cs"/>
+              </a:defRPr>
+            </a:lvl4pPr>
+            <a:lvl5pPr marL="2057400" indent="-228600" algn="l" defTabSz="914400" rtl="0" eaLnBrk="1" latinLnBrk="0" hangingPunct="1">
+              <a:lnSpc>
+                <a:spcPct val="90000"/>
+              </a:lnSpc>
+              <a:spcBef>
+                <a:spcPts val="500"/>
+              </a:spcBef>
+              <a:buFont typeface="Arial" panose="020B0604020202020204" pitchFamily="34" charset="0"/>
+              <a:buChar char="•"/>
+              <a:defRPr sz="1800" kern="1200">
+                <a:solidFill>
+                  <a:schemeClr val="tx1"/>
+                </a:solidFill>
+                <a:latin typeface="+mn-lt"/>
+                <a:ea typeface="+mn-ea"/>
+                <a:cs typeface="+mn-cs"/>
+              </a:defRPr>
+            </a:lvl5pPr>
+            <a:lvl6pPr marL="2514600" indent="-228600" algn="l" defTabSz="914400" rtl="0" eaLnBrk="1" latinLnBrk="0" hangingPunct="1">
+              <a:lnSpc>
+                <a:spcPct val="90000"/>
+              </a:lnSpc>
+              <a:spcBef>
+                <a:spcPts val="500"/>
+              </a:spcBef>
+              <a:buFont typeface="Arial" panose="020B0604020202020204" pitchFamily="34" charset="0"/>
+              <a:buChar char="•"/>
+              <a:defRPr sz="1800" kern="1200">
+                <a:solidFill>
+                  <a:schemeClr val="tx1"/>
+                </a:solidFill>
+                <a:latin typeface="+mn-lt"/>
+                <a:ea typeface="+mn-ea"/>
+                <a:cs typeface="+mn-cs"/>
+              </a:defRPr>
+            </a:lvl6pPr>
+            <a:lvl7pPr marL="2971800" indent="-228600" algn="l" defTabSz="914400" rtl="0" eaLnBrk="1" latinLnBrk="0" hangingPunct="1">
+              <a:lnSpc>
+                <a:spcPct val="90000"/>
+              </a:lnSpc>
+              <a:spcBef>
+                <a:spcPts val="500"/>
+              </a:spcBef>
+              <a:buFont typeface="Arial" panose="020B0604020202020204" pitchFamily="34" charset="0"/>
+              <a:buChar char="•"/>
+              <a:defRPr sz="1800" kern="1200">
+                <a:solidFill>
+                  <a:schemeClr val="tx1"/>
+                </a:solidFill>
+                <a:latin typeface="+mn-lt"/>
+                <a:ea typeface="+mn-ea"/>
+                <a:cs typeface="+mn-cs"/>
+              </a:defRPr>
+            </a:lvl7pPr>
+            <a:lvl8pPr marL="3429000" indent="-228600" algn="l" defTabSz="914400" rtl="0" eaLnBrk="1" latinLnBrk="0" hangingPunct="1">
+              <a:lnSpc>
+                <a:spcPct val="90000"/>
+              </a:lnSpc>
+              <a:spcBef>
+                <a:spcPts val="500"/>
+              </a:spcBef>
+              <a:buFont typeface="Arial" panose="020B0604020202020204" pitchFamily="34" charset="0"/>
+              <a:buChar char="•"/>
+              <a:defRPr sz="1800" kern="1200">
+                <a:solidFill>
+                  <a:schemeClr val="tx1"/>
+                </a:solidFill>
+                <a:latin typeface="+mn-lt"/>
+                <a:ea typeface="+mn-ea"/>
+                <a:cs typeface="+mn-cs"/>
+              </a:defRPr>
+            </a:lvl8pPr>
+            <a:lvl9pPr marL="3886200" indent="-228600" algn="l" defTabSz="914400" rtl="0" eaLnBrk="1" latinLnBrk="0" hangingPunct="1">
+              <a:lnSpc>
+                <a:spcPct val="90000"/>
+              </a:lnSpc>
+              <a:spcBef>
+                <a:spcPts val="500"/>
+              </a:spcBef>
+              <a:buFont typeface="Arial" panose="020B0604020202020204" pitchFamily="34" charset="0"/>
+              <a:buChar char="•"/>
+              <a:defRPr sz="1800" kern="1200">
+                <a:solidFill>
+                  <a:schemeClr val="tx1"/>
+                </a:solidFill>
+                <a:latin typeface="+mn-lt"/>
+                <a:ea typeface="+mn-ea"/>
+                <a:cs typeface="+mn-cs"/>
+              </a:defRPr>
+            </a:lvl9pPr>
+          </a:lstStyle>
+          <a:p>
+            <a:pPr marL="0" indent="0">
+              <a:buFont typeface="Arial" panose="020B0604020202020204" pitchFamily="34" charset="0"/>
+              <a:buNone/>
+            </a:pPr>
+            <a:r>
+              <a:rPr lang="fr-FR" sz="1400" dirty="0"/>
+              <a:t>Génération de formulaire grâce à </a:t>
+            </a:r>
+            <a:r>
+              <a:rPr lang="fr-FR" sz="1400" dirty="0" err="1"/>
+              <a:t>formBuilder</a:t>
+            </a:r>
+            <a:endParaRPr lang="fr-FR" sz="1400" dirty="0"/>
+          </a:p>
+          <a:p>
+            <a:pPr>
+              <a:buFont typeface="Symbol" panose="05050102010706020507" pitchFamily="18" charset="2"/>
+              <a:buChar char="Þ"/>
+            </a:pPr>
+            <a:r>
+              <a:rPr lang="fr-FR" sz="1400" dirty="0"/>
+              <a:t>Etape 1 : Appel de la méthode</a:t>
+            </a:r>
+          </a:p>
+          <a:p>
+            <a:pPr lvl="1">
+              <a:buFont typeface="Symbol" panose="05050102010706020507" pitchFamily="18" charset="2"/>
+              <a:buChar char="Þ"/>
+            </a:pPr>
+            <a:r>
+              <a:rPr lang="fr-FR" sz="1200" dirty="0"/>
+              <a:t>$</a:t>
+            </a:r>
+            <a:r>
+              <a:rPr lang="fr-FR" sz="1200" dirty="0" err="1"/>
+              <a:t>form</a:t>
+            </a:r>
+            <a:r>
+              <a:rPr lang="fr-FR" sz="1200" dirty="0"/>
+              <a:t> = $</a:t>
+            </a:r>
+            <a:r>
+              <a:rPr lang="fr-FR" sz="1200" dirty="0" err="1"/>
+              <a:t>this</a:t>
+            </a:r>
+            <a:r>
+              <a:rPr lang="fr-FR" sz="1200" dirty="0"/>
+              <a:t>-&gt;</a:t>
+            </a:r>
+            <a:r>
+              <a:rPr lang="fr-FR" sz="1200" dirty="0" err="1"/>
+              <a:t>createFormBuilder</a:t>
+            </a:r>
+            <a:r>
+              <a:rPr lang="fr-FR" sz="1200" dirty="0"/>
+              <a:t>();</a:t>
+            </a:r>
+            <a:endParaRPr lang="fr-FR" sz="1000" dirty="0"/>
+          </a:p>
+          <a:p>
+            <a:pPr>
+              <a:buFont typeface="Symbol" panose="05050102010706020507" pitchFamily="18" charset="2"/>
+              <a:buChar char="Þ"/>
+            </a:pPr>
+            <a:r>
+              <a:rPr lang="fr-FR" sz="1400" dirty="0"/>
+              <a:t>Etape 2 : Instanciation de l’entité</a:t>
+            </a:r>
+          </a:p>
+          <a:p>
+            <a:pPr lvl="1">
+              <a:buFont typeface="Symbol" panose="05050102010706020507" pitchFamily="18" charset="2"/>
+              <a:buChar char="Þ"/>
+            </a:pPr>
+            <a:r>
+              <a:rPr lang="fr-FR" sz="1000" dirty="0"/>
+              <a:t>$ad = new Ad();</a:t>
+            </a:r>
+          </a:p>
+          <a:p>
+            <a:pPr lvl="1">
+              <a:buFont typeface="Symbol" panose="05050102010706020507" pitchFamily="18" charset="2"/>
+              <a:buChar char="Þ"/>
+            </a:pPr>
+            <a:r>
+              <a:rPr lang="fr-FR" sz="1000" dirty="0"/>
+              <a:t>On passe ensuite l’entité en argument de la méthode </a:t>
+            </a:r>
+            <a:r>
+              <a:rPr lang="fr-FR" sz="1000" dirty="0" err="1"/>
+              <a:t>forBuilder</a:t>
+            </a:r>
+            <a:r>
+              <a:rPr lang="fr-FR" sz="1000" dirty="0"/>
+              <a:t> :</a:t>
+            </a:r>
+          </a:p>
+          <a:p>
+            <a:pPr lvl="2">
+              <a:buFont typeface="Symbol" panose="05050102010706020507" pitchFamily="18" charset="2"/>
+              <a:buChar char="Þ"/>
+            </a:pPr>
+            <a:r>
+              <a:rPr lang="fr-FR" sz="800" dirty="0"/>
+              <a:t>$</a:t>
+            </a:r>
+            <a:r>
+              <a:rPr lang="fr-FR" sz="800" dirty="0" err="1"/>
+              <a:t>form</a:t>
+            </a:r>
+            <a:r>
+              <a:rPr lang="fr-FR" sz="800" dirty="0"/>
+              <a:t> = $</a:t>
+            </a:r>
+            <a:r>
+              <a:rPr lang="fr-FR" sz="800" dirty="0" err="1"/>
+              <a:t>this</a:t>
+            </a:r>
+            <a:r>
+              <a:rPr lang="fr-FR" sz="800" dirty="0"/>
+              <a:t>-&gt;</a:t>
+            </a:r>
+            <a:r>
+              <a:rPr lang="fr-FR" sz="800" dirty="0" err="1"/>
+              <a:t>createFormBuilder</a:t>
+            </a:r>
+            <a:r>
+              <a:rPr lang="fr-FR" sz="800" dirty="0"/>
+              <a:t>($ad);</a:t>
+            </a:r>
+            <a:endParaRPr lang="fr-FR" sz="600" dirty="0"/>
+          </a:p>
+          <a:p>
+            <a:pPr>
+              <a:buFont typeface="Symbol" panose="05050102010706020507" pitchFamily="18" charset="2"/>
+              <a:buChar char="Þ"/>
+            </a:pPr>
+            <a:r>
+              <a:rPr lang="fr-FR" sz="1400" dirty="0"/>
+              <a:t>Etape 3 : Construction du formulaire aves les champs de l’entité</a:t>
+            </a:r>
+          </a:p>
+          <a:p>
+            <a:pPr lvl="1">
+              <a:buFont typeface="Symbol" panose="05050102010706020507" pitchFamily="18" charset="2"/>
+              <a:buChar char="Þ"/>
+            </a:pPr>
+            <a:r>
+              <a:rPr lang="fr-FR" sz="1000" dirty="0"/>
+              <a:t>$</a:t>
+            </a:r>
+            <a:r>
+              <a:rPr lang="fr-FR" sz="1000" dirty="0" err="1"/>
+              <a:t>form</a:t>
+            </a:r>
+            <a:r>
+              <a:rPr lang="fr-FR" sz="1000" dirty="0"/>
+              <a:t> = $</a:t>
+            </a:r>
+            <a:r>
+              <a:rPr lang="fr-FR" sz="1000" dirty="0" err="1"/>
+              <a:t>this</a:t>
+            </a:r>
+            <a:r>
+              <a:rPr lang="fr-FR" sz="1000" dirty="0"/>
+              <a:t>-&gt;</a:t>
+            </a:r>
+            <a:r>
+              <a:rPr lang="fr-FR" sz="1000" dirty="0" err="1"/>
+              <a:t>createFormBuilder</a:t>
+            </a:r>
+            <a:r>
+              <a:rPr lang="fr-FR" sz="1000" dirty="0"/>
+              <a:t>()</a:t>
+            </a:r>
+          </a:p>
+          <a:p>
+            <a:pPr marL="457200" lvl="1" indent="0">
+              <a:buNone/>
+            </a:pPr>
+            <a:r>
+              <a:rPr lang="fr-FR" sz="1000" dirty="0"/>
+              <a:t>	                -&gt;</a:t>
+            </a:r>
+            <a:r>
+              <a:rPr lang="fr-FR" sz="1000" dirty="0" err="1"/>
+              <a:t>add</a:t>
+            </a:r>
+            <a:r>
+              <a:rPr lang="fr-FR" sz="1000" dirty="0"/>
+              <a:t>(‘</a:t>
+            </a:r>
+            <a:r>
+              <a:rPr lang="fr-FR" sz="1000" dirty="0" err="1"/>
+              <a:t>title</a:t>
+            </a:r>
+            <a:r>
+              <a:rPr lang="fr-FR" sz="1000" dirty="0"/>
+              <a:t>’)</a:t>
+            </a:r>
+          </a:p>
+          <a:p>
+            <a:pPr marL="457200" lvl="1" indent="0">
+              <a:buNone/>
+            </a:pPr>
+            <a:r>
+              <a:rPr lang="fr-FR" sz="1000" dirty="0"/>
+              <a:t>	                -&gt;</a:t>
+            </a:r>
+            <a:r>
+              <a:rPr lang="fr-FR" sz="1000" dirty="0" err="1"/>
+              <a:t>add</a:t>
+            </a:r>
+            <a:r>
+              <a:rPr lang="fr-FR" sz="1000" dirty="0"/>
+              <a:t>(‘introduction’)</a:t>
+            </a:r>
+          </a:p>
+          <a:p>
+            <a:pPr marL="457200" lvl="1" indent="0">
+              <a:buNone/>
+            </a:pPr>
+            <a:r>
+              <a:rPr lang="fr-FR" sz="1000" dirty="0"/>
+              <a:t>	                -&gt;</a:t>
+            </a:r>
+            <a:r>
+              <a:rPr lang="fr-FR" sz="1000" dirty="0" err="1"/>
+              <a:t>add</a:t>
+            </a:r>
+            <a:r>
+              <a:rPr lang="fr-FR" sz="1000" dirty="0"/>
+              <a:t>(‘content’)etc…</a:t>
+            </a:r>
+          </a:p>
+          <a:p>
+            <a:pPr marL="457200" lvl="1" indent="0">
+              <a:buNone/>
+            </a:pPr>
+            <a:r>
+              <a:rPr lang="fr-FR" sz="1000" dirty="0"/>
+              <a:t>	                -&gt;</a:t>
+            </a:r>
+            <a:r>
+              <a:rPr lang="fr-FR" sz="1000" dirty="0" err="1"/>
+              <a:t>getForm</a:t>
+            </a:r>
+            <a:r>
+              <a:rPr lang="fr-FR" sz="1000" dirty="0"/>
+              <a:t>();</a:t>
+            </a:r>
+            <a:endParaRPr lang="fr-FR" sz="800" dirty="0"/>
+          </a:p>
+          <a:p>
+            <a:pPr>
+              <a:buFont typeface="Symbol" panose="05050102010706020507" pitchFamily="18" charset="2"/>
+              <a:buChar char="Þ"/>
+            </a:pPr>
+            <a:r>
+              <a:rPr lang="fr-FR" sz="1400" dirty="0"/>
+              <a:t>Etape 4 : On passe le </a:t>
+            </a:r>
+            <a:r>
+              <a:rPr lang="fr-FR" sz="1400" dirty="0" err="1"/>
+              <a:t>form</a:t>
+            </a:r>
+            <a:r>
+              <a:rPr lang="fr-FR" sz="1400" dirty="0"/>
+              <a:t> dans la vue :</a:t>
+            </a:r>
+          </a:p>
+          <a:p>
+            <a:pPr lvl="1">
+              <a:buFont typeface="Symbol" panose="05050102010706020507" pitchFamily="18" charset="2"/>
+              <a:buChar char="Þ"/>
+            </a:pPr>
+            <a:r>
+              <a:rPr lang="fr-FR" sz="1000" dirty="0"/>
+              <a:t>$</a:t>
+            </a:r>
+            <a:r>
+              <a:rPr lang="fr-FR" sz="1000" dirty="0" err="1"/>
+              <a:t>this</a:t>
+            </a:r>
+            <a:r>
+              <a:rPr lang="fr-FR" sz="1000" dirty="0"/>
+              <a:t>-&gt;</a:t>
+            </a:r>
+            <a:r>
+              <a:rPr lang="fr-FR" sz="1000" dirty="0" err="1"/>
+              <a:t>render</a:t>
+            </a:r>
+            <a:r>
+              <a:rPr lang="fr-FR" sz="1000" dirty="0"/>
+              <a:t>(‘</a:t>
+            </a:r>
+            <a:r>
+              <a:rPr lang="fr-FR" sz="1000" dirty="0" err="1"/>
+              <a:t>new.html.twig</a:t>
+            </a:r>
+            <a:r>
+              <a:rPr lang="fr-FR" sz="1000" dirty="0"/>
+              <a:t>’ [</a:t>
+            </a:r>
+          </a:p>
+          <a:p>
+            <a:pPr marL="914400" lvl="2" indent="0">
+              <a:buNone/>
+            </a:pPr>
+            <a:r>
+              <a:rPr lang="fr-FR" sz="600" dirty="0"/>
+              <a:t>‘</a:t>
+            </a:r>
+            <a:r>
+              <a:rPr lang="fr-FR" sz="600" dirty="0" err="1"/>
+              <a:t>form</a:t>
+            </a:r>
+            <a:r>
+              <a:rPr lang="fr-FR" sz="600" dirty="0"/>
+              <a:t>’  =&gt;  $</a:t>
+            </a:r>
+            <a:r>
+              <a:rPr lang="fr-FR" sz="600" dirty="0" err="1"/>
+              <a:t>form</a:t>
+            </a:r>
+            <a:r>
+              <a:rPr lang="fr-FR" sz="600" dirty="0"/>
+              <a:t>-&gt;</a:t>
+            </a:r>
+            <a:r>
+              <a:rPr lang="fr-FR" sz="600" dirty="0" err="1"/>
+              <a:t>createView</a:t>
+            </a:r>
+            <a:r>
+              <a:rPr lang="fr-FR" sz="600" dirty="0"/>
+              <a:t>()</a:t>
+            </a:r>
+          </a:p>
+          <a:p>
+            <a:pPr marL="457200" lvl="1" indent="0">
+              <a:buNone/>
+            </a:pPr>
+            <a:r>
+              <a:rPr lang="fr-FR" sz="1000" dirty="0"/>
+              <a:t>]);</a:t>
+            </a:r>
+          </a:p>
+        </p:txBody>
+      </p:sp>
+      <p:pic>
+        <p:nvPicPr>
+          <p:cNvPr id="2" name="Image 1">
+            <a:extLst>
+              <a:ext uri="{FF2B5EF4-FFF2-40B4-BE49-F238E27FC236}">
+                <a16:creationId xmlns:a16="http://schemas.microsoft.com/office/drawing/2014/main" id="{0BC4341D-4B87-4376-8D31-2E7468BF6A54}"/>
+              </a:ext>
+            </a:extLst>
+          </p:cNvPr>
+          <p:cNvPicPr>
+            <a:picLocks noChangeAspect="1"/>
+          </p:cNvPicPr>
+          <p:nvPr/>
+        </p:nvPicPr>
+        <p:blipFill>
+          <a:blip r:embed="rId2"/>
+          <a:stretch>
+            <a:fillRect/>
+          </a:stretch>
+        </p:blipFill>
+        <p:spPr>
+          <a:xfrm>
+            <a:off x="6026673" y="1828999"/>
+            <a:ext cx="5452753" cy="4351338"/>
+          </a:xfrm>
+          <a:prstGeom prst="rect">
+            <a:avLst/>
+          </a:prstGeom>
+        </p:spPr>
+      </p:pic>
+    </p:spTree>
+    <p:extLst>
+      <p:ext uri="{BB962C8B-B14F-4D97-AF65-F5344CB8AC3E}">
+        <p14:creationId xmlns:p14="http://schemas.microsoft.com/office/powerpoint/2010/main" val="3713851979"/>
       </p:ext>
     </p:extLst>
   </p:cSld>
@@ -12072,6 +13694,1151 @@
     <p:extLst>
       <p:ext uri="{BB962C8B-B14F-4D97-AF65-F5344CB8AC3E}">
         <p14:creationId xmlns:p14="http://schemas.microsoft.com/office/powerpoint/2010/main" val="4155971969"/>
+      </p:ext>
+    </p:extLst>
+  </p:cSld>
+  <p:clrMapOvr>
+    <a:masterClrMapping/>
+  </p:clrMapOvr>
+</p:sld>
+</file>
+
+<file path=ppt/slides/slide30.xml><?xml version="1.0" encoding="utf-8"?>
+<p:sld xmlns:a="http://schemas.openxmlformats.org/drawingml/2006/main" xmlns:r="http://schemas.openxmlformats.org/officeDocument/2006/relationships" xmlns:p="http://schemas.openxmlformats.org/presentationml/2006/main">
+  <p:cSld>
+    <p:spTree>
+      <p:nvGrpSpPr>
+        <p:cNvPr id="1" name=""/>
+        <p:cNvGrpSpPr/>
+        <p:nvPr/>
+      </p:nvGrpSpPr>
+      <p:grpSpPr>
+        <a:xfrm>
+          <a:off x="0" y="0"/>
+          <a:ext cx="0" cy="0"/>
+          <a:chOff x="0" y="0"/>
+          <a:chExt cx="0" cy="0"/>
+        </a:xfrm>
+      </p:grpSpPr>
+      <p:sp>
+        <p:nvSpPr>
+          <p:cNvPr id="4" name="Titre 1">
+            <a:extLst>
+              <a:ext uri="{FF2B5EF4-FFF2-40B4-BE49-F238E27FC236}">
+                <a16:creationId xmlns:a16="http://schemas.microsoft.com/office/drawing/2014/main" id="{960C1D7C-377E-4936-AFF5-23D603AD6FF4}"/>
+              </a:ext>
+            </a:extLst>
+          </p:cNvPr>
+          <p:cNvSpPr>
+            <a:spLocks noGrp="1"/>
+          </p:cNvSpPr>
+          <p:nvPr>
+            <p:ph type="title"/>
+          </p:nvPr>
+        </p:nvSpPr>
+        <p:spPr>
+          <a:xfrm>
+            <a:off x="838200" y="365125"/>
+            <a:ext cx="10515600" cy="1325563"/>
+          </a:xfrm>
+        </p:spPr>
+        <p:txBody>
+          <a:bodyPr/>
+          <a:lstStyle/>
+          <a:p>
+            <a:r>
+              <a:rPr lang="fr-FR" dirty="0"/>
+              <a:t>Etape 22 : Création du formulaire dans la vue</a:t>
+            </a:r>
+          </a:p>
+        </p:txBody>
+      </p:sp>
+      <p:sp>
+        <p:nvSpPr>
+          <p:cNvPr id="5" name="Espace réservé du contenu 2">
+            <a:extLst>
+              <a:ext uri="{FF2B5EF4-FFF2-40B4-BE49-F238E27FC236}">
+                <a16:creationId xmlns:a16="http://schemas.microsoft.com/office/drawing/2014/main" id="{3B763A35-D543-4FDB-A8CE-923B319DB5EC}"/>
+              </a:ext>
+            </a:extLst>
+          </p:cNvPr>
+          <p:cNvSpPr txBox="1">
+            <a:spLocks/>
+          </p:cNvSpPr>
+          <p:nvPr/>
+        </p:nvSpPr>
+        <p:spPr>
+          <a:xfrm>
+            <a:off x="838200" y="1631286"/>
+            <a:ext cx="4389120" cy="4351338"/>
+          </a:xfrm>
+          <a:prstGeom prst="rect">
+            <a:avLst/>
+          </a:prstGeom>
+        </p:spPr>
+        <p:txBody>
+          <a:bodyPr vert="horz" lIns="91440" tIns="45720" rIns="91440" bIns="45720" rtlCol="0">
+            <a:normAutofit/>
+          </a:bodyPr>
+          <a:lstStyle>
+            <a:lvl1pPr marL="228600" indent="-228600" algn="l" defTabSz="914400" rtl="0" eaLnBrk="1" latinLnBrk="0" hangingPunct="1">
+              <a:lnSpc>
+                <a:spcPct val="90000"/>
+              </a:lnSpc>
+              <a:spcBef>
+                <a:spcPts val="1000"/>
+              </a:spcBef>
+              <a:buFont typeface="Arial" panose="020B0604020202020204" pitchFamily="34" charset="0"/>
+              <a:buChar char="•"/>
+              <a:defRPr sz="2800" kern="1200">
+                <a:solidFill>
+                  <a:schemeClr val="tx1"/>
+                </a:solidFill>
+                <a:latin typeface="+mn-lt"/>
+                <a:ea typeface="+mn-ea"/>
+                <a:cs typeface="+mn-cs"/>
+              </a:defRPr>
+            </a:lvl1pPr>
+            <a:lvl2pPr marL="685800" indent="-228600" algn="l" defTabSz="914400" rtl="0" eaLnBrk="1" latinLnBrk="0" hangingPunct="1">
+              <a:lnSpc>
+                <a:spcPct val="90000"/>
+              </a:lnSpc>
+              <a:spcBef>
+                <a:spcPts val="500"/>
+              </a:spcBef>
+              <a:buFont typeface="Arial" panose="020B0604020202020204" pitchFamily="34" charset="0"/>
+              <a:buChar char="•"/>
+              <a:defRPr sz="2400" kern="1200">
+                <a:solidFill>
+                  <a:schemeClr val="tx1"/>
+                </a:solidFill>
+                <a:latin typeface="+mn-lt"/>
+                <a:ea typeface="+mn-ea"/>
+                <a:cs typeface="+mn-cs"/>
+              </a:defRPr>
+            </a:lvl2pPr>
+            <a:lvl3pPr marL="1143000" indent="-228600" algn="l" defTabSz="914400" rtl="0" eaLnBrk="1" latinLnBrk="0" hangingPunct="1">
+              <a:lnSpc>
+                <a:spcPct val="90000"/>
+              </a:lnSpc>
+              <a:spcBef>
+                <a:spcPts val="500"/>
+              </a:spcBef>
+              <a:buFont typeface="Arial" panose="020B0604020202020204" pitchFamily="34" charset="0"/>
+              <a:buChar char="•"/>
+              <a:defRPr sz="2000" kern="1200">
+                <a:solidFill>
+                  <a:schemeClr val="tx1"/>
+                </a:solidFill>
+                <a:latin typeface="+mn-lt"/>
+                <a:ea typeface="+mn-ea"/>
+                <a:cs typeface="+mn-cs"/>
+              </a:defRPr>
+            </a:lvl3pPr>
+            <a:lvl4pPr marL="1600200" indent="-228600" algn="l" defTabSz="914400" rtl="0" eaLnBrk="1" latinLnBrk="0" hangingPunct="1">
+              <a:lnSpc>
+                <a:spcPct val="90000"/>
+              </a:lnSpc>
+              <a:spcBef>
+                <a:spcPts val="500"/>
+              </a:spcBef>
+              <a:buFont typeface="Arial" panose="020B0604020202020204" pitchFamily="34" charset="0"/>
+              <a:buChar char="•"/>
+              <a:defRPr sz="1800" kern="1200">
+                <a:solidFill>
+                  <a:schemeClr val="tx1"/>
+                </a:solidFill>
+                <a:latin typeface="+mn-lt"/>
+                <a:ea typeface="+mn-ea"/>
+                <a:cs typeface="+mn-cs"/>
+              </a:defRPr>
+            </a:lvl4pPr>
+            <a:lvl5pPr marL="2057400" indent="-228600" algn="l" defTabSz="914400" rtl="0" eaLnBrk="1" latinLnBrk="0" hangingPunct="1">
+              <a:lnSpc>
+                <a:spcPct val="90000"/>
+              </a:lnSpc>
+              <a:spcBef>
+                <a:spcPts val="500"/>
+              </a:spcBef>
+              <a:buFont typeface="Arial" panose="020B0604020202020204" pitchFamily="34" charset="0"/>
+              <a:buChar char="•"/>
+              <a:defRPr sz="1800" kern="1200">
+                <a:solidFill>
+                  <a:schemeClr val="tx1"/>
+                </a:solidFill>
+                <a:latin typeface="+mn-lt"/>
+                <a:ea typeface="+mn-ea"/>
+                <a:cs typeface="+mn-cs"/>
+              </a:defRPr>
+            </a:lvl5pPr>
+            <a:lvl6pPr marL="2514600" indent="-228600" algn="l" defTabSz="914400" rtl="0" eaLnBrk="1" latinLnBrk="0" hangingPunct="1">
+              <a:lnSpc>
+                <a:spcPct val="90000"/>
+              </a:lnSpc>
+              <a:spcBef>
+                <a:spcPts val="500"/>
+              </a:spcBef>
+              <a:buFont typeface="Arial" panose="020B0604020202020204" pitchFamily="34" charset="0"/>
+              <a:buChar char="•"/>
+              <a:defRPr sz="1800" kern="1200">
+                <a:solidFill>
+                  <a:schemeClr val="tx1"/>
+                </a:solidFill>
+                <a:latin typeface="+mn-lt"/>
+                <a:ea typeface="+mn-ea"/>
+                <a:cs typeface="+mn-cs"/>
+              </a:defRPr>
+            </a:lvl6pPr>
+            <a:lvl7pPr marL="2971800" indent="-228600" algn="l" defTabSz="914400" rtl="0" eaLnBrk="1" latinLnBrk="0" hangingPunct="1">
+              <a:lnSpc>
+                <a:spcPct val="90000"/>
+              </a:lnSpc>
+              <a:spcBef>
+                <a:spcPts val="500"/>
+              </a:spcBef>
+              <a:buFont typeface="Arial" panose="020B0604020202020204" pitchFamily="34" charset="0"/>
+              <a:buChar char="•"/>
+              <a:defRPr sz="1800" kern="1200">
+                <a:solidFill>
+                  <a:schemeClr val="tx1"/>
+                </a:solidFill>
+                <a:latin typeface="+mn-lt"/>
+                <a:ea typeface="+mn-ea"/>
+                <a:cs typeface="+mn-cs"/>
+              </a:defRPr>
+            </a:lvl7pPr>
+            <a:lvl8pPr marL="3429000" indent="-228600" algn="l" defTabSz="914400" rtl="0" eaLnBrk="1" latinLnBrk="0" hangingPunct="1">
+              <a:lnSpc>
+                <a:spcPct val="90000"/>
+              </a:lnSpc>
+              <a:spcBef>
+                <a:spcPts val="500"/>
+              </a:spcBef>
+              <a:buFont typeface="Arial" panose="020B0604020202020204" pitchFamily="34" charset="0"/>
+              <a:buChar char="•"/>
+              <a:defRPr sz="1800" kern="1200">
+                <a:solidFill>
+                  <a:schemeClr val="tx1"/>
+                </a:solidFill>
+                <a:latin typeface="+mn-lt"/>
+                <a:ea typeface="+mn-ea"/>
+                <a:cs typeface="+mn-cs"/>
+              </a:defRPr>
+            </a:lvl8pPr>
+            <a:lvl9pPr marL="3886200" indent="-228600" algn="l" defTabSz="914400" rtl="0" eaLnBrk="1" latinLnBrk="0" hangingPunct="1">
+              <a:lnSpc>
+                <a:spcPct val="90000"/>
+              </a:lnSpc>
+              <a:spcBef>
+                <a:spcPts val="500"/>
+              </a:spcBef>
+              <a:buFont typeface="Arial" panose="020B0604020202020204" pitchFamily="34" charset="0"/>
+              <a:buChar char="•"/>
+              <a:defRPr sz="1800" kern="1200">
+                <a:solidFill>
+                  <a:schemeClr val="tx1"/>
+                </a:solidFill>
+                <a:latin typeface="+mn-lt"/>
+                <a:ea typeface="+mn-ea"/>
+                <a:cs typeface="+mn-cs"/>
+              </a:defRPr>
+            </a:lvl9pPr>
+          </a:lstStyle>
+          <a:p>
+            <a:pPr marL="0" indent="0" algn="ctr">
+              <a:buFont typeface="Arial" panose="020B0604020202020204" pitchFamily="34" charset="0"/>
+              <a:buNone/>
+            </a:pPr>
+            <a:r>
+              <a:rPr lang="fr-FR" sz="1400" dirty="0"/>
+              <a:t>Première méthode</a:t>
+            </a:r>
+          </a:p>
+        </p:txBody>
+      </p:sp>
+      <p:pic>
+        <p:nvPicPr>
+          <p:cNvPr id="3" name="Image 2">
+            <a:extLst>
+              <a:ext uri="{FF2B5EF4-FFF2-40B4-BE49-F238E27FC236}">
+                <a16:creationId xmlns:a16="http://schemas.microsoft.com/office/drawing/2014/main" id="{8793BD7B-7931-49E1-A9A3-1383DD2B7B60}"/>
+              </a:ext>
+            </a:extLst>
+          </p:cNvPr>
+          <p:cNvPicPr>
+            <a:picLocks noChangeAspect="1"/>
+          </p:cNvPicPr>
+          <p:nvPr/>
+        </p:nvPicPr>
+        <p:blipFill>
+          <a:blip r:embed="rId2"/>
+          <a:stretch>
+            <a:fillRect/>
+          </a:stretch>
+        </p:blipFill>
+        <p:spPr>
+          <a:xfrm>
+            <a:off x="604657" y="2101011"/>
+            <a:ext cx="4856205" cy="4227061"/>
+          </a:xfrm>
+          <a:prstGeom prst="rect">
+            <a:avLst/>
+          </a:prstGeom>
+        </p:spPr>
+      </p:pic>
+      <p:pic>
+        <p:nvPicPr>
+          <p:cNvPr id="6" name="Image 5">
+            <a:extLst>
+              <a:ext uri="{FF2B5EF4-FFF2-40B4-BE49-F238E27FC236}">
+                <a16:creationId xmlns:a16="http://schemas.microsoft.com/office/drawing/2014/main" id="{F1D10327-8D4D-46FE-A919-32F245CC4B31}"/>
+              </a:ext>
+            </a:extLst>
+          </p:cNvPr>
+          <p:cNvPicPr>
+            <a:picLocks noChangeAspect="1"/>
+          </p:cNvPicPr>
+          <p:nvPr/>
+        </p:nvPicPr>
+        <p:blipFill>
+          <a:blip r:embed="rId3"/>
+          <a:stretch>
+            <a:fillRect/>
+          </a:stretch>
+        </p:blipFill>
+        <p:spPr>
+          <a:xfrm>
+            <a:off x="6731140" y="2101011"/>
+            <a:ext cx="4856205" cy="3066301"/>
+          </a:xfrm>
+          <a:prstGeom prst="rect">
+            <a:avLst/>
+          </a:prstGeom>
+        </p:spPr>
+      </p:pic>
+      <p:sp>
+        <p:nvSpPr>
+          <p:cNvPr id="7" name="Espace réservé du contenu 2">
+            <a:extLst>
+              <a:ext uri="{FF2B5EF4-FFF2-40B4-BE49-F238E27FC236}">
+                <a16:creationId xmlns:a16="http://schemas.microsoft.com/office/drawing/2014/main" id="{7F0AF57E-A8F6-4016-825D-78C04B5F26B2}"/>
+              </a:ext>
+            </a:extLst>
+          </p:cNvPr>
+          <p:cNvSpPr txBox="1">
+            <a:spLocks/>
+          </p:cNvSpPr>
+          <p:nvPr/>
+        </p:nvSpPr>
+        <p:spPr>
+          <a:xfrm>
+            <a:off x="6964680" y="1690688"/>
+            <a:ext cx="4389120" cy="4351338"/>
+          </a:xfrm>
+          <a:prstGeom prst="rect">
+            <a:avLst/>
+          </a:prstGeom>
+        </p:spPr>
+        <p:txBody>
+          <a:bodyPr vert="horz" lIns="91440" tIns="45720" rIns="91440" bIns="45720" rtlCol="0">
+            <a:normAutofit/>
+          </a:bodyPr>
+          <a:lstStyle>
+            <a:lvl1pPr marL="228600" indent="-228600" algn="l" defTabSz="914400" rtl="0" eaLnBrk="1" latinLnBrk="0" hangingPunct="1">
+              <a:lnSpc>
+                <a:spcPct val="90000"/>
+              </a:lnSpc>
+              <a:spcBef>
+                <a:spcPts val="1000"/>
+              </a:spcBef>
+              <a:buFont typeface="Arial" panose="020B0604020202020204" pitchFamily="34" charset="0"/>
+              <a:buChar char="•"/>
+              <a:defRPr sz="2800" kern="1200">
+                <a:solidFill>
+                  <a:schemeClr val="tx1"/>
+                </a:solidFill>
+                <a:latin typeface="+mn-lt"/>
+                <a:ea typeface="+mn-ea"/>
+                <a:cs typeface="+mn-cs"/>
+              </a:defRPr>
+            </a:lvl1pPr>
+            <a:lvl2pPr marL="685800" indent="-228600" algn="l" defTabSz="914400" rtl="0" eaLnBrk="1" latinLnBrk="0" hangingPunct="1">
+              <a:lnSpc>
+                <a:spcPct val="90000"/>
+              </a:lnSpc>
+              <a:spcBef>
+                <a:spcPts val="500"/>
+              </a:spcBef>
+              <a:buFont typeface="Arial" panose="020B0604020202020204" pitchFamily="34" charset="0"/>
+              <a:buChar char="•"/>
+              <a:defRPr sz="2400" kern="1200">
+                <a:solidFill>
+                  <a:schemeClr val="tx1"/>
+                </a:solidFill>
+                <a:latin typeface="+mn-lt"/>
+                <a:ea typeface="+mn-ea"/>
+                <a:cs typeface="+mn-cs"/>
+              </a:defRPr>
+            </a:lvl2pPr>
+            <a:lvl3pPr marL="1143000" indent="-228600" algn="l" defTabSz="914400" rtl="0" eaLnBrk="1" latinLnBrk="0" hangingPunct="1">
+              <a:lnSpc>
+                <a:spcPct val="90000"/>
+              </a:lnSpc>
+              <a:spcBef>
+                <a:spcPts val="500"/>
+              </a:spcBef>
+              <a:buFont typeface="Arial" panose="020B0604020202020204" pitchFamily="34" charset="0"/>
+              <a:buChar char="•"/>
+              <a:defRPr sz="2000" kern="1200">
+                <a:solidFill>
+                  <a:schemeClr val="tx1"/>
+                </a:solidFill>
+                <a:latin typeface="+mn-lt"/>
+                <a:ea typeface="+mn-ea"/>
+                <a:cs typeface="+mn-cs"/>
+              </a:defRPr>
+            </a:lvl3pPr>
+            <a:lvl4pPr marL="1600200" indent="-228600" algn="l" defTabSz="914400" rtl="0" eaLnBrk="1" latinLnBrk="0" hangingPunct="1">
+              <a:lnSpc>
+                <a:spcPct val="90000"/>
+              </a:lnSpc>
+              <a:spcBef>
+                <a:spcPts val="500"/>
+              </a:spcBef>
+              <a:buFont typeface="Arial" panose="020B0604020202020204" pitchFamily="34" charset="0"/>
+              <a:buChar char="•"/>
+              <a:defRPr sz="1800" kern="1200">
+                <a:solidFill>
+                  <a:schemeClr val="tx1"/>
+                </a:solidFill>
+                <a:latin typeface="+mn-lt"/>
+                <a:ea typeface="+mn-ea"/>
+                <a:cs typeface="+mn-cs"/>
+              </a:defRPr>
+            </a:lvl4pPr>
+            <a:lvl5pPr marL="2057400" indent="-228600" algn="l" defTabSz="914400" rtl="0" eaLnBrk="1" latinLnBrk="0" hangingPunct="1">
+              <a:lnSpc>
+                <a:spcPct val="90000"/>
+              </a:lnSpc>
+              <a:spcBef>
+                <a:spcPts val="500"/>
+              </a:spcBef>
+              <a:buFont typeface="Arial" panose="020B0604020202020204" pitchFamily="34" charset="0"/>
+              <a:buChar char="•"/>
+              <a:defRPr sz="1800" kern="1200">
+                <a:solidFill>
+                  <a:schemeClr val="tx1"/>
+                </a:solidFill>
+                <a:latin typeface="+mn-lt"/>
+                <a:ea typeface="+mn-ea"/>
+                <a:cs typeface="+mn-cs"/>
+              </a:defRPr>
+            </a:lvl5pPr>
+            <a:lvl6pPr marL="2514600" indent="-228600" algn="l" defTabSz="914400" rtl="0" eaLnBrk="1" latinLnBrk="0" hangingPunct="1">
+              <a:lnSpc>
+                <a:spcPct val="90000"/>
+              </a:lnSpc>
+              <a:spcBef>
+                <a:spcPts val="500"/>
+              </a:spcBef>
+              <a:buFont typeface="Arial" panose="020B0604020202020204" pitchFamily="34" charset="0"/>
+              <a:buChar char="•"/>
+              <a:defRPr sz="1800" kern="1200">
+                <a:solidFill>
+                  <a:schemeClr val="tx1"/>
+                </a:solidFill>
+                <a:latin typeface="+mn-lt"/>
+                <a:ea typeface="+mn-ea"/>
+                <a:cs typeface="+mn-cs"/>
+              </a:defRPr>
+            </a:lvl6pPr>
+            <a:lvl7pPr marL="2971800" indent="-228600" algn="l" defTabSz="914400" rtl="0" eaLnBrk="1" latinLnBrk="0" hangingPunct="1">
+              <a:lnSpc>
+                <a:spcPct val="90000"/>
+              </a:lnSpc>
+              <a:spcBef>
+                <a:spcPts val="500"/>
+              </a:spcBef>
+              <a:buFont typeface="Arial" panose="020B0604020202020204" pitchFamily="34" charset="0"/>
+              <a:buChar char="•"/>
+              <a:defRPr sz="1800" kern="1200">
+                <a:solidFill>
+                  <a:schemeClr val="tx1"/>
+                </a:solidFill>
+                <a:latin typeface="+mn-lt"/>
+                <a:ea typeface="+mn-ea"/>
+                <a:cs typeface="+mn-cs"/>
+              </a:defRPr>
+            </a:lvl7pPr>
+            <a:lvl8pPr marL="3429000" indent="-228600" algn="l" defTabSz="914400" rtl="0" eaLnBrk="1" latinLnBrk="0" hangingPunct="1">
+              <a:lnSpc>
+                <a:spcPct val="90000"/>
+              </a:lnSpc>
+              <a:spcBef>
+                <a:spcPts val="500"/>
+              </a:spcBef>
+              <a:buFont typeface="Arial" panose="020B0604020202020204" pitchFamily="34" charset="0"/>
+              <a:buChar char="•"/>
+              <a:defRPr sz="1800" kern="1200">
+                <a:solidFill>
+                  <a:schemeClr val="tx1"/>
+                </a:solidFill>
+                <a:latin typeface="+mn-lt"/>
+                <a:ea typeface="+mn-ea"/>
+                <a:cs typeface="+mn-cs"/>
+              </a:defRPr>
+            </a:lvl8pPr>
+            <a:lvl9pPr marL="3886200" indent="-228600" algn="l" defTabSz="914400" rtl="0" eaLnBrk="1" latinLnBrk="0" hangingPunct="1">
+              <a:lnSpc>
+                <a:spcPct val="90000"/>
+              </a:lnSpc>
+              <a:spcBef>
+                <a:spcPts val="500"/>
+              </a:spcBef>
+              <a:buFont typeface="Arial" panose="020B0604020202020204" pitchFamily="34" charset="0"/>
+              <a:buChar char="•"/>
+              <a:defRPr sz="1800" kern="1200">
+                <a:solidFill>
+                  <a:schemeClr val="tx1"/>
+                </a:solidFill>
+                <a:latin typeface="+mn-lt"/>
+                <a:ea typeface="+mn-ea"/>
+                <a:cs typeface="+mn-cs"/>
+              </a:defRPr>
+            </a:lvl9pPr>
+          </a:lstStyle>
+          <a:p>
+            <a:pPr marL="0" indent="0" algn="ctr">
+              <a:buFont typeface="Arial" panose="020B0604020202020204" pitchFamily="34" charset="0"/>
+              <a:buNone/>
+            </a:pPr>
+            <a:r>
+              <a:rPr lang="fr-FR" sz="1400" dirty="0"/>
+              <a:t>Deuxième  méthode</a:t>
+            </a:r>
+          </a:p>
+        </p:txBody>
+      </p:sp>
+      <p:pic>
+        <p:nvPicPr>
+          <p:cNvPr id="8" name="Image 7">
+            <a:extLst>
+              <a:ext uri="{FF2B5EF4-FFF2-40B4-BE49-F238E27FC236}">
+                <a16:creationId xmlns:a16="http://schemas.microsoft.com/office/drawing/2014/main" id="{F4C06CCF-D4EC-4E9A-9AAE-679FD79F1F29}"/>
+              </a:ext>
+            </a:extLst>
+          </p:cNvPr>
+          <p:cNvPicPr>
+            <a:picLocks noChangeAspect="1"/>
+          </p:cNvPicPr>
+          <p:nvPr/>
+        </p:nvPicPr>
+        <p:blipFill>
+          <a:blip r:embed="rId4"/>
+          <a:stretch>
+            <a:fillRect/>
+          </a:stretch>
+        </p:blipFill>
+        <p:spPr>
+          <a:xfrm>
+            <a:off x="6731140" y="5167312"/>
+            <a:ext cx="4856203" cy="1160760"/>
+          </a:xfrm>
+          <a:prstGeom prst="rect">
+            <a:avLst/>
+          </a:prstGeom>
+        </p:spPr>
+      </p:pic>
+    </p:spTree>
+    <p:extLst>
+      <p:ext uri="{BB962C8B-B14F-4D97-AF65-F5344CB8AC3E}">
+        <p14:creationId xmlns:p14="http://schemas.microsoft.com/office/powerpoint/2010/main" val="1430313517"/>
+      </p:ext>
+    </p:extLst>
+  </p:cSld>
+  <p:clrMapOvr>
+    <a:masterClrMapping/>
+  </p:clrMapOvr>
+</p:sld>
+</file>
+
+<file path=ppt/slides/slide31.xml><?xml version="1.0" encoding="utf-8"?>
+<p:sld xmlns:a="http://schemas.openxmlformats.org/drawingml/2006/main" xmlns:r="http://schemas.openxmlformats.org/officeDocument/2006/relationships" xmlns:p="http://schemas.openxmlformats.org/presentationml/2006/main">
+  <p:cSld>
+    <p:spTree>
+      <p:nvGrpSpPr>
+        <p:cNvPr id="1" name=""/>
+        <p:cNvGrpSpPr/>
+        <p:nvPr/>
+      </p:nvGrpSpPr>
+      <p:grpSpPr>
+        <a:xfrm>
+          <a:off x="0" y="0"/>
+          <a:ext cx="0" cy="0"/>
+          <a:chOff x="0" y="0"/>
+          <a:chExt cx="0" cy="0"/>
+        </a:xfrm>
+      </p:grpSpPr>
+      <p:sp>
+        <p:nvSpPr>
+          <p:cNvPr id="4" name="Titre 1">
+            <a:extLst>
+              <a:ext uri="{FF2B5EF4-FFF2-40B4-BE49-F238E27FC236}">
+                <a16:creationId xmlns:a16="http://schemas.microsoft.com/office/drawing/2014/main" id="{960C1D7C-377E-4936-AFF5-23D603AD6FF4}"/>
+              </a:ext>
+            </a:extLst>
+          </p:cNvPr>
+          <p:cNvSpPr>
+            <a:spLocks noGrp="1"/>
+          </p:cNvSpPr>
+          <p:nvPr>
+            <p:ph type="title"/>
+          </p:nvPr>
+        </p:nvSpPr>
+        <p:spPr>
+          <a:xfrm>
+            <a:off x="838200" y="365125"/>
+            <a:ext cx="10515600" cy="1325563"/>
+          </a:xfrm>
+        </p:spPr>
+        <p:txBody>
+          <a:bodyPr/>
+          <a:lstStyle/>
+          <a:p>
+            <a:r>
+              <a:rPr lang="fr-FR" dirty="0"/>
+              <a:t>Etape 23 : Exporter le formulaire en dehors du </a:t>
+            </a:r>
+            <a:r>
+              <a:rPr lang="fr-FR" dirty="0" err="1"/>
+              <a:t>controller</a:t>
+            </a:r>
+            <a:endParaRPr lang="fr-FR" dirty="0"/>
+          </a:p>
+        </p:txBody>
+      </p:sp>
+      <p:sp>
+        <p:nvSpPr>
+          <p:cNvPr id="9" name="Espace réservé du contenu 2">
+            <a:extLst>
+              <a:ext uri="{FF2B5EF4-FFF2-40B4-BE49-F238E27FC236}">
+                <a16:creationId xmlns:a16="http://schemas.microsoft.com/office/drawing/2014/main" id="{EB812BAD-F986-4356-9B0E-865CD4B89634}"/>
+              </a:ext>
+            </a:extLst>
+          </p:cNvPr>
+          <p:cNvSpPr txBox="1">
+            <a:spLocks/>
+          </p:cNvSpPr>
+          <p:nvPr/>
+        </p:nvSpPr>
+        <p:spPr>
+          <a:xfrm>
+            <a:off x="999275" y="1828998"/>
+            <a:ext cx="4389120" cy="4351338"/>
+          </a:xfrm>
+          <a:prstGeom prst="rect">
+            <a:avLst/>
+          </a:prstGeom>
+        </p:spPr>
+        <p:txBody>
+          <a:bodyPr vert="horz" lIns="91440" tIns="45720" rIns="91440" bIns="45720" rtlCol="0">
+            <a:normAutofit/>
+          </a:bodyPr>
+          <a:lstStyle>
+            <a:lvl1pPr marL="228600" indent="-228600" algn="l" defTabSz="914400" rtl="0" eaLnBrk="1" latinLnBrk="0" hangingPunct="1">
+              <a:lnSpc>
+                <a:spcPct val="90000"/>
+              </a:lnSpc>
+              <a:spcBef>
+                <a:spcPts val="1000"/>
+              </a:spcBef>
+              <a:buFont typeface="Arial" panose="020B0604020202020204" pitchFamily="34" charset="0"/>
+              <a:buChar char="•"/>
+              <a:defRPr sz="2800" kern="1200">
+                <a:solidFill>
+                  <a:schemeClr val="tx1"/>
+                </a:solidFill>
+                <a:latin typeface="+mn-lt"/>
+                <a:ea typeface="+mn-ea"/>
+                <a:cs typeface="+mn-cs"/>
+              </a:defRPr>
+            </a:lvl1pPr>
+            <a:lvl2pPr marL="685800" indent="-228600" algn="l" defTabSz="914400" rtl="0" eaLnBrk="1" latinLnBrk="0" hangingPunct="1">
+              <a:lnSpc>
+                <a:spcPct val="90000"/>
+              </a:lnSpc>
+              <a:spcBef>
+                <a:spcPts val="500"/>
+              </a:spcBef>
+              <a:buFont typeface="Arial" panose="020B0604020202020204" pitchFamily="34" charset="0"/>
+              <a:buChar char="•"/>
+              <a:defRPr sz="2400" kern="1200">
+                <a:solidFill>
+                  <a:schemeClr val="tx1"/>
+                </a:solidFill>
+                <a:latin typeface="+mn-lt"/>
+                <a:ea typeface="+mn-ea"/>
+                <a:cs typeface="+mn-cs"/>
+              </a:defRPr>
+            </a:lvl2pPr>
+            <a:lvl3pPr marL="1143000" indent="-228600" algn="l" defTabSz="914400" rtl="0" eaLnBrk="1" latinLnBrk="0" hangingPunct="1">
+              <a:lnSpc>
+                <a:spcPct val="90000"/>
+              </a:lnSpc>
+              <a:spcBef>
+                <a:spcPts val="500"/>
+              </a:spcBef>
+              <a:buFont typeface="Arial" panose="020B0604020202020204" pitchFamily="34" charset="0"/>
+              <a:buChar char="•"/>
+              <a:defRPr sz="2000" kern="1200">
+                <a:solidFill>
+                  <a:schemeClr val="tx1"/>
+                </a:solidFill>
+                <a:latin typeface="+mn-lt"/>
+                <a:ea typeface="+mn-ea"/>
+                <a:cs typeface="+mn-cs"/>
+              </a:defRPr>
+            </a:lvl3pPr>
+            <a:lvl4pPr marL="1600200" indent="-228600" algn="l" defTabSz="914400" rtl="0" eaLnBrk="1" latinLnBrk="0" hangingPunct="1">
+              <a:lnSpc>
+                <a:spcPct val="90000"/>
+              </a:lnSpc>
+              <a:spcBef>
+                <a:spcPts val="500"/>
+              </a:spcBef>
+              <a:buFont typeface="Arial" panose="020B0604020202020204" pitchFamily="34" charset="0"/>
+              <a:buChar char="•"/>
+              <a:defRPr sz="1800" kern="1200">
+                <a:solidFill>
+                  <a:schemeClr val="tx1"/>
+                </a:solidFill>
+                <a:latin typeface="+mn-lt"/>
+                <a:ea typeface="+mn-ea"/>
+                <a:cs typeface="+mn-cs"/>
+              </a:defRPr>
+            </a:lvl4pPr>
+            <a:lvl5pPr marL="2057400" indent="-228600" algn="l" defTabSz="914400" rtl="0" eaLnBrk="1" latinLnBrk="0" hangingPunct="1">
+              <a:lnSpc>
+                <a:spcPct val="90000"/>
+              </a:lnSpc>
+              <a:spcBef>
+                <a:spcPts val="500"/>
+              </a:spcBef>
+              <a:buFont typeface="Arial" panose="020B0604020202020204" pitchFamily="34" charset="0"/>
+              <a:buChar char="•"/>
+              <a:defRPr sz="1800" kern="1200">
+                <a:solidFill>
+                  <a:schemeClr val="tx1"/>
+                </a:solidFill>
+                <a:latin typeface="+mn-lt"/>
+                <a:ea typeface="+mn-ea"/>
+                <a:cs typeface="+mn-cs"/>
+              </a:defRPr>
+            </a:lvl5pPr>
+            <a:lvl6pPr marL="2514600" indent="-228600" algn="l" defTabSz="914400" rtl="0" eaLnBrk="1" latinLnBrk="0" hangingPunct="1">
+              <a:lnSpc>
+                <a:spcPct val="90000"/>
+              </a:lnSpc>
+              <a:spcBef>
+                <a:spcPts val="500"/>
+              </a:spcBef>
+              <a:buFont typeface="Arial" panose="020B0604020202020204" pitchFamily="34" charset="0"/>
+              <a:buChar char="•"/>
+              <a:defRPr sz="1800" kern="1200">
+                <a:solidFill>
+                  <a:schemeClr val="tx1"/>
+                </a:solidFill>
+                <a:latin typeface="+mn-lt"/>
+                <a:ea typeface="+mn-ea"/>
+                <a:cs typeface="+mn-cs"/>
+              </a:defRPr>
+            </a:lvl6pPr>
+            <a:lvl7pPr marL="2971800" indent="-228600" algn="l" defTabSz="914400" rtl="0" eaLnBrk="1" latinLnBrk="0" hangingPunct="1">
+              <a:lnSpc>
+                <a:spcPct val="90000"/>
+              </a:lnSpc>
+              <a:spcBef>
+                <a:spcPts val="500"/>
+              </a:spcBef>
+              <a:buFont typeface="Arial" panose="020B0604020202020204" pitchFamily="34" charset="0"/>
+              <a:buChar char="•"/>
+              <a:defRPr sz="1800" kern="1200">
+                <a:solidFill>
+                  <a:schemeClr val="tx1"/>
+                </a:solidFill>
+                <a:latin typeface="+mn-lt"/>
+                <a:ea typeface="+mn-ea"/>
+                <a:cs typeface="+mn-cs"/>
+              </a:defRPr>
+            </a:lvl7pPr>
+            <a:lvl8pPr marL="3429000" indent="-228600" algn="l" defTabSz="914400" rtl="0" eaLnBrk="1" latinLnBrk="0" hangingPunct="1">
+              <a:lnSpc>
+                <a:spcPct val="90000"/>
+              </a:lnSpc>
+              <a:spcBef>
+                <a:spcPts val="500"/>
+              </a:spcBef>
+              <a:buFont typeface="Arial" panose="020B0604020202020204" pitchFamily="34" charset="0"/>
+              <a:buChar char="•"/>
+              <a:defRPr sz="1800" kern="1200">
+                <a:solidFill>
+                  <a:schemeClr val="tx1"/>
+                </a:solidFill>
+                <a:latin typeface="+mn-lt"/>
+                <a:ea typeface="+mn-ea"/>
+                <a:cs typeface="+mn-cs"/>
+              </a:defRPr>
+            </a:lvl8pPr>
+            <a:lvl9pPr marL="3886200" indent="-228600" algn="l" defTabSz="914400" rtl="0" eaLnBrk="1" latinLnBrk="0" hangingPunct="1">
+              <a:lnSpc>
+                <a:spcPct val="90000"/>
+              </a:lnSpc>
+              <a:spcBef>
+                <a:spcPts val="500"/>
+              </a:spcBef>
+              <a:buFont typeface="Arial" panose="020B0604020202020204" pitchFamily="34" charset="0"/>
+              <a:buChar char="•"/>
+              <a:defRPr sz="1800" kern="1200">
+                <a:solidFill>
+                  <a:schemeClr val="tx1"/>
+                </a:solidFill>
+                <a:latin typeface="+mn-lt"/>
+                <a:ea typeface="+mn-ea"/>
+                <a:cs typeface="+mn-cs"/>
+              </a:defRPr>
+            </a:lvl9pPr>
+          </a:lstStyle>
+          <a:p>
+            <a:pPr marL="0" indent="0">
+              <a:buFont typeface="Arial" panose="020B0604020202020204" pitchFamily="34" charset="0"/>
+              <a:buNone/>
+            </a:pPr>
+            <a:r>
+              <a:rPr lang="fr-FR" sz="1400" dirty="0"/>
+              <a:t>Création du formulaire directement en ligne de commande :</a:t>
+            </a:r>
+          </a:p>
+          <a:p>
+            <a:pPr marL="0" indent="0">
+              <a:buFont typeface="Arial" panose="020B0604020202020204" pitchFamily="34" charset="0"/>
+              <a:buNone/>
+            </a:pPr>
+            <a:endParaRPr lang="fr-FR" sz="1400" dirty="0"/>
+          </a:p>
+        </p:txBody>
+      </p:sp>
+      <p:pic>
+        <p:nvPicPr>
+          <p:cNvPr id="2" name="Image 1">
+            <a:extLst>
+              <a:ext uri="{FF2B5EF4-FFF2-40B4-BE49-F238E27FC236}">
+                <a16:creationId xmlns:a16="http://schemas.microsoft.com/office/drawing/2014/main" id="{3061468C-D37F-46D9-913F-EE38F431E3C7}"/>
+              </a:ext>
+            </a:extLst>
+          </p:cNvPr>
+          <p:cNvPicPr>
+            <a:picLocks noChangeAspect="1"/>
+          </p:cNvPicPr>
+          <p:nvPr/>
+        </p:nvPicPr>
+        <p:blipFill>
+          <a:blip r:embed="rId2"/>
+          <a:stretch>
+            <a:fillRect/>
+          </a:stretch>
+        </p:blipFill>
+        <p:spPr>
+          <a:xfrm>
+            <a:off x="838200" y="2340400"/>
+            <a:ext cx="4711270" cy="1088600"/>
+          </a:xfrm>
+          <a:prstGeom prst="rect">
+            <a:avLst/>
+          </a:prstGeom>
+        </p:spPr>
+      </p:pic>
+      <p:pic>
+        <p:nvPicPr>
+          <p:cNvPr id="10" name="Image 9">
+            <a:extLst>
+              <a:ext uri="{FF2B5EF4-FFF2-40B4-BE49-F238E27FC236}">
+                <a16:creationId xmlns:a16="http://schemas.microsoft.com/office/drawing/2014/main" id="{6B854703-BB1A-4458-867F-962D1FCCE4B0}"/>
+              </a:ext>
+            </a:extLst>
+          </p:cNvPr>
+          <p:cNvPicPr>
+            <a:picLocks noChangeAspect="1"/>
+          </p:cNvPicPr>
+          <p:nvPr/>
+        </p:nvPicPr>
+        <p:blipFill>
+          <a:blip r:embed="rId3"/>
+          <a:stretch>
+            <a:fillRect/>
+          </a:stretch>
+        </p:blipFill>
+        <p:spPr>
+          <a:xfrm>
+            <a:off x="838200" y="3428999"/>
+            <a:ext cx="4711270" cy="3063875"/>
+          </a:xfrm>
+          <a:prstGeom prst="rect">
+            <a:avLst/>
+          </a:prstGeom>
+        </p:spPr>
+      </p:pic>
+      <p:sp>
+        <p:nvSpPr>
+          <p:cNvPr id="11" name="Espace réservé du contenu 2">
+            <a:extLst>
+              <a:ext uri="{FF2B5EF4-FFF2-40B4-BE49-F238E27FC236}">
+                <a16:creationId xmlns:a16="http://schemas.microsoft.com/office/drawing/2014/main" id="{534F948C-D7ED-425C-B2BB-4056FDF0CEB3}"/>
+              </a:ext>
+            </a:extLst>
+          </p:cNvPr>
+          <p:cNvSpPr txBox="1">
+            <a:spLocks/>
+          </p:cNvSpPr>
+          <p:nvPr/>
+        </p:nvSpPr>
+        <p:spPr>
+          <a:xfrm>
+            <a:off x="6964679" y="1829196"/>
+            <a:ext cx="4389120" cy="4351338"/>
+          </a:xfrm>
+          <a:prstGeom prst="rect">
+            <a:avLst/>
+          </a:prstGeom>
+        </p:spPr>
+        <p:txBody>
+          <a:bodyPr vert="horz" lIns="91440" tIns="45720" rIns="91440" bIns="45720" rtlCol="0">
+            <a:normAutofit/>
+          </a:bodyPr>
+          <a:lstStyle>
+            <a:lvl1pPr marL="228600" indent="-228600" algn="l" defTabSz="914400" rtl="0" eaLnBrk="1" latinLnBrk="0" hangingPunct="1">
+              <a:lnSpc>
+                <a:spcPct val="90000"/>
+              </a:lnSpc>
+              <a:spcBef>
+                <a:spcPts val="1000"/>
+              </a:spcBef>
+              <a:buFont typeface="Arial" panose="020B0604020202020204" pitchFamily="34" charset="0"/>
+              <a:buChar char="•"/>
+              <a:defRPr sz="2800" kern="1200">
+                <a:solidFill>
+                  <a:schemeClr val="tx1"/>
+                </a:solidFill>
+                <a:latin typeface="+mn-lt"/>
+                <a:ea typeface="+mn-ea"/>
+                <a:cs typeface="+mn-cs"/>
+              </a:defRPr>
+            </a:lvl1pPr>
+            <a:lvl2pPr marL="685800" indent="-228600" algn="l" defTabSz="914400" rtl="0" eaLnBrk="1" latinLnBrk="0" hangingPunct="1">
+              <a:lnSpc>
+                <a:spcPct val="90000"/>
+              </a:lnSpc>
+              <a:spcBef>
+                <a:spcPts val="500"/>
+              </a:spcBef>
+              <a:buFont typeface="Arial" panose="020B0604020202020204" pitchFamily="34" charset="0"/>
+              <a:buChar char="•"/>
+              <a:defRPr sz="2400" kern="1200">
+                <a:solidFill>
+                  <a:schemeClr val="tx1"/>
+                </a:solidFill>
+                <a:latin typeface="+mn-lt"/>
+                <a:ea typeface="+mn-ea"/>
+                <a:cs typeface="+mn-cs"/>
+              </a:defRPr>
+            </a:lvl2pPr>
+            <a:lvl3pPr marL="1143000" indent="-228600" algn="l" defTabSz="914400" rtl="0" eaLnBrk="1" latinLnBrk="0" hangingPunct="1">
+              <a:lnSpc>
+                <a:spcPct val="90000"/>
+              </a:lnSpc>
+              <a:spcBef>
+                <a:spcPts val="500"/>
+              </a:spcBef>
+              <a:buFont typeface="Arial" panose="020B0604020202020204" pitchFamily="34" charset="0"/>
+              <a:buChar char="•"/>
+              <a:defRPr sz="2000" kern="1200">
+                <a:solidFill>
+                  <a:schemeClr val="tx1"/>
+                </a:solidFill>
+                <a:latin typeface="+mn-lt"/>
+                <a:ea typeface="+mn-ea"/>
+                <a:cs typeface="+mn-cs"/>
+              </a:defRPr>
+            </a:lvl3pPr>
+            <a:lvl4pPr marL="1600200" indent="-228600" algn="l" defTabSz="914400" rtl="0" eaLnBrk="1" latinLnBrk="0" hangingPunct="1">
+              <a:lnSpc>
+                <a:spcPct val="90000"/>
+              </a:lnSpc>
+              <a:spcBef>
+                <a:spcPts val="500"/>
+              </a:spcBef>
+              <a:buFont typeface="Arial" panose="020B0604020202020204" pitchFamily="34" charset="0"/>
+              <a:buChar char="•"/>
+              <a:defRPr sz="1800" kern="1200">
+                <a:solidFill>
+                  <a:schemeClr val="tx1"/>
+                </a:solidFill>
+                <a:latin typeface="+mn-lt"/>
+                <a:ea typeface="+mn-ea"/>
+                <a:cs typeface="+mn-cs"/>
+              </a:defRPr>
+            </a:lvl4pPr>
+            <a:lvl5pPr marL="2057400" indent="-228600" algn="l" defTabSz="914400" rtl="0" eaLnBrk="1" latinLnBrk="0" hangingPunct="1">
+              <a:lnSpc>
+                <a:spcPct val="90000"/>
+              </a:lnSpc>
+              <a:spcBef>
+                <a:spcPts val="500"/>
+              </a:spcBef>
+              <a:buFont typeface="Arial" panose="020B0604020202020204" pitchFamily="34" charset="0"/>
+              <a:buChar char="•"/>
+              <a:defRPr sz="1800" kern="1200">
+                <a:solidFill>
+                  <a:schemeClr val="tx1"/>
+                </a:solidFill>
+                <a:latin typeface="+mn-lt"/>
+                <a:ea typeface="+mn-ea"/>
+                <a:cs typeface="+mn-cs"/>
+              </a:defRPr>
+            </a:lvl5pPr>
+            <a:lvl6pPr marL="2514600" indent="-228600" algn="l" defTabSz="914400" rtl="0" eaLnBrk="1" latinLnBrk="0" hangingPunct="1">
+              <a:lnSpc>
+                <a:spcPct val="90000"/>
+              </a:lnSpc>
+              <a:spcBef>
+                <a:spcPts val="500"/>
+              </a:spcBef>
+              <a:buFont typeface="Arial" panose="020B0604020202020204" pitchFamily="34" charset="0"/>
+              <a:buChar char="•"/>
+              <a:defRPr sz="1800" kern="1200">
+                <a:solidFill>
+                  <a:schemeClr val="tx1"/>
+                </a:solidFill>
+                <a:latin typeface="+mn-lt"/>
+                <a:ea typeface="+mn-ea"/>
+                <a:cs typeface="+mn-cs"/>
+              </a:defRPr>
+            </a:lvl6pPr>
+            <a:lvl7pPr marL="2971800" indent="-228600" algn="l" defTabSz="914400" rtl="0" eaLnBrk="1" latinLnBrk="0" hangingPunct="1">
+              <a:lnSpc>
+                <a:spcPct val="90000"/>
+              </a:lnSpc>
+              <a:spcBef>
+                <a:spcPts val="500"/>
+              </a:spcBef>
+              <a:buFont typeface="Arial" panose="020B0604020202020204" pitchFamily="34" charset="0"/>
+              <a:buChar char="•"/>
+              <a:defRPr sz="1800" kern="1200">
+                <a:solidFill>
+                  <a:schemeClr val="tx1"/>
+                </a:solidFill>
+                <a:latin typeface="+mn-lt"/>
+                <a:ea typeface="+mn-ea"/>
+                <a:cs typeface="+mn-cs"/>
+              </a:defRPr>
+            </a:lvl7pPr>
+            <a:lvl8pPr marL="3429000" indent="-228600" algn="l" defTabSz="914400" rtl="0" eaLnBrk="1" latinLnBrk="0" hangingPunct="1">
+              <a:lnSpc>
+                <a:spcPct val="90000"/>
+              </a:lnSpc>
+              <a:spcBef>
+                <a:spcPts val="500"/>
+              </a:spcBef>
+              <a:buFont typeface="Arial" panose="020B0604020202020204" pitchFamily="34" charset="0"/>
+              <a:buChar char="•"/>
+              <a:defRPr sz="1800" kern="1200">
+                <a:solidFill>
+                  <a:schemeClr val="tx1"/>
+                </a:solidFill>
+                <a:latin typeface="+mn-lt"/>
+                <a:ea typeface="+mn-ea"/>
+                <a:cs typeface="+mn-cs"/>
+              </a:defRPr>
+            </a:lvl8pPr>
+            <a:lvl9pPr marL="3886200" indent="-228600" algn="l" defTabSz="914400" rtl="0" eaLnBrk="1" latinLnBrk="0" hangingPunct="1">
+              <a:lnSpc>
+                <a:spcPct val="90000"/>
+              </a:lnSpc>
+              <a:spcBef>
+                <a:spcPts val="500"/>
+              </a:spcBef>
+              <a:buFont typeface="Arial" panose="020B0604020202020204" pitchFamily="34" charset="0"/>
+              <a:buChar char="•"/>
+              <a:defRPr sz="1800" kern="1200">
+                <a:solidFill>
+                  <a:schemeClr val="tx1"/>
+                </a:solidFill>
+                <a:latin typeface="+mn-lt"/>
+                <a:ea typeface="+mn-ea"/>
+                <a:cs typeface="+mn-cs"/>
+              </a:defRPr>
+            </a:lvl9pPr>
+          </a:lstStyle>
+          <a:p>
+            <a:pPr marL="0" indent="0">
+              <a:buFont typeface="Arial" panose="020B0604020202020204" pitchFamily="34" charset="0"/>
+              <a:buNone/>
+            </a:pPr>
+            <a:r>
+              <a:rPr lang="fr-FR" sz="1400" dirty="0"/>
+              <a:t>Ensuite il faut modifier le </a:t>
+            </a:r>
+            <a:r>
+              <a:rPr lang="fr-FR" sz="1400" dirty="0" err="1"/>
+              <a:t>controller</a:t>
+            </a:r>
+            <a:r>
+              <a:rPr lang="fr-FR" sz="1400" dirty="0"/>
+              <a:t> afin de récupérer ce formulaire nouvellement créé</a:t>
+            </a:r>
+          </a:p>
+          <a:p>
+            <a:pPr marL="0" indent="0">
+              <a:buFont typeface="Arial" panose="020B0604020202020204" pitchFamily="34" charset="0"/>
+              <a:buNone/>
+            </a:pPr>
+            <a:endParaRPr lang="fr-FR" sz="1400" dirty="0"/>
+          </a:p>
+        </p:txBody>
+      </p:sp>
+      <p:pic>
+        <p:nvPicPr>
+          <p:cNvPr id="12" name="Image 11">
+            <a:extLst>
+              <a:ext uri="{FF2B5EF4-FFF2-40B4-BE49-F238E27FC236}">
+                <a16:creationId xmlns:a16="http://schemas.microsoft.com/office/drawing/2014/main" id="{C1B5FD95-41DB-477A-A0D9-ED8B0FBDF0FD}"/>
+              </a:ext>
+            </a:extLst>
+          </p:cNvPr>
+          <p:cNvPicPr>
+            <a:picLocks noChangeAspect="1"/>
+          </p:cNvPicPr>
+          <p:nvPr/>
+        </p:nvPicPr>
+        <p:blipFill>
+          <a:blip r:embed="rId4"/>
+          <a:stretch>
+            <a:fillRect/>
+          </a:stretch>
+        </p:blipFill>
+        <p:spPr>
+          <a:xfrm>
+            <a:off x="6642528" y="2340400"/>
+            <a:ext cx="4711271" cy="4152474"/>
+          </a:xfrm>
+          <a:prstGeom prst="rect">
+            <a:avLst/>
+          </a:prstGeom>
+        </p:spPr>
+      </p:pic>
+    </p:spTree>
+    <p:extLst>
+      <p:ext uri="{BB962C8B-B14F-4D97-AF65-F5344CB8AC3E}">
+        <p14:creationId xmlns:p14="http://schemas.microsoft.com/office/powerpoint/2010/main" val="232958751"/>
       </p:ext>
     </p:extLst>
   </p:cSld>

--- a/Apprendre symfony.pptx
+++ b/Apprendre symfony.pptx
@@ -36,6 +36,13 @@
     <p:sldId id="285" r:id="rId30"/>
     <p:sldId id="286" r:id="rId31"/>
     <p:sldId id="287" r:id="rId32"/>
+    <p:sldId id="288" r:id="rId33"/>
+    <p:sldId id="289" r:id="rId34"/>
+    <p:sldId id="290" r:id="rId35"/>
+    <p:sldId id="291" r:id="rId36"/>
+    <p:sldId id="292" r:id="rId37"/>
+    <p:sldId id="293" r:id="rId38"/>
+    <p:sldId id="294" r:id="rId39"/>
   </p:sldIdLst>
   <p:sldSz cx="12192000" cy="6858000"/>
   <p:notesSz cx="6858000" cy="9144000"/>
@@ -14848,6 +14855,4848 @@
 </p:sld>
 </file>
 
+<file path=ppt/slides/slide32.xml><?xml version="1.0" encoding="utf-8"?>
+<p:sld xmlns:a="http://schemas.openxmlformats.org/drawingml/2006/main" xmlns:r="http://schemas.openxmlformats.org/officeDocument/2006/relationships" xmlns:p="http://schemas.openxmlformats.org/presentationml/2006/main">
+  <p:cSld>
+    <p:spTree>
+      <p:nvGrpSpPr>
+        <p:cNvPr id="1" name=""/>
+        <p:cNvGrpSpPr/>
+        <p:nvPr/>
+      </p:nvGrpSpPr>
+      <p:grpSpPr>
+        <a:xfrm>
+          <a:off x="0" y="0"/>
+          <a:ext cx="0" cy="0"/>
+          <a:chOff x="0" y="0"/>
+          <a:chExt cx="0" cy="0"/>
+        </a:xfrm>
+      </p:grpSpPr>
+      <p:sp>
+        <p:nvSpPr>
+          <p:cNvPr id="4" name="Titre 1">
+            <a:extLst>
+              <a:ext uri="{FF2B5EF4-FFF2-40B4-BE49-F238E27FC236}">
+                <a16:creationId xmlns:a16="http://schemas.microsoft.com/office/drawing/2014/main" id="{960C1D7C-377E-4936-AFF5-23D603AD6FF4}"/>
+              </a:ext>
+            </a:extLst>
+          </p:cNvPr>
+          <p:cNvSpPr>
+            <a:spLocks noGrp="1"/>
+          </p:cNvSpPr>
+          <p:nvPr>
+            <p:ph type="title"/>
+          </p:nvPr>
+        </p:nvSpPr>
+        <p:spPr>
+          <a:xfrm>
+            <a:off x="838200" y="365125"/>
+            <a:ext cx="10515600" cy="1325563"/>
+          </a:xfrm>
+        </p:spPr>
+        <p:txBody>
+          <a:bodyPr/>
+          <a:lstStyle/>
+          <a:p>
+            <a:r>
+              <a:rPr lang="fr-FR" dirty="0"/>
+              <a:t>Etape 24 : Mise en forme du formulaire avec </a:t>
+            </a:r>
+            <a:r>
+              <a:rPr lang="fr-FR" dirty="0" err="1"/>
+              <a:t>twig</a:t>
+            </a:r>
+            <a:endParaRPr lang="fr-FR" dirty="0"/>
+          </a:p>
+        </p:txBody>
+      </p:sp>
+      <p:sp>
+        <p:nvSpPr>
+          <p:cNvPr id="9" name="Espace réservé du contenu 2">
+            <a:extLst>
+              <a:ext uri="{FF2B5EF4-FFF2-40B4-BE49-F238E27FC236}">
+                <a16:creationId xmlns:a16="http://schemas.microsoft.com/office/drawing/2014/main" id="{EB812BAD-F986-4356-9B0E-865CD4B89634}"/>
+              </a:ext>
+            </a:extLst>
+          </p:cNvPr>
+          <p:cNvSpPr txBox="1">
+            <a:spLocks/>
+          </p:cNvSpPr>
+          <p:nvPr/>
+        </p:nvSpPr>
+        <p:spPr>
+          <a:xfrm>
+            <a:off x="999275" y="1828998"/>
+            <a:ext cx="4389120" cy="4351338"/>
+          </a:xfrm>
+          <a:prstGeom prst="rect">
+            <a:avLst/>
+          </a:prstGeom>
+        </p:spPr>
+        <p:txBody>
+          <a:bodyPr vert="horz" lIns="91440" tIns="45720" rIns="91440" bIns="45720" rtlCol="0">
+            <a:normAutofit/>
+          </a:bodyPr>
+          <a:lstStyle>
+            <a:lvl1pPr marL="228600" indent="-228600" algn="l" defTabSz="914400" rtl="0" eaLnBrk="1" latinLnBrk="0" hangingPunct="1">
+              <a:lnSpc>
+                <a:spcPct val="90000"/>
+              </a:lnSpc>
+              <a:spcBef>
+                <a:spcPts val="1000"/>
+              </a:spcBef>
+              <a:buFont typeface="Arial" panose="020B0604020202020204" pitchFamily="34" charset="0"/>
+              <a:buChar char="•"/>
+              <a:defRPr sz="2800" kern="1200">
+                <a:solidFill>
+                  <a:schemeClr val="tx1"/>
+                </a:solidFill>
+                <a:latin typeface="+mn-lt"/>
+                <a:ea typeface="+mn-ea"/>
+                <a:cs typeface="+mn-cs"/>
+              </a:defRPr>
+            </a:lvl1pPr>
+            <a:lvl2pPr marL="685800" indent="-228600" algn="l" defTabSz="914400" rtl="0" eaLnBrk="1" latinLnBrk="0" hangingPunct="1">
+              <a:lnSpc>
+                <a:spcPct val="90000"/>
+              </a:lnSpc>
+              <a:spcBef>
+                <a:spcPts val="500"/>
+              </a:spcBef>
+              <a:buFont typeface="Arial" panose="020B0604020202020204" pitchFamily="34" charset="0"/>
+              <a:buChar char="•"/>
+              <a:defRPr sz="2400" kern="1200">
+                <a:solidFill>
+                  <a:schemeClr val="tx1"/>
+                </a:solidFill>
+                <a:latin typeface="+mn-lt"/>
+                <a:ea typeface="+mn-ea"/>
+                <a:cs typeface="+mn-cs"/>
+              </a:defRPr>
+            </a:lvl2pPr>
+            <a:lvl3pPr marL="1143000" indent="-228600" algn="l" defTabSz="914400" rtl="0" eaLnBrk="1" latinLnBrk="0" hangingPunct="1">
+              <a:lnSpc>
+                <a:spcPct val="90000"/>
+              </a:lnSpc>
+              <a:spcBef>
+                <a:spcPts val="500"/>
+              </a:spcBef>
+              <a:buFont typeface="Arial" panose="020B0604020202020204" pitchFamily="34" charset="0"/>
+              <a:buChar char="•"/>
+              <a:defRPr sz="2000" kern="1200">
+                <a:solidFill>
+                  <a:schemeClr val="tx1"/>
+                </a:solidFill>
+                <a:latin typeface="+mn-lt"/>
+                <a:ea typeface="+mn-ea"/>
+                <a:cs typeface="+mn-cs"/>
+              </a:defRPr>
+            </a:lvl3pPr>
+            <a:lvl4pPr marL="1600200" indent="-228600" algn="l" defTabSz="914400" rtl="0" eaLnBrk="1" latinLnBrk="0" hangingPunct="1">
+              <a:lnSpc>
+                <a:spcPct val="90000"/>
+              </a:lnSpc>
+              <a:spcBef>
+                <a:spcPts val="500"/>
+              </a:spcBef>
+              <a:buFont typeface="Arial" panose="020B0604020202020204" pitchFamily="34" charset="0"/>
+              <a:buChar char="•"/>
+              <a:defRPr sz="1800" kern="1200">
+                <a:solidFill>
+                  <a:schemeClr val="tx1"/>
+                </a:solidFill>
+                <a:latin typeface="+mn-lt"/>
+                <a:ea typeface="+mn-ea"/>
+                <a:cs typeface="+mn-cs"/>
+              </a:defRPr>
+            </a:lvl4pPr>
+            <a:lvl5pPr marL="2057400" indent="-228600" algn="l" defTabSz="914400" rtl="0" eaLnBrk="1" latinLnBrk="0" hangingPunct="1">
+              <a:lnSpc>
+                <a:spcPct val="90000"/>
+              </a:lnSpc>
+              <a:spcBef>
+                <a:spcPts val="500"/>
+              </a:spcBef>
+              <a:buFont typeface="Arial" panose="020B0604020202020204" pitchFamily="34" charset="0"/>
+              <a:buChar char="•"/>
+              <a:defRPr sz="1800" kern="1200">
+                <a:solidFill>
+                  <a:schemeClr val="tx1"/>
+                </a:solidFill>
+                <a:latin typeface="+mn-lt"/>
+                <a:ea typeface="+mn-ea"/>
+                <a:cs typeface="+mn-cs"/>
+              </a:defRPr>
+            </a:lvl5pPr>
+            <a:lvl6pPr marL="2514600" indent="-228600" algn="l" defTabSz="914400" rtl="0" eaLnBrk="1" latinLnBrk="0" hangingPunct="1">
+              <a:lnSpc>
+                <a:spcPct val="90000"/>
+              </a:lnSpc>
+              <a:spcBef>
+                <a:spcPts val="500"/>
+              </a:spcBef>
+              <a:buFont typeface="Arial" panose="020B0604020202020204" pitchFamily="34" charset="0"/>
+              <a:buChar char="•"/>
+              <a:defRPr sz="1800" kern="1200">
+                <a:solidFill>
+                  <a:schemeClr val="tx1"/>
+                </a:solidFill>
+                <a:latin typeface="+mn-lt"/>
+                <a:ea typeface="+mn-ea"/>
+                <a:cs typeface="+mn-cs"/>
+              </a:defRPr>
+            </a:lvl6pPr>
+            <a:lvl7pPr marL="2971800" indent="-228600" algn="l" defTabSz="914400" rtl="0" eaLnBrk="1" latinLnBrk="0" hangingPunct="1">
+              <a:lnSpc>
+                <a:spcPct val="90000"/>
+              </a:lnSpc>
+              <a:spcBef>
+                <a:spcPts val="500"/>
+              </a:spcBef>
+              <a:buFont typeface="Arial" panose="020B0604020202020204" pitchFamily="34" charset="0"/>
+              <a:buChar char="•"/>
+              <a:defRPr sz="1800" kern="1200">
+                <a:solidFill>
+                  <a:schemeClr val="tx1"/>
+                </a:solidFill>
+                <a:latin typeface="+mn-lt"/>
+                <a:ea typeface="+mn-ea"/>
+                <a:cs typeface="+mn-cs"/>
+              </a:defRPr>
+            </a:lvl7pPr>
+            <a:lvl8pPr marL="3429000" indent="-228600" algn="l" defTabSz="914400" rtl="0" eaLnBrk="1" latinLnBrk="0" hangingPunct="1">
+              <a:lnSpc>
+                <a:spcPct val="90000"/>
+              </a:lnSpc>
+              <a:spcBef>
+                <a:spcPts val="500"/>
+              </a:spcBef>
+              <a:buFont typeface="Arial" panose="020B0604020202020204" pitchFamily="34" charset="0"/>
+              <a:buChar char="•"/>
+              <a:defRPr sz="1800" kern="1200">
+                <a:solidFill>
+                  <a:schemeClr val="tx1"/>
+                </a:solidFill>
+                <a:latin typeface="+mn-lt"/>
+                <a:ea typeface="+mn-ea"/>
+                <a:cs typeface="+mn-cs"/>
+              </a:defRPr>
+            </a:lvl8pPr>
+            <a:lvl9pPr marL="3886200" indent="-228600" algn="l" defTabSz="914400" rtl="0" eaLnBrk="1" latinLnBrk="0" hangingPunct="1">
+              <a:lnSpc>
+                <a:spcPct val="90000"/>
+              </a:lnSpc>
+              <a:spcBef>
+                <a:spcPts val="500"/>
+              </a:spcBef>
+              <a:buFont typeface="Arial" panose="020B0604020202020204" pitchFamily="34" charset="0"/>
+              <a:buChar char="•"/>
+              <a:defRPr sz="1800" kern="1200">
+                <a:solidFill>
+                  <a:schemeClr val="tx1"/>
+                </a:solidFill>
+                <a:latin typeface="+mn-lt"/>
+                <a:ea typeface="+mn-ea"/>
+                <a:cs typeface="+mn-cs"/>
+              </a:defRPr>
+            </a:lvl9pPr>
+          </a:lstStyle>
+          <a:p>
+            <a:pPr marL="0" indent="0" algn="ctr">
+              <a:buFont typeface="Arial" panose="020B0604020202020204" pitchFamily="34" charset="0"/>
+              <a:buNone/>
+            </a:pPr>
+            <a:r>
+              <a:rPr lang="fr-FR" sz="1400" dirty="0"/>
+              <a:t>En durs :</a:t>
+            </a:r>
+          </a:p>
+          <a:p>
+            <a:pPr marL="0" indent="0">
+              <a:buFont typeface="Arial" panose="020B0604020202020204" pitchFamily="34" charset="0"/>
+              <a:buNone/>
+            </a:pPr>
+            <a:endParaRPr lang="fr-FR" sz="1400" dirty="0"/>
+          </a:p>
+        </p:txBody>
+      </p:sp>
+      <p:sp>
+        <p:nvSpPr>
+          <p:cNvPr id="11" name="Espace réservé du contenu 2">
+            <a:extLst>
+              <a:ext uri="{FF2B5EF4-FFF2-40B4-BE49-F238E27FC236}">
+                <a16:creationId xmlns:a16="http://schemas.microsoft.com/office/drawing/2014/main" id="{534F948C-D7ED-425C-B2BB-4056FDF0CEB3}"/>
+              </a:ext>
+            </a:extLst>
+          </p:cNvPr>
+          <p:cNvSpPr txBox="1">
+            <a:spLocks/>
+          </p:cNvSpPr>
+          <p:nvPr/>
+        </p:nvSpPr>
+        <p:spPr>
+          <a:xfrm>
+            <a:off x="6964679" y="1829196"/>
+            <a:ext cx="4389120" cy="4351338"/>
+          </a:xfrm>
+          <a:prstGeom prst="rect">
+            <a:avLst/>
+          </a:prstGeom>
+        </p:spPr>
+        <p:txBody>
+          <a:bodyPr vert="horz" lIns="91440" tIns="45720" rIns="91440" bIns="45720" rtlCol="0">
+            <a:normAutofit/>
+          </a:bodyPr>
+          <a:lstStyle>
+            <a:lvl1pPr marL="228600" indent="-228600" algn="l" defTabSz="914400" rtl="0" eaLnBrk="1" latinLnBrk="0" hangingPunct="1">
+              <a:lnSpc>
+                <a:spcPct val="90000"/>
+              </a:lnSpc>
+              <a:spcBef>
+                <a:spcPts val="1000"/>
+              </a:spcBef>
+              <a:buFont typeface="Arial" panose="020B0604020202020204" pitchFamily="34" charset="0"/>
+              <a:buChar char="•"/>
+              <a:defRPr sz="2800" kern="1200">
+                <a:solidFill>
+                  <a:schemeClr val="tx1"/>
+                </a:solidFill>
+                <a:latin typeface="+mn-lt"/>
+                <a:ea typeface="+mn-ea"/>
+                <a:cs typeface="+mn-cs"/>
+              </a:defRPr>
+            </a:lvl1pPr>
+            <a:lvl2pPr marL="685800" indent="-228600" algn="l" defTabSz="914400" rtl="0" eaLnBrk="1" latinLnBrk="0" hangingPunct="1">
+              <a:lnSpc>
+                <a:spcPct val="90000"/>
+              </a:lnSpc>
+              <a:spcBef>
+                <a:spcPts val="500"/>
+              </a:spcBef>
+              <a:buFont typeface="Arial" panose="020B0604020202020204" pitchFamily="34" charset="0"/>
+              <a:buChar char="•"/>
+              <a:defRPr sz="2400" kern="1200">
+                <a:solidFill>
+                  <a:schemeClr val="tx1"/>
+                </a:solidFill>
+                <a:latin typeface="+mn-lt"/>
+                <a:ea typeface="+mn-ea"/>
+                <a:cs typeface="+mn-cs"/>
+              </a:defRPr>
+            </a:lvl2pPr>
+            <a:lvl3pPr marL="1143000" indent="-228600" algn="l" defTabSz="914400" rtl="0" eaLnBrk="1" latinLnBrk="0" hangingPunct="1">
+              <a:lnSpc>
+                <a:spcPct val="90000"/>
+              </a:lnSpc>
+              <a:spcBef>
+                <a:spcPts val="500"/>
+              </a:spcBef>
+              <a:buFont typeface="Arial" panose="020B0604020202020204" pitchFamily="34" charset="0"/>
+              <a:buChar char="•"/>
+              <a:defRPr sz="2000" kern="1200">
+                <a:solidFill>
+                  <a:schemeClr val="tx1"/>
+                </a:solidFill>
+                <a:latin typeface="+mn-lt"/>
+                <a:ea typeface="+mn-ea"/>
+                <a:cs typeface="+mn-cs"/>
+              </a:defRPr>
+            </a:lvl3pPr>
+            <a:lvl4pPr marL="1600200" indent="-228600" algn="l" defTabSz="914400" rtl="0" eaLnBrk="1" latinLnBrk="0" hangingPunct="1">
+              <a:lnSpc>
+                <a:spcPct val="90000"/>
+              </a:lnSpc>
+              <a:spcBef>
+                <a:spcPts val="500"/>
+              </a:spcBef>
+              <a:buFont typeface="Arial" panose="020B0604020202020204" pitchFamily="34" charset="0"/>
+              <a:buChar char="•"/>
+              <a:defRPr sz="1800" kern="1200">
+                <a:solidFill>
+                  <a:schemeClr val="tx1"/>
+                </a:solidFill>
+                <a:latin typeface="+mn-lt"/>
+                <a:ea typeface="+mn-ea"/>
+                <a:cs typeface="+mn-cs"/>
+              </a:defRPr>
+            </a:lvl4pPr>
+            <a:lvl5pPr marL="2057400" indent="-228600" algn="l" defTabSz="914400" rtl="0" eaLnBrk="1" latinLnBrk="0" hangingPunct="1">
+              <a:lnSpc>
+                <a:spcPct val="90000"/>
+              </a:lnSpc>
+              <a:spcBef>
+                <a:spcPts val="500"/>
+              </a:spcBef>
+              <a:buFont typeface="Arial" panose="020B0604020202020204" pitchFamily="34" charset="0"/>
+              <a:buChar char="•"/>
+              <a:defRPr sz="1800" kern="1200">
+                <a:solidFill>
+                  <a:schemeClr val="tx1"/>
+                </a:solidFill>
+                <a:latin typeface="+mn-lt"/>
+                <a:ea typeface="+mn-ea"/>
+                <a:cs typeface="+mn-cs"/>
+              </a:defRPr>
+            </a:lvl5pPr>
+            <a:lvl6pPr marL="2514600" indent="-228600" algn="l" defTabSz="914400" rtl="0" eaLnBrk="1" latinLnBrk="0" hangingPunct="1">
+              <a:lnSpc>
+                <a:spcPct val="90000"/>
+              </a:lnSpc>
+              <a:spcBef>
+                <a:spcPts val="500"/>
+              </a:spcBef>
+              <a:buFont typeface="Arial" panose="020B0604020202020204" pitchFamily="34" charset="0"/>
+              <a:buChar char="•"/>
+              <a:defRPr sz="1800" kern="1200">
+                <a:solidFill>
+                  <a:schemeClr val="tx1"/>
+                </a:solidFill>
+                <a:latin typeface="+mn-lt"/>
+                <a:ea typeface="+mn-ea"/>
+                <a:cs typeface="+mn-cs"/>
+              </a:defRPr>
+            </a:lvl6pPr>
+            <a:lvl7pPr marL="2971800" indent="-228600" algn="l" defTabSz="914400" rtl="0" eaLnBrk="1" latinLnBrk="0" hangingPunct="1">
+              <a:lnSpc>
+                <a:spcPct val="90000"/>
+              </a:lnSpc>
+              <a:spcBef>
+                <a:spcPts val="500"/>
+              </a:spcBef>
+              <a:buFont typeface="Arial" panose="020B0604020202020204" pitchFamily="34" charset="0"/>
+              <a:buChar char="•"/>
+              <a:defRPr sz="1800" kern="1200">
+                <a:solidFill>
+                  <a:schemeClr val="tx1"/>
+                </a:solidFill>
+                <a:latin typeface="+mn-lt"/>
+                <a:ea typeface="+mn-ea"/>
+                <a:cs typeface="+mn-cs"/>
+              </a:defRPr>
+            </a:lvl7pPr>
+            <a:lvl8pPr marL="3429000" indent="-228600" algn="l" defTabSz="914400" rtl="0" eaLnBrk="1" latinLnBrk="0" hangingPunct="1">
+              <a:lnSpc>
+                <a:spcPct val="90000"/>
+              </a:lnSpc>
+              <a:spcBef>
+                <a:spcPts val="500"/>
+              </a:spcBef>
+              <a:buFont typeface="Arial" panose="020B0604020202020204" pitchFamily="34" charset="0"/>
+              <a:buChar char="•"/>
+              <a:defRPr sz="1800" kern="1200">
+                <a:solidFill>
+                  <a:schemeClr val="tx1"/>
+                </a:solidFill>
+                <a:latin typeface="+mn-lt"/>
+                <a:ea typeface="+mn-ea"/>
+                <a:cs typeface="+mn-cs"/>
+              </a:defRPr>
+            </a:lvl8pPr>
+            <a:lvl9pPr marL="3886200" indent="-228600" algn="l" defTabSz="914400" rtl="0" eaLnBrk="1" latinLnBrk="0" hangingPunct="1">
+              <a:lnSpc>
+                <a:spcPct val="90000"/>
+              </a:lnSpc>
+              <a:spcBef>
+                <a:spcPts val="500"/>
+              </a:spcBef>
+              <a:buFont typeface="Arial" panose="020B0604020202020204" pitchFamily="34" charset="0"/>
+              <a:buChar char="•"/>
+              <a:defRPr sz="1800" kern="1200">
+                <a:solidFill>
+                  <a:schemeClr val="tx1"/>
+                </a:solidFill>
+                <a:latin typeface="+mn-lt"/>
+                <a:ea typeface="+mn-ea"/>
+                <a:cs typeface="+mn-cs"/>
+              </a:defRPr>
+            </a:lvl9pPr>
+          </a:lstStyle>
+          <a:p>
+            <a:pPr marL="0" indent="0">
+              <a:buFont typeface="Arial" panose="020B0604020202020204" pitchFamily="34" charset="0"/>
+              <a:buNone/>
+            </a:pPr>
+            <a:r>
+              <a:rPr lang="fr-FR" sz="1400" dirty="0"/>
+              <a:t>Utilisation du thème </a:t>
+            </a:r>
+            <a:r>
+              <a:rPr lang="fr-FR" sz="1400" dirty="0" err="1"/>
+              <a:t>bootstrap</a:t>
+            </a:r>
+            <a:r>
+              <a:rPr lang="fr-FR" sz="1400" dirty="0"/>
+              <a:t> 4</a:t>
+            </a:r>
+          </a:p>
+          <a:p>
+            <a:pPr marL="0" indent="0">
+              <a:buFont typeface="Arial" panose="020B0604020202020204" pitchFamily="34" charset="0"/>
+              <a:buNone/>
+            </a:pPr>
+            <a:r>
+              <a:rPr lang="fr-FR" sz="1400" dirty="0"/>
+              <a:t>Dans config/packages/</a:t>
+            </a:r>
+            <a:r>
+              <a:rPr lang="fr-FR" sz="1400" dirty="0" err="1"/>
+              <a:t>twig.yaml</a:t>
+            </a:r>
+            <a:r>
+              <a:rPr lang="fr-FR" sz="1400" dirty="0"/>
+              <a:t> :</a:t>
+            </a:r>
+          </a:p>
+          <a:p>
+            <a:pPr marL="0" indent="0">
+              <a:buFont typeface="Arial" panose="020B0604020202020204" pitchFamily="34" charset="0"/>
+              <a:buNone/>
+            </a:pPr>
+            <a:endParaRPr lang="fr-FR" sz="1400" dirty="0"/>
+          </a:p>
+          <a:p>
+            <a:pPr marL="0" indent="0">
+              <a:buFont typeface="Arial" panose="020B0604020202020204" pitchFamily="34" charset="0"/>
+              <a:buNone/>
+            </a:pPr>
+            <a:endParaRPr lang="fr-FR" sz="1400" dirty="0"/>
+          </a:p>
+          <a:p>
+            <a:pPr marL="0" indent="0">
+              <a:buFont typeface="Arial" panose="020B0604020202020204" pitchFamily="34" charset="0"/>
+              <a:buNone/>
+            </a:pPr>
+            <a:endParaRPr lang="fr-FR" sz="1400" dirty="0"/>
+          </a:p>
+          <a:p>
+            <a:pPr marL="0" indent="0">
+              <a:buFont typeface="Arial" panose="020B0604020202020204" pitchFamily="34" charset="0"/>
+              <a:buNone/>
+            </a:pPr>
+            <a:r>
+              <a:rPr lang="fr-FR" sz="1400" dirty="0"/>
+              <a:t>Dans la vue :</a:t>
+            </a:r>
+          </a:p>
+          <a:p>
+            <a:pPr marL="0" indent="0">
+              <a:buFont typeface="Arial" panose="020B0604020202020204" pitchFamily="34" charset="0"/>
+              <a:buNone/>
+            </a:pPr>
+            <a:endParaRPr lang="fr-FR" sz="1400" dirty="0"/>
+          </a:p>
+          <a:p>
+            <a:pPr marL="0" indent="0">
+              <a:buFont typeface="Arial" panose="020B0604020202020204" pitchFamily="34" charset="0"/>
+              <a:buNone/>
+            </a:pPr>
+            <a:endParaRPr lang="fr-FR" sz="1400" dirty="0"/>
+          </a:p>
+        </p:txBody>
+      </p:sp>
+      <p:pic>
+        <p:nvPicPr>
+          <p:cNvPr id="3" name="Image 2">
+            <a:extLst>
+              <a:ext uri="{FF2B5EF4-FFF2-40B4-BE49-F238E27FC236}">
+                <a16:creationId xmlns:a16="http://schemas.microsoft.com/office/drawing/2014/main" id="{A8F7EDCA-EFD8-4361-A944-AC3821C6117E}"/>
+              </a:ext>
+            </a:extLst>
+          </p:cNvPr>
+          <p:cNvPicPr>
+            <a:picLocks noChangeAspect="1"/>
+          </p:cNvPicPr>
+          <p:nvPr/>
+        </p:nvPicPr>
+        <p:blipFill>
+          <a:blip r:embed="rId2"/>
+          <a:stretch>
+            <a:fillRect/>
+          </a:stretch>
+        </p:blipFill>
+        <p:spPr>
+          <a:xfrm>
+            <a:off x="725240" y="2141537"/>
+            <a:ext cx="5107389" cy="4351338"/>
+          </a:xfrm>
+          <a:prstGeom prst="rect">
+            <a:avLst/>
+          </a:prstGeom>
+        </p:spPr>
+      </p:pic>
+      <p:pic>
+        <p:nvPicPr>
+          <p:cNvPr id="5" name="Image 4">
+            <a:extLst>
+              <a:ext uri="{FF2B5EF4-FFF2-40B4-BE49-F238E27FC236}">
+                <a16:creationId xmlns:a16="http://schemas.microsoft.com/office/drawing/2014/main" id="{727A4586-C061-4EB4-8007-03992B782332}"/>
+              </a:ext>
+            </a:extLst>
+          </p:cNvPr>
+          <p:cNvPicPr>
+            <a:picLocks noChangeAspect="1"/>
+          </p:cNvPicPr>
+          <p:nvPr/>
+        </p:nvPicPr>
+        <p:blipFill>
+          <a:blip r:embed="rId3"/>
+          <a:stretch>
+            <a:fillRect/>
+          </a:stretch>
+        </p:blipFill>
+        <p:spPr>
+          <a:xfrm>
+            <a:off x="6763701" y="2461287"/>
+            <a:ext cx="4791075" cy="823451"/>
+          </a:xfrm>
+          <a:prstGeom prst="rect">
+            <a:avLst/>
+          </a:prstGeom>
+        </p:spPr>
+      </p:pic>
+      <p:pic>
+        <p:nvPicPr>
+          <p:cNvPr id="6" name="Image 5">
+            <a:extLst>
+              <a:ext uri="{FF2B5EF4-FFF2-40B4-BE49-F238E27FC236}">
+                <a16:creationId xmlns:a16="http://schemas.microsoft.com/office/drawing/2014/main" id="{7F6B6BE2-BF97-4185-B26E-2D2B77D3C396}"/>
+              </a:ext>
+            </a:extLst>
+          </p:cNvPr>
+          <p:cNvPicPr>
+            <a:picLocks noChangeAspect="1"/>
+          </p:cNvPicPr>
+          <p:nvPr/>
+        </p:nvPicPr>
+        <p:blipFill>
+          <a:blip r:embed="rId4"/>
+          <a:stretch>
+            <a:fillRect/>
+          </a:stretch>
+        </p:blipFill>
+        <p:spPr>
+          <a:xfrm>
+            <a:off x="6763700" y="3689993"/>
+            <a:ext cx="4791075" cy="2802882"/>
+          </a:xfrm>
+          <a:prstGeom prst="rect">
+            <a:avLst/>
+          </a:prstGeom>
+        </p:spPr>
+      </p:pic>
+    </p:spTree>
+    <p:extLst>
+      <p:ext uri="{BB962C8B-B14F-4D97-AF65-F5344CB8AC3E}">
+        <p14:creationId xmlns:p14="http://schemas.microsoft.com/office/powerpoint/2010/main" val="3398364077"/>
+      </p:ext>
+    </p:extLst>
+  </p:cSld>
+  <p:clrMapOvr>
+    <a:masterClrMapping/>
+  </p:clrMapOvr>
+</p:sld>
+</file>
+
+<file path=ppt/slides/slide33.xml><?xml version="1.0" encoding="utf-8"?>
+<p:sld xmlns:a="http://schemas.openxmlformats.org/drawingml/2006/main" xmlns:r="http://schemas.openxmlformats.org/officeDocument/2006/relationships" xmlns:p="http://schemas.openxmlformats.org/presentationml/2006/main">
+  <p:cSld>
+    <p:spTree>
+      <p:nvGrpSpPr>
+        <p:cNvPr id="1" name=""/>
+        <p:cNvGrpSpPr/>
+        <p:nvPr/>
+      </p:nvGrpSpPr>
+      <p:grpSpPr>
+        <a:xfrm>
+          <a:off x="0" y="0"/>
+          <a:ext cx="0" cy="0"/>
+          <a:chOff x="0" y="0"/>
+          <a:chExt cx="0" cy="0"/>
+        </a:xfrm>
+      </p:grpSpPr>
+      <p:sp>
+        <p:nvSpPr>
+          <p:cNvPr id="4" name="Titre 1">
+            <a:extLst>
+              <a:ext uri="{FF2B5EF4-FFF2-40B4-BE49-F238E27FC236}">
+                <a16:creationId xmlns:a16="http://schemas.microsoft.com/office/drawing/2014/main" id="{960C1D7C-377E-4936-AFF5-23D603AD6FF4}"/>
+              </a:ext>
+            </a:extLst>
+          </p:cNvPr>
+          <p:cNvSpPr>
+            <a:spLocks noGrp="1"/>
+          </p:cNvSpPr>
+          <p:nvPr>
+            <p:ph type="title"/>
+          </p:nvPr>
+        </p:nvSpPr>
+        <p:spPr>
+          <a:xfrm>
+            <a:off x="838200" y="365125"/>
+            <a:ext cx="10515600" cy="1325563"/>
+          </a:xfrm>
+        </p:spPr>
+        <p:txBody>
+          <a:bodyPr/>
+          <a:lstStyle/>
+          <a:p>
+            <a:r>
+              <a:rPr lang="fr-FR" dirty="0"/>
+              <a:t>Etape 25 : Configuration des champs du formulaire</a:t>
+            </a:r>
+          </a:p>
+        </p:txBody>
+      </p:sp>
+      <p:sp>
+        <p:nvSpPr>
+          <p:cNvPr id="9" name="Espace réservé du contenu 2">
+            <a:extLst>
+              <a:ext uri="{FF2B5EF4-FFF2-40B4-BE49-F238E27FC236}">
+                <a16:creationId xmlns:a16="http://schemas.microsoft.com/office/drawing/2014/main" id="{EB812BAD-F986-4356-9B0E-865CD4B89634}"/>
+              </a:ext>
+            </a:extLst>
+          </p:cNvPr>
+          <p:cNvSpPr txBox="1">
+            <a:spLocks/>
+          </p:cNvSpPr>
+          <p:nvPr/>
+        </p:nvSpPr>
+        <p:spPr>
+          <a:xfrm>
+            <a:off x="999275" y="1828998"/>
+            <a:ext cx="4389120" cy="4351338"/>
+          </a:xfrm>
+          <a:prstGeom prst="rect">
+            <a:avLst/>
+          </a:prstGeom>
+        </p:spPr>
+        <p:txBody>
+          <a:bodyPr vert="horz" lIns="91440" tIns="45720" rIns="91440" bIns="45720" rtlCol="0">
+            <a:normAutofit/>
+          </a:bodyPr>
+          <a:lstStyle>
+            <a:lvl1pPr marL="228600" indent="-228600" algn="l" defTabSz="914400" rtl="0" eaLnBrk="1" latinLnBrk="0" hangingPunct="1">
+              <a:lnSpc>
+                <a:spcPct val="90000"/>
+              </a:lnSpc>
+              <a:spcBef>
+                <a:spcPts val="1000"/>
+              </a:spcBef>
+              <a:buFont typeface="Arial" panose="020B0604020202020204" pitchFamily="34" charset="0"/>
+              <a:buChar char="•"/>
+              <a:defRPr sz="2800" kern="1200">
+                <a:solidFill>
+                  <a:schemeClr val="tx1"/>
+                </a:solidFill>
+                <a:latin typeface="+mn-lt"/>
+                <a:ea typeface="+mn-ea"/>
+                <a:cs typeface="+mn-cs"/>
+              </a:defRPr>
+            </a:lvl1pPr>
+            <a:lvl2pPr marL="685800" indent="-228600" algn="l" defTabSz="914400" rtl="0" eaLnBrk="1" latinLnBrk="0" hangingPunct="1">
+              <a:lnSpc>
+                <a:spcPct val="90000"/>
+              </a:lnSpc>
+              <a:spcBef>
+                <a:spcPts val="500"/>
+              </a:spcBef>
+              <a:buFont typeface="Arial" panose="020B0604020202020204" pitchFamily="34" charset="0"/>
+              <a:buChar char="•"/>
+              <a:defRPr sz="2400" kern="1200">
+                <a:solidFill>
+                  <a:schemeClr val="tx1"/>
+                </a:solidFill>
+                <a:latin typeface="+mn-lt"/>
+                <a:ea typeface="+mn-ea"/>
+                <a:cs typeface="+mn-cs"/>
+              </a:defRPr>
+            </a:lvl2pPr>
+            <a:lvl3pPr marL="1143000" indent="-228600" algn="l" defTabSz="914400" rtl="0" eaLnBrk="1" latinLnBrk="0" hangingPunct="1">
+              <a:lnSpc>
+                <a:spcPct val="90000"/>
+              </a:lnSpc>
+              <a:spcBef>
+                <a:spcPts val="500"/>
+              </a:spcBef>
+              <a:buFont typeface="Arial" panose="020B0604020202020204" pitchFamily="34" charset="0"/>
+              <a:buChar char="•"/>
+              <a:defRPr sz="2000" kern="1200">
+                <a:solidFill>
+                  <a:schemeClr val="tx1"/>
+                </a:solidFill>
+                <a:latin typeface="+mn-lt"/>
+                <a:ea typeface="+mn-ea"/>
+                <a:cs typeface="+mn-cs"/>
+              </a:defRPr>
+            </a:lvl3pPr>
+            <a:lvl4pPr marL="1600200" indent="-228600" algn="l" defTabSz="914400" rtl="0" eaLnBrk="1" latinLnBrk="0" hangingPunct="1">
+              <a:lnSpc>
+                <a:spcPct val="90000"/>
+              </a:lnSpc>
+              <a:spcBef>
+                <a:spcPts val="500"/>
+              </a:spcBef>
+              <a:buFont typeface="Arial" panose="020B0604020202020204" pitchFamily="34" charset="0"/>
+              <a:buChar char="•"/>
+              <a:defRPr sz="1800" kern="1200">
+                <a:solidFill>
+                  <a:schemeClr val="tx1"/>
+                </a:solidFill>
+                <a:latin typeface="+mn-lt"/>
+                <a:ea typeface="+mn-ea"/>
+                <a:cs typeface="+mn-cs"/>
+              </a:defRPr>
+            </a:lvl4pPr>
+            <a:lvl5pPr marL="2057400" indent="-228600" algn="l" defTabSz="914400" rtl="0" eaLnBrk="1" latinLnBrk="0" hangingPunct="1">
+              <a:lnSpc>
+                <a:spcPct val="90000"/>
+              </a:lnSpc>
+              <a:spcBef>
+                <a:spcPts val="500"/>
+              </a:spcBef>
+              <a:buFont typeface="Arial" panose="020B0604020202020204" pitchFamily="34" charset="0"/>
+              <a:buChar char="•"/>
+              <a:defRPr sz="1800" kern="1200">
+                <a:solidFill>
+                  <a:schemeClr val="tx1"/>
+                </a:solidFill>
+                <a:latin typeface="+mn-lt"/>
+                <a:ea typeface="+mn-ea"/>
+                <a:cs typeface="+mn-cs"/>
+              </a:defRPr>
+            </a:lvl5pPr>
+            <a:lvl6pPr marL="2514600" indent="-228600" algn="l" defTabSz="914400" rtl="0" eaLnBrk="1" latinLnBrk="0" hangingPunct="1">
+              <a:lnSpc>
+                <a:spcPct val="90000"/>
+              </a:lnSpc>
+              <a:spcBef>
+                <a:spcPts val="500"/>
+              </a:spcBef>
+              <a:buFont typeface="Arial" panose="020B0604020202020204" pitchFamily="34" charset="0"/>
+              <a:buChar char="•"/>
+              <a:defRPr sz="1800" kern="1200">
+                <a:solidFill>
+                  <a:schemeClr val="tx1"/>
+                </a:solidFill>
+                <a:latin typeface="+mn-lt"/>
+                <a:ea typeface="+mn-ea"/>
+                <a:cs typeface="+mn-cs"/>
+              </a:defRPr>
+            </a:lvl6pPr>
+            <a:lvl7pPr marL="2971800" indent="-228600" algn="l" defTabSz="914400" rtl="0" eaLnBrk="1" latinLnBrk="0" hangingPunct="1">
+              <a:lnSpc>
+                <a:spcPct val="90000"/>
+              </a:lnSpc>
+              <a:spcBef>
+                <a:spcPts val="500"/>
+              </a:spcBef>
+              <a:buFont typeface="Arial" panose="020B0604020202020204" pitchFamily="34" charset="0"/>
+              <a:buChar char="•"/>
+              <a:defRPr sz="1800" kern="1200">
+                <a:solidFill>
+                  <a:schemeClr val="tx1"/>
+                </a:solidFill>
+                <a:latin typeface="+mn-lt"/>
+                <a:ea typeface="+mn-ea"/>
+                <a:cs typeface="+mn-cs"/>
+              </a:defRPr>
+            </a:lvl7pPr>
+            <a:lvl8pPr marL="3429000" indent="-228600" algn="l" defTabSz="914400" rtl="0" eaLnBrk="1" latinLnBrk="0" hangingPunct="1">
+              <a:lnSpc>
+                <a:spcPct val="90000"/>
+              </a:lnSpc>
+              <a:spcBef>
+                <a:spcPts val="500"/>
+              </a:spcBef>
+              <a:buFont typeface="Arial" panose="020B0604020202020204" pitchFamily="34" charset="0"/>
+              <a:buChar char="•"/>
+              <a:defRPr sz="1800" kern="1200">
+                <a:solidFill>
+                  <a:schemeClr val="tx1"/>
+                </a:solidFill>
+                <a:latin typeface="+mn-lt"/>
+                <a:ea typeface="+mn-ea"/>
+                <a:cs typeface="+mn-cs"/>
+              </a:defRPr>
+            </a:lvl8pPr>
+            <a:lvl9pPr marL="3886200" indent="-228600" algn="l" defTabSz="914400" rtl="0" eaLnBrk="1" latinLnBrk="0" hangingPunct="1">
+              <a:lnSpc>
+                <a:spcPct val="90000"/>
+              </a:lnSpc>
+              <a:spcBef>
+                <a:spcPts val="500"/>
+              </a:spcBef>
+              <a:buFont typeface="Arial" panose="020B0604020202020204" pitchFamily="34" charset="0"/>
+              <a:buChar char="•"/>
+              <a:defRPr sz="1800" kern="1200">
+                <a:solidFill>
+                  <a:schemeClr val="tx1"/>
+                </a:solidFill>
+                <a:latin typeface="+mn-lt"/>
+                <a:ea typeface="+mn-ea"/>
+                <a:cs typeface="+mn-cs"/>
+              </a:defRPr>
+            </a:lvl9pPr>
+          </a:lstStyle>
+          <a:p>
+            <a:pPr marL="0" indent="0">
+              <a:buFont typeface="Arial" panose="020B0604020202020204" pitchFamily="34" charset="0"/>
+              <a:buNone/>
+            </a:pPr>
+            <a:endParaRPr lang="fr-FR" sz="1400" dirty="0"/>
+          </a:p>
+        </p:txBody>
+      </p:sp>
+      <p:sp>
+        <p:nvSpPr>
+          <p:cNvPr id="11" name="Espace réservé du contenu 2">
+            <a:extLst>
+              <a:ext uri="{FF2B5EF4-FFF2-40B4-BE49-F238E27FC236}">
+                <a16:creationId xmlns:a16="http://schemas.microsoft.com/office/drawing/2014/main" id="{534F948C-D7ED-425C-B2BB-4056FDF0CEB3}"/>
+              </a:ext>
+            </a:extLst>
+          </p:cNvPr>
+          <p:cNvSpPr txBox="1">
+            <a:spLocks/>
+          </p:cNvSpPr>
+          <p:nvPr/>
+        </p:nvSpPr>
+        <p:spPr>
+          <a:xfrm>
+            <a:off x="6964679" y="1829196"/>
+            <a:ext cx="4389120" cy="4351338"/>
+          </a:xfrm>
+          <a:prstGeom prst="rect">
+            <a:avLst/>
+          </a:prstGeom>
+        </p:spPr>
+        <p:txBody>
+          <a:bodyPr vert="horz" lIns="91440" tIns="45720" rIns="91440" bIns="45720" rtlCol="0">
+            <a:normAutofit/>
+          </a:bodyPr>
+          <a:lstStyle>
+            <a:lvl1pPr marL="228600" indent="-228600" algn="l" defTabSz="914400" rtl="0" eaLnBrk="1" latinLnBrk="0" hangingPunct="1">
+              <a:lnSpc>
+                <a:spcPct val="90000"/>
+              </a:lnSpc>
+              <a:spcBef>
+                <a:spcPts val="1000"/>
+              </a:spcBef>
+              <a:buFont typeface="Arial" panose="020B0604020202020204" pitchFamily="34" charset="0"/>
+              <a:buChar char="•"/>
+              <a:defRPr sz="2800" kern="1200">
+                <a:solidFill>
+                  <a:schemeClr val="tx1"/>
+                </a:solidFill>
+                <a:latin typeface="+mn-lt"/>
+                <a:ea typeface="+mn-ea"/>
+                <a:cs typeface="+mn-cs"/>
+              </a:defRPr>
+            </a:lvl1pPr>
+            <a:lvl2pPr marL="685800" indent="-228600" algn="l" defTabSz="914400" rtl="0" eaLnBrk="1" latinLnBrk="0" hangingPunct="1">
+              <a:lnSpc>
+                <a:spcPct val="90000"/>
+              </a:lnSpc>
+              <a:spcBef>
+                <a:spcPts val="500"/>
+              </a:spcBef>
+              <a:buFont typeface="Arial" panose="020B0604020202020204" pitchFamily="34" charset="0"/>
+              <a:buChar char="•"/>
+              <a:defRPr sz="2400" kern="1200">
+                <a:solidFill>
+                  <a:schemeClr val="tx1"/>
+                </a:solidFill>
+                <a:latin typeface="+mn-lt"/>
+                <a:ea typeface="+mn-ea"/>
+                <a:cs typeface="+mn-cs"/>
+              </a:defRPr>
+            </a:lvl2pPr>
+            <a:lvl3pPr marL="1143000" indent="-228600" algn="l" defTabSz="914400" rtl="0" eaLnBrk="1" latinLnBrk="0" hangingPunct="1">
+              <a:lnSpc>
+                <a:spcPct val="90000"/>
+              </a:lnSpc>
+              <a:spcBef>
+                <a:spcPts val="500"/>
+              </a:spcBef>
+              <a:buFont typeface="Arial" panose="020B0604020202020204" pitchFamily="34" charset="0"/>
+              <a:buChar char="•"/>
+              <a:defRPr sz="2000" kern="1200">
+                <a:solidFill>
+                  <a:schemeClr val="tx1"/>
+                </a:solidFill>
+                <a:latin typeface="+mn-lt"/>
+                <a:ea typeface="+mn-ea"/>
+                <a:cs typeface="+mn-cs"/>
+              </a:defRPr>
+            </a:lvl3pPr>
+            <a:lvl4pPr marL="1600200" indent="-228600" algn="l" defTabSz="914400" rtl="0" eaLnBrk="1" latinLnBrk="0" hangingPunct="1">
+              <a:lnSpc>
+                <a:spcPct val="90000"/>
+              </a:lnSpc>
+              <a:spcBef>
+                <a:spcPts val="500"/>
+              </a:spcBef>
+              <a:buFont typeface="Arial" panose="020B0604020202020204" pitchFamily="34" charset="0"/>
+              <a:buChar char="•"/>
+              <a:defRPr sz="1800" kern="1200">
+                <a:solidFill>
+                  <a:schemeClr val="tx1"/>
+                </a:solidFill>
+                <a:latin typeface="+mn-lt"/>
+                <a:ea typeface="+mn-ea"/>
+                <a:cs typeface="+mn-cs"/>
+              </a:defRPr>
+            </a:lvl4pPr>
+            <a:lvl5pPr marL="2057400" indent="-228600" algn="l" defTabSz="914400" rtl="0" eaLnBrk="1" latinLnBrk="0" hangingPunct="1">
+              <a:lnSpc>
+                <a:spcPct val="90000"/>
+              </a:lnSpc>
+              <a:spcBef>
+                <a:spcPts val="500"/>
+              </a:spcBef>
+              <a:buFont typeface="Arial" panose="020B0604020202020204" pitchFamily="34" charset="0"/>
+              <a:buChar char="•"/>
+              <a:defRPr sz="1800" kern="1200">
+                <a:solidFill>
+                  <a:schemeClr val="tx1"/>
+                </a:solidFill>
+                <a:latin typeface="+mn-lt"/>
+                <a:ea typeface="+mn-ea"/>
+                <a:cs typeface="+mn-cs"/>
+              </a:defRPr>
+            </a:lvl5pPr>
+            <a:lvl6pPr marL="2514600" indent="-228600" algn="l" defTabSz="914400" rtl="0" eaLnBrk="1" latinLnBrk="0" hangingPunct="1">
+              <a:lnSpc>
+                <a:spcPct val="90000"/>
+              </a:lnSpc>
+              <a:spcBef>
+                <a:spcPts val="500"/>
+              </a:spcBef>
+              <a:buFont typeface="Arial" panose="020B0604020202020204" pitchFamily="34" charset="0"/>
+              <a:buChar char="•"/>
+              <a:defRPr sz="1800" kern="1200">
+                <a:solidFill>
+                  <a:schemeClr val="tx1"/>
+                </a:solidFill>
+                <a:latin typeface="+mn-lt"/>
+                <a:ea typeface="+mn-ea"/>
+                <a:cs typeface="+mn-cs"/>
+              </a:defRPr>
+            </a:lvl6pPr>
+            <a:lvl7pPr marL="2971800" indent="-228600" algn="l" defTabSz="914400" rtl="0" eaLnBrk="1" latinLnBrk="0" hangingPunct="1">
+              <a:lnSpc>
+                <a:spcPct val="90000"/>
+              </a:lnSpc>
+              <a:spcBef>
+                <a:spcPts val="500"/>
+              </a:spcBef>
+              <a:buFont typeface="Arial" panose="020B0604020202020204" pitchFamily="34" charset="0"/>
+              <a:buChar char="•"/>
+              <a:defRPr sz="1800" kern="1200">
+                <a:solidFill>
+                  <a:schemeClr val="tx1"/>
+                </a:solidFill>
+                <a:latin typeface="+mn-lt"/>
+                <a:ea typeface="+mn-ea"/>
+                <a:cs typeface="+mn-cs"/>
+              </a:defRPr>
+            </a:lvl7pPr>
+            <a:lvl8pPr marL="3429000" indent="-228600" algn="l" defTabSz="914400" rtl="0" eaLnBrk="1" latinLnBrk="0" hangingPunct="1">
+              <a:lnSpc>
+                <a:spcPct val="90000"/>
+              </a:lnSpc>
+              <a:spcBef>
+                <a:spcPts val="500"/>
+              </a:spcBef>
+              <a:buFont typeface="Arial" panose="020B0604020202020204" pitchFamily="34" charset="0"/>
+              <a:buChar char="•"/>
+              <a:defRPr sz="1800" kern="1200">
+                <a:solidFill>
+                  <a:schemeClr val="tx1"/>
+                </a:solidFill>
+                <a:latin typeface="+mn-lt"/>
+                <a:ea typeface="+mn-ea"/>
+                <a:cs typeface="+mn-cs"/>
+              </a:defRPr>
+            </a:lvl8pPr>
+            <a:lvl9pPr marL="3886200" indent="-228600" algn="l" defTabSz="914400" rtl="0" eaLnBrk="1" latinLnBrk="0" hangingPunct="1">
+              <a:lnSpc>
+                <a:spcPct val="90000"/>
+              </a:lnSpc>
+              <a:spcBef>
+                <a:spcPts val="500"/>
+              </a:spcBef>
+              <a:buFont typeface="Arial" panose="020B0604020202020204" pitchFamily="34" charset="0"/>
+              <a:buChar char="•"/>
+              <a:defRPr sz="1800" kern="1200">
+                <a:solidFill>
+                  <a:schemeClr val="tx1"/>
+                </a:solidFill>
+                <a:latin typeface="+mn-lt"/>
+                <a:ea typeface="+mn-ea"/>
+                <a:cs typeface="+mn-cs"/>
+              </a:defRPr>
+            </a:lvl9pPr>
+          </a:lstStyle>
+          <a:p>
+            <a:pPr marL="0" indent="0">
+              <a:buFont typeface="Arial" panose="020B0604020202020204" pitchFamily="34" charset="0"/>
+              <a:buNone/>
+            </a:pPr>
+            <a:endParaRPr lang="fr-FR" sz="1400" dirty="0"/>
+          </a:p>
+          <a:p>
+            <a:pPr marL="0" indent="0">
+              <a:buFont typeface="Arial" panose="020B0604020202020204" pitchFamily="34" charset="0"/>
+              <a:buNone/>
+            </a:pPr>
+            <a:endParaRPr lang="fr-FR" sz="1400" dirty="0"/>
+          </a:p>
+        </p:txBody>
+      </p:sp>
+      <p:pic>
+        <p:nvPicPr>
+          <p:cNvPr id="2" name="Image 1">
+            <a:extLst>
+              <a:ext uri="{FF2B5EF4-FFF2-40B4-BE49-F238E27FC236}">
+                <a16:creationId xmlns:a16="http://schemas.microsoft.com/office/drawing/2014/main" id="{A534D457-DA31-40AB-825E-BB6897B07182}"/>
+              </a:ext>
+            </a:extLst>
+          </p:cNvPr>
+          <p:cNvPicPr>
+            <a:picLocks noChangeAspect="1"/>
+          </p:cNvPicPr>
+          <p:nvPr/>
+        </p:nvPicPr>
+        <p:blipFill>
+          <a:blip r:embed="rId2"/>
+          <a:stretch>
+            <a:fillRect/>
+          </a:stretch>
+        </p:blipFill>
+        <p:spPr>
+          <a:xfrm>
+            <a:off x="681037" y="1828999"/>
+            <a:ext cx="10829925" cy="4351338"/>
+          </a:xfrm>
+          <a:prstGeom prst="rect">
+            <a:avLst/>
+          </a:prstGeom>
+        </p:spPr>
+      </p:pic>
+    </p:spTree>
+    <p:extLst>
+      <p:ext uri="{BB962C8B-B14F-4D97-AF65-F5344CB8AC3E}">
+        <p14:creationId xmlns:p14="http://schemas.microsoft.com/office/powerpoint/2010/main" val="826168022"/>
+      </p:ext>
+    </p:extLst>
+  </p:cSld>
+  <p:clrMapOvr>
+    <a:masterClrMapping/>
+  </p:clrMapOvr>
+</p:sld>
+</file>
+
+<file path=ppt/slides/slide34.xml><?xml version="1.0" encoding="utf-8"?>
+<p:sld xmlns:a="http://schemas.openxmlformats.org/drawingml/2006/main" xmlns:r="http://schemas.openxmlformats.org/officeDocument/2006/relationships" xmlns:p="http://schemas.openxmlformats.org/presentationml/2006/main">
+  <p:cSld>
+    <p:spTree>
+      <p:nvGrpSpPr>
+        <p:cNvPr id="1" name=""/>
+        <p:cNvGrpSpPr/>
+        <p:nvPr/>
+      </p:nvGrpSpPr>
+      <p:grpSpPr>
+        <a:xfrm>
+          <a:off x="0" y="0"/>
+          <a:ext cx="0" cy="0"/>
+          <a:chOff x="0" y="0"/>
+          <a:chExt cx="0" cy="0"/>
+        </a:xfrm>
+      </p:grpSpPr>
+      <p:sp>
+        <p:nvSpPr>
+          <p:cNvPr id="4" name="Titre 1">
+            <a:extLst>
+              <a:ext uri="{FF2B5EF4-FFF2-40B4-BE49-F238E27FC236}">
+                <a16:creationId xmlns:a16="http://schemas.microsoft.com/office/drawing/2014/main" id="{960C1D7C-377E-4936-AFF5-23D603AD6FF4}"/>
+              </a:ext>
+            </a:extLst>
+          </p:cNvPr>
+          <p:cNvSpPr>
+            <a:spLocks noGrp="1"/>
+          </p:cNvSpPr>
+          <p:nvPr>
+            <p:ph type="title"/>
+          </p:nvPr>
+        </p:nvSpPr>
+        <p:spPr>
+          <a:xfrm>
+            <a:off x="838200" y="365125"/>
+            <a:ext cx="10515600" cy="1325563"/>
+          </a:xfrm>
+        </p:spPr>
+        <p:txBody>
+          <a:bodyPr/>
+          <a:lstStyle/>
+          <a:p>
+            <a:r>
+              <a:rPr lang="fr-FR" dirty="0"/>
+              <a:t>Etape 26 : Configuration des champs du formulaire</a:t>
+            </a:r>
+          </a:p>
+        </p:txBody>
+      </p:sp>
+      <p:sp>
+        <p:nvSpPr>
+          <p:cNvPr id="9" name="Espace réservé du contenu 2">
+            <a:extLst>
+              <a:ext uri="{FF2B5EF4-FFF2-40B4-BE49-F238E27FC236}">
+                <a16:creationId xmlns:a16="http://schemas.microsoft.com/office/drawing/2014/main" id="{EB812BAD-F986-4356-9B0E-865CD4B89634}"/>
+              </a:ext>
+            </a:extLst>
+          </p:cNvPr>
+          <p:cNvSpPr txBox="1">
+            <a:spLocks/>
+          </p:cNvSpPr>
+          <p:nvPr/>
+        </p:nvSpPr>
+        <p:spPr>
+          <a:xfrm>
+            <a:off x="999275" y="1828998"/>
+            <a:ext cx="4389120" cy="4351338"/>
+          </a:xfrm>
+          <a:prstGeom prst="rect">
+            <a:avLst/>
+          </a:prstGeom>
+        </p:spPr>
+        <p:txBody>
+          <a:bodyPr vert="horz" lIns="91440" tIns="45720" rIns="91440" bIns="45720" rtlCol="0">
+            <a:normAutofit/>
+          </a:bodyPr>
+          <a:lstStyle>
+            <a:lvl1pPr marL="228600" indent="-228600" algn="l" defTabSz="914400" rtl="0" eaLnBrk="1" latinLnBrk="0" hangingPunct="1">
+              <a:lnSpc>
+                <a:spcPct val="90000"/>
+              </a:lnSpc>
+              <a:spcBef>
+                <a:spcPts val="1000"/>
+              </a:spcBef>
+              <a:buFont typeface="Arial" panose="020B0604020202020204" pitchFamily="34" charset="0"/>
+              <a:buChar char="•"/>
+              <a:defRPr sz="2800" kern="1200">
+                <a:solidFill>
+                  <a:schemeClr val="tx1"/>
+                </a:solidFill>
+                <a:latin typeface="+mn-lt"/>
+                <a:ea typeface="+mn-ea"/>
+                <a:cs typeface="+mn-cs"/>
+              </a:defRPr>
+            </a:lvl1pPr>
+            <a:lvl2pPr marL="685800" indent="-228600" algn="l" defTabSz="914400" rtl="0" eaLnBrk="1" latinLnBrk="0" hangingPunct="1">
+              <a:lnSpc>
+                <a:spcPct val="90000"/>
+              </a:lnSpc>
+              <a:spcBef>
+                <a:spcPts val="500"/>
+              </a:spcBef>
+              <a:buFont typeface="Arial" panose="020B0604020202020204" pitchFamily="34" charset="0"/>
+              <a:buChar char="•"/>
+              <a:defRPr sz="2400" kern="1200">
+                <a:solidFill>
+                  <a:schemeClr val="tx1"/>
+                </a:solidFill>
+                <a:latin typeface="+mn-lt"/>
+                <a:ea typeface="+mn-ea"/>
+                <a:cs typeface="+mn-cs"/>
+              </a:defRPr>
+            </a:lvl2pPr>
+            <a:lvl3pPr marL="1143000" indent="-228600" algn="l" defTabSz="914400" rtl="0" eaLnBrk="1" latinLnBrk="0" hangingPunct="1">
+              <a:lnSpc>
+                <a:spcPct val="90000"/>
+              </a:lnSpc>
+              <a:spcBef>
+                <a:spcPts val="500"/>
+              </a:spcBef>
+              <a:buFont typeface="Arial" panose="020B0604020202020204" pitchFamily="34" charset="0"/>
+              <a:buChar char="•"/>
+              <a:defRPr sz="2000" kern="1200">
+                <a:solidFill>
+                  <a:schemeClr val="tx1"/>
+                </a:solidFill>
+                <a:latin typeface="+mn-lt"/>
+                <a:ea typeface="+mn-ea"/>
+                <a:cs typeface="+mn-cs"/>
+              </a:defRPr>
+            </a:lvl3pPr>
+            <a:lvl4pPr marL="1600200" indent="-228600" algn="l" defTabSz="914400" rtl="0" eaLnBrk="1" latinLnBrk="0" hangingPunct="1">
+              <a:lnSpc>
+                <a:spcPct val="90000"/>
+              </a:lnSpc>
+              <a:spcBef>
+                <a:spcPts val="500"/>
+              </a:spcBef>
+              <a:buFont typeface="Arial" panose="020B0604020202020204" pitchFamily="34" charset="0"/>
+              <a:buChar char="•"/>
+              <a:defRPr sz="1800" kern="1200">
+                <a:solidFill>
+                  <a:schemeClr val="tx1"/>
+                </a:solidFill>
+                <a:latin typeface="+mn-lt"/>
+                <a:ea typeface="+mn-ea"/>
+                <a:cs typeface="+mn-cs"/>
+              </a:defRPr>
+            </a:lvl4pPr>
+            <a:lvl5pPr marL="2057400" indent="-228600" algn="l" defTabSz="914400" rtl="0" eaLnBrk="1" latinLnBrk="0" hangingPunct="1">
+              <a:lnSpc>
+                <a:spcPct val="90000"/>
+              </a:lnSpc>
+              <a:spcBef>
+                <a:spcPts val="500"/>
+              </a:spcBef>
+              <a:buFont typeface="Arial" panose="020B0604020202020204" pitchFamily="34" charset="0"/>
+              <a:buChar char="•"/>
+              <a:defRPr sz="1800" kern="1200">
+                <a:solidFill>
+                  <a:schemeClr val="tx1"/>
+                </a:solidFill>
+                <a:latin typeface="+mn-lt"/>
+                <a:ea typeface="+mn-ea"/>
+                <a:cs typeface="+mn-cs"/>
+              </a:defRPr>
+            </a:lvl5pPr>
+            <a:lvl6pPr marL="2514600" indent="-228600" algn="l" defTabSz="914400" rtl="0" eaLnBrk="1" latinLnBrk="0" hangingPunct="1">
+              <a:lnSpc>
+                <a:spcPct val="90000"/>
+              </a:lnSpc>
+              <a:spcBef>
+                <a:spcPts val="500"/>
+              </a:spcBef>
+              <a:buFont typeface="Arial" panose="020B0604020202020204" pitchFamily="34" charset="0"/>
+              <a:buChar char="•"/>
+              <a:defRPr sz="1800" kern="1200">
+                <a:solidFill>
+                  <a:schemeClr val="tx1"/>
+                </a:solidFill>
+                <a:latin typeface="+mn-lt"/>
+                <a:ea typeface="+mn-ea"/>
+                <a:cs typeface="+mn-cs"/>
+              </a:defRPr>
+            </a:lvl6pPr>
+            <a:lvl7pPr marL="2971800" indent="-228600" algn="l" defTabSz="914400" rtl="0" eaLnBrk="1" latinLnBrk="0" hangingPunct="1">
+              <a:lnSpc>
+                <a:spcPct val="90000"/>
+              </a:lnSpc>
+              <a:spcBef>
+                <a:spcPts val="500"/>
+              </a:spcBef>
+              <a:buFont typeface="Arial" panose="020B0604020202020204" pitchFamily="34" charset="0"/>
+              <a:buChar char="•"/>
+              <a:defRPr sz="1800" kern="1200">
+                <a:solidFill>
+                  <a:schemeClr val="tx1"/>
+                </a:solidFill>
+                <a:latin typeface="+mn-lt"/>
+                <a:ea typeface="+mn-ea"/>
+                <a:cs typeface="+mn-cs"/>
+              </a:defRPr>
+            </a:lvl7pPr>
+            <a:lvl8pPr marL="3429000" indent="-228600" algn="l" defTabSz="914400" rtl="0" eaLnBrk="1" latinLnBrk="0" hangingPunct="1">
+              <a:lnSpc>
+                <a:spcPct val="90000"/>
+              </a:lnSpc>
+              <a:spcBef>
+                <a:spcPts val="500"/>
+              </a:spcBef>
+              <a:buFont typeface="Arial" panose="020B0604020202020204" pitchFamily="34" charset="0"/>
+              <a:buChar char="•"/>
+              <a:defRPr sz="1800" kern="1200">
+                <a:solidFill>
+                  <a:schemeClr val="tx1"/>
+                </a:solidFill>
+                <a:latin typeface="+mn-lt"/>
+                <a:ea typeface="+mn-ea"/>
+                <a:cs typeface="+mn-cs"/>
+              </a:defRPr>
+            </a:lvl8pPr>
+            <a:lvl9pPr marL="3886200" indent="-228600" algn="l" defTabSz="914400" rtl="0" eaLnBrk="1" latinLnBrk="0" hangingPunct="1">
+              <a:lnSpc>
+                <a:spcPct val="90000"/>
+              </a:lnSpc>
+              <a:spcBef>
+                <a:spcPts val="500"/>
+              </a:spcBef>
+              <a:buFont typeface="Arial" panose="020B0604020202020204" pitchFamily="34" charset="0"/>
+              <a:buChar char="•"/>
+              <a:defRPr sz="1800" kern="1200">
+                <a:solidFill>
+                  <a:schemeClr val="tx1"/>
+                </a:solidFill>
+                <a:latin typeface="+mn-lt"/>
+                <a:ea typeface="+mn-ea"/>
+                <a:cs typeface="+mn-cs"/>
+              </a:defRPr>
+            </a:lvl9pPr>
+          </a:lstStyle>
+          <a:p>
+            <a:pPr marL="0" indent="0">
+              <a:buFont typeface="Arial" panose="020B0604020202020204" pitchFamily="34" charset="0"/>
+              <a:buNone/>
+            </a:pPr>
+            <a:endParaRPr lang="fr-FR" sz="1400" dirty="0"/>
+          </a:p>
+        </p:txBody>
+      </p:sp>
+      <p:sp>
+        <p:nvSpPr>
+          <p:cNvPr id="11" name="Espace réservé du contenu 2">
+            <a:extLst>
+              <a:ext uri="{FF2B5EF4-FFF2-40B4-BE49-F238E27FC236}">
+                <a16:creationId xmlns:a16="http://schemas.microsoft.com/office/drawing/2014/main" id="{534F948C-D7ED-425C-B2BB-4056FDF0CEB3}"/>
+              </a:ext>
+            </a:extLst>
+          </p:cNvPr>
+          <p:cNvSpPr txBox="1">
+            <a:spLocks/>
+          </p:cNvSpPr>
+          <p:nvPr/>
+        </p:nvSpPr>
+        <p:spPr>
+          <a:xfrm>
+            <a:off x="6964679" y="1829196"/>
+            <a:ext cx="4389120" cy="4351338"/>
+          </a:xfrm>
+          <a:prstGeom prst="rect">
+            <a:avLst/>
+          </a:prstGeom>
+        </p:spPr>
+        <p:txBody>
+          <a:bodyPr vert="horz" lIns="91440" tIns="45720" rIns="91440" bIns="45720" rtlCol="0">
+            <a:normAutofit/>
+          </a:bodyPr>
+          <a:lstStyle>
+            <a:lvl1pPr marL="228600" indent="-228600" algn="l" defTabSz="914400" rtl="0" eaLnBrk="1" latinLnBrk="0" hangingPunct="1">
+              <a:lnSpc>
+                <a:spcPct val="90000"/>
+              </a:lnSpc>
+              <a:spcBef>
+                <a:spcPts val="1000"/>
+              </a:spcBef>
+              <a:buFont typeface="Arial" panose="020B0604020202020204" pitchFamily="34" charset="0"/>
+              <a:buChar char="•"/>
+              <a:defRPr sz="2800" kern="1200">
+                <a:solidFill>
+                  <a:schemeClr val="tx1"/>
+                </a:solidFill>
+                <a:latin typeface="+mn-lt"/>
+                <a:ea typeface="+mn-ea"/>
+                <a:cs typeface="+mn-cs"/>
+              </a:defRPr>
+            </a:lvl1pPr>
+            <a:lvl2pPr marL="685800" indent="-228600" algn="l" defTabSz="914400" rtl="0" eaLnBrk="1" latinLnBrk="0" hangingPunct="1">
+              <a:lnSpc>
+                <a:spcPct val="90000"/>
+              </a:lnSpc>
+              <a:spcBef>
+                <a:spcPts val="500"/>
+              </a:spcBef>
+              <a:buFont typeface="Arial" panose="020B0604020202020204" pitchFamily="34" charset="0"/>
+              <a:buChar char="•"/>
+              <a:defRPr sz="2400" kern="1200">
+                <a:solidFill>
+                  <a:schemeClr val="tx1"/>
+                </a:solidFill>
+                <a:latin typeface="+mn-lt"/>
+                <a:ea typeface="+mn-ea"/>
+                <a:cs typeface="+mn-cs"/>
+              </a:defRPr>
+            </a:lvl2pPr>
+            <a:lvl3pPr marL="1143000" indent="-228600" algn="l" defTabSz="914400" rtl="0" eaLnBrk="1" latinLnBrk="0" hangingPunct="1">
+              <a:lnSpc>
+                <a:spcPct val="90000"/>
+              </a:lnSpc>
+              <a:spcBef>
+                <a:spcPts val="500"/>
+              </a:spcBef>
+              <a:buFont typeface="Arial" panose="020B0604020202020204" pitchFamily="34" charset="0"/>
+              <a:buChar char="•"/>
+              <a:defRPr sz="2000" kern="1200">
+                <a:solidFill>
+                  <a:schemeClr val="tx1"/>
+                </a:solidFill>
+                <a:latin typeface="+mn-lt"/>
+                <a:ea typeface="+mn-ea"/>
+                <a:cs typeface="+mn-cs"/>
+              </a:defRPr>
+            </a:lvl3pPr>
+            <a:lvl4pPr marL="1600200" indent="-228600" algn="l" defTabSz="914400" rtl="0" eaLnBrk="1" latinLnBrk="0" hangingPunct="1">
+              <a:lnSpc>
+                <a:spcPct val="90000"/>
+              </a:lnSpc>
+              <a:spcBef>
+                <a:spcPts val="500"/>
+              </a:spcBef>
+              <a:buFont typeface="Arial" panose="020B0604020202020204" pitchFamily="34" charset="0"/>
+              <a:buChar char="•"/>
+              <a:defRPr sz="1800" kern="1200">
+                <a:solidFill>
+                  <a:schemeClr val="tx1"/>
+                </a:solidFill>
+                <a:latin typeface="+mn-lt"/>
+                <a:ea typeface="+mn-ea"/>
+                <a:cs typeface="+mn-cs"/>
+              </a:defRPr>
+            </a:lvl4pPr>
+            <a:lvl5pPr marL="2057400" indent="-228600" algn="l" defTabSz="914400" rtl="0" eaLnBrk="1" latinLnBrk="0" hangingPunct="1">
+              <a:lnSpc>
+                <a:spcPct val="90000"/>
+              </a:lnSpc>
+              <a:spcBef>
+                <a:spcPts val="500"/>
+              </a:spcBef>
+              <a:buFont typeface="Arial" panose="020B0604020202020204" pitchFamily="34" charset="0"/>
+              <a:buChar char="•"/>
+              <a:defRPr sz="1800" kern="1200">
+                <a:solidFill>
+                  <a:schemeClr val="tx1"/>
+                </a:solidFill>
+                <a:latin typeface="+mn-lt"/>
+                <a:ea typeface="+mn-ea"/>
+                <a:cs typeface="+mn-cs"/>
+              </a:defRPr>
+            </a:lvl5pPr>
+            <a:lvl6pPr marL="2514600" indent="-228600" algn="l" defTabSz="914400" rtl="0" eaLnBrk="1" latinLnBrk="0" hangingPunct="1">
+              <a:lnSpc>
+                <a:spcPct val="90000"/>
+              </a:lnSpc>
+              <a:spcBef>
+                <a:spcPts val="500"/>
+              </a:spcBef>
+              <a:buFont typeface="Arial" panose="020B0604020202020204" pitchFamily="34" charset="0"/>
+              <a:buChar char="•"/>
+              <a:defRPr sz="1800" kern="1200">
+                <a:solidFill>
+                  <a:schemeClr val="tx1"/>
+                </a:solidFill>
+                <a:latin typeface="+mn-lt"/>
+                <a:ea typeface="+mn-ea"/>
+                <a:cs typeface="+mn-cs"/>
+              </a:defRPr>
+            </a:lvl6pPr>
+            <a:lvl7pPr marL="2971800" indent="-228600" algn="l" defTabSz="914400" rtl="0" eaLnBrk="1" latinLnBrk="0" hangingPunct="1">
+              <a:lnSpc>
+                <a:spcPct val="90000"/>
+              </a:lnSpc>
+              <a:spcBef>
+                <a:spcPts val="500"/>
+              </a:spcBef>
+              <a:buFont typeface="Arial" panose="020B0604020202020204" pitchFamily="34" charset="0"/>
+              <a:buChar char="•"/>
+              <a:defRPr sz="1800" kern="1200">
+                <a:solidFill>
+                  <a:schemeClr val="tx1"/>
+                </a:solidFill>
+                <a:latin typeface="+mn-lt"/>
+                <a:ea typeface="+mn-ea"/>
+                <a:cs typeface="+mn-cs"/>
+              </a:defRPr>
+            </a:lvl7pPr>
+            <a:lvl8pPr marL="3429000" indent="-228600" algn="l" defTabSz="914400" rtl="0" eaLnBrk="1" latinLnBrk="0" hangingPunct="1">
+              <a:lnSpc>
+                <a:spcPct val="90000"/>
+              </a:lnSpc>
+              <a:spcBef>
+                <a:spcPts val="500"/>
+              </a:spcBef>
+              <a:buFont typeface="Arial" panose="020B0604020202020204" pitchFamily="34" charset="0"/>
+              <a:buChar char="•"/>
+              <a:defRPr sz="1800" kern="1200">
+                <a:solidFill>
+                  <a:schemeClr val="tx1"/>
+                </a:solidFill>
+                <a:latin typeface="+mn-lt"/>
+                <a:ea typeface="+mn-ea"/>
+                <a:cs typeface="+mn-cs"/>
+              </a:defRPr>
+            </a:lvl8pPr>
+            <a:lvl9pPr marL="3886200" indent="-228600" algn="l" defTabSz="914400" rtl="0" eaLnBrk="1" latinLnBrk="0" hangingPunct="1">
+              <a:lnSpc>
+                <a:spcPct val="90000"/>
+              </a:lnSpc>
+              <a:spcBef>
+                <a:spcPts val="500"/>
+              </a:spcBef>
+              <a:buFont typeface="Arial" panose="020B0604020202020204" pitchFamily="34" charset="0"/>
+              <a:buChar char="•"/>
+              <a:defRPr sz="1800" kern="1200">
+                <a:solidFill>
+                  <a:schemeClr val="tx1"/>
+                </a:solidFill>
+                <a:latin typeface="+mn-lt"/>
+                <a:ea typeface="+mn-ea"/>
+                <a:cs typeface="+mn-cs"/>
+              </a:defRPr>
+            </a:lvl9pPr>
+          </a:lstStyle>
+          <a:p>
+            <a:pPr marL="0" indent="0">
+              <a:buFont typeface="Arial" panose="020B0604020202020204" pitchFamily="34" charset="0"/>
+              <a:buNone/>
+            </a:pPr>
+            <a:endParaRPr lang="fr-FR" sz="1400" dirty="0"/>
+          </a:p>
+          <a:p>
+            <a:pPr marL="0" indent="0">
+              <a:buFont typeface="Arial" panose="020B0604020202020204" pitchFamily="34" charset="0"/>
+              <a:buNone/>
+            </a:pPr>
+            <a:endParaRPr lang="fr-FR" sz="1400" dirty="0"/>
+          </a:p>
+        </p:txBody>
+      </p:sp>
+      <p:sp>
+        <p:nvSpPr>
+          <p:cNvPr id="6" name="Espace réservé du contenu 2">
+            <a:extLst>
+              <a:ext uri="{FF2B5EF4-FFF2-40B4-BE49-F238E27FC236}">
+                <a16:creationId xmlns:a16="http://schemas.microsoft.com/office/drawing/2014/main" id="{34335F63-C847-4B39-B9FC-52D3F26570BD}"/>
+              </a:ext>
+            </a:extLst>
+          </p:cNvPr>
+          <p:cNvSpPr txBox="1">
+            <a:spLocks/>
+          </p:cNvSpPr>
+          <p:nvPr/>
+        </p:nvSpPr>
+        <p:spPr>
+          <a:xfrm>
+            <a:off x="838200" y="1828998"/>
+            <a:ext cx="4389120" cy="4351338"/>
+          </a:xfrm>
+          <a:prstGeom prst="rect">
+            <a:avLst/>
+          </a:prstGeom>
+        </p:spPr>
+        <p:txBody>
+          <a:bodyPr vert="horz" lIns="91440" tIns="45720" rIns="91440" bIns="45720" rtlCol="0">
+            <a:normAutofit fontScale="92500"/>
+          </a:bodyPr>
+          <a:lstStyle>
+            <a:lvl1pPr marL="228600" indent="-228600" algn="l" defTabSz="914400" rtl="0" eaLnBrk="1" latinLnBrk="0" hangingPunct="1">
+              <a:lnSpc>
+                <a:spcPct val="90000"/>
+              </a:lnSpc>
+              <a:spcBef>
+                <a:spcPts val="1000"/>
+              </a:spcBef>
+              <a:buFont typeface="Arial" panose="020B0604020202020204" pitchFamily="34" charset="0"/>
+              <a:buChar char="•"/>
+              <a:defRPr sz="2800" kern="1200">
+                <a:solidFill>
+                  <a:schemeClr val="tx1"/>
+                </a:solidFill>
+                <a:latin typeface="+mn-lt"/>
+                <a:ea typeface="+mn-ea"/>
+                <a:cs typeface="+mn-cs"/>
+              </a:defRPr>
+            </a:lvl1pPr>
+            <a:lvl2pPr marL="685800" indent="-228600" algn="l" defTabSz="914400" rtl="0" eaLnBrk="1" latinLnBrk="0" hangingPunct="1">
+              <a:lnSpc>
+                <a:spcPct val="90000"/>
+              </a:lnSpc>
+              <a:spcBef>
+                <a:spcPts val="500"/>
+              </a:spcBef>
+              <a:buFont typeface="Arial" panose="020B0604020202020204" pitchFamily="34" charset="0"/>
+              <a:buChar char="•"/>
+              <a:defRPr sz="2400" kern="1200">
+                <a:solidFill>
+                  <a:schemeClr val="tx1"/>
+                </a:solidFill>
+                <a:latin typeface="+mn-lt"/>
+                <a:ea typeface="+mn-ea"/>
+                <a:cs typeface="+mn-cs"/>
+              </a:defRPr>
+            </a:lvl2pPr>
+            <a:lvl3pPr marL="1143000" indent="-228600" algn="l" defTabSz="914400" rtl="0" eaLnBrk="1" latinLnBrk="0" hangingPunct="1">
+              <a:lnSpc>
+                <a:spcPct val="90000"/>
+              </a:lnSpc>
+              <a:spcBef>
+                <a:spcPts val="500"/>
+              </a:spcBef>
+              <a:buFont typeface="Arial" panose="020B0604020202020204" pitchFamily="34" charset="0"/>
+              <a:buChar char="•"/>
+              <a:defRPr sz="2000" kern="1200">
+                <a:solidFill>
+                  <a:schemeClr val="tx1"/>
+                </a:solidFill>
+                <a:latin typeface="+mn-lt"/>
+                <a:ea typeface="+mn-ea"/>
+                <a:cs typeface="+mn-cs"/>
+              </a:defRPr>
+            </a:lvl3pPr>
+            <a:lvl4pPr marL="1600200" indent="-228600" algn="l" defTabSz="914400" rtl="0" eaLnBrk="1" latinLnBrk="0" hangingPunct="1">
+              <a:lnSpc>
+                <a:spcPct val="90000"/>
+              </a:lnSpc>
+              <a:spcBef>
+                <a:spcPts val="500"/>
+              </a:spcBef>
+              <a:buFont typeface="Arial" panose="020B0604020202020204" pitchFamily="34" charset="0"/>
+              <a:buChar char="•"/>
+              <a:defRPr sz="1800" kern="1200">
+                <a:solidFill>
+                  <a:schemeClr val="tx1"/>
+                </a:solidFill>
+                <a:latin typeface="+mn-lt"/>
+                <a:ea typeface="+mn-ea"/>
+                <a:cs typeface="+mn-cs"/>
+              </a:defRPr>
+            </a:lvl4pPr>
+            <a:lvl5pPr marL="2057400" indent="-228600" algn="l" defTabSz="914400" rtl="0" eaLnBrk="1" latinLnBrk="0" hangingPunct="1">
+              <a:lnSpc>
+                <a:spcPct val="90000"/>
+              </a:lnSpc>
+              <a:spcBef>
+                <a:spcPts val="500"/>
+              </a:spcBef>
+              <a:buFont typeface="Arial" panose="020B0604020202020204" pitchFamily="34" charset="0"/>
+              <a:buChar char="•"/>
+              <a:defRPr sz="1800" kern="1200">
+                <a:solidFill>
+                  <a:schemeClr val="tx1"/>
+                </a:solidFill>
+                <a:latin typeface="+mn-lt"/>
+                <a:ea typeface="+mn-ea"/>
+                <a:cs typeface="+mn-cs"/>
+              </a:defRPr>
+            </a:lvl5pPr>
+            <a:lvl6pPr marL="2514600" indent="-228600" algn="l" defTabSz="914400" rtl="0" eaLnBrk="1" latinLnBrk="0" hangingPunct="1">
+              <a:lnSpc>
+                <a:spcPct val="90000"/>
+              </a:lnSpc>
+              <a:spcBef>
+                <a:spcPts val="500"/>
+              </a:spcBef>
+              <a:buFont typeface="Arial" panose="020B0604020202020204" pitchFamily="34" charset="0"/>
+              <a:buChar char="•"/>
+              <a:defRPr sz="1800" kern="1200">
+                <a:solidFill>
+                  <a:schemeClr val="tx1"/>
+                </a:solidFill>
+                <a:latin typeface="+mn-lt"/>
+                <a:ea typeface="+mn-ea"/>
+                <a:cs typeface="+mn-cs"/>
+              </a:defRPr>
+            </a:lvl6pPr>
+            <a:lvl7pPr marL="2971800" indent="-228600" algn="l" defTabSz="914400" rtl="0" eaLnBrk="1" latinLnBrk="0" hangingPunct="1">
+              <a:lnSpc>
+                <a:spcPct val="90000"/>
+              </a:lnSpc>
+              <a:spcBef>
+                <a:spcPts val="500"/>
+              </a:spcBef>
+              <a:buFont typeface="Arial" panose="020B0604020202020204" pitchFamily="34" charset="0"/>
+              <a:buChar char="•"/>
+              <a:defRPr sz="1800" kern="1200">
+                <a:solidFill>
+                  <a:schemeClr val="tx1"/>
+                </a:solidFill>
+                <a:latin typeface="+mn-lt"/>
+                <a:ea typeface="+mn-ea"/>
+                <a:cs typeface="+mn-cs"/>
+              </a:defRPr>
+            </a:lvl7pPr>
+            <a:lvl8pPr marL="3429000" indent="-228600" algn="l" defTabSz="914400" rtl="0" eaLnBrk="1" latinLnBrk="0" hangingPunct="1">
+              <a:lnSpc>
+                <a:spcPct val="90000"/>
+              </a:lnSpc>
+              <a:spcBef>
+                <a:spcPts val="500"/>
+              </a:spcBef>
+              <a:buFont typeface="Arial" panose="020B0604020202020204" pitchFamily="34" charset="0"/>
+              <a:buChar char="•"/>
+              <a:defRPr sz="1800" kern="1200">
+                <a:solidFill>
+                  <a:schemeClr val="tx1"/>
+                </a:solidFill>
+                <a:latin typeface="+mn-lt"/>
+                <a:ea typeface="+mn-ea"/>
+                <a:cs typeface="+mn-cs"/>
+              </a:defRPr>
+            </a:lvl8pPr>
+            <a:lvl9pPr marL="3886200" indent="-228600" algn="l" defTabSz="914400" rtl="0" eaLnBrk="1" latinLnBrk="0" hangingPunct="1">
+              <a:lnSpc>
+                <a:spcPct val="90000"/>
+              </a:lnSpc>
+              <a:spcBef>
+                <a:spcPts val="500"/>
+              </a:spcBef>
+              <a:buFont typeface="Arial" panose="020B0604020202020204" pitchFamily="34" charset="0"/>
+              <a:buChar char="•"/>
+              <a:defRPr sz="1800" kern="1200">
+                <a:solidFill>
+                  <a:schemeClr val="tx1"/>
+                </a:solidFill>
+                <a:latin typeface="+mn-lt"/>
+                <a:ea typeface="+mn-ea"/>
+                <a:cs typeface="+mn-cs"/>
+              </a:defRPr>
+            </a:lvl9pPr>
+          </a:lstStyle>
+          <a:p>
+            <a:pPr marL="0" indent="0">
+              <a:buFont typeface="Arial" panose="020B0604020202020204" pitchFamily="34" charset="0"/>
+              <a:buNone/>
+            </a:pPr>
+            <a:r>
+              <a:rPr lang="fr-FR" sz="1700" dirty="0"/>
+              <a:t>Dans la méthode </a:t>
+            </a:r>
+            <a:r>
+              <a:rPr lang="fr-FR" sz="1700" dirty="0" err="1"/>
+              <a:t>create</a:t>
+            </a:r>
+            <a:r>
+              <a:rPr lang="fr-FR" sz="1700" dirty="0"/>
+              <a:t>, nous allons tout d’abord injecter une dépendances dans les paramètre.</a:t>
+            </a:r>
+          </a:p>
+          <a:p>
+            <a:pPr marL="0" indent="0">
+              <a:buFont typeface="Arial" panose="020B0604020202020204" pitchFamily="34" charset="0"/>
+              <a:buNone/>
+            </a:pPr>
+            <a:r>
+              <a:rPr lang="fr-FR" sz="1700" dirty="0"/>
+              <a:t>Cette dépendance appartient à la class </a:t>
+            </a:r>
+            <a:r>
+              <a:rPr lang="fr-FR" sz="1700" dirty="0" err="1"/>
+              <a:t>ObjectManager</a:t>
+            </a:r>
+            <a:r>
+              <a:rPr lang="fr-FR" sz="1700" dirty="0"/>
+              <a:t> de doctrine, qui nous permettre de récupérer la requête envoyée par le formulaire, ainsi récupérer le POST de celui-ci.</a:t>
+            </a:r>
+          </a:p>
+          <a:p>
+            <a:pPr marL="0" indent="0">
+              <a:buFont typeface="Arial" panose="020B0604020202020204" pitchFamily="34" charset="0"/>
+              <a:buNone/>
+            </a:pPr>
+            <a:r>
+              <a:rPr lang="fr-FR" sz="1700" dirty="0"/>
+              <a:t>Ensuite nous récupérons la requête du formulaire : </a:t>
+            </a:r>
+          </a:p>
+          <a:p>
+            <a:pPr marL="0" indent="0">
+              <a:buFont typeface="Arial" panose="020B0604020202020204" pitchFamily="34" charset="0"/>
+              <a:buNone/>
+            </a:pPr>
+            <a:r>
+              <a:rPr lang="fr-FR" sz="1700" dirty="0"/>
+              <a:t>$</a:t>
+            </a:r>
+            <a:r>
+              <a:rPr lang="fr-FR" sz="1700" dirty="0" err="1"/>
+              <a:t>form</a:t>
+            </a:r>
+            <a:r>
+              <a:rPr lang="fr-FR" sz="1700" dirty="0"/>
+              <a:t>-&gt;</a:t>
+            </a:r>
+            <a:r>
+              <a:rPr lang="fr-FR" sz="1700" dirty="0" err="1"/>
+              <a:t>handleRequest</a:t>
+            </a:r>
+            <a:r>
+              <a:rPr lang="fr-FR" sz="1700" dirty="0"/>
+              <a:t>($</a:t>
+            </a:r>
+            <a:r>
+              <a:rPr lang="fr-FR" sz="1700" dirty="0" err="1"/>
+              <a:t>request</a:t>
+            </a:r>
+            <a:r>
+              <a:rPr lang="fr-FR" sz="1700" dirty="0"/>
+              <a:t>).</a:t>
+            </a:r>
+          </a:p>
+          <a:p>
+            <a:pPr marL="0" indent="0">
+              <a:buFont typeface="Arial" panose="020B0604020202020204" pitchFamily="34" charset="0"/>
+              <a:buNone/>
+            </a:pPr>
+            <a:r>
+              <a:rPr lang="fr-FR" sz="1700" dirty="0"/>
+              <a:t>Après nous testons si le formulaire a été envoyé et si le formulaire est valide :</a:t>
+            </a:r>
+          </a:p>
+          <a:p>
+            <a:pPr marL="0" indent="0">
+              <a:buFont typeface="Arial" panose="020B0604020202020204" pitchFamily="34" charset="0"/>
+              <a:buNone/>
+            </a:pPr>
+            <a:r>
+              <a:rPr lang="fr-FR" sz="1700" dirty="0"/>
+              <a:t>If($</a:t>
+            </a:r>
+            <a:r>
+              <a:rPr lang="fr-FR" sz="1700" dirty="0" err="1"/>
+              <a:t>fom</a:t>
+            </a:r>
+            <a:r>
+              <a:rPr lang="fr-FR" sz="1700" dirty="0"/>
+              <a:t>-&gt;</a:t>
+            </a:r>
+            <a:r>
+              <a:rPr lang="fr-FR" sz="1700" dirty="0" err="1"/>
+              <a:t>isSubmitted</a:t>
+            </a:r>
+            <a:r>
+              <a:rPr lang="fr-FR" sz="1700" dirty="0"/>
+              <a:t>() &amp;&amp; $</a:t>
+            </a:r>
+            <a:r>
+              <a:rPr lang="fr-FR" sz="1700" dirty="0" err="1"/>
+              <a:t>form</a:t>
+            </a:r>
+            <a:r>
+              <a:rPr lang="fr-FR" sz="1700" dirty="0"/>
+              <a:t>-&gt;</a:t>
+            </a:r>
+            <a:r>
+              <a:rPr lang="fr-FR" sz="1700" dirty="0" err="1"/>
+              <a:t>isValid</a:t>
+            </a:r>
+            <a:r>
+              <a:rPr lang="fr-FR" sz="1700" dirty="0"/>
+              <a:t>()){}</a:t>
+            </a:r>
+          </a:p>
+          <a:p>
+            <a:pPr marL="0" indent="0">
+              <a:buFont typeface="Arial" panose="020B0604020202020204" pitchFamily="34" charset="0"/>
+              <a:buNone/>
+            </a:pPr>
+            <a:r>
+              <a:rPr lang="fr-FR" sz="1700" dirty="0"/>
+              <a:t>Et pour finir nous faisons appel au manager dans l’action du test, et nous persistons l’annonce en question.</a:t>
+            </a:r>
+          </a:p>
+          <a:p>
+            <a:pPr marL="0" indent="0">
+              <a:buFont typeface="Arial" panose="020B0604020202020204" pitchFamily="34" charset="0"/>
+              <a:buNone/>
+            </a:pPr>
+            <a:endParaRPr lang="fr-FR" sz="1000" dirty="0"/>
+          </a:p>
+        </p:txBody>
+      </p:sp>
+      <p:pic>
+        <p:nvPicPr>
+          <p:cNvPr id="3" name="Image 2">
+            <a:extLst>
+              <a:ext uri="{FF2B5EF4-FFF2-40B4-BE49-F238E27FC236}">
+                <a16:creationId xmlns:a16="http://schemas.microsoft.com/office/drawing/2014/main" id="{9248228C-9BA1-4384-81CC-F074B9308B06}"/>
+              </a:ext>
+            </a:extLst>
+          </p:cNvPr>
+          <p:cNvPicPr>
+            <a:picLocks noChangeAspect="1"/>
+          </p:cNvPicPr>
+          <p:nvPr/>
+        </p:nvPicPr>
+        <p:blipFill>
+          <a:blip r:embed="rId2"/>
+          <a:stretch>
+            <a:fillRect/>
+          </a:stretch>
+        </p:blipFill>
+        <p:spPr>
+          <a:xfrm>
+            <a:off x="5805788" y="1690688"/>
+            <a:ext cx="5573832" cy="4351338"/>
+          </a:xfrm>
+          <a:prstGeom prst="rect">
+            <a:avLst/>
+          </a:prstGeom>
+        </p:spPr>
+      </p:pic>
+    </p:spTree>
+    <p:extLst>
+      <p:ext uri="{BB962C8B-B14F-4D97-AF65-F5344CB8AC3E}">
+        <p14:creationId xmlns:p14="http://schemas.microsoft.com/office/powerpoint/2010/main" val="3058317176"/>
+      </p:ext>
+    </p:extLst>
+  </p:cSld>
+  <p:clrMapOvr>
+    <a:masterClrMapping/>
+  </p:clrMapOvr>
+</p:sld>
+</file>
+
+<file path=ppt/slides/slide35.xml><?xml version="1.0" encoding="utf-8"?>
+<p:sld xmlns:a="http://schemas.openxmlformats.org/drawingml/2006/main" xmlns:r="http://schemas.openxmlformats.org/officeDocument/2006/relationships" xmlns:p="http://schemas.openxmlformats.org/presentationml/2006/main">
+  <p:cSld>
+    <p:spTree>
+      <p:nvGrpSpPr>
+        <p:cNvPr id="1" name=""/>
+        <p:cNvGrpSpPr/>
+        <p:nvPr/>
+      </p:nvGrpSpPr>
+      <p:grpSpPr>
+        <a:xfrm>
+          <a:off x="0" y="0"/>
+          <a:ext cx="0" cy="0"/>
+          <a:chOff x="0" y="0"/>
+          <a:chExt cx="0" cy="0"/>
+        </a:xfrm>
+      </p:grpSpPr>
+      <p:sp>
+        <p:nvSpPr>
+          <p:cNvPr id="4" name="Titre 1">
+            <a:extLst>
+              <a:ext uri="{FF2B5EF4-FFF2-40B4-BE49-F238E27FC236}">
+                <a16:creationId xmlns:a16="http://schemas.microsoft.com/office/drawing/2014/main" id="{960C1D7C-377E-4936-AFF5-23D603AD6FF4}"/>
+              </a:ext>
+            </a:extLst>
+          </p:cNvPr>
+          <p:cNvSpPr>
+            <a:spLocks noGrp="1"/>
+          </p:cNvSpPr>
+          <p:nvPr>
+            <p:ph type="title"/>
+          </p:nvPr>
+        </p:nvSpPr>
+        <p:spPr>
+          <a:xfrm>
+            <a:off x="838200" y="365125"/>
+            <a:ext cx="10515600" cy="1325563"/>
+          </a:xfrm>
+        </p:spPr>
+        <p:txBody>
+          <a:bodyPr/>
+          <a:lstStyle/>
+          <a:p>
+            <a:r>
+              <a:rPr lang="fr-FR" dirty="0"/>
+              <a:t>Etape 26 : Configuration des champs du formulaire</a:t>
+            </a:r>
+          </a:p>
+        </p:txBody>
+      </p:sp>
+      <p:sp>
+        <p:nvSpPr>
+          <p:cNvPr id="9" name="Espace réservé du contenu 2">
+            <a:extLst>
+              <a:ext uri="{FF2B5EF4-FFF2-40B4-BE49-F238E27FC236}">
+                <a16:creationId xmlns:a16="http://schemas.microsoft.com/office/drawing/2014/main" id="{EB812BAD-F986-4356-9B0E-865CD4B89634}"/>
+              </a:ext>
+            </a:extLst>
+          </p:cNvPr>
+          <p:cNvSpPr txBox="1">
+            <a:spLocks/>
+          </p:cNvSpPr>
+          <p:nvPr/>
+        </p:nvSpPr>
+        <p:spPr>
+          <a:xfrm>
+            <a:off x="999275" y="1828998"/>
+            <a:ext cx="4389120" cy="4351338"/>
+          </a:xfrm>
+          <a:prstGeom prst="rect">
+            <a:avLst/>
+          </a:prstGeom>
+        </p:spPr>
+        <p:txBody>
+          <a:bodyPr vert="horz" lIns="91440" tIns="45720" rIns="91440" bIns="45720" rtlCol="0">
+            <a:normAutofit/>
+          </a:bodyPr>
+          <a:lstStyle>
+            <a:lvl1pPr marL="228600" indent="-228600" algn="l" defTabSz="914400" rtl="0" eaLnBrk="1" latinLnBrk="0" hangingPunct="1">
+              <a:lnSpc>
+                <a:spcPct val="90000"/>
+              </a:lnSpc>
+              <a:spcBef>
+                <a:spcPts val="1000"/>
+              </a:spcBef>
+              <a:buFont typeface="Arial" panose="020B0604020202020204" pitchFamily="34" charset="0"/>
+              <a:buChar char="•"/>
+              <a:defRPr sz="2800" kern="1200">
+                <a:solidFill>
+                  <a:schemeClr val="tx1"/>
+                </a:solidFill>
+                <a:latin typeface="+mn-lt"/>
+                <a:ea typeface="+mn-ea"/>
+                <a:cs typeface="+mn-cs"/>
+              </a:defRPr>
+            </a:lvl1pPr>
+            <a:lvl2pPr marL="685800" indent="-228600" algn="l" defTabSz="914400" rtl="0" eaLnBrk="1" latinLnBrk="0" hangingPunct="1">
+              <a:lnSpc>
+                <a:spcPct val="90000"/>
+              </a:lnSpc>
+              <a:spcBef>
+                <a:spcPts val="500"/>
+              </a:spcBef>
+              <a:buFont typeface="Arial" panose="020B0604020202020204" pitchFamily="34" charset="0"/>
+              <a:buChar char="•"/>
+              <a:defRPr sz="2400" kern="1200">
+                <a:solidFill>
+                  <a:schemeClr val="tx1"/>
+                </a:solidFill>
+                <a:latin typeface="+mn-lt"/>
+                <a:ea typeface="+mn-ea"/>
+                <a:cs typeface="+mn-cs"/>
+              </a:defRPr>
+            </a:lvl2pPr>
+            <a:lvl3pPr marL="1143000" indent="-228600" algn="l" defTabSz="914400" rtl="0" eaLnBrk="1" latinLnBrk="0" hangingPunct="1">
+              <a:lnSpc>
+                <a:spcPct val="90000"/>
+              </a:lnSpc>
+              <a:spcBef>
+                <a:spcPts val="500"/>
+              </a:spcBef>
+              <a:buFont typeface="Arial" panose="020B0604020202020204" pitchFamily="34" charset="0"/>
+              <a:buChar char="•"/>
+              <a:defRPr sz="2000" kern="1200">
+                <a:solidFill>
+                  <a:schemeClr val="tx1"/>
+                </a:solidFill>
+                <a:latin typeface="+mn-lt"/>
+                <a:ea typeface="+mn-ea"/>
+                <a:cs typeface="+mn-cs"/>
+              </a:defRPr>
+            </a:lvl3pPr>
+            <a:lvl4pPr marL="1600200" indent="-228600" algn="l" defTabSz="914400" rtl="0" eaLnBrk="1" latinLnBrk="0" hangingPunct="1">
+              <a:lnSpc>
+                <a:spcPct val="90000"/>
+              </a:lnSpc>
+              <a:spcBef>
+                <a:spcPts val="500"/>
+              </a:spcBef>
+              <a:buFont typeface="Arial" panose="020B0604020202020204" pitchFamily="34" charset="0"/>
+              <a:buChar char="•"/>
+              <a:defRPr sz="1800" kern="1200">
+                <a:solidFill>
+                  <a:schemeClr val="tx1"/>
+                </a:solidFill>
+                <a:latin typeface="+mn-lt"/>
+                <a:ea typeface="+mn-ea"/>
+                <a:cs typeface="+mn-cs"/>
+              </a:defRPr>
+            </a:lvl4pPr>
+            <a:lvl5pPr marL="2057400" indent="-228600" algn="l" defTabSz="914400" rtl="0" eaLnBrk="1" latinLnBrk="0" hangingPunct="1">
+              <a:lnSpc>
+                <a:spcPct val="90000"/>
+              </a:lnSpc>
+              <a:spcBef>
+                <a:spcPts val="500"/>
+              </a:spcBef>
+              <a:buFont typeface="Arial" panose="020B0604020202020204" pitchFamily="34" charset="0"/>
+              <a:buChar char="•"/>
+              <a:defRPr sz="1800" kern="1200">
+                <a:solidFill>
+                  <a:schemeClr val="tx1"/>
+                </a:solidFill>
+                <a:latin typeface="+mn-lt"/>
+                <a:ea typeface="+mn-ea"/>
+                <a:cs typeface="+mn-cs"/>
+              </a:defRPr>
+            </a:lvl5pPr>
+            <a:lvl6pPr marL="2514600" indent="-228600" algn="l" defTabSz="914400" rtl="0" eaLnBrk="1" latinLnBrk="0" hangingPunct="1">
+              <a:lnSpc>
+                <a:spcPct val="90000"/>
+              </a:lnSpc>
+              <a:spcBef>
+                <a:spcPts val="500"/>
+              </a:spcBef>
+              <a:buFont typeface="Arial" panose="020B0604020202020204" pitchFamily="34" charset="0"/>
+              <a:buChar char="•"/>
+              <a:defRPr sz="1800" kern="1200">
+                <a:solidFill>
+                  <a:schemeClr val="tx1"/>
+                </a:solidFill>
+                <a:latin typeface="+mn-lt"/>
+                <a:ea typeface="+mn-ea"/>
+                <a:cs typeface="+mn-cs"/>
+              </a:defRPr>
+            </a:lvl6pPr>
+            <a:lvl7pPr marL="2971800" indent="-228600" algn="l" defTabSz="914400" rtl="0" eaLnBrk="1" latinLnBrk="0" hangingPunct="1">
+              <a:lnSpc>
+                <a:spcPct val="90000"/>
+              </a:lnSpc>
+              <a:spcBef>
+                <a:spcPts val="500"/>
+              </a:spcBef>
+              <a:buFont typeface="Arial" panose="020B0604020202020204" pitchFamily="34" charset="0"/>
+              <a:buChar char="•"/>
+              <a:defRPr sz="1800" kern="1200">
+                <a:solidFill>
+                  <a:schemeClr val="tx1"/>
+                </a:solidFill>
+                <a:latin typeface="+mn-lt"/>
+                <a:ea typeface="+mn-ea"/>
+                <a:cs typeface="+mn-cs"/>
+              </a:defRPr>
+            </a:lvl7pPr>
+            <a:lvl8pPr marL="3429000" indent="-228600" algn="l" defTabSz="914400" rtl="0" eaLnBrk="1" latinLnBrk="0" hangingPunct="1">
+              <a:lnSpc>
+                <a:spcPct val="90000"/>
+              </a:lnSpc>
+              <a:spcBef>
+                <a:spcPts val="500"/>
+              </a:spcBef>
+              <a:buFont typeface="Arial" panose="020B0604020202020204" pitchFamily="34" charset="0"/>
+              <a:buChar char="•"/>
+              <a:defRPr sz="1800" kern="1200">
+                <a:solidFill>
+                  <a:schemeClr val="tx1"/>
+                </a:solidFill>
+                <a:latin typeface="+mn-lt"/>
+                <a:ea typeface="+mn-ea"/>
+                <a:cs typeface="+mn-cs"/>
+              </a:defRPr>
+            </a:lvl8pPr>
+            <a:lvl9pPr marL="3886200" indent="-228600" algn="l" defTabSz="914400" rtl="0" eaLnBrk="1" latinLnBrk="0" hangingPunct="1">
+              <a:lnSpc>
+                <a:spcPct val="90000"/>
+              </a:lnSpc>
+              <a:spcBef>
+                <a:spcPts val="500"/>
+              </a:spcBef>
+              <a:buFont typeface="Arial" panose="020B0604020202020204" pitchFamily="34" charset="0"/>
+              <a:buChar char="•"/>
+              <a:defRPr sz="1800" kern="1200">
+                <a:solidFill>
+                  <a:schemeClr val="tx1"/>
+                </a:solidFill>
+                <a:latin typeface="+mn-lt"/>
+                <a:ea typeface="+mn-ea"/>
+                <a:cs typeface="+mn-cs"/>
+              </a:defRPr>
+            </a:lvl9pPr>
+          </a:lstStyle>
+          <a:p>
+            <a:pPr marL="0" indent="0">
+              <a:buFont typeface="Arial" panose="020B0604020202020204" pitchFamily="34" charset="0"/>
+              <a:buNone/>
+            </a:pPr>
+            <a:endParaRPr lang="fr-FR" sz="1400" dirty="0"/>
+          </a:p>
+        </p:txBody>
+      </p:sp>
+      <p:sp>
+        <p:nvSpPr>
+          <p:cNvPr id="11" name="Espace réservé du contenu 2">
+            <a:extLst>
+              <a:ext uri="{FF2B5EF4-FFF2-40B4-BE49-F238E27FC236}">
+                <a16:creationId xmlns:a16="http://schemas.microsoft.com/office/drawing/2014/main" id="{534F948C-D7ED-425C-B2BB-4056FDF0CEB3}"/>
+              </a:ext>
+            </a:extLst>
+          </p:cNvPr>
+          <p:cNvSpPr txBox="1">
+            <a:spLocks/>
+          </p:cNvSpPr>
+          <p:nvPr/>
+        </p:nvSpPr>
+        <p:spPr>
+          <a:xfrm>
+            <a:off x="6964679" y="1829196"/>
+            <a:ext cx="4389120" cy="4351338"/>
+          </a:xfrm>
+          <a:prstGeom prst="rect">
+            <a:avLst/>
+          </a:prstGeom>
+        </p:spPr>
+        <p:txBody>
+          <a:bodyPr vert="horz" lIns="91440" tIns="45720" rIns="91440" bIns="45720" rtlCol="0">
+            <a:normAutofit/>
+          </a:bodyPr>
+          <a:lstStyle>
+            <a:lvl1pPr marL="228600" indent="-228600" algn="l" defTabSz="914400" rtl="0" eaLnBrk="1" latinLnBrk="0" hangingPunct="1">
+              <a:lnSpc>
+                <a:spcPct val="90000"/>
+              </a:lnSpc>
+              <a:spcBef>
+                <a:spcPts val="1000"/>
+              </a:spcBef>
+              <a:buFont typeface="Arial" panose="020B0604020202020204" pitchFamily="34" charset="0"/>
+              <a:buChar char="•"/>
+              <a:defRPr sz="2800" kern="1200">
+                <a:solidFill>
+                  <a:schemeClr val="tx1"/>
+                </a:solidFill>
+                <a:latin typeface="+mn-lt"/>
+                <a:ea typeface="+mn-ea"/>
+                <a:cs typeface="+mn-cs"/>
+              </a:defRPr>
+            </a:lvl1pPr>
+            <a:lvl2pPr marL="685800" indent="-228600" algn="l" defTabSz="914400" rtl="0" eaLnBrk="1" latinLnBrk="0" hangingPunct="1">
+              <a:lnSpc>
+                <a:spcPct val="90000"/>
+              </a:lnSpc>
+              <a:spcBef>
+                <a:spcPts val="500"/>
+              </a:spcBef>
+              <a:buFont typeface="Arial" panose="020B0604020202020204" pitchFamily="34" charset="0"/>
+              <a:buChar char="•"/>
+              <a:defRPr sz="2400" kern="1200">
+                <a:solidFill>
+                  <a:schemeClr val="tx1"/>
+                </a:solidFill>
+                <a:latin typeface="+mn-lt"/>
+                <a:ea typeface="+mn-ea"/>
+                <a:cs typeface="+mn-cs"/>
+              </a:defRPr>
+            </a:lvl2pPr>
+            <a:lvl3pPr marL="1143000" indent="-228600" algn="l" defTabSz="914400" rtl="0" eaLnBrk="1" latinLnBrk="0" hangingPunct="1">
+              <a:lnSpc>
+                <a:spcPct val="90000"/>
+              </a:lnSpc>
+              <a:spcBef>
+                <a:spcPts val="500"/>
+              </a:spcBef>
+              <a:buFont typeface="Arial" panose="020B0604020202020204" pitchFamily="34" charset="0"/>
+              <a:buChar char="•"/>
+              <a:defRPr sz="2000" kern="1200">
+                <a:solidFill>
+                  <a:schemeClr val="tx1"/>
+                </a:solidFill>
+                <a:latin typeface="+mn-lt"/>
+                <a:ea typeface="+mn-ea"/>
+                <a:cs typeface="+mn-cs"/>
+              </a:defRPr>
+            </a:lvl3pPr>
+            <a:lvl4pPr marL="1600200" indent="-228600" algn="l" defTabSz="914400" rtl="0" eaLnBrk="1" latinLnBrk="0" hangingPunct="1">
+              <a:lnSpc>
+                <a:spcPct val="90000"/>
+              </a:lnSpc>
+              <a:spcBef>
+                <a:spcPts val="500"/>
+              </a:spcBef>
+              <a:buFont typeface="Arial" panose="020B0604020202020204" pitchFamily="34" charset="0"/>
+              <a:buChar char="•"/>
+              <a:defRPr sz="1800" kern="1200">
+                <a:solidFill>
+                  <a:schemeClr val="tx1"/>
+                </a:solidFill>
+                <a:latin typeface="+mn-lt"/>
+                <a:ea typeface="+mn-ea"/>
+                <a:cs typeface="+mn-cs"/>
+              </a:defRPr>
+            </a:lvl4pPr>
+            <a:lvl5pPr marL="2057400" indent="-228600" algn="l" defTabSz="914400" rtl="0" eaLnBrk="1" latinLnBrk="0" hangingPunct="1">
+              <a:lnSpc>
+                <a:spcPct val="90000"/>
+              </a:lnSpc>
+              <a:spcBef>
+                <a:spcPts val="500"/>
+              </a:spcBef>
+              <a:buFont typeface="Arial" panose="020B0604020202020204" pitchFamily="34" charset="0"/>
+              <a:buChar char="•"/>
+              <a:defRPr sz="1800" kern="1200">
+                <a:solidFill>
+                  <a:schemeClr val="tx1"/>
+                </a:solidFill>
+                <a:latin typeface="+mn-lt"/>
+                <a:ea typeface="+mn-ea"/>
+                <a:cs typeface="+mn-cs"/>
+              </a:defRPr>
+            </a:lvl5pPr>
+            <a:lvl6pPr marL="2514600" indent="-228600" algn="l" defTabSz="914400" rtl="0" eaLnBrk="1" latinLnBrk="0" hangingPunct="1">
+              <a:lnSpc>
+                <a:spcPct val="90000"/>
+              </a:lnSpc>
+              <a:spcBef>
+                <a:spcPts val="500"/>
+              </a:spcBef>
+              <a:buFont typeface="Arial" panose="020B0604020202020204" pitchFamily="34" charset="0"/>
+              <a:buChar char="•"/>
+              <a:defRPr sz="1800" kern="1200">
+                <a:solidFill>
+                  <a:schemeClr val="tx1"/>
+                </a:solidFill>
+                <a:latin typeface="+mn-lt"/>
+                <a:ea typeface="+mn-ea"/>
+                <a:cs typeface="+mn-cs"/>
+              </a:defRPr>
+            </a:lvl6pPr>
+            <a:lvl7pPr marL="2971800" indent="-228600" algn="l" defTabSz="914400" rtl="0" eaLnBrk="1" latinLnBrk="0" hangingPunct="1">
+              <a:lnSpc>
+                <a:spcPct val="90000"/>
+              </a:lnSpc>
+              <a:spcBef>
+                <a:spcPts val="500"/>
+              </a:spcBef>
+              <a:buFont typeface="Arial" panose="020B0604020202020204" pitchFamily="34" charset="0"/>
+              <a:buChar char="•"/>
+              <a:defRPr sz="1800" kern="1200">
+                <a:solidFill>
+                  <a:schemeClr val="tx1"/>
+                </a:solidFill>
+                <a:latin typeface="+mn-lt"/>
+                <a:ea typeface="+mn-ea"/>
+                <a:cs typeface="+mn-cs"/>
+              </a:defRPr>
+            </a:lvl7pPr>
+            <a:lvl8pPr marL="3429000" indent="-228600" algn="l" defTabSz="914400" rtl="0" eaLnBrk="1" latinLnBrk="0" hangingPunct="1">
+              <a:lnSpc>
+                <a:spcPct val="90000"/>
+              </a:lnSpc>
+              <a:spcBef>
+                <a:spcPts val="500"/>
+              </a:spcBef>
+              <a:buFont typeface="Arial" panose="020B0604020202020204" pitchFamily="34" charset="0"/>
+              <a:buChar char="•"/>
+              <a:defRPr sz="1800" kern="1200">
+                <a:solidFill>
+                  <a:schemeClr val="tx1"/>
+                </a:solidFill>
+                <a:latin typeface="+mn-lt"/>
+                <a:ea typeface="+mn-ea"/>
+                <a:cs typeface="+mn-cs"/>
+              </a:defRPr>
+            </a:lvl8pPr>
+            <a:lvl9pPr marL="3886200" indent="-228600" algn="l" defTabSz="914400" rtl="0" eaLnBrk="1" latinLnBrk="0" hangingPunct="1">
+              <a:lnSpc>
+                <a:spcPct val="90000"/>
+              </a:lnSpc>
+              <a:spcBef>
+                <a:spcPts val="500"/>
+              </a:spcBef>
+              <a:buFont typeface="Arial" panose="020B0604020202020204" pitchFamily="34" charset="0"/>
+              <a:buChar char="•"/>
+              <a:defRPr sz="1800" kern="1200">
+                <a:solidFill>
+                  <a:schemeClr val="tx1"/>
+                </a:solidFill>
+                <a:latin typeface="+mn-lt"/>
+                <a:ea typeface="+mn-ea"/>
+                <a:cs typeface="+mn-cs"/>
+              </a:defRPr>
+            </a:lvl9pPr>
+          </a:lstStyle>
+          <a:p>
+            <a:pPr marL="0" indent="0">
+              <a:buFont typeface="Arial" panose="020B0604020202020204" pitchFamily="34" charset="0"/>
+              <a:buNone/>
+            </a:pPr>
+            <a:endParaRPr lang="fr-FR" sz="1400" dirty="0"/>
+          </a:p>
+          <a:p>
+            <a:pPr marL="0" indent="0">
+              <a:buFont typeface="Arial" panose="020B0604020202020204" pitchFamily="34" charset="0"/>
+              <a:buNone/>
+            </a:pPr>
+            <a:endParaRPr lang="fr-FR" sz="1400" dirty="0"/>
+          </a:p>
+        </p:txBody>
+      </p:sp>
+      <p:sp>
+        <p:nvSpPr>
+          <p:cNvPr id="6" name="Espace réservé du contenu 2">
+            <a:extLst>
+              <a:ext uri="{FF2B5EF4-FFF2-40B4-BE49-F238E27FC236}">
+                <a16:creationId xmlns:a16="http://schemas.microsoft.com/office/drawing/2014/main" id="{34335F63-C847-4B39-B9FC-52D3F26570BD}"/>
+              </a:ext>
+            </a:extLst>
+          </p:cNvPr>
+          <p:cNvSpPr txBox="1">
+            <a:spLocks/>
+          </p:cNvSpPr>
+          <p:nvPr/>
+        </p:nvSpPr>
+        <p:spPr>
+          <a:xfrm>
+            <a:off x="838200" y="1828998"/>
+            <a:ext cx="4389120" cy="4351338"/>
+          </a:xfrm>
+          <a:prstGeom prst="rect">
+            <a:avLst/>
+          </a:prstGeom>
+        </p:spPr>
+        <p:txBody>
+          <a:bodyPr vert="horz" lIns="91440" tIns="45720" rIns="91440" bIns="45720" rtlCol="0">
+            <a:normAutofit fontScale="92500"/>
+          </a:bodyPr>
+          <a:lstStyle>
+            <a:lvl1pPr marL="228600" indent="-228600" algn="l" defTabSz="914400" rtl="0" eaLnBrk="1" latinLnBrk="0" hangingPunct="1">
+              <a:lnSpc>
+                <a:spcPct val="90000"/>
+              </a:lnSpc>
+              <a:spcBef>
+                <a:spcPts val="1000"/>
+              </a:spcBef>
+              <a:buFont typeface="Arial" panose="020B0604020202020204" pitchFamily="34" charset="0"/>
+              <a:buChar char="•"/>
+              <a:defRPr sz="2800" kern="1200">
+                <a:solidFill>
+                  <a:schemeClr val="tx1"/>
+                </a:solidFill>
+                <a:latin typeface="+mn-lt"/>
+                <a:ea typeface="+mn-ea"/>
+                <a:cs typeface="+mn-cs"/>
+              </a:defRPr>
+            </a:lvl1pPr>
+            <a:lvl2pPr marL="685800" indent="-228600" algn="l" defTabSz="914400" rtl="0" eaLnBrk="1" latinLnBrk="0" hangingPunct="1">
+              <a:lnSpc>
+                <a:spcPct val="90000"/>
+              </a:lnSpc>
+              <a:spcBef>
+                <a:spcPts val="500"/>
+              </a:spcBef>
+              <a:buFont typeface="Arial" panose="020B0604020202020204" pitchFamily="34" charset="0"/>
+              <a:buChar char="•"/>
+              <a:defRPr sz="2400" kern="1200">
+                <a:solidFill>
+                  <a:schemeClr val="tx1"/>
+                </a:solidFill>
+                <a:latin typeface="+mn-lt"/>
+                <a:ea typeface="+mn-ea"/>
+                <a:cs typeface="+mn-cs"/>
+              </a:defRPr>
+            </a:lvl2pPr>
+            <a:lvl3pPr marL="1143000" indent="-228600" algn="l" defTabSz="914400" rtl="0" eaLnBrk="1" latinLnBrk="0" hangingPunct="1">
+              <a:lnSpc>
+                <a:spcPct val="90000"/>
+              </a:lnSpc>
+              <a:spcBef>
+                <a:spcPts val="500"/>
+              </a:spcBef>
+              <a:buFont typeface="Arial" panose="020B0604020202020204" pitchFamily="34" charset="0"/>
+              <a:buChar char="•"/>
+              <a:defRPr sz="2000" kern="1200">
+                <a:solidFill>
+                  <a:schemeClr val="tx1"/>
+                </a:solidFill>
+                <a:latin typeface="+mn-lt"/>
+                <a:ea typeface="+mn-ea"/>
+                <a:cs typeface="+mn-cs"/>
+              </a:defRPr>
+            </a:lvl3pPr>
+            <a:lvl4pPr marL="1600200" indent="-228600" algn="l" defTabSz="914400" rtl="0" eaLnBrk="1" latinLnBrk="0" hangingPunct="1">
+              <a:lnSpc>
+                <a:spcPct val="90000"/>
+              </a:lnSpc>
+              <a:spcBef>
+                <a:spcPts val="500"/>
+              </a:spcBef>
+              <a:buFont typeface="Arial" panose="020B0604020202020204" pitchFamily="34" charset="0"/>
+              <a:buChar char="•"/>
+              <a:defRPr sz="1800" kern="1200">
+                <a:solidFill>
+                  <a:schemeClr val="tx1"/>
+                </a:solidFill>
+                <a:latin typeface="+mn-lt"/>
+                <a:ea typeface="+mn-ea"/>
+                <a:cs typeface="+mn-cs"/>
+              </a:defRPr>
+            </a:lvl4pPr>
+            <a:lvl5pPr marL="2057400" indent="-228600" algn="l" defTabSz="914400" rtl="0" eaLnBrk="1" latinLnBrk="0" hangingPunct="1">
+              <a:lnSpc>
+                <a:spcPct val="90000"/>
+              </a:lnSpc>
+              <a:spcBef>
+                <a:spcPts val="500"/>
+              </a:spcBef>
+              <a:buFont typeface="Arial" panose="020B0604020202020204" pitchFamily="34" charset="0"/>
+              <a:buChar char="•"/>
+              <a:defRPr sz="1800" kern="1200">
+                <a:solidFill>
+                  <a:schemeClr val="tx1"/>
+                </a:solidFill>
+                <a:latin typeface="+mn-lt"/>
+                <a:ea typeface="+mn-ea"/>
+                <a:cs typeface="+mn-cs"/>
+              </a:defRPr>
+            </a:lvl5pPr>
+            <a:lvl6pPr marL="2514600" indent="-228600" algn="l" defTabSz="914400" rtl="0" eaLnBrk="1" latinLnBrk="0" hangingPunct="1">
+              <a:lnSpc>
+                <a:spcPct val="90000"/>
+              </a:lnSpc>
+              <a:spcBef>
+                <a:spcPts val="500"/>
+              </a:spcBef>
+              <a:buFont typeface="Arial" panose="020B0604020202020204" pitchFamily="34" charset="0"/>
+              <a:buChar char="•"/>
+              <a:defRPr sz="1800" kern="1200">
+                <a:solidFill>
+                  <a:schemeClr val="tx1"/>
+                </a:solidFill>
+                <a:latin typeface="+mn-lt"/>
+                <a:ea typeface="+mn-ea"/>
+                <a:cs typeface="+mn-cs"/>
+              </a:defRPr>
+            </a:lvl6pPr>
+            <a:lvl7pPr marL="2971800" indent="-228600" algn="l" defTabSz="914400" rtl="0" eaLnBrk="1" latinLnBrk="0" hangingPunct="1">
+              <a:lnSpc>
+                <a:spcPct val="90000"/>
+              </a:lnSpc>
+              <a:spcBef>
+                <a:spcPts val="500"/>
+              </a:spcBef>
+              <a:buFont typeface="Arial" panose="020B0604020202020204" pitchFamily="34" charset="0"/>
+              <a:buChar char="•"/>
+              <a:defRPr sz="1800" kern="1200">
+                <a:solidFill>
+                  <a:schemeClr val="tx1"/>
+                </a:solidFill>
+                <a:latin typeface="+mn-lt"/>
+                <a:ea typeface="+mn-ea"/>
+                <a:cs typeface="+mn-cs"/>
+              </a:defRPr>
+            </a:lvl7pPr>
+            <a:lvl8pPr marL="3429000" indent="-228600" algn="l" defTabSz="914400" rtl="0" eaLnBrk="1" latinLnBrk="0" hangingPunct="1">
+              <a:lnSpc>
+                <a:spcPct val="90000"/>
+              </a:lnSpc>
+              <a:spcBef>
+                <a:spcPts val="500"/>
+              </a:spcBef>
+              <a:buFont typeface="Arial" panose="020B0604020202020204" pitchFamily="34" charset="0"/>
+              <a:buChar char="•"/>
+              <a:defRPr sz="1800" kern="1200">
+                <a:solidFill>
+                  <a:schemeClr val="tx1"/>
+                </a:solidFill>
+                <a:latin typeface="+mn-lt"/>
+                <a:ea typeface="+mn-ea"/>
+                <a:cs typeface="+mn-cs"/>
+              </a:defRPr>
+            </a:lvl8pPr>
+            <a:lvl9pPr marL="3886200" indent="-228600" algn="l" defTabSz="914400" rtl="0" eaLnBrk="1" latinLnBrk="0" hangingPunct="1">
+              <a:lnSpc>
+                <a:spcPct val="90000"/>
+              </a:lnSpc>
+              <a:spcBef>
+                <a:spcPts val="500"/>
+              </a:spcBef>
+              <a:buFont typeface="Arial" panose="020B0604020202020204" pitchFamily="34" charset="0"/>
+              <a:buChar char="•"/>
+              <a:defRPr sz="1800" kern="1200">
+                <a:solidFill>
+                  <a:schemeClr val="tx1"/>
+                </a:solidFill>
+                <a:latin typeface="+mn-lt"/>
+                <a:ea typeface="+mn-ea"/>
+                <a:cs typeface="+mn-cs"/>
+              </a:defRPr>
+            </a:lvl9pPr>
+          </a:lstStyle>
+          <a:p>
+            <a:pPr marL="0" indent="0">
+              <a:buFont typeface="Arial" panose="020B0604020202020204" pitchFamily="34" charset="0"/>
+              <a:buNone/>
+            </a:pPr>
+            <a:r>
+              <a:rPr lang="fr-FR" sz="1700" dirty="0"/>
+              <a:t>Dans la méthode </a:t>
+            </a:r>
+            <a:r>
+              <a:rPr lang="fr-FR" sz="1700" dirty="0" err="1"/>
+              <a:t>create</a:t>
+            </a:r>
+            <a:r>
+              <a:rPr lang="fr-FR" sz="1700" dirty="0"/>
+              <a:t>, nous allons tout d’abord injecter une dépendances dans les paramètre.</a:t>
+            </a:r>
+          </a:p>
+          <a:p>
+            <a:pPr marL="0" indent="0">
+              <a:buFont typeface="Arial" panose="020B0604020202020204" pitchFamily="34" charset="0"/>
+              <a:buNone/>
+            </a:pPr>
+            <a:r>
+              <a:rPr lang="fr-FR" sz="1700" dirty="0"/>
+              <a:t>Cette dépendance appartient à la class </a:t>
+            </a:r>
+            <a:r>
+              <a:rPr lang="fr-FR" sz="1700" dirty="0" err="1"/>
+              <a:t>ObjectManager</a:t>
+            </a:r>
+            <a:r>
+              <a:rPr lang="fr-FR" sz="1700" dirty="0"/>
+              <a:t> de doctrine, qui nous permettre de récupérer la requête envoyée par le formulaire, ainsi récupérer le POST de celui-ci.</a:t>
+            </a:r>
+          </a:p>
+          <a:p>
+            <a:pPr marL="0" indent="0">
+              <a:buFont typeface="Arial" panose="020B0604020202020204" pitchFamily="34" charset="0"/>
+              <a:buNone/>
+            </a:pPr>
+            <a:r>
+              <a:rPr lang="fr-FR" sz="1700" dirty="0"/>
+              <a:t>Ensuite nous récupérons la requête du formulaire : </a:t>
+            </a:r>
+          </a:p>
+          <a:p>
+            <a:pPr marL="0" indent="0">
+              <a:buFont typeface="Arial" panose="020B0604020202020204" pitchFamily="34" charset="0"/>
+              <a:buNone/>
+            </a:pPr>
+            <a:r>
+              <a:rPr lang="fr-FR" sz="1700" dirty="0"/>
+              <a:t>$</a:t>
+            </a:r>
+            <a:r>
+              <a:rPr lang="fr-FR" sz="1700" dirty="0" err="1"/>
+              <a:t>form</a:t>
+            </a:r>
+            <a:r>
+              <a:rPr lang="fr-FR" sz="1700" dirty="0"/>
+              <a:t>-&gt;</a:t>
+            </a:r>
+            <a:r>
+              <a:rPr lang="fr-FR" sz="1700" dirty="0" err="1"/>
+              <a:t>handleRequest</a:t>
+            </a:r>
+            <a:r>
+              <a:rPr lang="fr-FR" sz="1700" dirty="0"/>
+              <a:t>($</a:t>
+            </a:r>
+            <a:r>
+              <a:rPr lang="fr-FR" sz="1700" dirty="0" err="1"/>
+              <a:t>request</a:t>
+            </a:r>
+            <a:r>
+              <a:rPr lang="fr-FR" sz="1700" dirty="0"/>
+              <a:t>).</a:t>
+            </a:r>
+          </a:p>
+          <a:p>
+            <a:pPr marL="0" indent="0">
+              <a:buFont typeface="Arial" panose="020B0604020202020204" pitchFamily="34" charset="0"/>
+              <a:buNone/>
+            </a:pPr>
+            <a:r>
+              <a:rPr lang="fr-FR" sz="1700" dirty="0"/>
+              <a:t>Après nous testons si le formulaire a été envoyé et si le formulaire est valide :</a:t>
+            </a:r>
+          </a:p>
+          <a:p>
+            <a:pPr marL="0" indent="0">
+              <a:buFont typeface="Arial" panose="020B0604020202020204" pitchFamily="34" charset="0"/>
+              <a:buNone/>
+            </a:pPr>
+            <a:r>
+              <a:rPr lang="fr-FR" sz="1700" dirty="0"/>
+              <a:t>If($</a:t>
+            </a:r>
+            <a:r>
+              <a:rPr lang="fr-FR" sz="1700" dirty="0" err="1"/>
+              <a:t>fom</a:t>
+            </a:r>
+            <a:r>
+              <a:rPr lang="fr-FR" sz="1700" dirty="0"/>
+              <a:t>-&gt;</a:t>
+            </a:r>
+            <a:r>
+              <a:rPr lang="fr-FR" sz="1700" dirty="0" err="1"/>
+              <a:t>isSubmitted</a:t>
+            </a:r>
+            <a:r>
+              <a:rPr lang="fr-FR" sz="1700" dirty="0"/>
+              <a:t>() &amp;&amp; $</a:t>
+            </a:r>
+            <a:r>
+              <a:rPr lang="fr-FR" sz="1700" dirty="0" err="1"/>
+              <a:t>form</a:t>
+            </a:r>
+            <a:r>
+              <a:rPr lang="fr-FR" sz="1700" dirty="0"/>
+              <a:t>-&gt;</a:t>
+            </a:r>
+            <a:r>
+              <a:rPr lang="fr-FR" sz="1700" dirty="0" err="1"/>
+              <a:t>isValid</a:t>
+            </a:r>
+            <a:r>
+              <a:rPr lang="fr-FR" sz="1700" dirty="0"/>
+              <a:t>()){}</a:t>
+            </a:r>
+          </a:p>
+          <a:p>
+            <a:pPr marL="0" indent="0">
+              <a:buFont typeface="Arial" panose="020B0604020202020204" pitchFamily="34" charset="0"/>
+              <a:buNone/>
+            </a:pPr>
+            <a:r>
+              <a:rPr lang="fr-FR" sz="1700" dirty="0"/>
+              <a:t>Et pour finir nous faisons appel au manager dans l’action du test, et nous persistons l’annonce en question.</a:t>
+            </a:r>
+          </a:p>
+          <a:p>
+            <a:pPr marL="0" indent="0">
+              <a:buFont typeface="Arial" panose="020B0604020202020204" pitchFamily="34" charset="0"/>
+              <a:buNone/>
+            </a:pPr>
+            <a:endParaRPr lang="fr-FR" sz="1000" dirty="0"/>
+          </a:p>
+        </p:txBody>
+      </p:sp>
+      <p:pic>
+        <p:nvPicPr>
+          <p:cNvPr id="3" name="Image 2">
+            <a:extLst>
+              <a:ext uri="{FF2B5EF4-FFF2-40B4-BE49-F238E27FC236}">
+                <a16:creationId xmlns:a16="http://schemas.microsoft.com/office/drawing/2014/main" id="{9248228C-9BA1-4384-81CC-F074B9308B06}"/>
+              </a:ext>
+            </a:extLst>
+          </p:cNvPr>
+          <p:cNvPicPr>
+            <a:picLocks noChangeAspect="1"/>
+          </p:cNvPicPr>
+          <p:nvPr/>
+        </p:nvPicPr>
+        <p:blipFill>
+          <a:blip r:embed="rId2"/>
+          <a:stretch>
+            <a:fillRect/>
+          </a:stretch>
+        </p:blipFill>
+        <p:spPr>
+          <a:xfrm>
+            <a:off x="5805788" y="1690688"/>
+            <a:ext cx="5573832" cy="4351338"/>
+          </a:xfrm>
+          <a:prstGeom prst="rect">
+            <a:avLst/>
+          </a:prstGeom>
+        </p:spPr>
+      </p:pic>
+    </p:spTree>
+    <p:extLst>
+      <p:ext uri="{BB962C8B-B14F-4D97-AF65-F5344CB8AC3E}">
+        <p14:creationId xmlns:p14="http://schemas.microsoft.com/office/powerpoint/2010/main" val="2042628505"/>
+      </p:ext>
+    </p:extLst>
+  </p:cSld>
+  <p:clrMapOvr>
+    <a:masterClrMapping/>
+  </p:clrMapOvr>
+</p:sld>
+</file>
+
+<file path=ppt/slides/slide36.xml><?xml version="1.0" encoding="utf-8"?>
+<p:sld xmlns:a="http://schemas.openxmlformats.org/drawingml/2006/main" xmlns:r="http://schemas.openxmlformats.org/officeDocument/2006/relationships" xmlns:p="http://schemas.openxmlformats.org/presentationml/2006/main">
+  <p:cSld>
+    <p:spTree>
+      <p:nvGrpSpPr>
+        <p:cNvPr id="1" name=""/>
+        <p:cNvGrpSpPr/>
+        <p:nvPr/>
+      </p:nvGrpSpPr>
+      <p:grpSpPr>
+        <a:xfrm>
+          <a:off x="0" y="0"/>
+          <a:ext cx="0" cy="0"/>
+          <a:chOff x="0" y="0"/>
+          <a:chExt cx="0" cy="0"/>
+        </a:xfrm>
+      </p:grpSpPr>
+      <p:sp>
+        <p:nvSpPr>
+          <p:cNvPr id="4" name="Titre 1">
+            <a:extLst>
+              <a:ext uri="{FF2B5EF4-FFF2-40B4-BE49-F238E27FC236}">
+                <a16:creationId xmlns:a16="http://schemas.microsoft.com/office/drawing/2014/main" id="{960C1D7C-377E-4936-AFF5-23D603AD6FF4}"/>
+              </a:ext>
+            </a:extLst>
+          </p:cNvPr>
+          <p:cNvSpPr>
+            <a:spLocks noGrp="1"/>
+          </p:cNvSpPr>
+          <p:nvPr>
+            <p:ph type="title"/>
+          </p:nvPr>
+        </p:nvSpPr>
+        <p:spPr>
+          <a:xfrm>
+            <a:off x="838200" y="365125"/>
+            <a:ext cx="10515600" cy="1325563"/>
+          </a:xfrm>
+        </p:spPr>
+        <p:txBody>
+          <a:bodyPr/>
+          <a:lstStyle/>
+          <a:p>
+            <a:r>
+              <a:rPr lang="fr-FR" dirty="0"/>
+              <a:t>Etape 27 : Redirection vers la page de la nouvelle annonce</a:t>
+            </a:r>
+          </a:p>
+        </p:txBody>
+      </p:sp>
+      <p:sp>
+        <p:nvSpPr>
+          <p:cNvPr id="9" name="Espace réservé du contenu 2">
+            <a:extLst>
+              <a:ext uri="{FF2B5EF4-FFF2-40B4-BE49-F238E27FC236}">
+                <a16:creationId xmlns:a16="http://schemas.microsoft.com/office/drawing/2014/main" id="{EB812BAD-F986-4356-9B0E-865CD4B89634}"/>
+              </a:ext>
+            </a:extLst>
+          </p:cNvPr>
+          <p:cNvSpPr txBox="1">
+            <a:spLocks/>
+          </p:cNvSpPr>
+          <p:nvPr/>
+        </p:nvSpPr>
+        <p:spPr>
+          <a:xfrm>
+            <a:off x="999275" y="1828998"/>
+            <a:ext cx="4389120" cy="4351338"/>
+          </a:xfrm>
+          <a:prstGeom prst="rect">
+            <a:avLst/>
+          </a:prstGeom>
+        </p:spPr>
+        <p:txBody>
+          <a:bodyPr vert="horz" lIns="91440" tIns="45720" rIns="91440" bIns="45720" rtlCol="0">
+            <a:normAutofit/>
+          </a:bodyPr>
+          <a:lstStyle>
+            <a:lvl1pPr marL="228600" indent="-228600" algn="l" defTabSz="914400" rtl="0" eaLnBrk="1" latinLnBrk="0" hangingPunct="1">
+              <a:lnSpc>
+                <a:spcPct val="90000"/>
+              </a:lnSpc>
+              <a:spcBef>
+                <a:spcPts val="1000"/>
+              </a:spcBef>
+              <a:buFont typeface="Arial" panose="020B0604020202020204" pitchFamily="34" charset="0"/>
+              <a:buChar char="•"/>
+              <a:defRPr sz="2800" kern="1200">
+                <a:solidFill>
+                  <a:schemeClr val="tx1"/>
+                </a:solidFill>
+                <a:latin typeface="+mn-lt"/>
+                <a:ea typeface="+mn-ea"/>
+                <a:cs typeface="+mn-cs"/>
+              </a:defRPr>
+            </a:lvl1pPr>
+            <a:lvl2pPr marL="685800" indent="-228600" algn="l" defTabSz="914400" rtl="0" eaLnBrk="1" latinLnBrk="0" hangingPunct="1">
+              <a:lnSpc>
+                <a:spcPct val="90000"/>
+              </a:lnSpc>
+              <a:spcBef>
+                <a:spcPts val="500"/>
+              </a:spcBef>
+              <a:buFont typeface="Arial" panose="020B0604020202020204" pitchFamily="34" charset="0"/>
+              <a:buChar char="•"/>
+              <a:defRPr sz="2400" kern="1200">
+                <a:solidFill>
+                  <a:schemeClr val="tx1"/>
+                </a:solidFill>
+                <a:latin typeface="+mn-lt"/>
+                <a:ea typeface="+mn-ea"/>
+                <a:cs typeface="+mn-cs"/>
+              </a:defRPr>
+            </a:lvl2pPr>
+            <a:lvl3pPr marL="1143000" indent="-228600" algn="l" defTabSz="914400" rtl="0" eaLnBrk="1" latinLnBrk="0" hangingPunct="1">
+              <a:lnSpc>
+                <a:spcPct val="90000"/>
+              </a:lnSpc>
+              <a:spcBef>
+                <a:spcPts val="500"/>
+              </a:spcBef>
+              <a:buFont typeface="Arial" panose="020B0604020202020204" pitchFamily="34" charset="0"/>
+              <a:buChar char="•"/>
+              <a:defRPr sz="2000" kern="1200">
+                <a:solidFill>
+                  <a:schemeClr val="tx1"/>
+                </a:solidFill>
+                <a:latin typeface="+mn-lt"/>
+                <a:ea typeface="+mn-ea"/>
+                <a:cs typeface="+mn-cs"/>
+              </a:defRPr>
+            </a:lvl3pPr>
+            <a:lvl4pPr marL="1600200" indent="-228600" algn="l" defTabSz="914400" rtl="0" eaLnBrk="1" latinLnBrk="0" hangingPunct="1">
+              <a:lnSpc>
+                <a:spcPct val="90000"/>
+              </a:lnSpc>
+              <a:spcBef>
+                <a:spcPts val="500"/>
+              </a:spcBef>
+              <a:buFont typeface="Arial" panose="020B0604020202020204" pitchFamily="34" charset="0"/>
+              <a:buChar char="•"/>
+              <a:defRPr sz="1800" kern="1200">
+                <a:solidFill>
+                  <a:schemeClr val="tx1"/>
+                </a:solidFill>
+                <a:latin typeface="+mn-lt"/>
+                <a:ea typeface="+mn-ea"/>
+                <a:cs typeface="+mn-cs"/>
+              </a:defRPr>
+            </a:lvl4pPr>
+            <a:lvl5pPr marL="2057400" indent="-228600" algn="l" defTabSz="914400" rtl="0" eaLnBrk="1" latinLnBrk="0" hangingPunct="1">
+              <a:lnSpc>
+                <a:spcPct val="90000"/>
+              </a:lnSpc>
+              <a:spcBef>
+                <a:spcPts val="500"/>
+              </a:spcBef>
+              <a:buFont typeface="Arial" panose="020B0604020202020204" pitchFamily="34" charset="0"/>
+              <a:buChar char="•"/>
+              <a:defRPr sz="1800" kern="1200">
+                <a:solidFill>
+                  <a:schemeClr val="tx1"/>
+                </a:solidFill>
+                <a:latin typeface="+mn-lt"/>
+                <a:ea typeface="+mn-ea"/>
+                <a:cs typeface="+mn-cs"/>
+              </a:defRPr>
+            </a:lvl5pPr>
+            <a:lvl6pPr marL="2514600" indent="-228600" algn="l" defTabSz="914400" rtl="0" eaLnBrk="1" latinLnBrk="0" hangingPunct="1">
+              <a:lnSpc>
+                <a:spcPct val="90000"/>
+              </a:lnSpc>
+              <a:spcBef>
+                <a:spcPts val="500"/>
+              </a:spcBef>
+              <a:buFont typeface="Arial" panose="020B0604020202020204" pitchFamily="34" charset="0"/>
+              <a:buChar char="•"/>
+              <a:defRPr sz="1800" kern="1200">
+                <a:solidFill>
+                  <a:schemeClr val="tx1"/>
+                </a:solidFill>
+                <a:latin typeface="+mn-lt"/>
+                <a:ea typeface="+mn-ea"/>
+                <a:cs typeface="+mn-cs"/>
+              </a:defRPr>
+            </a:lvl6pPr>
+            <a:lvl7pPr marL="2971800" indent="-228600" algn="l" defTabSz="914400" rtl="0" eaLnBrk="1" latinLnBrk="0" hangingPunct="1">
+              <a:lnSpc>
+                <a:spcPct val="90000"/>
+              </a:lnSpc>
+              <a:spcBef>
+                <a:spcPts val="500"/>
+              </a:spcBef>
+              <a:buFont typeface="Arial" panose="020B0604020202020204" pitchFamily="34" charset="0"/>
+              <a:buChar char="•"/>
+              <a:defRPr sz="1800" kern="1200">
+                <a:solidFill>
+                  <a:schemeClr val="tx1"/>
+                </a:solidFill>
+                <a:latin typeface="+mn-lt"/>
+                <a:ea typeface="+mn-ea"/>
+                <a:cs typeface="+mn-cs"/>
+              </a:defRPr>
+            </a:lvl7pPr>
+            <a:lvl8pPr marL="3429000" indent="-228600" algn="l" defTabSz="914400" rtl="0" eaLnBrk="1" latinLnBrk="0" hangingPunct="1">
+              <a:lnSpc>
+                <a:spcPct val="90000"/>
+              </a:lnSpc>
+              <a:spcBef>
+                <a:spcPts val="500"/>
+              </a:spcBef>
+              <a:buFont typeface="Arial" panose="020B0604020202020204" pitchFamily="34" charset="0"/>
+              <a:buChar char="•"/>
+              <a:defRPr sz="1800" kern="1200">
+                <a:solidFill>
+                  <a:schemeClr val="tx1"/>
+                </a:solidFill>
+                <a:latin typeface="+mn-lt"/>
+                <a:ea typeface="+mn-ea"/>
+                <a:cs typeface="+mn-cs"/>
+              </a:defRPr>
+            </a:lvl8pPr>
+            <a:lvl9pPr marL="3886200" indent="-228600" algn="l" defTabSz="914400" rtl="0" eaLnBrk="1" latinLnBrk="0" hangingPunct="1">
+              <a:lnSpc>
+                <a:spcPct val="90000"/>
+              </a:lnSpc>
+              <a:spcBef>
+                <a:spcPts val="500"/>
+              </a:spcBef>
+              <a:buFont typeface="Arial" panose="020B0604020202020204" pitchFamily="34" charset="0"/>
+              <a:buChar char="•"/>
+              <a:defRPr sz="1800" kern="1200">
+                <a:solidFill>
+                  <a:schemeClr val="tx1"/>
+                </a:solidFill>
+                <a:latin typeface="+mn-lt"/>
+                <a:ea typeface="+mn-ea"/>
+                <a:cs typeface="+mn-cs"/>
+              </a:defRPr>
+            </a:lvl9pPr>
+          </a:lstStyle>
+          <a:p>
+            <a:pPr marL="0" indent="0">
+              <a:buFont typeface="Arial" panose="020B0604020202020204" pitchFamily="34" charset="0"/>
+              <a:buNone/>
+            </a:pPr>
+            <a:endParaRPr lang="fr-FR" sz="1400" dirty="0"/>
+          </a:p>
+        </p:txBody>
+      </p:sp>
+      <p:sp>
+        <p:nvSpPr>
+          <p:cNvPr id="11" name="Espace réservé du contenu 2">
+            <a:extLst>
+              <a:ext uri="{FF2B5EF4-FFF2-40B4-BE49-F238E27FC236}">
+                <a16:creationId xmlns:a16="http://schemas.microsoft.com/office/drawing/2014/main" id="{534F948C-D7ED-425C-B2BB-4056FDF0CEB3}"/>
+              </a:ext>
+            </a:extLst>
+          </p:cNvPr>
+          <p:cNvSpPr txBox="1">
+            <a:spLocks/>
+          </p:cNvSpPr>
+          <p:nvPr/>
+        </p:nvSpPr>
+        <p:spPr>
+          <a:xfrm>
+            <a:off x="6964679" y="1829196"/>
+            <a:ext cx="4389120" cy="4351338"/>
+          </a:xfrm>
+          <a:prstGeom prst="rect">
+            <a:avLst/>
+          </a:prstGeom>
+        </p:spPr>
+        <p:txBody>
+          <a:bodyPr vert="horz" lIns="91440" tIns="45720" rIns="91440" bIns="45720" rtlCol="0">
+            <a:normAutofit/>
+          </a:bodyPr>
+          <a:lstStyle>
+            <a:lvl1pPr marL="228600" indent="-228600" algn="l" defTabSz="914400" rtl="0" eaLnBrk="1" latinLnBrk="0" hangingPunct="1">
+              <a:lnSpc>
+                <a:spcPct val="90000"/>
+              </a:lnSpc>
+              <a:spcBef>
+                <a:spcPts val="1000"/>
+              </a:spcBef>
+              <a:buFont typeface="Arial" panose="020B0604020202020204" pitchFamily="34" charset="0"/>
+              <a:buChar char="•"/>
+              <a:defRPr sz="2800" kern="1200">
+                <a:solidFill>
+                  <a:schemeClr val="tx1"/>
+                </a:solidFill>
+                <a:latin typeface="+mn-lt"/>
+                <a:ea typeface="+mn-ea"/>
+                <a:cs typeface="+mn-cs"/>
+              </a:defRPr>
+            </a:lvl1pPr>
+            <a:lvl2pPr marL="685800" indent="-228600" algn="l" defTabSz="914400" rtl="0" eaLnBrk="1" latinLnBrk="0" hangingPunct="1">
+              <a:lnSpc>
+                <a:spcPct val="90000"/>
+              </a:lnSpc>
+              <a:spcBef>
+                <a:spcPts val="500"/>
+              </a:spcBef>
+              <a:buFont typeface="Arial" panose="020B0604020202020204" pitchFamily="34" charset="0"/>
+              <a:buChar char="•"/>
+              <a:defRPr sz="2400" kern="1200">
+                <a:solidFill>
+                  <a:schemeClr val="tx1"/>
+                </a:solidFill>
+                <a:latin typeface="+mn-lt"/>
+                <a:ea typeface="+mn-ea"/>
+                <a:cs typeface="+mn-cs"/>
+              </a:defRPr>
+            </a:lvl2pPr>
+            <a:lvl3pPr marL="1143000" indent="-228600" algn="l" defTabSz="914400" rtl="0" eaLnBrk="1" latinLnBrk="0" hangingPunct="1">
+              <a:lnSpc>
+                <a:spcPct val="90000"/>
+              </a:lnSpc>
+              <a:spcBef>
+                <a:spcPts val="500"/>
+              </a:spcBef>
+              <a:buFont typeface="Arial" panose="020B0604020202020204" pitchFamily="34" charset="0"/>
+              <a:buChar char="•"/>
+              <a:defRPr sz="2000" kern="1200">
+                <a:solidFill>
+                  <a:schemeClr val="tx1"/>
+                </a:solidFill>
+                <a:latin typeface="+mn-lt"/>
+                <a:ea typeface="+mn-ea"/>
+                <a:cs typeface="+mn-cs"/>
+              </a:defRPr>
+            </a:lvl3pPr>
+            <a:lvl4pPr marL="1600200" indent="-228600" algn="l" defTabSz="914400" rtl="0" eaLnBrk="1" latinLnBrk="0" hangingPunct="1">
+              <a:lnSpc>
+                <a:spcPct val="90000"/>
+              </a:lnSpc>
+              <a:spcBef>
+                <a:spcPts val="500"/>
+              </a:spcBef>
+              <a:buFont typeface="Arial" panose="020B0604020202020204" pitchFamily="34" charset="0"/>
+              <a:buChar char="•"/>
+              <a:defRPr sz="1800" kern="1200">
+                <a:solidFill>
+                  <a:schemeClr val="tx1"/>
+                </a:solidFill>
+                <a:latin typeface="+mn-lt"/>
+                <a:ea typeface="+mn-ea"/>
+                <a:cs typeface="+mn-cs"/>
+              </a:defRPr>
+            </a:lvl4pPr>
+            <a:lvl5pPr marL="2057400" indent="-228600" algn="l" defTabSz="914400" rtl="0" eaLnBrk="1" latinLnBrk="0" hangingPunct="1">
+              <a:lnSpc>
+                <a:spcPct val="90000"/>
+              </a:lnSpc>
+              <a:spcBef>
+                <a:spcPts val="500"/>
+              </a:spcBef>
+              <a:buFont typeface="Arial" panose="020B0604020202020204" pitchFamily="34" charset="0"/>
+              <a:buChar char="•"/>
+              <a:defRPr sz="1800" kern="1200">
+                <a:solidFill>
+                  <a:schemeClr val="tx1"/>
+                </a:solidFill>
+                <a:latin typeface="+mn-lt"/>
+                <a:ea typeface="+mn-ea"/>
+                <a:cs typeface="+mn-cs"/>
+              </a:defRPr>
+            </a:lvl5pPr>
+            <a:lvl6pPr marL="2514600" indent="-228600" algn="l" defTabSz="914400" rtl="0" eaLnBrk="1" latinLnBrk="0" hangingPunct="1">
+              <a:lnSpc>
+                <a:spcPct val="90000"/>
+              </a:lnSpc>
+              <a:spcBef>
+                <a:spcPts val="500"/>
+              </a:spcBef>
+              <a:buFont typeface="Arial" panose="020B0604020202020204" pitchFamily="34" charset="0"/>
+              <a:buChar char="•"/>
+              <a:defRPr sz="1800" kern="1200">
+                <a:solidFill>
+                  <a:schemeClr val="tx1"/>
+                </a:solidFill>
+                <a:latin typeface="+mn-lt"/>
+                <a:ea typeface="+mn-ea"/>
+                <a:cs typeface="+mn-cs"/>
+              </a:defRPr>
+            </a:lvl6pPr>
+            <a:lvl7pPr marL="2971800" indent="-228600" algn="l" defTabSz="914400" rtl="0" eaLnBrk="1" latinLnBrk="0" hangingPunct="1">
+              <a:lnSpc>
+                <a:spcPct val="90000"/>
+              </a:lnSpc>
+              <a:spcBef>
+                <a:spcPts val="500"/>
+              </a:spcBef>
+              <a:buFont typeface="Arial" panose="020B0604020202020204" pitchFamily="34" charset="0"/>
+              <a:buChar char="•"/>
+              <a:defRPr sz="1800" kern="1200">
+                <a:solidFill>
+                  <a:schemeClr val="tx1"/>
+                </a:solidFill>
+                <a:latin typeface="+mn-lt"/>
+                <a:ea typeface="+mn-ea"/>
+                <a:cs typeface="+mn-cs"/>
+              </a:defRPr>
+            </a:lvl7pPr>
+            <a:lvl8pPr marL="3429000" indent="-228600" algn="l" defTabSz="914400" rtl="0" eaLnBrk="1" latinLnBrk="0" hangingPunct="1">
+              <a:lnSpc>
+                <a:spcPct val="90000"/>
+              </a:lnSpc>
+              <a:spcBef>
+                <a:spcPts val="500"/>
+              </a:spcBef>
+              <a:buFont typeface="Arial" panose="020B0604020202020204" pitchFamily="34" charset="0"/>
+              <a:buChar char="•"/>
+              <a:defRPr sz="1800" kern="1200">
+                <a:solidFill>
+                  <a:schemeClr val="tx1"/>
+                </a:solidFill>
+                <a:latin typeface="+mn-lt"/>
+                <a:ea typeface="+mn-ea"/>
+                <a:cs typeface="+mn-cs"/>
+              </a:defRPr>
+            </a:lvl8pPr>
+            <a:lvl9pPr marL="3886200" indent="-228600" algn="l" defTabSz="914400" rtl="0" eaLnBrk="1" latinLnBrk="0" hangingPunct="1">
+              <a:lnSpc>
+                <a:spcPct val="90000"/>
+              </a:lnSpc>
+              <a:spcBef>
+                <a:spcPts val="500"/>
+              </a:spcBef>
+              <a:buFont typeface="Arial" panose="020B0604020202020204" pitchFamily="34" charset="0"/>
+              <a:buChar char="•"/>
+              <a:defRPr sz="1800" kern="1200">
+                <a:solidFill>
+                  <a:schemeClr val="tx1"/>
+                </a:solidFill>
+                <a:latin typeface="+mn-lt"/>
+                <a:ea typeface="+mn-ea"/>
+                <a:cs typeface="+mn-cs"/>
+              </a:defRPr>
+            </a:lvl9pPr>
+          </a:lstStyle>
+          <a:p>
+            <a:pPr marL="0" indent="0">
+              <a:buFont typeface="Arial" panose="020B0604020202020204" pitchFamily="34" charset="0"/>
+              <a:buNone/>
+            </a:pPr>
+            <a:endParaRPr lang="fr-FR" sz="1400" dirty="0"/>
+          </a:p>
+          <a:p>
+            <a:pPr marL="0" indent="0">
+              <a:buFont typeface="Arial" panose="020B0604020202020204" pitchFamily="34" charset="0"/>
+              <a:buNone/>
+            </a:pPr>
+            <a:endParaRPr lang="fr-FR" sz="1400" dirty="0"/>
+          </a:p>
+        </p:txBody>
+      </p:sp>
+      <p:pic>
+        <p:nvPicPr>
+          <p:cNvPr id="2" name="Image 1">
+            <a:extLst>
+              <a:ext uri="{FF2B5EF4-FFF2-40B4-BE49-F238E27FC236}">
+                <a16:creationId xmlns:a16="http://schemas.microsoft.com/office/drawing/2014/main" id="{78517888-73D0-4FB5-AD38-4834F85F45A7}"/>
+              </a:ext>
+            </a:extLst>
+          </p:cNvPr>
+          <p:cNvPicPr>
+            <a:picLocks noChangeAspect="1"/>
+          </p:cNvPicPr>
+          <p:nvPr/>
+        </p:nvPicPr>
+        <p:blipFill>
+          <a:blip r:embed="rId2"/>
+          <a:stretch>
+            <a:fillRect/>
+          </a:stretch>
+        </p:blipFill>
+        <p:spPr>
+          <a:xfrm>
+            <a:off x="982878" y="1690688"/>
+            <a:ext cx="10209847" cy="4657725"/>
+          </a:xfrm>
+          <a:prstGeom prst="rect">
+            <a:avLst/>
+          </a:prstGeom>
+        </p:spPr>
+      </p:pic>
+    </p:spTree>
+    <p:extLst>
+      <p:ext uri="{BB962C8B-B14F-4D97-AF65-F5344CB8AC3E}">
+        <p14:creationId xmlns:p14="http://schemas.microsoft.com/office/powerpoint/2010/main" val="3849828050"/>
+      </p:ext>
+    </p:extLst>
+  </p:cSld>
+  <p:clrMapOvr>
+    <a:masterClrMapping/>
+  </p:clrMapOvr>
+</p:sld>
+</file>
+
+<file path=ppt/slides/slide37.xml><?xml version="1.0" encoding="utf-8"?>
+<p:sld xmlns:a="http://schemas.openxmlformats.org/drawingml/2006/main" xmlns:r="http://schemas.openxmlformats.org/officeDocument/2006/relationships" xmlns:p="http://schemas.openxmlformats.org/presentationml/2006/main">
+  <p:cSld>
+    <p:spTree>
+      <p:nvGrpSpPr>
+        <p:cNvPr id="1" name=""/>
+        <p:cNvGrpSpPr/>
+        <p:nvPr/>
+      </p:nvGrpSpPr>
+      <p:grpSpPr>
+        <a:xfrm>
+          <a:off x="0" y="0"/>
+          <a:ext cx="0" cy="0"/>
+          <a:chOff x="0" y="0"/>
+          <a:chExt cx="0" cy="0"/>
+        </a:xfrm>
+      </p:grpSpPr>
+      <p:sp>
+        <p:nvSpPr>
+          <p:cNvPr id="4" name="Titre 1">
+            <a:extLst>
+              <a:ext uri="{FF2B5EF4-FFF2-40B4-BE49-F238E27FC236}">
+                <a16:creationId xmlns:a16="http://schemas.microsoft.com/office/drawing/2014/main" id="{960C1D7C-377E-4936-AFF5-23D603AD6FF4}"/>
+              </a:ext>
+            </a:extLst>
+          </p:cNvPr>
+          <p:cNvSpPr>
+            <a:spLocks noGrp="1"/>
+          </p:cNvSpPr>
+          <p:nvPr>
+            <p:ph type="title"/>
+          </p:nvPr>
+        </p:nvSpPr>
+        <p:spPr>
+          <a:xfrm>
+            <a:off x="838200" y="365125"/>
+            <a:ext cx="10515600" cy="1325563"/>
+          </a:xfrm>
+        </p:spPr>
+        <p:txBody>
+          <a:bodyPr/>
+          <a:lstStyle/>
+          <a:p>
+            <a:r>
+              <a:rPr lang="fr-FR" dirty="0"/>
+              <a:t>Etape 28 : Utilisation des messages flash pour notifier l’utilisateur</a:t>
+            </a:r>
+          </a:p>
+        </p:txBody>
+      </p:sp>
+      <p:sp>
+        <p:nvSpPr>
+          <p:cNvPr id="9" name="Espace réservé du contenu 2">
+            <a:extLst>
+              <a:ext uri="{FF2B5EF4-FFF2-40B4-BE49-F238E27FC236}">
+                <a16:creationId xmlns:a16="http://schemas.microsoft.com/office/drawing/2014/main" id="{EB812BAD-F986-4356-9B0E-865CD4B89634}"/>
+              </a:ext>
+            </a:extLst>
+          </p:cNvPr>
+          <p:cNvSpPr txBox="1">
+            <a:spLocks/>
+          </p:cNvSpPr>
+          <p:nvPr/>
+        </p:nvSpPr>
+        <p:spPr>
+          <a:xfrm>
+            <a:off x="999275" y="1828998"/>
+            <a:ext cx="4389120" cy="4351338"/>
+          </a:xfrm>
+          <a:prstGeom prst="rect">
+            <a:avLst/>
+          </a:prstGeom>
+        </p:spPr>
+        <p:txBody>
+          <a:bodyPr vert="horz" lIns="91440" tIns="45720" rIns="91440" bIns="45720" rtlCol="0">
+            <a:normAutofit/>
+          </a:bodyPr>
+          <a:lstStyle>
+            <a:lvl1pPr marL="228600" indent="-228600" algn="l" defTabSz="914400" rtl="0" eaLnBrk="1" latinLnBrk="0" hangingPunct="1">
+              <a:lnSpc>
+                <a:spcPct val="90000"/>
+              </a:lnSpc>
+              <a:spcBef>
+                <a:spcPts val="1000"/>
+              </a:spcBef>
+              <a:buFont typeface="Arial" panose="020B0604020202020204" pitchFamily="34" charset="0"/>
+              <a:buChar char="•"/>
+              <a:defRPr sz="2800" kern="1200">
+                <a:solidFill>
+                  <a:schemeClr val="tx1"/>
+                </a:solidFill>
+                <a:latin typeface="+mn-lt"/>
+                <a:ea typeface="+mn-ea"/>
+                <a:cs typeface="+mn-cs"/>
+              </a:defRPr>
+            </a:lvl1pPr>
+            <a:lvl2pPr marL="685800" indent="-228600" algn="l" defTabSz="914400" rtl="0" eaLnBrk="1" latinLnBrk="0" hangingPunct="1">
+              <a:lnSpc>
+                <a:spcPct val="90000"/>
+              </a:lnSpc>
+              <a:spcBef>
+                <a:spcPts val="500"/>
+              </a:spcBef>
+              <a:buFont typeface="Arial" panose="020B0604020202020204" pitchFamily="34" charset="0"/>
+              <a:buChar char="•"/>
+              <a:defRPr sz="2400" kern="1200">
+                <a:solidFill>
+                  <a:schemeClr val="tx1"/>
+                </a:solidFill>
+                <a:latin typeface="+mn-lt"/>
+                <a:ea typeface="+mn-ea"/>
+                <a:cs typeface="+mn-cs"/>
+              </a:defRPr>
+            </a:lvl2pPr>
+            <a:lvl3pPr marL="1143000" indent="-228600" algn="l" defTabSz="914400" rtl="0" eaLnBrk="1" latinLnBrk="0" hangingPunct="1">
+              <a:lnSpc>
+                <a:spcPct val="90000"/>
+              </a:lnSpc>
+              <a:spcBef>
+                <a:spcPts val="500"/>
+              </a:spcBef>
+              <a:buFont typeface="Arial" panose="020B0604020202020204" pitchFamily="34" charset="0"/>
+              <a:buChar char="•"/>
+              <a:defRPr sz="2000" kern="1200">
+                <a:solidFill>
+                  <a:schemeClr val="tx1"/>
+                </a:solidFill>
+                <a:latin typeface="+mn-lt"/>
+                <a:ea typeface="+mn-ea"/>
+                <a:cs typeface="+mn-cs"/>
+              </a:defRPr>
+            </a:lvl3pPr>
+            <a:lvl4pPr marL="1600200" indent="-228600" algn="l" defTabSz="914400" rtl="0" eaLnBrk="1" latinLnBrk="0" hangingPunct="1">
+              <a:lnSpc>
+                <a:spcPct val="90000"/>
+              </a:lnSpc>
+              <a:spcBef>
+                <a:spcPts val="500"/>
+              </a:spcBef>
+              <a:buFont typeface="Arial" panose="020B0604020202020204" pitchFamily="34" charset="0"/>
+              <a:buChar char="•"/>
+              <a:defRPr sz="1800" kern="1200">
+                <a:solidFill>
+                  <a:schemeClr val="tx1"/>
+                </a:solidFill>
+                <a:latin typeface="+mn-lt"/>
+                <a:ea typeface="+mn-ea"/>
+                <a:cs typeface="+mn-cs"/>
+              </a:defRPr>
+            </a:lvl4pPr>
+            <a:lvl5pPr marL="2057400" indent="-228600" algn="l" defTabSz="914400" rtl="0" eaLnBrk="1" latinLnBrk="0" hangingPunct="1">
+              <a:lnSpc>
+                <a:spcPct val="90000"/>
+              </a:lnSpc>
+              <a:spcBef>
+                <a:spcPts val="500"/>
+              </a:spcBef>
+              <a:buFont typeface="Arial" panose="020B0604020202020204" pitchFamily="34" charset="0"/>
+              <a:buChar char="•"/>
+              <a:defRPr sz="1800" kern="1200">
+                <a:solidFill>
+                  <a:schemeClr val="tx1"/>
+                </a:solidFill>
+                <a:latin typeface="+mn-lt"/>
+                <a:ea typeface="+mn-ea"/>
+                <a:cs typeface="+mn-cs"/>
+              </a:defRPr>
+            </a:lvl5pPr>
+            <a:lvl6pPr marL="2514600" indent="-228600" algn="l" defTabSz="914400" rtl="0" eaLnBrk="1" latinLnBrk="0" hangingPunct="1">
+              <a:lnSpc>
+                <a:spcPct val="90000"/>
+              </a:lnSpc>
+              <a:spcBef>
+                <a:spcPts val="500"/>
+              </a:spcBef>
+              <a:buFont typeface="Arial" panose="020B0604020202020204" pitchFamily="34" charset="0"/>
+              <a:buChar char="•"/>
+              <a:defRPr sz="1800" kern="1200">
+                <a:solidFill>
+                  <a:schemeClr val="tx1"/>
+                </a:solidFill>
+                <a:latin typeface="+mn-lt"/>
+                <a:ea typeface="+mn-ea"/>
+                <a:cs typeface="+mn-cs"/>
+              </a:defRPr>
+            </a:lvl6pPr>
+            <a:lvl7pPr marL="2971800" indent="-228600" algn="l" defTabSz="914400" rtl="0" eaLnBrk="1" latinLnBrk="0" hangingPunct="1">
+              <a:lnSpc>
+                <a:spcPct val="90000"/>
+              </a:lnSpc>
+              <a:spcBef>
+                <a:spcPts val="500"/>
+              </a:spcBef>
+              <a:buFont typeface="Arial" panose="020B0604020202020204" pitchFamily="34" charset="0"/>
+              <a:buChar char="•"/>
+              <a:defRPr sz="1800" kern="1200">
+                <a:solidFill>
+                  <a:schemeClr val="tx1"/>
+                </a:solidFill>
+                <a:latin typeface="+mn-lt"/>
+                <a:ea typeface="+mn-ea"/>
+                <a:cs typeface="+mn-cs"/>
+              </a:defRPr>
+            </a:lvl7pPr>
+            <a:lvl8pPr marL="3429000" indent="-228600" algn="l" defTabSz="914400" rtl="0" eaLnBrk="1" latinLnBrk="0" hangingPunct="1">
+              <a:lnSpc>
+                <a:spcPct val="90000"/>
+              </a:lnSpc>
+              <a:spcBef>
+                <a:spcPts val="500"/>
+              </a:spcBef>
+              <a:buFont typeface="Arial" panose="020B0604020202020204" pitchFamily="34" charset="0"/>
+              <a:buChar char="•"/>
+              <a:defRPr sz="1800" kern="1200">
+                <a:solidFill>
+                  <a:schemeClr val="tx1"/>
+                </a:solidFill>
+                <a:latin typeface="+mn-lt"/>
+                <a:ea typeface="+mn-ea"/>
+                <a:cs typeface="+mn-cs"/>
+              </a:defRPr>
+            </a:lvl8pPr>
+            <a:lvl9pPr marL="3886200" indent="-228600" algn="l" defTabSz="914400" rtl="0" eaLnBrk="1" latinLnBrk="0" hangingPunct="1">
+              <a:lnSpc>
+                <a:spcPct val="90000"/>
+              </a:lnSpc>
+              <a:spcBef>
+                <a:spcPts val="500"/>
+              </a:spcBef>
+              <a:buFont typeface="Arial" panose="020B0604020202020204" pitchFamily="34" charset="0"/>
+              <a:buChar char="•"/>
+              <a:defRPr sz="1800" kern="1200">
+                <a:solidFill>
+                  <a:schemeClr val="tx1"/>
+                </a:solidFill>
+                <a:latin typeface="+mn-lt"/>
+                <a:ea typeface="+mn-ea"/>
+                <a:cs typeface="+mn-cs"/>
+              </a:defRPr>
+            </a:lvl9pPr>
+          </a:lstStyle>
+          <a:p>
+            <a:pPr marL="0" indent="0">
+              <a:buFont typeface="Arial" panose="020B0604020202020204" pitchFamily="34" charset="0"/>
+              <a:buNone/>
+            </a:pPr>
+            <a:endParaRPr lang="fr-FR" sz="1400" dirty="0"/>
+          </a:p>
+        </p:txBody>
+      </p:sp>
+      <p:sp>
+        <p:nvSpPr>
+          <p:cNvPr id="11" name="Espace réservé du contenu 2">
+            <a:extLst>
+              <a:ext uri="{FF2B5EF4-FFF2-40B4-BE49-F238E27FC236}">
+                <a16:creationId xmlns:a16="http://schemas.microsoft.com/office/drawing/2014/main" id="{534F948C-D7ED-425C-B2BB-4056FDF0CEB3}"/>
+              </a:ext>
+            </a:extLst>
+          </p:cNvPr>
+          <p:cNvSpPr txBox="1">
+            <a:spLocks/>
+          </p:cNvSpPr>
+          <p:nvPr/>
+        </p:nvSpPr>
+        <p:spPr>
+          <a:xfrm>
+            <a:off x="6964679" y="1829196"/>
+            <a:ext cx="4389120" cy="4351338"/>
+          </a:xfrm>
+          <a:prstGeom prst="rect">
+            <a:avLst/>
+          </a:prstGeom>
+        </p:spPr>
+        <p:txBody>
+          <a:bodyPr vert="horz" lIns="91440" tIns="45720" rIns="91440" bIns="45720" rtlCol="0">
+            <a:normAutofit/>
+          </a:bodyPr>
+          <a:lstStyle>
+            <a:lvl1pPr marL="228600" indent="-228600" algn="l" defTabSz="914400" rtl="0" eaLnBrk="1" latinLnBrk="0" hangingPunct="1">
+              <a:lnSpc>
+                <a:spcPct val="90000"/>
+              </a:lnSpc>
+              <a:spcBef>
+                <a:spcPts val="1000"/>
+              </a:spcBef>
+              <a:buFont typeface="Arial" panose="020B0604020202020204" pitchFamily="34" charset="0"/>
+              <a:buChar char="•"/>
+              <a:defRPr sz="2800" kern="1200">
+                <a:solidFill>
+                  <a:schemeClr val="tx1"/>
+                </a:solidFill>
+                <a:latin typeface="+mn-lt"/>
+                <a:ea typeface="+mn-ea"/>
+                <a:cs typeface="+mn-cs"/>
+              </a:defRPr>
+            </a:lvl1pPr>
+            <a:lvl2pPr marL="685800" indent="-228600" algn="l" defTabSz="914400" rtl="0" eaLnBrk="1" latinLnBrk="0" hangingPunct="1">
+              <a:lnSpc>
+                <a:spcPct val="90000"/>
+              </a:lnSpc>
+              <a:spcBef>
+                <a:spcPts val="500"/>
+              </a:spcBef>
+              <a:buFont typeface="Arial" panose="020B0604020202020204" pitchFamily="34" charset="0"/>
+              <a:buChar char="•"/>
+              <a:defRPr sz="2400" kern="1200">
+                <a:solidFill>
+                  <a:schemeClr val="tx1"/>
+                </a:solidFill>
+                <a:latin typeface="+mn-lt"/>
+                <a:ea typeface="+mn-ea"/>
+                <a:cs typeface="+mn-cs"/>
+              </a:defRPr>
+            </a:lvl2pPr>
+            <a:lvl3pPr marL="1143000" indent="-228600" algn="l" defTabSz="914400" rtl="0" eaLnBrk="1" latinLnBrk="0" hangingPunct="1">
+              <a:lnSpc>
+                <a:spcPct val="90000"/>
+              </a:lnSpc>
+              <a:spcBef>
+                <a:spcPts val="500"/>
+              </a:spcBef>
+              <a:buFont typeface="Arial" panose="020B0604020202020204" pitchFamily="34" charset="0"/>
+              <a:buChar char="•"/>
+              <a:defRPr sz="2000" kern="1200">
+                <a:solidFill>
+                  <a:schemeClr val="tx1"/>
+                </a:solidFill>
+                <a:latin typeface="+mn-lt"/>
+                <a:ea typeface="+mn-ea"/>
+                <a:cs typeface="+mn-cs"/>
+              </a:defRPr>
+            </a:lvl3pPr>
+            <a:lvl4pPr marL="1600200" indent="-228600" algn="l" defTabSz="914400" rtl="0" eaLnBrk="1" latinLnBrk="0" hangingPunct="1">
+              <a:lnSpc>
+                <a:spcPct val="90000"/>
+              </a:lnSpc>
+              <a:spcBef>
+                <a:spcPts val="500"/>
+              </a:spcBef>
+              <a:buFont typeface="Arial" panose="020B0604020202020204" pitchFamily="34" charset="0"/>
+              <a:buChar char="•"/>
+              <a:defRPr sz="1800" kern="1200">
+                <a:solidFill>
+                  <a:schemeClr val="tx1"/>
+                </a:solidFill>
+                <a:latin typeface="+mn-lt"/>
+                <a:ea typeface="+mn-ea"/>
+                <a:cs typeface="+mn-cs"/>
+              </a:defRPr>
+            </a:lvl4pPr>
+            <a:lvl5pPr marL="2057400" indent="-228600" algn="l" defTabSz="914400" rtl="0" eaLnBrk="1" latinLnBrk="0" hangingPunct="1">
+              <a:lnSpc>
+                <a:spcPct val="90000"/>
+              </a:lnSpc>
+              <a:spcBef>
+                <a:spcPts val="500"/>
+              </a:spcBef>
+              <a:buFont typeface="Arial" panose="020B0604020202020204" pitchFamily="34" charset="0"/>
+              <a:buChar char="•"/>
+              <a:defRPr sz="1800" kern="1200">
+                <a:solidFill>
+                  <a:schemeClr val="tx1"/>
+                </a:solidFill>
+                <a:latin typeface="+mn-lt"/>
+                <a:ea typeface="+mn-ea"/>
+                <a:cs typeface="+mn-cs"/>
+              </a:defRPr>
+            </a:lvl5pPr>
+            <a:lvl6pPr marL="2514600" indent="-228600" algn="l" defTabSz="914400" rtl="0" eaLnBrk="1" latinLnBrk="0" hangingPunct="1">
+              <a:lnSpc>
+                <a:spcPct val="90000"/>
+              </a:lnSpc>
+              <a:spcBef>
+                <a:spcPts val="500"/>
+              </a:spcBef>
+              <a:buFont typeface="Arial" panose="020B0604020202020204" pitchFamily="34" charset="0"/>
+              <a:buChar char="•"/>
+              <a:defRPr sz="1800" kern="1200">
+                <a:solidFill>
+                  <a:schemeClr val="tx1"/>
+                </a:solidFill>
+                <a:latin typeface="+mn-lt"/>
+                <a:ea typeface="+mn-ea"/>
+                <a:cs typeface="+mn-cs"/>
+              </a:defRPr>
+            </a:lvl6pPr>
+            <a:lvl7pPr marL="2971800" indent="-228600" algn="l" defTabSz="914400" rtl="0" eaLnBrk="1" latinLnBrk="0" hangingPunct="1">
+              <a:lnSpc>
+                <a:spcPct val="90000"/>
+              </a:lnSpc>
+              <a:spcBef>
+                <a:spcPts val="500"/>
+              </a:spcBef>
+              <a:buFont typeface="Arial" panose="020B0604020202020204" pitchFamily="34" charset="0"/>
+              <a:buChar char="•"/>
+              <a:defRPr sz="1800" kern="1200">
+                <a:solidFill>
+                  <a:schemeClr val="tx1"/>
+                </a:solidFill>
+                <a:latin typeface="+mn-lt"/>
+                <a:ea typeface="+mn-ea"/>
+                <a:cs typeface="+mn-cs"/>
+              </a:defRPr>
+            </a:lvl7pPr>
+            <a:lvl8pPr marL="3429000" indent="-228600" algn="l" defTabSz="914400" rtl="0" eaLnBrk="1" latinLnBrk="0" hangingPunct="1">
+              <a:lnSpc>
+                <a:spcPct val="90000"/>
+              </a:lnSpc>
+              <a:spcBef>
+                <a:spcPts val="500"/>
+              </a:spcBef>
+              <a:buFont typeface="Arial" panose="020B0604020202020204" pitchFamily="34" charset="0"/>
+              <a:buChar char="•"/>
+              <a:defRPr sz="1800" kern="1200">
+                <a:solidFill>
+                  <a:schemeClr val="tx1"/>
+                </a:solidFill>
+                <a:latin typeface="+mn-lt"/>
+                <a:ea typeface="+mn-ea"/>
+                <a:cs typeface="+mn-cs"/>
+              </a:defRPr>
+            </a:lvl8pPr>
+            <a:lvl9pPr marL="3886200" indent="-228600" algn="l" defTabSz="914400" rtl="0" eaLnBrk="1" latinLnBrk="0" hangingPunct="1">
+              <a:lnSpc>
+                <a:spcPct val="90000"/>
+              </a:lnSpc>
+              <a:spcBef>
+                <a:spcPts val="500"/>
+              </a:spcBef>
+              <a:buFont typeface="Arial" panose="020B0604020202020204" pitchFamily="34" charset="0"/>
+              <a:buChar char="•"/>
+              <a:defRPr sz="1800" kern="1200">
+                <a:solidFill>
+                  <a:schemeClr val="tx1"/>
+                </a:solidFill>
+                <a:latin typeface="+mn-lt"/>
+                <a:ea typeface="+mn-ea"/>
+                <a:cs typeface="+mn-cs"/>
+              </a:defRPr>
+            </a:lvl9pPr>
+          </a:lstStyle>
+          <a:p>
+            <a:pPr marL="0" indent="0">
+              <a:buFont typeface="Arial" panose="020B0604020202020204" pitchFamily="34" charset="0"/>
+              <a:buNone/>
+            </a:pPr>
+            <a:endParaRPr lang="fr-FR" sz="1400" dirty="0"/>
+          </a:p>
+          <a:p>
+            <a:pPr marL="0" indent="0">
+              <a:buFont typeface="Arial" panose="020B0604020202020204" pitchFamily="34" charset="0"/>
+              <a:buNone/>
+            </a:pPr>
+            <a:endParaRPr lang="fr-FR" sz="1400" dirty="0"/>
+          </a:p>
+        </p:txBody>
+      </p:sp>
+      <p:sp>
+        <p:nvSpPr>
+          <p:cNvPr id="6" name="Espace réservé du contenu 2">
+            <a:extLst>
+              <a:ext uri="{FF2B5EF4-FFF2-40B4-BE49-F238E27FC236}">
+                <a16:creationId xmlns:a16="http://schemas.microsoft.com/office/drawing/2014/main" id="{AAD6F3F3-8703-49C0-9B3D-0F1B9E3DBE97}"/>
+              </a:ext>
+            </a:extLst>
+          </p:cNvPr>
+          <p:cNvSpPr txBox="1">
+            <a:spLocks/>
+          </p:cNvSpPr>
+          <p:nvPr/>
+        </p:nvSpPr>
+        <p:spPr>
+          <a:xfrm>
+            <a:off x="1151675" y="1981398"/>
+            <a:ext cx="4389120" cy="4351338"/>
+          </a:xfrm>
+          <a:prstGeom prst="rect">
+            <a:avLst/>
+          </a:prstGeom>
+        </p:spPr>
+        <p:txBody>
+          <a:bodyPr vert="horz" lIns="91440" tIns="45720" rIns="91440" bIns="45720" rtlCol="0">
+            <a:normAutofit/>
+          </a:bodyPr>
+          <a:lstStyle>
+            <a:lvl1pPr marL="228600" indent="-228600" algn="l" defTabSz="914400" rtl="0" eaLnBrk="1" latinLnBrk="0" hangingPunct="1">
+              <a:lnSpc>
+                <a:spcPct val="90000"/>
+              </a:lnSpc>
+              <a:spcBef>
+                <a:spcPts val="1000"/>
+              </a:spcBef>
+              <a:buFont typeface="Arial" panose="020B0604020202020204" pitchFamily="34" charset="0"/>
+              <a:buChar char="•"/>
+              <a:defRPr sz="2800" kern="1200">
+                <a:solidFill>
+                  <a:schemeClr val="tx1"/>
+                </a:solidFill>
+                <a:latin typeface="+mn-lt"/>
+                <a:ea typeface="+mn-ea"/>
+                <a:cs typeface="+mn-cs"/>
+              </a:defRPr>
+            </a:lvl1pPr>
+            <a:lvl2pPr marL="685800" indent="-228600" algn="l" defTabSz="914400" rtl="0" eaLnBrk="1" latinLnBrk="0" hangingPunct="1">
+              <a:lnSpc>
+                <a:spcPct val="90000"/>
+              </a:lnSpc>
+              <a:spcBef>
+                <a:spcPts val="500"/>
+              </a:spcBef>
+              <a:buFont typeface="Arial" panose="020B0604020202020204" pitchFamily="34" charset="0"/>
+              <a:buChar char="•"/>
+              <a:defRPr sz="2400" kern="1200">
+                <a:solidFill>
+                  <a:schemeClr val="tx1"/>
+                </a:solidFill>
+                <a:latin typeface="+mn-lt"/>
+                <a:ea typeface="+mn-ea"/>
+                <a:cs typeface="+mn-cs"/>
+              </a:defRPr>
+            </a:lvl2pPr>
+            <a:lvl3pPr marL="1143000" indent="-228600" algn="l" defTabSz="914400" rtl="0" eaLnBrk="1" latinLnBrk="0" hangingPunct="1">
+              <a:lnSpc>
+                <a:spcPct val="90000"/>
+              </a:lnSpc>
+              <a:spcBef>
+                <a:spcPts val="500"/>
+              </a:spcBef>
+              <a:buFont typeface="Arial" panose="020B0604020202020204" pitchFamily="34" charset="0"/>
+              <a:buChar char="•"/>
+              <a:defRPr sz="2000" kern="1200">
+                <a:solidFill>
+                  <a:schemeClr val="tx1"/>
+                </a:solidFill>
+                <a:latin typeface="+mn-lt"/>
+                <a:ea typeface="+mn-ea"/>
+                <a:cs typeface="+mn-cs"/>
+              </a:defRPr>
+            </a:lvl3pPr>
+            <a:lvl4pPr marL="1600200" indent="-228600" algn="l" defTabSz="914400" rtl="0" eaLnBrk="1" latinLnBrk="0" hangingPunct="1">
+              <a:lnSpc>
+                <a:spcPct val="90000"/>
+              </a:lnSpc>
+              <a:spcBef>
+                <a:spcPts val="500"/>
+              </a:spcBef>
+              <a:buFont typeface="Arial" panose="020B0604020202020204" pitchFamily="34" charset="0"/>
+              <a:buChar char="•"/>
+              <a:defRPr sz="1800" kern="1200">
+                <a:solidFill>
+                  <a:schemeClr val="tx1"/>
+                </a:solidFill>
+                <a:latin typeface="+mn-lt"/>
+                <a:ea typeface="+mn-ea"/>
+                <a:cs typeface="+mn-cs"/>
+              </a:defRPr>
+            </a:lvl4pPr>
+            <a:lvl5pPr marL="2057400" indent="-228600" algn="l" defTabSz="914400" rtl="0" eaLnBrk="1" latinLnBrk="0" hangingPunct="1">
+              <a:lnSpc>
+                <a:spcPct val="90000"/>
+              </a:lnSpc>
+              <a:spcBef>
+                <a:spcPts val="500"/>
+              </a:spcBef>
+              <a:buFont typeface="Arial" panose="020B0604020202020204" pitchFamily="34" charset="0"/>
+              <a:buChar char="•"/>
+              <a:defRPr sz="1800" kern="1200">
+                <a:solidFill>
+                  <a:schemeClr val="tx1"/>
+                </a:solidFill>
+                <a:latin typeface="+mn-lt"/>
+                <a:ea typeface="+mn-ea"/>
+                <a:cs typeface="+mn-cs"/>
+              </a:defRPr>
+            </a:lvl5pPr>
+            <a:lvl6pPr marL="2514600" indent="-228600" algn="l" defTabSz="914400" rtl="0" eaLnBrk="1" latinLnBrk="0" hangingPunct="1">
+              <a:lnSpc>
+                <a:spcPct val="90000"/>
+              </a:lnSpc>
+              <a:spcBef>
+                <a:spcPts val="500"/>
+              </a:spcBef>
+              <a:buFont typeface="Arial" panose="020B0604020202020204" pitchFamily="34" charset="0"/>
+              <a:buChar char="•"/>
+              <a:defRPr sz="1800" kern="1200">
+                <a:solidFill>
+                  <a:schemeClr val="tx1"/>
+                </a:solidFill>
+                <a:latin typeface="+mn-lt"/>
+                <a:ea typeface="+mn-ea"/>
+                <a:cs typeface="+mn-cs"/>
+              </a:defRPr>
+            </a:lvl6pPr>
+            <a:lvl7pPr marL="2971800" indent="-228600" algn="l" defTabSz="914400" rtl="0" eaLnBrk="1" latinLnBrk="0" hangingPunct="1">
+              <a:lnSpc>
+                <a:spcPct val="90000"/>
+              </a:lnSpc>
+              <a:spcBef>
+                <a:spcPts val="500"/>
+              </a:spcBef>
+              <a:buFont typeface="Arial" panose="020B0604020202020204" pitchFamily="34" charset="0"/>
+              <a:buChar char="•"/>
+              <a:defRPr sz="1800" kern="1200">
+                <a:solidFill>
+                  <a:schemeClr val="tx1"/>
+                </a:solidFill>
+                <a:latin typeface="+mn-lt"/>
+                <a:ea typeface="+mn-ea"/>
+                <a:cs typeface="+mn-cs"/>
+              </a:defRPr>
+            </a:lvl7pPr>
+            <a:lvl8pPr marL="3429000" indent="-228600" algn="l" defTabSz="914400" rtl="0" eaLnBrk="1" latinLnBrk="0" hangingPunct="1">
+              <a:lnSpc>
+                <a:spcPct val="90000"/>
+              </a:lnSpc>
+              <a:spcBef>
+                <a:spcPts val="500"/>
+              </a:spcBef>
+              <a:buFont typeface="Arial" panose="020B0604020202020204" pitchFamily="34" charset="0"/>
+              <a:buChar char="•"/>
+              <a:defRPr sz="1800" kern="1200">
+                <a:solidFill>
+                  <a:schemeClr val="tx1"/>
+                </a:solidFill>
+                <a:latin typeface="+mn-lt"/>
+                <a:ea typeface="+mn-ea"/>
+                <a:cs typeface="+mn-cs"/>
+              </a:defRPr>
+            </a:lvl8pPr>
+            <a:lvl9pPr marL="3886200" indent="-228600" algn="l" defTabSz="914400" rtl="0" eaLnBrk="1" latinLnBrk="0" hangingPunct="1">
+              <a:lnSpc>
+                <a:spcPct val="90000"/>
+              </a:lnSpc>
+              <a:spcBef>
+                <a:spcPts val="500"/>
+              </a:spcBef>
+              <a:buFont typeface="Arial" panose="020B0604020202020204" pitchFamily="34" charset="0"/>
+              <a:buChar char="•"/>
+              <a:defRPr sz="1800" kern="1200">
+                <a:solidFill>
+                  <a:schemeClr val="tx1"/>
+                </a:solidFill>
+                <a:latin typeface="+mn-lt"/>
+                <a:ea typeface="+mn-ea"/>
+                <a:cs typeface="+mn-cs"/>
+              </a:defRPr>
+            </a:lvl9pPr>
+          </a:lstStyle>
+          <a:p>
+            <a:pPr marL="0" indent="0" algn="ctr">
+              <a:buFont typeface="Arial" panose="020B0604020202020204" pitchFamily="34" charset="0"/>
+              <a:buNone/>
+            </a:pPr>
+            <a:r>
+              <a:rPr lang="fr-FR" sz="1400" dirty="0"/>
+              <a:t>Dans le </a:t>
+            </a:r>
+            <a:r>
+              <a:rPr lang="fr-FR" sz="1400" dirty="0" err="1"/>
+              <a:t>controller</a:t>
+            </a:r>
+            <a:r>
+              <a:rPr lang="fr-FR" sz="1400" dirty="0"/>
+              <a:t> :</a:t>
+            </a:r>
+          </a:p>
+          <a:p>
+            <a:pPr marL="0" indent="0">
+              <a:buFont typeface="Arial" panose="020B0604020202020204" pitchFamily="34" charset="0"/>
+              <a:buNone/>
+            </a:pPr>
+            <a:endParaRPr lang="fr-FR" sz="1400" dirty="0"/>
+          </a:p>
+        </p:txBody>
+      </p:sp>
+      <p:sp>
+        <p:nvSpPr>
+          <p:cNvPr id="7" name="Espace réservé du contenu 2">
+            <a:extLst>
+              <a:ext uri="{FF2B5EF4-FFF2-40B4-BE49-F238E27FC236}">
+                <a16:creationId xmlns:a16="http://schemas.microsoft.com/office/drawing/2014/main" id="{46600243-11B8-49D4-9306-D084F2C6D2A9}"/>
+              </a:ext>
+            </a:extLst>
+          </p:cNvPr>
+          <p:cNvSpPr txBox="1">
+            <a:spLocks/>
+          </p:cNvSpPr>
+          <p:nvPr/>
+        </p:nvSpPr>
+        <p:spPr>
+          <a:xfrm>
+            <a:off x="7117079" y="1981596"/>
+            <a:ext cx="4389120" cy="4351338"/>
+          </a:xfrm>
+          <a:prstGeom prst="rect">
+            <a:avLst/>
+          </a:prstGeom>
+        </p:spPr>
+        <p:txBody>
+          <a:bodyPr vert="horz" lIns="91440" tIns="45720" rIns="91440" bIns="45720" rtlCol="0">
+            <a:normAutofit/>
+          </a:bodyPr>
+          <a:lstStyle>
+            <a:lvl1pPr marL="228600" indent="-228600" algn="l" defTabSz="914400" rtl="0" eaLnBrk="1" latinLnBrk="0" hangingPunct="1">
+              <a:lnSpc>
+                <a:spcPct val="90000"/>
+              </a:lnSpc>
+              <a:spcBef>
+                <a:spcPts val="1000"/>
+              </a:spcBef>
+              <a:buFont typeface="Arial" panose="020B0604020202020204" pitchFamily="34" charset="0"/>
+              <a:buChar char="•"/>
+              <a:defRPr sz="2800" kern="1200">
+                <a:solidFill>
+                  <a:schemeClr val="tx1"/>
+                </a:solidFill>
+                <a:latin typeface="+mn-lt"/>
+                <a:ea typeface="+mn-ea"/>
+                <a:cs typeface="+mn-cs"/>
+              </a:defRPr>
+            </a:lvl1pPr>
+            <a:lvl2pPr marL="685800" indent="-228600" algn="l" defTabSz="914400" rtl="0" eaLnBrk="1" latinLnBrk="0" hangingPunct="1">
+              <a:lnSpc>
+                <a:spcPct val="90000"/>
+              </a:lnSpc>
+              <a:spcBef>
+                <a:spcPts val="500"/>
+              </a:spcBef>
+              <a:buFont typeface="Arial" panose="020B0604020202020204" pitchFamily="34" charset="0"/>
+              <a:buChar char="•"/>
+              <a:defRPr sz="2400" kern="1200">
+                <a:solidFill>
+                  <a:schemeClr val="tx1"/>
+                </a:solidFill>
+                <a:latin typeface="+mn-lt"/>
+                <a:ea typeface="+mn-ea"/>
+                <a:cs typeface="+mn-cs"/>
+              </a:defRPr>
+            </a:lvl2pPr>
+            <a:lvl3pPr marL="1143000" indent="-228600" algn="l" defTabSz="914400" rtl="0" eaLnBrk="1" latinLnBrk="0" hangingPunct="1">
+              <a:lnSpc>
+                <a:spcPct val="90000"/>
+              </a:lnSpc>
+              <a:spcBef>
+                <a:spcPts val="500"/>
+              </a:spcBef>
+              <a:buFont typeface="Arial" panose="020B0604020202020204" pitchFamily="34" charset="0"/>
+              <a:buChar char="•"/>
+              <a:defRPr sz="2000" kern="1200">
+                <a:solidFill>
+                  <a:schemeClr val="tx1"/>
+                </a:solidFill>
+                <a:latin typeface="+mn-lt"/>
+                <a:ea typeface="+mn-ea"/>
+                <a:cs typeface="+mn-cs"/>
+              </a:defRPr>
+            </a:lvl3pPr>
+            <a:lvl4pPr marL="1600200" indent="-228600" algn="l" defTabSz="914400" rtl="0" eaLnBrk="1" latinLnBrk="0" hangingPunct="1">
+              <a:lnSpc>
+                <a:spcPct val="90000"/>
+              </a:lnSpc>
+              <a:spcBef>
+                <a:spcPts val="500"/>
+              </a:spcBef>
+              <a:buFont typeface="Arial" panose="020B0604020202020204" pitchFamily="34" charset="0"/>
+              <a:buChar char="•"/>
+              <a:defRPr sz="1800" kern="1200">
+                <a:solidFill>
+                  <a:schemeClr val="tx1"/>
+                </a:solidFill>
+                <a:latin typeface="+mn-lt"/>
+                <a:ea typeface="+mn-ea"/>
+                <a:cs typeface="+mn-cs"/>
+              </a:defRPr>
+            </a:lvl4pPr>
+            <a:lvl5pPr marL="2057400" indent="-228600" algn="l" defTabSz="914400" rtl="0" eaLnBrk="1" latinLnBrk="0" hangingPunct="1">
+              <a:lnSpc>
+                <a:spcPct val="90000"/>
+              </a:lnSpc>
+              <a:spcBef>
+                <a:spcPts val="500"/>
+              </a:spcBef>
+              <a:buFont typeface="Arial" panose="020B0604020202020204" pitchFamily="34" charset="0"/>
+              <a:buChar char="•"/>
+              <a:defRPr sz="1800" kern="1200">
+                <a:solidFill>
+                  <a:schemeClr val="tx1"/>
+                </a:solidFill>
+                <a:latin typeface="+mn-lt"/>
+                <a:ea typeface="+mn-ea"/>
+                <a:cs typeface="+mn-cs"/>
+              </a:defRPr>
+            </a:lvl5pPr>
+            <a:lvl6pPr marL="2514600" indent="-228600" algn="l" defTabSz="914400" rtl="0" eaLnBrk="1" latinLnBrk="0" hangingPunct="1">
+              <a:lnSpc>
+                <a:spcPct val="90000"/>
+              </a:lnSpc>
+              <a:spcBef>
+                <a:spcPts val="500"/>
+              </a:spcBef>
+              <a:buFont typeface="Arial" panose="020B0604020202020204" pitchFamily="34" charset="0"/>
+              <a:buChar char="•"/>
+              <a:defRPr sz="1800" kern="1200">
+                <a:solidFill>
+                  <a:schemeClr val="tx1"/>
+                </a:solidFill>
+                <a:latin typeface="+mn-lt"/>
+                <a:ea typeface="+mn-ea"/>
+                <a:cs typeface="+mn-cs"/>
+              </a:defRPr>
+            </a:lvl6pPr>
+            <a:lvl7pPr marL="2971800" indent="-228600" algn="l" defTabSz="914400" rtl="0" eaLnBrk="1" latinLnBrk="0" hangingPunct="1">
+              <a:lnSpc>
+                <a:spcPct val="90000"/>
+              </a:lnSpc>
+              <a:spcBef>
+                <a:spcPts val="500"/>
+              </a:spcBef>
+              <a:buFont typeface="Arial" panose="020B0604020202020204" pitchFamily="34" charset="0"/>
+              <a:buChar char="•"/>
+              <a:defRPr sz="1800" kern="1200">
+                <a:solidFill>
+                  <a:schemeClr val="tx1"/>
+                </a:solidFill>
+                <a:latin typeface="+mn-lt"/>
+                <a:ea typeface="+mn-ea"/>
+                <a:cs typeface="+mn-cs"/>
+              </a:defRPr>
+            </a:lvl7pPr>
+            <a:lvl8pPr marL="3429000" indent="-228600" algn="l" defTabSz="914400" rtl="0" eaLnBrk="1" latinLnBrk="0" hangingPunct="1">
+              <a:lnSpc>
+                <a:spcPct val="90000"/>
+              </a:lnSpc>
+              <a:spcBef>
+                <a:spcPts val="500"/>
+              </a:spcBef>
+              <a:buFont typeface="Arial" panose="020B0604020202020204" pitchFamily="34" charset="0"/>
+              <a:buChar char="•"/>
+              <a:defRPr sz="1800" kern="1200">
+                <a:solidFill>
+                  <a:schemeClr val="tx1"/>
+                </a:solidFill>
+                <a:latin typeface="+mn-lt"/>
+                <a:ea typeface="+mn-ea"/>
+                <a:cs typeface="+mn-cs"/>
+              </a:defRPr>
+            </a:lvl8pPr>
+            <a:lvl9pPr marL="3886200" indent="-228600" algn="l" defTabSz="914400" rtl="0" eaLnBrk="1" latinLnBrk="0" hangingPunct="1">
+              <a:lnSpc>
+                <a:spcPct val="90000"/>
+              </a:lnSpc>
+              <a:spcBef>
+                <a:spcPts val="500"/>
+              </a:spcBef>
+              <a:buFont typeface="Arial" panose="020B0604020202020204" pitchFamily="34" charset="0"/>
+              <a:buChar char="•"/>
+              <a:defRPr sz="1800" kern="1200">
+                <a:solidFill>
+                  <a:schemeClr val="tx1"/>
+                </a:solidFill>
+                <a:latin typeface="+mn-lt"/>
+                <a:ea typeface="+mn-ea"/>
+                <a:cs typeface="+mn-cs"/>
+              </a:defRPr>
+            </a:lvl9pPr>
+          </a:lstStyle>
+          <a:p>
+            <a:pPr marL="0" indent="0">
+              <a:buFont typeface="Arial" panose="020B0604020202020204" pitchFamily="34" charset="0"/>
+              <a:buNone/>
+            </a:pPr>
+            <a:r>
+              <a:rPr lang="fr-FR" sz="1400" dirty="0"/>
+              <a:t>Dans la vue </a:t>
+            </a:r>
+            <a:r>
+              <a:rPr lang="fr-FR" sz="1400" dirty="0" err="1"/>
+              <a:t>base.html.twig</a:t>
+            </a:r>
+            <a:r>
+              <a:rPr lang="fr-FR" sz="1400" dirty="0"/>
+              <a:t> :</a:t>
+            </a:r>
+          </a:p>
+          <a:p>
+            <a:pPr marL="0" indent="0">
+              <a:buFont typeface="Arial" panose="020B0604020202020204" pitchFamily="34" charset="0"/>
+              <a:buNone/>
+            </a:pPr>
+            <a:endParaRPr lang="fr-FR" sz="1400" dirty="0"/>
+          </a:p>
+          <a:p>
+            <a:pPr marL="0" indent="0">
+              <a:buFont typeface="Arial" panose="020B0604020202020204" pitchFamily="34" charset="0"/>
+              <a:buNone/>
+            </a:pPr>
+            <a:endParaRPr lang="fr-FR" sz="1400" dirty="0"/>
+          </a:p>
+        </p:txBody>
+      </p:sp>
+      <p:pic>
+        <p:nvPicPr>
+          <p:cNvPr id="3" name="Image 2">
+            <a:extLst>
+              <a:ext uri="{FF2B5EF4-FFF2-40B4-BE49-F238E27FC236}">
+                <a16:creationId xmlns:a16="http://schemas.microsoft.com/office/drawing/2014/main" id="{108AA0D7-D0CF-475A-877C-E70F072CC72F}"/>
+              </a:ext>
+            </a:extLst>
+          </p:cNvPr>
+          <p:cNvPicPr>
+            <a:picLocks noChangeAspect="1"/>
+          </p:cNvPicPr>
+          <p:nvPr/>
+        </p:nvPicPr>
+        <p:blipFill>
+          <a:blip r:embed="rId2"/>
+          <a:stretch>
+            <a:fillRect/>
+          </a:stretch>
+        </p:blipFill>
+        <p:spPr>
+          <a:xfrm>
+            <a:off x="685801" y="2419210"/>
+            <a:ext cx="5193140" cy="3837326"/>
+          </a:xfrm>
+          <a:prstGeom prst="rect">
+            <a:avLst/>
+          </a:prstGeom>
+        </p:spPr>
+      </p:pic>
+      <p:pic>
+        <p:nvPicPr>
+          <p:cNvPr id="5" name="Image 4">
+            <a:extLst>
+              <a:ext uri="{FF2B5EF4-FFF2-40B4-BE49-F238E27FC236}">
+                <a16:creationId xmlns:a16="http://schemas.microsoft.com/office/drawing/2014/main" id="{C48DCD43-6A42-470F-B35A-810BAFF1884A}"/>
+              </a:ext>
+            </a:extLst>
+          </p:cNvPr>
+          <p:cNvPicPr>
+            <a:picLocks noChangeAspect="1"/>
+          </p:cNvPicPr>
+          <p:nvPr/>
+        </p:nvPicPr>
+        <p:blipFill>
+          <a:blip r:embed="rId3"/>
+          <a:stretch>
+            <a:fillRect/>
+          </a:stretch>
+        </p:blipFill>
+        <p:spPr>
+          <a:xfrm>
+            <a:off x="6313061" y="2419210"/>
+            <a:ext cx="4143375" cy="2095500"/>
+          </a:xfrm>
+          <a:prstGeom prst="rect">
+            <a:avLst/>
+          </a:prstGeom>
+        </p:spPr>
+      </p:pic>
+    </p:spTree>
+    <p:extLst>
+      <p:ext uri="{BB962C8B-B14F-4D97-AF65-F5344CB8AC3E}">
+        <p14:creationId xmlns:p14="http://schemas.microsoft.com/office/powerpoint/2010/main" val="246147710"/>
+      </p:ext>
+    </p:extLst>
+  </p:cSld>
+  <p:clrMapOvr>
+    <a:masterClrMapping/>
+  </p:clrMapOvr>
+</p:sld>
+</file>
+
+<file path=ppt/slides/slide38.xml><?xml version="1.0" encoding="utf-8"?>
+<p:sld xmlns:a="http://schemas.openxmlformats.org/drawingml/2006/main" xmlns:r="http://schemas.openxmlformats.org/officeDocument/2006/relationships" xmlns:p="http://schemas.openxmlformats.org/presentationml/2006/main">
+  <p:cSld>
+    <p:spTree>
+      <p:nvGrpSpPr>
+        <p:cNvPr id="1" name=""/>
+        <p:cNvGrpSpPr/>
+        <p:nvPr/>
+      </p:nvGrpSpPr>
+      <p:grpSpPr>
+        <a:xfrm>
+          <a:off x="0" y="0"/>
+          <a:ext cx="0" cy="0"/>
+          <a:chOff x="0" y="0"/>
+          <a:chExt cx="0" cy="0"/>
+        </a:xfrm>
+      </p:grpSpPr>
+      <p:sp>
+        <p:nvSpPr>
+          <p:cNvPr id="4" name="Titre 1">
+            <a:extLst>
+              <a:ext uri="{FF2B5EF4-FFF2-40B4-BE49-F238E27FC236}">
+                <a16:creationId xmlns:a16="http://schemas.microsoft.com/office/drawing/2014/main" id="{960C1D7C-377E-4936-AFF5-23D603AD6FF4}"/>
+              </a:ext>
+            </a:extLst>
+          </p:cNvPr>
+          <p:cNvSpPr>
+            <a:spLocks noGrp="1"/>
+          </p:cNvSpPr>
+          <p:nvPr>
+            <p:ph type="title"/>
+          </p:nvPr>
+        </p:nvSpPr>
+        <p:spPr>
+          <a:xfrm>
+            <a:off x="838200" y="365125"/>
+            <a:ext cx="10515600" cy="1325563"/>
+          </a:xfrm>
+        </p:spPr>
+        <p:txBody>
+          <a:bodyPr/>
+          <a:lstStyle/>
+          <a:p>
+            <a:r>
+              <a:rPr lang="fr-FR" dirty="0"/>
+              <a:t>Etape 29 : Comprendre </a:t>
+            </a:r>
+            <a:r>
+              <a:rPr lang="fr-FR" dirty="0" err="1"/>
+              <a:t>twig</a:t>
+            </a:r>
+            <a:r>
+              <a:rPr lang="fr-FR" dirty="0"/>
+              <a:t> et les inclusions de </a:t>
+            </a:r>
+            <a:r>
+              <a:rPr lang="fr-FR" dirty="0" err="1"/>
+              <a:t>template</a:t>
+            </a:r>
+            <a:endParaRPr lang="fr-FR" dirty="0"/>
+          </a:p>
+        </p:txBody>
+      </p:sp>
+      <p:sp>
+        <p:nvSpPr>
+          <p:cNvPr id="9" name="Espace réservé du contenu 2">
+            <a:extLst>
+              <a:ext uri="{FF2B5EF4-FFF2-40B4-BE49-F238E27FC236}">
+                <a16:creationId xmlns:a16="http://schemas.microsoft.com/office/drawing/2014/main" id="{EB812BAD-F986-4356-9B0E-865CD4B89634}"/>
+              </a:ext>
+            </a:extLst>
+          </p:cNvPr>
+          <p:cNvSpPr txBox="1">
+            <a:spLocks/>
+          </p:cNvSpPr>
+          <p:nvPr/>
+        </p:nvSpPr>
+        <p:spPr>
+          <a:xfrm>
+            <a:off x="999275" y="1828998"/>
+            <a:ext cx="4389120" cy="4351338"/>
+          </a:xfrm>
+          <a:prstGeom prst="rect">
+            <a:avLst/>
+          </a:prstGeom>
+        </p:spPr>
+        <p:txBody>
+          <a:bodyPr vert="horz" lIns="91440" tIns="45720" rIns="91440" bIns="45720" rtlCol="0">
+            <a:normAutofit/>
+          </a:bodyPr>
+          <a:lstStyle>
+            <a:lvl1pPr marL="228600" indent="-228600" algn="l" defTabSz="914400" rtl="0" eaLnBrk="1" latinLnBrk="0" hangingPunct="1">
+              <a:lnSpc>
+                <a:spcPct val="90000"/>
+              </a:lnSpc>
+              <a:spcBef>
+                <a:spcPts val="1000"/>
+              </a:spcBef>
+              <a:buFont typeface="Arial" panose="020B0604020202020204" pitchFamily="34" charset="0"/>
+              <a:buChar char="•"/>
+              <a:defRPr sz="2800" kern="1200">
+                <a:solidFill>
+                  <a:schemeClr val="tx1"/>
+                </a:solidFill>
+                <a:latin typeface="+mn-lt"/>
+                <a:ea typeface="+mn-ea"/>
+                <a:cs typeface="+mn-cs"/>
+              </a:defRPr>
+            </a:lvl1pPr>
+            <a:lvl2pPr marL="685800" indent="-228600" algn="l" defTabSz="914400" rtl="0" eaLnBrk="1" latinLnBrk="0" hangingPunct="1">
+              <a:lnSpc>
+                <a:spcPct val="90000"/>
+              </a:lnSpc>
+              <a:spcBef>
+                <a:spcPts val="500"/>
+              </a:spcBef>
+              <a:buFont typeface="Arial" panose="020B0604020202020204" pitchFamily="34" charset="0"/>
+              <a:buChar char="•"/>
+              <a:defRPr sz="2400" kern="1200">
+                <a:solidFill>
+                  <a:schemeClr val="tx1"/>
+                </a:solidFill>
+                <a:latin typeface="+mn-lt"/>
+                <a:ea typeface="+mn-ea"/>
+                <a:cs typeface="+mn-cs"/>
+              </a:defRPr>
+            </a:lvl2pPr>
+            <a:lvl3pPr marL="1143000" indent="-228600" algn="l" defTabSz="914400" rtl="0" eaLnBrk="1" latinLnBrk="0" hangingPunct="1">
+              <a:lnSpc>
+                <a:spcPct val="90000"/>
+              </a:lnSpc>
+              <a:spcBef>
+                <a:spcPts val="500"/>
+              </a:spcBef>
+              <a:buFont typeface="Arial" panose="020B0604020202020204" pitchFamily="34" charset="0"/>
+              <a:buChar char="•"/>
+              <a:defRPr sz="2000" kern="1200">
+                <a:solidFill>
+                  <a:schemeClr val="tx1"/>
+                </a:solidFill>
+                <a:latin typeface="+mn-lt"/>
+                <a:ea typeface="+mn-ea"/>
+                <a:cs typeface="+mn-cs"/>
+              </a:defRPr>
+            </a:lvl3pPr>
+            <a:lvl4pPr marL="1600200" indent="-228600" algn="l" defTabSz="914400" rtl="0" eaLnBrk="1" latinLnBrk="0" hangingPunct="1">
+              <a:lnSpc>
+                <a:spcPct val="90000"/>
+              </a:lnSpc>
+              <a:spcBef>
+                <a:spcPts val="500"/>
+              </a:spcBef>
+              <a:buFont typeface="Arial" panose="020B0604020202020204" pitchFamily="34" charset="0"/>
+              <a:buChar char="•"/>
+              <a:defRPr sz="1800" kern="1200">
+                <a:solidFill>
+                  <a:schemeClr val="tx1"/>
+                </a:solidFill>
+                <a:latin typeface="+mn-lt"/>
+                <a:ea typeface="+mn-ea"/>
+                <a:cs typeface="+mn-cs"/>
+              </a:defRPr>
+            </a:lvl4pPr>
+            <a:lvl5pPr marL="2057400" indent="-228600" algn="l" defTabSz="914400" rtl="0" eaLnBrk="1" latinLnBrk="0" hangingPunct="1">
+              <a:lnSpc>
+                <a:spcPct val="90000"/>
+              </a:lnSpc>
+              <a:spcBef>
+                <a:spcPts val="500"/>
+              </a:spcBef>
+              <a:buFont typeface="Arial" panose="020B0604020202020204" pitchFamily="34" charset="0"/>
+              <a:buChar char="•"/>
+              <a:defRPr sz="1800" kern="1200">
+                <a:solidFill>
+                  <a:schemeClr val="tx1"/>
+                </a:solidFill>
+                <a:latin typeface="+mn-lt"/>
+                <a:ea typeface="+mn-ea"/>
+                <a:cs typeface="+mn-cs"/>
+              </a:defRPr>
+            </a:lvl5pPr>
+            <a:lvl6pPr marL="2514600" indent="-228600" algn="l" defTabSz="914400" rtl="0" eaLnBrk="1" latinLnBrk="0" hangingPunct="1">
+              <a:lnSpc>
+                <a:spcPct val="90000"/>
+              </a:lnSpc>
+              <a:spcBef>
+                <a:spcPts val="500"/>
+              </a:spcBef>
+              <a:buFont typeface="Arial" panose="020B0604020202020204" pitchFamily="34" charset="0"/>
+              <a:buChar char="•"/>
+              <a:defRPr sz="1800" kern="1200">
+                <a:solidFill>
+                  <a:schemeClr val="tx1"/>
+                </a:solidFill>
+                <a:latin typeface="+mn-lt"/>
+                <a:ea typeface="+mn-ea"/>
+                <a:cs typeface="+mn-cs"/>
+              </a:defRPr>
+            </a:lvl6pPr>
+            <a:lvl7pPr marL="2971800" indent="-228600" algn="l" defTabSz="914400" rtl="0" eaLnBrk="1" latinLnBrk="0" hangingPunct="1">
+              <a:lnSpc>
+                <a:spcPct val="90000"/>
+              </a:lnSpc>
+              <a:spcBef>
+                <a:spcPts val="500"/>
+              </a:spcBef>
+              <a:buFont typeface="Arial" panose="020B0604020202020204" pitchFamily="34" charset="0"/>
+              <a:buChar char="•"/>
+              <a:defRPr sz="1800" kern="1200">
+                <a:solidFill>
+                  <a:schemeClr val="tx1"/>
+                </a:solidFill>
+                <a:latin typeface="+mn-lt"/>
+                <a:ea typeface="+mn-ea"/>
+                <a:cs typeface="+mn-cs"/>
+              </a:defRPr>
+            </a:lvl7pPr>
+            <a:lvl8pPr marL="3429000" indent="-228600" algn="l" defTabSz="914400" rtl="0" eaLnBrk="1" latinLnBrk="0" hangingPunct="1">
+              <a:lnSpc>
+                <a:spcPct val="90000"/>
+              </a:lnSpc>
+              <a:spcBef>
+                <a:spcPts val="500"/>
+              </a:spcBef>
+              <a:buFont typeface="Arial" panose="020B0604020202020204" pitchFamily="34" charset="0"/>
+              <a:buChar char="•"/>
+              <a:defRPr sz="1800" kern="1200">
+                <a:solidFill>
+                  <a:schemeClr val="tx1"/>
+                </a:solidFill>
+                <a:latin typeface="+mn-lt"/>
+                <a:ea typeface="+mn-ea"/>
+                <a:cs typeface="+mn-cs"/>
+              </a:defRPr>
+            </a:lvl8pPr>
+            <a:lvl9pPr marL="3886200" indent="-228600" algn="l" defTabSz="914400" rtl="0" eaLnBrk="1" latinLnBrk="0" hangingPunct="1">
+              <a:lnSpc>
+                <a:spcPct val="90000"/>
+              </a:lnSpc>
+              <a:spcBef>
+                <a:spcPts val="500"/>
+              </a:spcBef>
+              <a:buFont typeface="Arial" panose="020B0604020202020204" pitchFamily="34" charset="0"/>
+              <a:buChar char="•"/>
+              <a:defRPr sz="1800" kern="1200">
+                <a:solidFill>
+                  <a:schemeClr val="tx1"/>
+                </a:solidFill>
+                <a:latin typeface="+mn-lt"/>
+                <a:ea typeface="+mn-ea"/>
+                <a:cs typeface="+mn-cs"/>
+              </a:defRPr>
+            </a:lvl9pPr>
+          </a:lstStyle>
+          <a:p>
+            <a:pPr marL="0" indent="0">
+              <a:buFont typeface="Arial" panose="020B0604020202020204" pitchFamily="34" charset="0"/>
+              <a:buNone/>
+            </a:pPr>
+            <a:endParaRPr lang="fr-FR" sz="1400" dirty="0"/>
+          </a:p>
+        </p:txBody>
+      </p:sp>
+      <p:sp>
+        <p:nvSpPr>
+          <p:cNvPr id="11" name="Espace réservé du contenu 2">
+            <a:extLst>
+              <a:ext uri="{FF2B5EF4-FFF2-40B4-BE49-F238E27FC236}">
+                <a16:creationId xmlns:a16="http://schemas.microsoft.com/office/drawing/2014/main" id="{534F948C-D7ED-425C-B2BB-4056FDF0CEB3}"/>
+              </a:ext>
+            </a:extLst>
+          </p:cNvPr>
+          <p:cNvSpPr txBox="1">
+            <a:spLocks/>
+          </p:cNvSpPr>
+          <p:nvPr/>
+        </p:nvSpPr>
+        <p:spPr>
+          <a:xfrm>
+            <a:off x="6964679" y="1829196"/>
+            <a:ext cx="4389120" cy="4351338"/>
+          </a:xfrm>
+          <a:prstGeom prst="rect">
+            <a:avLst/>
+          </a:prstGeom>
+        </p:spPr>
+        <p:txBody>
+          <a:bodyPr vert="horz" lIns="91440" tIns="45720" rIns="91440" bIns="45720" rtlCol="0">
+            <a:normAutofit/>
+          </a:bodyPr>
+          <a:lstStyle>
+            <a:lvl1pPr marL="228600" indent="-228600" algn="l" defTabSz="914400" rtl="0" eaLnBrk="1" latinLnBrk="0" hangingPunct="1">
+              <a:lnSpc>
+                <a:spcPct val="90000"/>
+              </a:lnSpc>
+              <a:spcBef>
+                <a:spcPts val="1000"/>
+              </a:spcBef>
+              <a:buFont typeface="Arial" panose="020B0604020202020204" pitchFamily="34" charset="0"/>
+              <a:buChar char="•"/>
+              <a:defRPr sz="2800" kern="1200">
+                <a:solidFill>
+                  <a:schemeClr val="tx1"/>
+                </a:solidFill>
+                <a:latin typeface="+mn-lt"/>
+                <a:ea typeface="+mn-ea"/>
+                <a:cs typeface="+mn-cs"/>
+              </a:defRPr>
+            </a:lvl1pPr>
+            <a:lvl2pPr marL="685800" indent="-228600" algn="l" defTabSz="914400" rtl="0" eaLnBrk="1" latinLnBrk="0" hangingPunct="1">
+              <a:lnSpc>
+                <a:spcPct val="90000"/>
+              </a:lnSpc>
+              <a:spcBef>
+                <a:spcPts val="500"/>
+              </a:spcBef>
+              <a:buFont typeface="Arial" panose="020B0604020202020204" pitchFamily="34" charset="0"/>
+              <a:buChar char="•"/>
+              <a:defRPr sz="2400" kern="1200">
+                <a:solidFill>
+                  <a:schemeClr val="tx1"/>
+                </a:solidFill>
+                <a:latin typeface="+mn-lt"/>
+                <a:ea typeface="+mn-ea"/>
+                <a:cs typeface="+mn-cs"/>
+              </a:defRPr>
+            </a:lvl2pPr>
+            <a:lvl3pPr marL="1143000" indent="-228600" algn="l" defTabSz="914400" rtl="0" eaLnBrk="1" latinLnBrk="0" hangingPunct="1">
+              <a:lnSpc>
+                <a:spcPct val="90000"/>
+              </a:lnSpc>
+              <a:spcBef>
+                <a:spcPts val="500"/>
+              </a:spcBef>
+              <a:buFont typeface="Arial" panose="020B0604020202020204" pitchFamily="34" charset="0"/>
+              <a:buChar char="•"/>
+              <a:defRPr sz="2000" kern="1200">
+                <a:solidFill>
+                  <a:schemeClr val="tx1"/>
+                </a:solidFill>
+                <a:latin typeface="+mn-lt"/>
+                <a:ea typeface="+mn-ea"/>
+                <a:cs typeface="+mn-cs"/>
+              </a:defRPr>
+            </a:lvl3pPr>
+            <a:lvl4pPr marL="1600200" indent="-228600" algn="l" defTabSz="914400" rtl="0" eaLnBrk="1" latinLnBrk="0" hangingPunct="1">
+              <a:lnSpc>
+                <a:spcPct val="90000"/>
+              </a:lnSpc>
+              <a:spcBef>
+                <a:spcPts val="500"/>
+              </a:spcBef>
+              <a:buFont typeface="Arial" panose="020B0604020202020204" pitchFamily="34" charset="0"/>
+              <a:buChar char="•"/>
+              <a:defRPr sz="1800" kern="1200">
+                <a:solidFill>
+                  <a:schemeClr val="tx1"/>
+                </a:solidFill>
+                <a:latin typeface="+mn-lt"/>
+                <a:ea typeface="+mn-ea"/>
+                <a:cs typeface="+mn-cs"/>
+              </a:defRPr>
+            </a:lvl4pPr>
+            <a:lvl5pPr marL="2057400" indent="-228600" algn="l" defTabSz="914400" rtl="0" eaLnBrk="1" latinLnBrk="0" hangingPunct="1">
+              <a:lnSpc>
+                <a:spcPct val="90000"/>
+              </a:lnSpc>
+              <a:spcBef>
+                <a:spcPts val="500"/>
+              </a:spcBef>
+              <a:buFont typeface="Arial" panose="020B0604020202020204" pitchFamily="34" charset="0"/>
+              <a:buChar char="•"/>
+              <a:defRPr sz="1800" kern="1200">
+                <a:solidFill>
+                  <a:schemeClr val="tx1"/>
+                </a:solidFill>
+                <a:latin typeface="+mn-lt"/>
+                <a:ea typeface="+mn-ea"/>
+                <a:cs typeface="+mn-cs"/>
+              </a:defRPr>
+            </a:lvl5pPr>
+            <a:lvl6pPr marL="2514600" indent="-228600" algn="l" defTabSz="914400" rtl="0" eaLnBrk="1" latinLnBrk="0" hangingPunct="1">
+              <a:lnSpc>
+                <a:spcPct val="90000"/>
+              </a:lnSpc>
+              <a:spcBef>
+                <a:spcPts val="500"/>
+              </a:spcBef>
+              <a:buFont typeface="Arial" panose="020B0604020202020204" pitchFamily="34" charset="0"/>
+              <a:buChar char="•"/>
+              <a:defRPr sz="1800" kern="1200">
+                <a:solidFill>
+                  <a:schemeClr val="tx1"/>
+                </a:solidFill>
+                <a:latin typeface="+mn-lt"/>
+                <a:ea typeface="+mn-ea"/>
+                <a:cs typeface="+mn-cs"/>
+              </a:defRPr>
+            </a:lvl6pPr>
+            <a:lvl7pPr marL="2971800" indent="-228600" algn="l" defTabSz="914400" rtl="0" eaLnBrk="1" latinLnBrk="0" hangingPunct="1">
+              <a:lnSpc>
+                <a:spcPct val="90000"/>
+              </a:lnSpc>
+              <a:spcBef>
+                <a:spcPts val="500"/>
+              </a:spcBef>
+              <a:buFont typeface="Arial" panose="020B0604020202020204" pitchFamily="34" charset="0"/>
+              <a:buChar char="•"/>
+              <a:defRPr sz="1800" kern="1200">
+                <a:solidFill>
+                  <a:schemeClr val="tx1"/>
+                </a:solidFill>
+                <a:latin typeface="+mn-lt"/>
+                <a:ea typeface="+mn-ea"/>
+                <a:cs typeface="+mn-cs"/>
+              </a:defRPr>
+            </a:lvl7pPr>
+            <a:lvl8pPr marL="3429000" indent="-228600" algn="l" defTabSz="914400" rtl="0" eaLnBrk="1" latinLnBrk="0" hangingPunct="1">
+              <a:lnSpc>
+                <a:spcPct val="90000"/>
+              </a:lnSpc>
+              <a:spcBef>
+                <a:spcPts val="500"/>
+              </a:spcBef>
+              <a:buFont typeface="Arial" panose="020B0604020202020204" pitchFamily="34" charset="0"/>
+              <a:buChar char="•"/>
+              <a:defRPr sz="1800" kern="1200">
+                <a:solidFill>
+                  <a:schemeClr val="tx1"/>
+                </a:solidFill>
+                <a:latin typeface="+mn-lt"/>
+                <a:ea typeface="+mn-ea"/>
+                <a:cs typeface="+mn-cs"/>
+              </a:defRPr>
+            </a:lvl8pPr>
+            <a:lvl9pPr marL="3886200" indent="-228600" algn="l" defTabSz="914400" rtl="0" eaLnBrk="1" latinLnBrk="0" hangingPunct="1">
+              <a:lnSpc>
+                <a:spcPct val="90000"/>
+              </a:lnSpc>
+              <a:spcBef>
+                <a:spcPts val="500"/>
+              </a:spcBef>
+              <a:buFont typeface="Arial" panose="020B0604020202020204" pitchFamily="34" charset="0"/>
+              <a:buChar char="•"/>
+              <a:defRPr sz="1800" kern="1200">
+                <a:solidFill>
+                  <a:schemeClr val="tx1"/>
+                </a:solidFill>
+                <a:latin typeface="+mn-lt"/>
+                <a:ea typeface="+mn-ea"/>
+                <a:cs typeface="+mn-cs"/>
+              </a:defRPr>
+            </a:lvl9pPr>
+          </a:lstStyle>
+          <a:p>
+            <a:pPr marL="0" indent="0">
+              <a:buFont typeface="Arial" panose="020B0604020202020204" pitchFamily="34" charset="0"/>
+              <a:buNone/>
+            </a:pPr>
+            <a:endParaRPr lang="fr-FR" sz="1400" dirty="0"/>
+          </a:p>
+          <a:p>
+            <a:pPr marL="0" indent="0">
+              <a:buFont typeface="Arial" panose="020B0604020202020204" pitchFamily="34" charset="0"/>
+              <a:buNone/>
+            </a:pPr>
+            <a:endParaRPr lang="fr-FR" sz="1400" dirty="0"/>
+          </a:p>
+        </p:txBody>
+      </p:sp>
+      <p:pic>
+        <p:nvPicPr>
+          <p:cNvPr id="2" name="Image 1">
+            <a:extLst>
+              <a:ext uri="{FF2B5EF4-FFF2-40B4-BE49-F238E27FC236}">
+                <a16:creationId xmlns:a16="http://schemas.microsoft.com/office/drawing/2014/main" id="{59D96C6D-BDAE-4BE4-A666-B16FE187DC96}"/>
+              </a:ext>
+            </a:extLst>
+          </p:cNvPr>
+          <p:cNvPicPr>
+            <a:picLocks noChangeAspect="1"/>
+          </p:cNvPicPr>
+          <p:nvPr/>
+        </p:nvPicPr>
+        <p:blipFill>
+          <a:blip r:embed="rId2"/>
+          <a:stretch>
+            <a:fillRect/>
+          </a:stretch>
+        </p:blipFill>
+        <p:spPr>
+          <a:xfrm>
+            <a:off x="838200" y="1828998"/>
+            <a:ext cx="5143500" cy="4351338"/>
+          </a:xfrm>
+          <a:prstGeom prst="rect">
+            <a:avLst/>
+          </a:prstGeom>
+        </p:spPr>
+      </p:pic>
+      <p:pic>
+        <p:nvPicPr>
+          <p:cNvPr id="8" name="Image 7">
+            <a:extLst>
+              <a:ext uri="{FF2B5EF4-FFF2-40B4-BE49-F238E27FC236}">
+                <a16:creationId xmlns:a16="http://schemas.microsoft.com/office/drawing/2014/main" id="{36DF8B63-CBD8-4552-A720-EC02193DFA3E}"/>
+              </a:ext>
+            </a:extLst>
+          </p:cNvPr>
+          <p:cNvPicPr>
+            <a:picLocks noChangeAspect="1"/>
+          </p:cNvPicPr>
+          <p:nvPr/>
+        </p:nvPicPr>
+        <p:blipFill>
+          <a:blip r:embed="rId3"/>
+          <a:stretch>
+            <a:fillRect/>
+          </a:stretch>
+        </p:blipFill>
+        <p:spPr>
+          <a:xfrm>
+            <a:off x="6210302" y="1828998"/>
+            <a:ext cx="5143497" cy="4351338"/>
+          </a:xfrm>
+          <a:prstGeom prst="rect">
+            <a:avLst/>
+          </a:prstGeom>
+        </p:spPr>
+      </p:pic>
+    </p:spTree>
+    <p:extLst>
+      <p:ext uri="{BB962C8B-B14F-4D97-AF65-F5344CB8AC3E}">
+        <p14:creationId xmlns:p14="http://schemas.microsoft.com/office/powerpoint/2010/main" val="360253626"/>
+      </p:ext>
+    </p:extLst>
+  </p:cSld>
+  <p:clrMapOvr>
+    <a:masterClrMapping/>
+  </p:clrMapOvr>
+</p:sld>
+</file>
+
 <file path=ppt/slides/slide4.xml><?xml version="1.0" encoding="utf-8"?>
 <p:sld xmlns:a="http://schemas.openxmlformats.org/drawingml/2006/main" xmlns:r="http://schemas.openxmlformats.org/officeDocument/2006/relationships" xmlns:p="http://schemas.openxmlformats.org/presentationml/2006/main">
   <p:cSld>

--- a/Apprendre symfony.pptx
+++ b/Apprendre symfony.pptx
@@ -43,6 +43,11 @@
     <p:sldId id="292" r:id="rId37"/>
     <p:sldId id="293" r:id="rId38"/>
     <p:sldId id="294" r:id="rId39"/>
+    <p:sldId id="295" r:id="rId40"/>
+    <p:sldId id="296" r:id="rId41"/>
+    <p:sldId id="297" r:id="rId42"/>
+    <p:sldId id="298" r:id="rId43"/>
+    <p:sldId id="299" r:id="rId44"/>
   </p:sldIdLst>
   <p:sldSz cx="12192000" cy="6858000"/>
   <p:notesSz cx="6858000" cy="9144000"/>
@@ -2724,7 +2729,7 @@
           <a:p>
             <a:fld id="{5843EF6F-EE83-4674-8CAA-9D66CA8CE89A}" type="datetimeFigureOut">
               <a:rPr lang="fr-FR" smtClean="0"/>
-              <a:t>08/06/2019</a:t>
+              <a:t>24/06/2019</a:t>
             </a:fld>
             <a:endParaRPr lang="fr-FR"/>
           </a:p>
@@ -2922,7 +2927,7 @@
           <a:p>
             <a:fld id="{5843EF6F-EE83-4674-8CAA-9D66CA8CE89A}" type="datetimeFigureOut">
               <a:rPr lang="fr-FR" smtClean="0"/>
-              <a:t>08/06/2019</a:t>
+              <a:t>24/06/2019</a:t>
             </a:fld>
             <a:endParaRPr lang="fr-FR"/>
           </a:p>
@@ -3130,7 +3135,7 @@
           <a:p>
             <a:fld id="{5843EF6F-EE83-4674-8CAA-9D66CA8CE89A}" type="datetimeFigureOut">
               <a:rPr lang="fr-FR" smtClean="0"/>
-              <a:t>08/06/2019</a:t>
+              <a:t>24/06/2019</a:t>
             </a:fld>
             <a:endParaRPr lang="fr-FR"/>
           </a:p>
@@ -3328,7 +3333,7 @@
           <a:p>
             <a:fld id="{5843EF6F-EE83-4674-8CAA-9D66CA8CE89A}" type="datetimeFigureOut">
               <a:rPr lang="fr-FR" smtClean="0"/>
-              <a:t>08/06/2019</a:t>
+              <a:t>24/06/2019</a:t>
             </a:fld>
             <a:endParaRPr lang="fr-FR"/>
           </a:p>
@@ -3603,7 +3608,7 @@
           <a:p>
             <a:fld id="{5843EF6F-EE83-4674-8CAA-9D66CA8CE89A}" type="datetimeFigureOut">
               <a:rPr lang="fr-FR" smtClean="0"/>
-              <a:t>08/06/2019</a:t>
+              <a:t>24/06/2019</a:t>
             </a:fld>
             <a:endParaRPr lang="fr-FR"/>
           </a:p>
@@ -3868,7 +3873,7 @@
           <a:p>
             <a:fld id="{5843EF6F-EE83-4674-8CAA-9D66CA8CE89A}" type="datetimeFigureOut">
               <a:rPr lang="fr-FR" smtClean="0"/>
-              <a:t>08/06/2019</a:t>
+              <a:t>24/06/2019</a:t>
             </a:fld>
             <a:endParaRPr lang="fr-FR"/>
           </a:p>
@@ -4280,7 +4285,7 @@
           <a:p>
             <a:fld id="{5843EF6F-EE83-4674-8CAA-9D66CA8CE89A}" type="datetimeFigureOut">
               <a:rPr lang="fr-FR" smtClean="0"/>
-              <a:t>08/06/2019</a:t>
+              <a:t>24/06/2019</a:t>
             </a:fld>
             <a:endParaRPr lang="fr-FR"/>
           </a:p>
@@ -4421,7 +4426,7 @@
           <a:p>
             <a:fld id="{5843EF6F-EE83-4674-8CAA-9D66CA8CE89A}" type="datetimeFigureOut">
               <a:rPr lang="fr-FR" smtClean="0"/>
-              <a:t>08/06/2019</a:t>
+              <a:t>24/06/2019</a:t>
             </a:fld>
             <a:endParaRPr lang="fr-FR"/>
           </a:p>
@@ -4534,7 +4539,7 @@
           <a:p>
             <a:fld id="{5843EF6F-EE83-4674-8CAA-9D66CA8CE89A}" type="datetimeFigureOut">
               <a:rPr lang="fr-FR" smtClean="0"/>
-              <a:t>08/06/2019</a:t>
+              <a:t>24/06/2019</a:t>
             </a:fld>
             <a:endParaRPr lang="fr-FR"/>
           </a:p>
@@ -4845,7 +4850,7 @@
           <a:p>
             <a:fld id="{5843EF6F-EE83-4674-8CAA-9D66CA8CE89A}" type="datetimeFigureOut">
               <a:rPr lang="fr-FR" smtClean="0"/>
-              <a:t>08/06/2019</a:t>
+              <a:t>24/06/2019</a:t>
             </a:fld>
             <a:endParaRPr lang="fr-FR"/>
           </a:p>
@@ -5133,7 +5138,7 @@
           <a:p>
             <a:fld id="{5843EF6F-EE83-4674-8CAA-9D66CA8CE89A}" type="datetimeFigureOut">
               <a:rPr lang="fr-FR" smtClean="0"/>
-              <a:t>08/06/2019</a:t>
+              <a:t>24/06/2019</a:t>
             </a:fld>
             <a:endParaRPr lang="fr-FR"/>
           </a:p>
@@ -5374,7 +5379,7 @@
           <a:p>
             <a:fld id="{5843EF6F-EE83-4674-8CAA-9D66CA8CE89A}" type="datetimeFigureOut">
               <a:rPr lang="fr-FR" smtClean="0"/>
-              <a:t>08/06/2019</a:t>
+              <a:t>24/06/2019</a:t>
             </a:fld>
             <a:endParaRPr lang="fr-FR"/>
           </a:p>
@@ -19697,6 +19702,895 @@
 </p:sld>
 </file>
 
+<file path=ppt/slides/slide39.xml><?xml version="1.0" encoding="utf-8"?>
+<p:sld xmlns:a="http://schemas.openxmlformats.org/drawingml/2006/main" xmlns:r="http://schemas.openxmlformats.org/officeDocument/2006/relationships" xmlns:p="http://schemas.openxmlformats.org/presentationml/2006/main">
+  <p:cSld>
+    <p:spTree>
+      <p:nvGrpSpPr>
+        <p:cNvPr id="1" name=""/>
+        <p:cNvGrpSpPr/>
+        <p:nvPr/>
+      </p:nvGrpSpPr>
+      <p:grpSpPr>
+        <a:xfrm>
+          <a:off x="0" y="0"/>
+          <a:ext cx="0" cy="0"/>
+          <a:chOff x="0" y="0"/>
+          <a:chExt cx="0" cy="0"/>
+        </a:xfrm>
+      </p:grpSpPr>
+      <p:sp>
+        <p:nvSpPr>
+          <p:cNvPr id="4" name="Titre 1">
+            <a:extLst>
+              <a:ext uri="{FF2B5EF4-FFF2-40B4-BE49-F238E27FC236}">
+                <a16:creationId xmlns:a16="http://schemas.microsoft.com/office/drawing/2014/main" id="{960C1D7C-377E-4936-AFF5-23D603AD6FF4}"/>
+              </a:ext>
+            </a:extLst>
+          </p:cNvPr>
+          <p:cNvSpPr>
+            <a:spLocks noGrp="1"/>
+          </p:cNvSpPr>
+          <p:nvPr>
+            <p:ph type="title"/>
+          </p:nvPr>
+        </p:nvSpPr>
+        <p:spPr>
+          <a:xfrm>
+            <a:off x="838200" y="365125"/>
+            <a:ext cx="10515600" cy="1325563"/>
+          </a:xfrm>
+        </p:spPr>
+        <p:txBody>
+          <a:bodyPr/>
+          <a:lstStyle/>
+          <a:p>
+            <a:r>
+              <a:rPr lang="fr-FR" dirty="0"/>
+              <a:t>Etape 30 : Créer des sous formulaire avec les </a:t>
+            </a:r>
+            <a:r>
+              <a:rPr lang="fr-FR" dirty="0" err="1"/>
+              <a:t>CollectionType</a:t>
+            </a:r>
+            <a:endParaRPr lang="fr-FR" dirty="0"/>
+          </a:p>
+        </p:txBody>
+      </p:sp>
+      <p:sp>
+        <p:nvSpPr>
+          <p:cNvPr id="9" name="Espace réservé du contenu 2">
+            <a:extLst>
+              <a:ext uri="{FF2B5EF4-FFF2-40B4-BE49-F238E27FC236}">
+                <a16:creationId xmlns:a16="http://schemas.microsoft.com/office/drawing/2014/main" id="{EB812BAD-F986-4356-9B0E-865CD4B89634}"/>
+              </a:ext>
+            </a:extLst>
+          </p:cNvPr>
+          <p:cNvSpPr txBox="1">
+            <a:spLocks/>
+          </p:cNvSpPr>
+          <p:nvPr/>
+        </p:nvSpPr>
+        <p:spPr>
+          <a:xfrm>
+            <a:off x="999275" y="1828998"/>
+            <a:ext cx="4389120" cy="4351338"/>
+          </a:xfrm>
+          <a:prstGeom prst="rect">
+            <a:avLst/>
+          </a:prstGeom>
+        </p:spPr>
+        <p:txBody>
+          <a:bodyPr vert="horz" lIns="91440" tIns="45720" rIns="91440" bIns="45720" rtlCol="0">
+            <a:normAutofit/>
+          </a:bodyPr>
+          <a:lstStyle>
+            <a:lvl1pPr marL="228600" indent="-228600" algn="l" defTabSz="914400" rtl="0" eaLnBrk="1" latinLnBrk="0" hangingPunct="1">
+              <a:lnSpc>
+                <a:spcPct val="90000"/>
+              </a:lnSpc>
+              <a:spcBef>
+                <a:spcPts val="1000"/>
+              </a:spcBef>
+              <a:buFont typeface="Arial" panose="020B0604020202020204" pitchFamily="34" charset="0"/>
+              <a:buChar char="•"/>
+              <a:defRPr sz="2800" kern="1200">
+                <a:solidFill>
+                  <a:schemeClr val="tx1"/>
+                </a:solidFill>
+                <a:latin typeface="+mn-lt"/>
+                <a:ea typeface="+mn-ea"/>
+                <a:cs typeface="+mn-cs"/>
+              </a:defRPr>
+            </a:lvl1pPr>
+            <a:lvl2pPr marL="685800" indent="-228600" algn="l" defTabSz="914400" rtl="0" eaLnBrk="1" latinLnBrk="0" hangingPunct="1">
+              <a:lnSpc>
+                <a:spcPct val="90000"/>
+              </a:lnSpc>
+              <a:spcBef>
+                <a:spcPts val="500"/>
+              </a:spcBef>
+              <a:buFont typeface="Arial" panose="020B0604020202020204" pitchFamily="34" charset="0"/>
+              <a:buChar char="•"/>
+              <a:defRPr sz="2400" kern="1200">
+                <a:solidFill>
+                  <a:schemeClr val="tx1"/>
+                </a:solidFill>
+                <a:latin typeface="+mn-lt"/>
+                <a:ea typeface="+mn-ea"/>
+                <a:cs typeface="+mn-cs"/>
+              </a:defRPr>
+            </a:lvl2pPr>
+            <a:lvl3pPr marL="1143000" indent="-228600" algn="l" defTabSz="914400" rtl="0" eaLnBrk="1" latinLnBrk="0" hangingPunct="1">
+              <a:lnSpc>
+                <a:spcPct val="90000"/>
+              </a:lnSpc>
+              <a:spcBef>
+                <a:spcPts val="500"/>
+              </a:spcBef>
+              <a:buFont typeface="Arial" panose="020B0604020202020204" pitchFamily="34" charset="0"/>
+              <a:buChar char="•"/>
+              <a:defRPr sz="2000" kern="1200">
+                <a:solidFill>
+                  <a:schemeClr val="tx1"/>
+                </a:solidFill>
+                <a:latin typeface="+mn-lt"/>
+                <a:ea typeface="+mn-ea"/>
+                <a:cs typeface="+mn-cs"/>
+              </a:defRPr>
+            </a:lvl3pPr>
+            <a:lvl4pPr marL="1600200" indent="-228600" algn="l" defTabSz="914400" rtl="0" eaLnBrk="1" latinLnBrk="0" hangingPunct="1">
+              <a:lnSpc>
+                <a:spcPct val="90000"/>
+              </a:lnSpc>
+              <a:spcBef>
+                <a:spcPts val="500"/>
+              </a:spcBef>
+              <a:buFont typeface="Arial" panose="020B0604020202020204" pitchFamily="34" charset="0"/>
+              <a:buChar char="•"/>
+              <a:defRPr sz="1800" kern="1200">
+                <a:solidFill>
+                  <a:schemeClr val="tx1"/>
+                </a:solidFill>
+                <a:latin typeface="+mn-lt"/>
+                <a:ea typeface="+mn-ea"/>
+                <a:cs typeface="+mn-cs"/>
+              </a:defRPr>
+            </a:lvl4pPr>
+            <a:lvl5pPr marL="2057400" indent="-228600" algn="l" defTabSz="914400" rtl="0" eaLnBrk="1" latinLnBrk="0" hangingPunct="1">
+              <a:lnSpc>
+                <a:spcPct val="90000"/>
+              </a:lnSpc>
+              <a:spcBef>
+                <a:spcPts val="500"/>
+              </a:spcBef>
+              <a:buFont typeface="Arial" panose="020B0604020202020204" pitchFamily="34" charset="0"/>
+              <a:buChar char="•"/>
+              <a:defRPr sz="1800" kern="1200">
+                <a:solidFill>
+                  <a:schemeClr val="tx1"/>
+                </a:solidFill>
+                <a:latin typeface="+mn-lt"/>
+                <a:ea typeface="+mn-ea"/>
+                <a:cs typeface="+mn-cs"/>
+              </a:defRPr>
+            </a:lvl5pPr>
+            <a:lvl6pPr marL="2514600" indent="-228600" algn="l" defTabSz="914400" rtl="0" eaLnBrk="1" latinLnBrk="0" hangingPunct="1">
+              <a:lnSpc>
+                <a:spcPct val="90000"/>
+              </a:lnSpc>
+              <a:spcBef>
+                <a:spcPts val="500"/>
+              </a:spcBef>
+              <a:buFont typeface="Arial" panose="020B0604020202020204" pitchFamily="34" charset="0"/>
+              <a:buChar char="•"/>
+              <a:defRPr sz="1800" kern="1200">
+                <a:solidFill>
+                  <a:schemeClr val="tx1"/>
+                </a:solidFill>
+                <a:latin typeface="+mn-lt"/>
+                <a:ea typeface="+mn-ea"/>
+                <a:cs typeface="+mn-cs"/>
+              </a:defRPr>
+            </a:lvl6pPr>
+            <a:lvl7pPr marL="2971800" indent="-228600" algn="l" defTabSz="914400" rtl="0" eaLnBrk="1" latinLnBrk="0" hangingPunct="1">
+              <a:lnSpc>
+                <a:spcPct val="90000"/>
+              </a:lnSpc>
+              <a:spcBef>
+                <a:spcPts val="500"/>
+              </a:spcBef>
+              <a:buFont typeface="Arial" panose="020B0604020202020204" pitchFamily="34" charset="0"/>
+              <a:buChar char="•"/>
+              <a:defRPr sz="1800" kern="1200">
+                <a:solidFill>
+                  <a:schemeClr val="tx1"/>
+                </a:solidFill>
+                <a:latin typeface="+mn-lt"/>
+                <a:ea typeface="+mn-ea"/>
+                <a:cs typeface="+mn-cs"/>
+              </a:defRPr>
+            </a:lvl7pPr>
+            <a:lvl8pPr marL="3429000" indent="-228600" algn="l" defTabSz="914400" rtl="0" eaLnBrk="1" latinLnBrk="0" hangingPunct="1">
+              <a:lnSpc>
+                <a:spcPct val="90000"/>
+              </a:lnSpc>
+              <a:spcBef>
+                <a:spcPts val="500"/>
+              </a:spcBef>
+              <a:buFont typeface="Arial" panose="020B0604020202020204" pitchFamily="34" charset="0"/>
+              <a:buChar char="•"/>
+              <a:defRPr sz="1800" kern="1200">
+                <a:solidFill>
+                  <a:schemeClr val="tx1"/>
+                </a:solidFill>
+                <a:latin typeface="+mn-lt"/>
+                <a:ea typeface="+mn-ea"/>
+                <a:cs typeface="+mn-cs"/>
+              </a:defRPr>
+            </a:lvl8pPr>
+            <a:lvl9pPr marL="3886200" indent="-228600" algn="l" defTabSz="914400" rtl="0" eaLnBrk="1" latinLnBrk="0" hangingPunct="1">
+              <a:lnSpc>
+                <a:spcPct val="90000"/>
+              </a:lnSpc>
+              <a:spcBef>
+                <a:spcPts val="500"/>
+              </a:spcBef>
+              <a:buFont typeface="Arial" panose="020B0604020202020204" pitchFamily="34" charset="0"/>
+              <a:buChar char="•"/>
+              <a:defRPr sz="1800" kern="1200">
+                <a:solidFill>
+                  <a:schemeClr val="tx1"/>
+                </a:solidFill>
+                <a:latin typeface="+mn-lt"/>
+                <a:ea typeface="+mn-ea"/>
+                <a:cs typeface="+mn-cs"/>
+              </a:defRPr>
+            </a:lvl9pPr>
+          </a:lstStyle>
+          <a:p>
+            <a:pPr marL="0" indent="0">
+              <a:buFont typeface="Arial" panose="020B0604020202020204" pitchFamily="34" charset="0"/>
+              <a:buNone/>
+            </a:pPr>
+            <a:endParaRPr lang="fr-FR" sz="1400" dirty="0"/>
+          </a:p>
+        </p:txBody>
+      </p:sp>
+      <p:sp>
+        <p:nvSpPr>
+          <p:cNvPr id="11" name="Espace réservé du contenu 2">
+            <a:extLst>
+              <a:ext uri="{FF2B5EF4-FFF2-40B4-BE49-F238E27FC236}">
+                <a16:creationId xmlns:a16="http://schemas.microsoft.com/office/drawing/2014/main" id="{534F948C-D7ED-425C-B2BB-4056FDF0CEB3}"/>
+              </a:ext>
+            </a:extLst>
+          </p:cNvPr>
+          <p:cNvSpPr txBox="1">
+            <a:spLocks/>
+          </p:cNvSpPr>
+          <p:nvPr/>
+        </p:nvSpPr>
+        <p:spPr>
+          <a:xfrm>
+            <a:off x="6964679" y="1829196"/>
+            <a:ext cx="4389120" cy="4351338"/>
+          </a:xfrm>
+          <a:prstGeom prst="rect">
+            <a:avLst/>
+          </a:prstGeom>
+        </p:spPr>
+        <p:txBody>
+          <a:bodyPr vert="horz" lIns="91440" tIns="45720" rIns="91440" bIns="45720" rtlCol="0">
+            <a:normAutofit/>
+          </a:bodyPr>
+          <a:lstStyle>
+            <a:lvl1pPr marL="228600" indent="-228600" algn="l" defTabSz="914400" rtl="0" eaLnBrk="1" latinLnBrk="0" hangingPunct="1">
+              <a:lnSpc>
+                <a:spcPct val="90000"/>
+              </a:lnSpc>
+              <a:spcBef>
+                <a:spcPts val="1000"/>
+              </a:spcBef>
+              <a:buFont typeface="Arial" panose="020B0604020202020204" pitchFamily="34" charset="0"/>
+              <a:buChar char="•"/>
+              <a:defRPr sz="2800" kern="1200">
+                <a:solidFill>
+                  <a:schemeClr val="tx1"/>
+                </a:solidFill>
+                <a:latin typeface="+mn-lt"/>
+                <a:ea typeface="+mn-ea"/>
+                <a:cs typeface="+mn-cs"/>
+              </a:defRPr>
+            </a:lvl1pPr>
+            <a:lvl2pPr marL="685800" indent="-228600" algn="l" defTabSz="914400" rtl="0" eaLnBrk="1" latinLnBrk="0" hangingPunct="1">
+              <a:lnSpc>
+                <a:spcPct val="90000"/>
+              </a:lnSpc>
+              <a:spcBef>
+                <a:spcPts val="500"/>
+              </a:spcBef>
+              <a:buFont typeface="Arial" panose="020B0604020202020204" pitchFamily="34" charset="0"/>
+              <a:buChar char="•"/>
+              <a:defRPr sz="2400" kern="1200">
+                <a:solidFill>
+                  <a:schemeClr val="tx1"/>
+                </a:solidFill>
+                <a:latin typeface="+mn-lt"/>
+                <a:ea typeface="+mn-ea"/>
+                <a:cs typeface="+mn-cs"/>
+              </a:defRPr>
+            </a:lvl2pPr>
+            <a:lvl3pPr marL="1143000" indent="-228600" algn="l" defTabSz="914400" rtl="0" eaLnBrk="1" latinLnBrk="0" hangingPunct="1">
+              <a:lnSpc>
+                <a:spcPct val="90000"/>
+              </a:lnSpc>
+              <a:spcBef>
+                <a:spcPts val="500"/>
+              </a:spcBef>
+              <a:buFont typeface="Arial" panose="020B0604020202020204" pitchFamily="34" charset="0"/>
+              <a:buChar char="•"/>
+              <a:defRPr sz="2000" kern="1200">
+                <a:solidFill>
+                  <a:schemeClr val="tx1"/>
+                </a:solidFill>
+                <a:latin typeface="+mn-lt"/>
+                <a:ea typeface="+mn-ea"/>
+                <a:cs typeface="+mn-cs"/>
+              </a:defRPr>
+            </a:lvl3pPr>
+            <a:lvl4pPr marL="1600200" indent="-228600" algn="l" defTabSz="914400" rtl="0" eaLnBrk="1" latinLnBrk="0" hangingPunct="1">
+              <a:lnSpc>
+                <a:spcPct val="90000"/>
+              </a:lnSpc>
+              <a:spcBef>
+                <a:spcPts val="500"/>
+              </a:spcBef>
+              <a:buFont typeface="Arial" panose="020B0604020202020204" pitchFamily="34" charset="0"/>
+              <a:buChar char="•"/>
+              <a:defRPr sz="1800" kern="1200">
+                <a:solidFill>
+                  <a:schemeClr val="tx1"/>
+                </a:solidFill>
+                <a:latin typeface="+mn-lt"/>
+                <a:ea typeface="+mn-ea"/>
+                <a:cs typeface="+mn-cs"/>
+              </a:defRPr>
+            </a:lvl4pPr>
+            <a:lvl5pPr marL="2057400" indent="-228600" algn="l" defTabSz="914400" rtl="0" eaLnBrk="1" latinLnBrk="0" hangingPunct="1">
+              <a:lnSpc>
+                <a:spcPct val="90000"/>
+              </a:lnSpc>
+              <a:spcBef>
+                <a:spcPts val="500"/>
+              </a:spcBef>
+              <a:buFont typeface="Arial" panose="020B0604020202020204" pitchFamily="34" charset="0"/>
+              <a:buChar char="•"/>
+              <a:defRPr sz="1800" kern="1200">
+                <a:solidFill>
+                  <a:schemeClr val="tx1"/>
+                </a:solidFill>
+                <a:latin typeface="+mn-lt"/>
+                <a:ea typeface="+mn-ea"/>
+                <a:cs typeface="+mn-cs"/>
+              </a:defRPr>
+            </a:lvl5pPr>
+            <a:lvl6pPr marL="2514600" indent="-228600" algn="l" defTabSz="914400" rtl="0" eaLnBrk="1" latinLnBrk="0" hangingPunct="1">
+              <a:lnSpc>
+                <a:spcPct val="90000"/>
+              </a:lnSpc>
+              <a:spcBef>
+                <a:spcPts val="500"/>
+              </a:spcBef>
+              <a:buFont typeface="Arial" panose="020B0604020202020204" pitchFamily="34" charset="0"/>
+              <a:buChar char="•"/>
+              <a:defRPr sz="1800" kern="1200">
+                <a:solidFill>
+                  <a:schemeClr val="tx1"/>
+                </a:solidFill>
+                <a:latin typeface="+mn-lt"/>
+                <a:ea typeface="+mn-ea"/>
+                <a:cs typeface="+mn-cs"/>
+              </a:defRPr>
+            </a:lvl6pPr>
+            <a:lvl7pPr marL="2971800" indent="-228600" algn="l" defTabSz="914400" rtl="0" eaLnBrk="1" latinLnBrk="0" hangingPunct="1">
+              <a:lnSpc>
+                <a:spcPct val="90000"/>
+              </a:lnSpc>
+              <a:spcBef>
+                <a:spcPts val="500"/>
+              </a:spcBef>
+              <a:buFont typeface="Arial" panose="020B0604020202020204" pitchFamily="34" charset="0"/>
+              <a:buChar char="•"/>
+              <a:defRPr sz="1800" kern="1200">
+                <a:solidFill>
+                  <a:schemeClr val="tx1"/>
+                </a:solidFill>
+                <a:latin typeface="+mn-lt"/>
+                <a:ea typeface="+mn-ea"/>
+                <a:cs typeface="+mn-cs"/>
+              </a:defRPr>
+            </a:lvl7pPr>
+            <a:lvl8pPr marL="3429000" indent="-228600" algn="l" defTabSz="914400" rtl="0" eaLnBrk="1" latinLnBrk="0" hangingPunct="1">
+              <a:lnSpc>
+                <a:spcPct val="90000"/>
+              </a:lnSpc>
+              <a:spcBef>
+                <a:spcPts val="500"/>
+              </a:spcBef>
+              <a:buFont typeface="Arial" panose="020B0604020202020204" pitchFamily="34" charset="0"/>
+              <a:buChar char="•"/>
+              <a:defRPr sz="1800" kern="1200">
+                <a:solidFill>
+                  <a:schemeClr val="tx1"/>
+                </a:solidFill>
+                <a:latin typeface="+mn-lt"/>
+                <a:ea typeface="+mn-ea"/>
+                <a:cs typeface="+mn-cs"/>
+              </a:defRPr>
+            </a:lvl8pPr>
+            <a:lvl9pPr marL="3886200" indent="-228600" algn="l" defTabSz="914400" rtl="0" eaLnBrk="1" latinLnBrk="0" hangingPunct="1">
+              <a:lnSpc>
+                <a:spcPct val="90000"/>
+              </a:lnSpc>
+              <a:spcBef>
+                <a:spcPts val="500"/>
+              </a:spcBef>
+              <a:buFont typeface="Arial" panose="020B0604020202020204" pitchFamily="34" charset="0"/>
+              <a:buChar char="•"/>
+              <a:defRPr sz="1800" kern="1200">
+                <a:solidFill>
+                  <a:schemeClr val="tx1"/>
+                </a:solidFill>
+                <a:latin typeface="+mn-lt"/>
+                <a:ea typeface="+mn-ea"/>
+                <a:cs typeface="+mn-cs"/>
+              </a:defRPr>
+            </a:lvl9pPr>
+          </a:lstStyle>
+          <a:p>
+            <a:pPr marL="0" indent="0">
+              <a:buFont typeface="Arial" panose="020B0604020202020204" pitchFamily="34" charset="0"/>
+              <a:buNone/>
+            </a:pPr>
+            <a:endParaRPr lang="fr-FR" sz="1400" dirty="0"/>
+          </a:p>
+          <a:p>
+            <a:pPr marL="0" indent="0">
+              <a:buFont typeface="Arial" panose="020B0604020202020204" pitchFamily="34" charset="0"/>
+              <a:buNone/>
+            </a:pPr>
+            <a:endParaRPr lang="fr-FR" sz="1400" dirty="0"/>
+          </a:p>
+        </p:txBody>
+      </p:sp>
+      <p:sp>
+        <p:nvSpPr>
+          <p:cNvPr id="7" name="Espace réservé du contenu 2">
+            <a:extLst>
+              <a:ext uri="{FF2B5EF4-FFF2-40B4-BE49-F238E27FC236}">
+                <a16:creationId xmlns:a16="http://schemas.microsoft.com/office/drawing/2014/main" id="{6CE43EFE-9242-401E-BD47-B25E16F86361}"/>
+              </a:ext>
+            </a:extLst>
+          </p:cNvPr>
+          <p:cNvSpPr txBox="1">
+            <a:spLocks/>
+          </p:cNvSpPr>
+          <p:nvPr/>
+        </p:nvSpPr>
+        <p:spPr>
+          <a:xfrm>
+            <a:off x="838200" y="1828998"/>
+            <a:ext cx="4389120" cy="4351338"/>
+          </a:xfrm>
+          <a:prstGeom prst="rect">
+            <a:avLst/>
+          </a:prstGeom>
+        </p:spPr>
+        <p:txBody>
+          <a:bodyPr vert="horz" lIns="91440" tIns="45720" rIns="91440" bIns="45720" rtlCol="0">
+            <a:normAutofit/>
+          </a:bodyPr>
+          <a:lstStyle>
+            <a:lvl1pPr marL="228600" indent="-228600" algn="l" defTabSz="914400" rtl="0" eaLnBrk="1" latinLnBrk="0" hangingPunct="1">
+              <a:lnSpc>
+                <a:spcPct val="90000"/>
+              </a:lnSpc>
+              <a:spcBef>
+                <a:spcPts val="1000"/>
+              </a:spcBef>
+              <a:buFont typeface="Arial" panose="020B0604020202020204" pitchFamily="34" charset="0"/>
+              <a:buChar char="•"/>
+              <a:defRPr sz="2800" kern="1200">
+                <a:solidFill>
+                  <a:schemeClr val="tx1"/>
+                </a:solidFill>
+                <a:latin typeface="+mn-lt"/>
+                <a:ea typeface="+mn-ea"/>
+                <a:cs typeface="+mn-cs"/>
+              </a:defRPr>
+            </a:lvl1pPr>
+            <a:lvl2pPr marL="685800" indent="-228600" algn="l" defTabSz="914400" rtl="0" eaLnBrk="1" latinLnBrk="0" hangingPunct="1">
+              <a:lnSpc>
+                <a:spcPct val="90000"/>
+              </a:lnSpc>
+              <a:spcBef>
+                <a:spcPts val="500"/>
+              </a:spcBef>
+              <a:buFont typeface="Arial" panose="020B0604020202020204" pitchFamily="34" charset="0"/>
+              <a:buChar char="•"/>
+              <a:defRPr sz="2400" kern="1200">
+                <a:solidFill>
+                  <a:schemeClr val="tx1"/>
+                </a:solidFill>
+                <a:latin typeface="+mn-lt"/>
+                <a:ea typeface="+mn-ea"/>
+                <a:cs typeface="+mn-cs"/>
+              </a:defRPr>
+            </a:lvl2pPr>
+            <a:lvl3pPr marL="1143000" indent="-228600" algn="l" defTabSz="914400" rtl="0" eaLnBrk="1" latinLnBrk="0" hangingPunct="1">
+              <a:lnSpc>
+                <a:spcPct val="90000"/>
+              </a:lnSpc>
+              <a:spcBef>
+                <a:spcPts val="500"/>
+              </a:spcBef>
+              <a:buFont typeface="Arial" panose="020B0604020202020204" pitchFamily="34" charset="0"/>
+              <a:buChar char="•"/>
+              <a:defRPr sz="2000" kern="1200">
+                <a:solidFill>
+                  <a:schemeClr val="tx1"/>
+                </a:solidFill>
+                <a:latin typeface="+mn-lt"/>
+                <a:ea typeface="+mn-ea"/>
+                <a:cs typeface="+mn-cs"/>
+              </a:defRPr>
+            </a:lvl3pPr>
+            <a:lvl4pPr marL="1600200" indent="-228600" algn="l" defTabSz="914400" rtl="0" eaLnBrk="1" latinLnBrk="0" hangingPunct="1">
+              <a:lnSpc>
+                <a:spcPct val="90000"/>
+              </a:lnSpc>
+              <a:spcBef>
+                <a:spcPts val="500"/>
+              </a:spcBef>
+              <a:buFont typeface="Arial" panose="020B0604020202020204" pitchFamily="34" charset="0"/>
+              <a:buChar char="•"/>
+              <a:defRPr sz="1800" kern="1200">
+                <a:solidFill>
+                  <a:schemeClr val="tx1"/>
+                </a:solidFill>
+                <a:latin typeface="+mn-lt"/>
+                <a:ea typeface="+mn-ea"/>
+                <a:cs typeface="+mn-cs"/>
+              </a:defRPr>
+            </a:lvl4pPr>
+            <a:lvl5pPr marL="2057400" indent="-228600" algn="l" defTabSz="914400" rtl="0" eaLnBrk="1" latinLnBrk="0" hangingPunct="1">
+              <a:lnSpc>
+                <a:spcPct val="90000"/>
+              </a:lnSpc>
+              <a:spcBef>
+                <a:spcPts val="500"/>
+              </a:spcBef>
+              <a:buFont typeface="Arial" panose="020B0604020202020204" pitchFamily="34" charset="0"/>
+              <a:buChar char="•"/>
+              <a:defRPr sz="1800" kern="1200">
+                <a:solidFill>
+                  <a:schemeClr val="tx1"/>
+                </a:solidFill>
+                <a:latin typeface="+mn-lt"/>
+                <a:ea typeface="+mn-ea"/>
+                <a:cs typeface="+mn-cs"/>
+              </a:defRPr>
+            </a:lvl5pPr>
+            <a:lvl6pPr marL="2514600" indent="-228600" algn="l" defTabSz="914400" rtl="0" eaLnBrk="1" latinLnBrk="0" hangingPunct="1">
+              <a:lnSpc>
+                <a:spcPct val="90000"/>
+              </a:lnSpc>
+              <a:spcBef>
+                <a:spcPts val="500"/>
+              </a:spcBef>
+              <a:buFont typeface="Arial" panose="020B0604020202020204" pitchFamily="34" charset="0"/>
+              <a:buChar char="•"/>
+              <a:defRPr sz="1800" kern="1200">
+                <a:solidFill>
+                  <a:schemeClr val="tx1"/>
+                </a:solidFill>
+                <a:latin typeface="+mn-lt"/>
+                <a:ea typeface="+mn-ea"/>
+                <a:cs typeface="+mn-cs"/>
+              </a:defRPr>
+            </a:lvl6pPr>
+            <a:lvl7pPr marL="2971800" indent="-228600" algn="l" defTabSz="914400" rtl="0" eaLnBrk="1" latinLnBrk="0" hangingPunct="1">
+              <a:lnSpc>
+                <a:spcPct val="90000"/>
+              </a:lnSpc>
+              <a:spcBef>
+                <a:spcPts val="500"/>
+              </a:spcBef>
+              <a:buFont typeface="Arial" panose="020B0604020202020204" pitchFamily="34" charset="0"/>
+              <a:buChar char="•"/>
+              <a:defRPr sz="1800" kern="1200">
+                <a:solidFill>
+                  <a:schemeClr val="tx1"/>
+                </a:solidFill>
+                <a:latin typeface="+mn-lt"/>
+                <a:ea typeface="+mn-ea"/>
+                <a:cs typeface="+mn-cs"/>
+              </a:defRPr>
+            </a:lvl7pPr>
+            <a:lvl8pPr marL="3429000" indent="-228600" algn="l" defTabSz="914400" rtl="0" eaLnBrk="1" latinLnBrk="0" hangingPunct="1">
+              <a:lnSpc>
+                <a:spcPct val="90000"/>
+              </a:lnSpc>
+              <a:spcBef>
+                <a:spcPts val="500"/>
+              </a:spcBef>
+              <a:buFont typeface="Arial" panose="020B0604020202020204" pitchFamily="34" charset="0"/>
+              <a:buChar char="•"/>
+              <a:defRPr sz="1800" kern="1200">
+                <a:solidFill>
+                  <a:schemeClr val="tx1"/>
+                </a:solidFill>
+                <a:latin typeface="+mn-lt"/>
+                <a:ea typeface="+mn-ea"/>
+                <a:cs typeface="+mn-cs"/>
+              </a:defRPr>
+            </a:lvl8pPr>
+            <a:lvl9pPr marL="3886200" indent="-228600" algn="l" defTabSz="914400" rtl="0" eaLnBrk="1" latinLnBrk="0" hangingPunct="1">
+              <a:lnSpc>
+                <a:spcPct val="90000"/>
+              </a:lnSpc>
+              <a:spcBef>
+                <a:spcPts val="500"/>
+              </a:spcBef>
+              <a:buFont typeface="Arial" panose="020B0604020202020204" pitchFamily="34" charset="0"/>
+              <a:buChar char="•"/>
+              <a:defRPr sz="1800" kern="1200">
+                <a:solidFill>
+                  <a:schemeClr val="tx1"/>
+                </a:solidFill>
+                <a:latin typeface="+mn-lt"/>
+                <a:ea typeface="+mn-ea"/>
+                <a:cs typeface="+mn-cs"/>
+              </a:defRPr>
+            </a:lvl9pPr>
+          </a:lstStyle>
+          <a:p>
+            <a:pPr marL="0" indent="0">
+              <a:buFont typeface="Arial" panose="020B0604020202020204" pitchFamily="34" charset="0"/>
+              <a:buNone/>
+            </a:pPr>
+            <a:r>
+              <a:rPr lang="fr-FR" sz="1700" dirty="0"/>
+              <a:t>Le but est de créer plusieurs mini formulaire, dans un champ du formulaire primaire, c’est-à-dire que nous voulons permettre l’ajout de plusieurs images dans le même champ images.</a:t>
+            </a:r>
+          </a:p>
+          <a:p>
+            <a:pPr marL="0" indent="0">
+              <a:buFont typeface="Arial" panose="020B0604020202020204" pitchFamily="34" charset="0"/>
+              <a:buNone/>
+            </a:pPr>
+            <a:r>
+              <a:rPr lang="fr-FR" sz="1000" dirty="0"/>
+              <a:t>Etape 1 : Création du formulaire</a:t>
+            </a:r>
+          </a:p>
+          <a:p>
+            <a:pPr marL="0" indent="0">
+              <a:buNone/>
+            </a:pPr>
+            <a:r>
+              <a:rPr lang="en-US" sz="1000" dirty="0"/>
+              <a:t>php bin/console </a:t>
+            </a:r>
+            <a:r>
+              <a:rPr lang="en-US" sz="1000" dirty="0" err="1"/>
+              <a:t>make:form</a:t>
+            </a:r>
+            <a:r>
+              <a:rPr lang="en-US" sz="1000" dirty="0"/>
+              <a:t> </a:t>
+            </a:r>
+            <a:r>
+              <a:rPr lang="en-US" sz="1000" dirty="0" err="1"/>
+              <a:t>ImageType</a:t>
+            </a:r>
+            <a:endParaRPr lang="en-US" sz="1000" dirty="0"/>
+          </a:p>
+          <a:p>
+            <a:pPr marL="0" indent="0">
+              <a:buNone/>
+            </a:pPr>
+            <a:r>
+              <a:rPr lang="en-US" sz="1000" dirty="0" err="1"/>
+              <a:t>Renseigner</a:t>
+            </a:r>
+            <a:r>
+              <a:rPr lang="en-US" sz="1000" dirty="0"/>
+              <a:t> </a:t>
+            </a:r>
+            <a:r>
+              <a:rPr lang="en-US" sz="1000" dirty="0" err="1"/>
+              <a:t>aussi</a:t>
+            </a:r>
+            <a:r>
+              <a:rPr lang="en-US" sz="1000" dirty="0"/>
+              <a:t> </a:t>
+            </a:r>
+            <a:r>
+              <a:rPr lang="en-US" sz="1000" dirty="0" err="1"/>
+              <a:t>l’entité</a:t>
+            </a:r>
+            <a:r>
+              <a:rPr lang="en-US" sz="1000" dirty="0"/>
+              <a:t> qui </a:t>
+            </a:r>
+            <a:r>
+              <a:rPr lang="en-US" sz="1000" dirty="0" err="1"/>
+              <a:t>est</a:t>
+            </a:r>
+            <a:r>
+              <a:rPr lang="en-US" sz="1000" dirty="0"/>
+              <a:t> </a:t>
+            </a:r>
+            <a:r>
+              <a:rPr lang="en-US" sz="1000" dirty="0" err="1"/>
+              <a:t>lié</a:t>
+            </a:r>
+            <a:r>
+              <a:rPr lang="en-US" sz="1000" dirty="0"/>
+              <a:t> au </a:t>
+            </a:r>
+            <a:r>
+              <a:rPr lang="en-US" sz="1000" dirty="0" err="1"/>
+              <a:t>formulaire</a:t>
+            </a:r>
+            <a:r>
+              <a:rPr lang="en-US" sz="1000" dirty="0"/>
+              <a:t> :</a:t>
+            </a:r>
+          </a:p>
+          <a:p>
+            <a:pPr marL="0" indent="0">
+              <a:buNone/>
+            </a:pPr>
+            <a:r>
+              <a:rPr lang="en-US" sz="1000" dirty="0"/>
+              <a:t>The name of Entity or fully qualified model class name that the new form will be bound to (empty for none):</a:t>
+            </a:r>
+          </a:p>
+          <a:p>
+            <a:pPr marL="0" indent="0">
+              <a:buNone/>
+            </a:pPr>
+            <a:r>
+              <a:rPr lang="en-US" sz="1000" dirty="0"/>
+              <a:t> &gt; Image</a:t>
+            </a:r>
+          </a:p>
+          <a:p>
+            <a:pPr marL="0" indent="0">
+              <a:buNone/>
+            </a:pPr>
+            <a:r>
+              <a:rPr lang="en-US" sz="1000" dirty="0" err="1"/>
+              <a:t>Etape</a:t>
+            </a:r>
+            <a:r>
+              <a:rPr lang="en-US" sz="1000" dirty="0"/>
+              <a:t> 2 : </a:t>
+            </a:r>
+            <a:r>
+              <a:rPr lang="en-US" sz="1000" dirty="0" err="1"/>
+              <a:t>Ajout</a:t>
+            </a:r>
+            <a:r>
+              <a:rPr lang="en-US" sz="1000" dirty="0"/>
+              <a:t> du collection type dans le </a:t>
+            </a:r>
+            <a:r>
+              <a:rPr lang="en-US" sz="1000" dirty="0" err="1"/>
+              <a:t>formulaire</a:t>
+            </a:r>
+            <a:r>
+              <a:rPr lang="en-US" sz="1000" dirty="0"/>
+              <a:t> de creation </a:t>
+            </a:r>
+            <a:r>
+              <a:rPr lang="en-US" sz="1000" dirty="0" err="1"/>
+              <a:t>d’une</a:t>
+            </a:r>
+            <a:r>
+              <a:rPr lang="en-US" sz="1000" dirty="0"/>
+              <a:t> </a:t>
+            </a:r>
+            <a:r>
+              <a:rPr lang="en-US" sz="1000" dirty="0" err="1"/>
+              <a:t>annonce</a:t>
+            </a:r>
+            <a:endParaRPr lang="en-US" sz="1000" dirty="0"/>
+          </a:p>
+          <a:p>
+            <a:pPr marL="0" indent="0">
+              <a:buNone/>
+            </a:pPr>
+            <a:endParaRPr lang="en-US" sz="1000" dirty="0"/>
+          </a:p>
+        </p:txBody>
+      </p:sp>
+      <p:pic>
+        <p:nvPicPr>
+          <p:cNvPr id="3" name="Image 2">
+            <a:extLst>
+              <a:ext uri="{FF2B5EF4-FFF2-40B4-BE49-F238E27FC236}">
+                <a16:creationId xmlns:a16="http://schemas.microsoft.com/office/drawing/2014/main" id="{A06D7B2F-F853-4E35-A76C-074912A8C2A5}"/>
+              </a:ext>
+            </a:extLst>
+          </p:cNvPr>
+          <p:cNvPicPr>
+            <a:picLocks noChangeAspect="1"/>
+          </p:cNvPicPr>
+          <p:nvPr/>
+        </p:nvPicPr>
+        <p:blipFill>
+          <a:blip r:embed="rId2"/>
+          <a:stretch>
+            <a:fillRect/>
+          </a:stretch>
+        </p:blipFill>
+        <p:spPr>
+          <a:xfrm>
+            <a:off x="5549470" y="3429000"/>
+            <a:ext cx="5865222" cy="3072940"/>
+          </a:xfrm>
+          <a:prstGeom prst="rect">
+            <a:avLst/>
+          </a:prstGeom>
+        </p:spPr>
+      </p:pic>
+      <p:pic>
+        <p:nvPicPr>
+          <p:cNvPr id="5" name="Image 4">
+            <a:extLst>
+              <a:ext uri="{FF2B5EF4-FFF2-40B4-BE49-F238E27FC236}">
+                <a16:creationId xmlns:a16="http://schemas.microsoft.com/office/drawing/2014/main" id="{544DF97B-7CE7-420A-8838-502D14AAA851}"/>
+              </a:ext>
+            </a:extLst>
+          </p:cNvPr>
+          <p:cNvPicPr>
+            <a:picLocks noChangeAspect="1"/>
+          </p:cNvPicPr>
+          <p:nvPr/>
+        </p:nvPicPr>
+        <p:blipFill>
+          <a:blip r:embed="rId3"/>
+          <a:stretch>
+            <a:fillRect/>
+          </a:stretch>
+        </p:blipFill>
+        <p:spPr>
+          <a:xfrm>
+            <a:off x="5552546" y="1206631"/>
+            <a:ext cx="5862145" cy="2153115"/>
+          </a:xfrm>
+          <a:prstGeom prst="rect">
+            <a:avLst/>
+          </a:prstGeom>
+        </p:spPr>
+      </p:pic>
+    </p:spTree>
+    <p:extLst>
+      <p:ext uri="{BB962C8B-B14F-4D97-AF65-F5344CB8AC3E}">
+        <p14:creationId xmlns:p14="http://schemas.microsoft.com/office/powerpoint/2010/main" val="3717761289"/>
+      </p:ext>
+    </p:extLst>
+  </p:cSld>
+  <p:clrMapOvr>
+    <a:masterClrMapping/>
+  </p:clrMapOvr>
+</p:sld>
+</file>
+
 <file path=ppt/slides/slide4.xml><?xml version="1.0" encoding="utf-8"?>
 <p:sld xmlns:a="http://schemas.openxmlformats.org/drawingml/2006/main" xmlns:r="http://schemas.openxmlformats.org/officeDocument/2006/relationships" xmlns:p="http://schemas.openxmlformats.org/presentationml/2006/main">
   <p:cSld>
@@ -19812,6 +20706,2555 @@
     <p:extLst>
       <p:ext uri="{BB962C8B-B14F-4D97-AF65-F5344CB8AC3E}">
         <p14:creationId xmlns:p14="http://schemas.microsoft.com/office/powerpoint/2010/main" val="1119903488"/>
+      </p:ext>
+    </p:extLst>
+  </p:cSld>
+  <p:clrMapOvr>
+    <a:masterClrMapping/>
+  </p:clrMapOvr>
+</p:sld>
+</file>
+
+<file path=ppt/slides/slide40.xml><?xml version="1.0" encoding="utf-8"?>
+<p:sld xmlns:a="http://schemas.openxmlformats.org/drawingml/2006/main" xmlns:r="http://schemas.openxmlformats.org/officeDocument/2006/relationships" xmlns:p="http://schemas.openxmlformats.org/presentationml/2006/main">
+  <p:cSld>
+    <p:spTree>
+      <p:nvGrpSpPr>
+        <p:cNvPr id="1" name=""/>
+        <p:cNvGrpSpPr/>
+        <p:nvPr/>
+      </p:nvGrpSpPr>
+      <p:grpSpPr>
+        <a:xfrm>
+          <a:off x="0" y="0"/>
+          <a:ext cx="0" cy="0"/>
+          <a:chOff x="0" y="0"/>
+          <a:chExt cx="0" cy="0"/>
+        </a:xfrm>
+      </p:grpSpPr>
+      <p:sp>
+        <p:nvSpPr>
+          <p:cNvPr id="4" name="Titre 1">
+            <a:extLst>
+              <a:ext uri="{FF2B5EF4-FFF2-40B4-BE49-F238E27FC236}">
+                <a16:creationId xmlns:a16="http://schemas.microsoft.com/office/drawing/2014/main" id="{960C1D7C-377E-4936-AFF5-23D603AD6FF4}"/>
+              </a:ext>
+            </a:extLst>
+          </p:cNvPr>
+          <p:cNvSpPr>
+            <a:spLocks noGrp="1"/>
+          </p:cNvSpPr>
+          <p:nvPr>
+            <p:ph type="title"/>
+          </p:nvPr>
+        </p:nvSpPr>
+        <p:spPr>
+          <a:xfrm>
+            <a:off x="838200" y="365125"/>
+            <a:ext cx="10515600" cy="1325563"/>
+          </a:xfrm>
+        </p:spPr>
+        <p:txBody>
+          <a:bodyPr/>
+          <a:lstStyle/>
+          <a:p>
+            <a:r>
+              <a:rPr lang="fr-FR" dirty="0"/>
+              <a:t>Etape 31 : Personnalisation des sous formulaires avec </a:t>
+            </a:r>
+            <a:r>
+              <a:rPr lang="fr-FR" dirty="0" err="1"/>
+              <a:t>twig</a:t>
+            </a:r>
+            <a:endParaRPr lang="fr-FR" dirty="0"/>
+          </a:p>
+        </p:txBody>
+      </p:sp>
+      <p:sp>
+        <p:nvSpPr>
+          <p:cNvPr id="9" name="Espace réservé du contenu 2">
+            <a:extLst>
+              <a:ext uri="{FF2B5EF4-FFF2-40B4-BE49-F238E27FC236}">
+                <a16:creationId xmlns:a16="http://schemas.microsoft.com/office/drawing/2014/main" id="{EB812BAD-F986-4356-9B0E-865CD4B89634}"/>
+              </a:ext>
+            </a:extLst>
+          </p:cNvPr>
+          <p:cNvSpPr txBox="1">
+            <a:spLocks/>
+          </p:cNvSpPr>
+          <p:nvPr/>
+        </p:nvSpPr>
+        <p:spPr>
+          <a:xfrm>
+            <a:off x="999275" y="1828998"/>
+            <a:ext cx="4389120" cy="4351338"/>
+          </a:xfrm>
+          <a:prstGeom prst="rect">
+            <a:avLst/>
+          </a:prstGeom>
+        </p:spPr>
+        <p:txBody>
+          <a:bodyPr vert="horz" lIns="91440" tIns="45720" rIns="91440" bIns="45720" rtlCol="0">
+            <a:normAutofit/>
+          </a:bodyPr>
+          <a:lstStyle>
+            <a:lvl1pPr marL="228600" indent="-228600" algn="l" defTabSz="914400" rtl="0" eaLnBrk="1" latinLnBrk="0" hangingPunct="1">
+              <a:lnSpc>
+                <a:spcPct val="90000"/>
+              </a:lnSpc>
+              <a:spcBef>
+                <a:spcPts val="1000"/>
+              </a:spcBef>
+              <a:buFont typeface="Arial" panose="020B0604020202020204" pitchFamily="34" charset="0"/>
+              <a:buChar char="•"/>
+              <a:defRPr sz="2800" kern="1200">
+                <a:solidFill>
+                  <a:schemeClr val="tx1"/>
+                </a:solidFill>
+                <a:latin typeface="+mn-lt"/>
+                <a:ea typeface="+mn-ea"/>
+                <a:cs typeface="+mn-cs"/>
+              </a:defRPr>
+            </a:lvl1pPr>
+            <a:lvl2pPr marL="685800" indent="-228600" algn="l" defTabSz="914400" rtl="0" eaLnBrk="1" latinLnBrk="0" hangingPunct="1">
+              <a:lnSpc>
+                <a:spcPct val="90000"/>
+              </a:lnSpc>
+              <a:spcBef>
+                <a:spcPts val="500"/>
+              </a:spcBef>
+              <a:buFont typeface="Arial" panose="020B0604020202020204" pitchFamily="34" charset="0"/>
+              <a:buChar char="•"/>
+              <a:defRPr sz="2400" kern="1200">
+                <a:solidFill>
+                  <a:schemeClr val="tx1"/>
+                </a:solidFill>
+                <a:latin typeface="+mn-lt"/>
+                <a:ea typeface="+mn-ea"/>
+                <a:cs typeface="+mn-cs"/>
+              </a:defRPr>
+            </a:lvl2pPr>
+            <a:lvl3pPr marL="1143000" indent="-228600" algn="l" defTabSz="914400" rtl="0" eaLnBrk="1" latinLnBrk="0" hangingPunct="1">
+              <a:lnSpc>
+                <a:spcPct val="90000"/>
+              </a:lnSpc>
+              <a:spcBef>
+                <a:spcPts val="500"/>
+              </a:spcBef>
+              <a:buFont typeface="Arial" panose="020B0604020202020204" pitchFamily="34" charset="0"/>
+              <a:buChar char="•"/>
+              <a:defRPr sz="2000" kern="1200">
+                <a:solidFill>
+                  <a:schemeClr val="tx1"/>
+                </a:solidFill>
+                <a:latin typeface="+mn-lt"/>
+                <a:ea typeface="+mn-ea"/>
+                <a:cs typeface="+mn-cs"/>
+              </a:defRPr>
+            </a:lvl3pPr>
+            <a:lvl4pPr marL="1600200" indent="-228600" algn="l" defTabSz="914400" rtl="0" eaLnBrk="1" latinLnBrk="0" hangingPunct="1">
+              <a:lnSpc>
+                <a:spcPct val="90000"/>
+              </a:lnSpc>
+              <a:spcBef>
+                <a:spcPts val="500"/>
+              </a:spcBef>
+              <a:buFont typeface="Arial" panose="020B0604020202020204" pitchFamily="34" charset="0"/>
+              <a:buChar char="•"/>
+              <a:defRPr sz="1800" kern="1200">
+                <a:solidFill>
+                  <a:schemeClr val="tx1"/>
+                </a:solidFill>
+                <a:latin typeface="+mn-lt"/>
+                <a:ea typeface="+mn-ea"/>
+                <a:cs typeface="+mn-cs"/>
+              </a:defRPr>
+            </a:lvl4pPr>
+            <a:lvl5pPr marL="2057400" indent="-228600" algn="l" defTabSz="914400" rtl="0" eaLnBrk="1" latinLnBrk="0" hangingPunct="1">
+              <a:lnSpc>
+                <a:spcPct val="90000"/>
+              </a:lnSpc>
+              <a:spcBef>
+                <a:spcPts val="500"/>
+              </a:spcBef>
+              <a:buFont typeface="Arial" panose="020B0604020202020204" pitchFamily="34" charset="0"/>
+              <a:buChar char="•"/>
+              <a:defRPr sz="1800" kern="1200">
+                <a:solidFill>
+                  <a:schemeClr val="tx1"/>
+                </a:solidFill>
+                <a:latin typeface="+mn-lt"/>
+                <a:ea typeface="+mn-ea"/>
+                <a:cs typeface="+mn-cs"/>
+              </a:defRPr>
+            </a:lvl5pPr>
+            <a:lvl6pPr marL="2514600" indent="-228600" algn="l" defTabSz="914400" rtl="0" eaLnBrk="1" latinLnBrk="0" hangingPunct="1">
+              <a:lnSpc>
+                <a:spcPct val="90000"/>
+              </a:lnSpc>
+              <a:spcBef>
+                <a:spcPts val="500"/>
+              </a:spcBef>
+              <a:buFont typeface="Arial" panose="020B0604020202020204" pitchFamily="34" charset="0"/>
+              <a:buChar char="•"/>
+              <a:defRPr sz="1800" kern="1200">
+                <a:solidFill>
+                  <a:schemeClr val="tx1"/>
+                </a:solidFill>
+                <a:latin typeface="+mn-lt"/>
+                <a:ea typeface="+mn-ea"/>
+                <a:cs typeface="+mn-cs"/>
+              </a:defRPr>
+            </a:lvl6pPr>
+            <a:lvl7pPr marL="2971800" indent="-228600" algn="l" defTabSz="914400" rtl="0" eaLnBrk="1" latinLnBrk="0" hangingPunct="1">
+              <a:lnSpc>
+                <a:spcPct val="90000"/>
+              </a:lnSpc>
+              <a:spcBef>
+                <a:spcPts val="500"/>
+              </a:spcBef>
+              <a:buFont typeface="Arial" panose="020B0604020202020204" pitchFamily="34" charset="0"/>
+              <a:buChar char="•"/>
+              <a:defRPr sz="1800" kern="1200">
+                <a:solidFill>
+                  <a:schemeClr val="tx1"/>
+                </a:solidFill>
+                <a:latin typeface="+mn-lt"/>
+                <a:ea typeface="+mn-ea"/>
+                <a:cs typeface="+mn-cs"/>
+              </a:defRPr>
+            </a:lvl7pPr>
+            <a:lvl8pPr marL="3429000" indent="-228600" algn="l" defTabSz="914400" rtl="0" eaLnBrk="1" latinLnBrk="0" hangingPunct="1">
+              <a:lnSpc>
+                <a:spcPct val="90000"/>
+              </a:lnSpc>
+              <a:spcBef>
+                <a:spcPts val="500"/>
+              </a:spcBef>
+              <a:buFont typeface="Arial" panose="020B0604020202020204" pitchFamily="34" charset="0"/>
+              <a:buChar char="•"/>
+              <a:defRPr sz="1800" kern="1200">
+                <a:solidFill>
+                  <a:schemeClr val="tx1"/>
+                </a:solidFill>
+                <a:latin typeface="+mn-lt"/>
+                <a:ea typeface="+mn-ea"/>
+                <a:cs typeface="+mn-cs"/>
+              </a:defRPr>
+            </a:lvl8pPr>
+            <a:lvl9pPr marL="3886200" indent="-228600" algn="l" defTabSz="914400" rtl="0" eaLnBrk="1" latinLnBrk="0" hangingPunct="1">
+              <a:lnSpc>
+                <a:spcPct val="90000"/>
+              </a:lnSpc>
+              <a:spcBef>
+                <a:spcPts val="500"/>
+              </a:spcBef>
+              <a:buFont typeface="Arial" panose="020B0604020202020204" pitchFamily="34" charset="0"/>
+              <a:buChar char="•"/>
+              <a:defRPr sz="1800" kern="1200">
+                <a:solidFill>
+                  <a:schemeClr val="tx1"/>
+                </a:solidFill>
+                <a:latin typeface="+mn-lt"/>
+                <a:ea typeface="+mn-ea"/>
+                <a:cs typeface="+mn-cs"/>
+              </a:defRPr>
+            </a:lvl9pPr>
+          </a:lstStyle>
+          <a:p>
+            <a:pPr marL="0" indent="0">
+              <a:buFont typeface="Arial" panose="020B0604020202020204" pitchFamily="34" charset="0"/>
+              <a:buNone/>
+            </a:pPr>
+            <a:endParaRPr lang="fr-FR" sz="1400" dirty="0"/>
+          </a:p>
+        </p:txBody>
+      </p:sp>
+      <p:sp>
+        <p:nvSpPr>
+          <p:cNvPr id="11" name="Espace réservé du contenu 2">
+            <a:extLst>
+              <a:ext uri="{FF2B5EF4-FFF2-40B4-BE49-F238E27FC236}">
+                <a16:creationId xmlns:a16="http://schemas.microsoft.com/office/drawing/2014/main" id="{534F948C-D7ED-425C-B2BB-4056FDF0CEB3}"/>
+              </a:ext>
+            </a:extLst>
+          </p:cNvPr>
+          <p:cNvSpPr txBox="1">
+            <a:spLocks/>
+          </p:cNvSpPr>
+          <p:nvPr/>
+        </p:nvSpPr>
+        <p:spPr>
+          <a:xfrm>
+            <a:off x="6964679" y="1829196"/>
+            <a:ext cx="4389120" cy="4351338"/>
+          </a:xfrm>
+          <a:prstGeom prst="rect">
+            <a:avLst/>
+          </a:prstGeom>
+        </p:spPr>
+        <p:txBody>
+          <a:bodyPr vert="horz" lIns="91440" tIns="45720" rIns="91440" bIns="45720" rtlCol="0">
+            <a:normAutofit/>
+          </a:bodyPr>
+          <a:lstStyle>
+            <a:lvl1pPr marL="228600" indent="-228600" algn="l" defTabSz="914400" rtl="0" eaLnBrk="1" latinLnBrk="0" hangingPunct="1">
+              <a:lnSpc>
+                <a:spcPct val="90000"/>
+              </a:lnSpc>
+              <a:spcBef>
+                <a:spcPts val="1000"/>
+              </a:spcBef>
+              <a:buFont typeface="Arial" panose="020B0604020202020204" pitchFamily="34" charset="0"/>
+              <a:buChar char="•"/>
+              <a:defRPr sz="2800" kern="1200">
+                <a:solidFill>
+                  <a:schemeClr val="tx1"/>
+                </a:solidFill>
+                <a:latin typeface="+mn-lt"/>
+                <a:ea typeface="+mn-ea"/>
+                <a:cs typeface="+mn-cs"/>
+              </a:defRPr>
+            </a:lvl1pPr>
+            <a:lvl2pPr marL="685800" indent="-228600" algn="l" defTabSz="914400" rtl="0" eaLnBrk="1" latinLnBrk="0" hangingPunct="1">
+              <a:lnSpc>
+                <a:spcPct val="90000"/>
+              </a:lnSpc>
+              <a:spcBef>
+                <a:spcPts val="500"/>
+              </a:spcBef>
+              <a:buFont typeface="Arial" panose="020B0604020202020204" pitchFamily="34" charset="0"/>
+              <a:buChar char="•"/>
+              <a:defRPr sz="2400" kern="1200">
+                <a:solidFill>
+                  <a:schemeClr val="tx1"/>
+                </a:solidFill>
+                <a:latin typeface="+mn-lt"/>
+                <a:ea typeface="+mn-ea"/>
+                <a:cs typeface="+mn-cs"/>
+              </a:defRPr>
+            </a:lvl2pPr>
+            <a:lvl3pPr marL="1143000" indent="-228600" algn="l" defTabSz="914400" rtl="0" eaLnBrk="1" latinLnBrk="0" hangingPunct="1">
+              <a:lnSpc>
+                <a:spcPct val="90000"/>
+              </a:lnSpc>
+              <a:spcBef>
+                <a:spcPts val="500"/>
+              </a:spcBef>
+              <a:buFont typeface="Arial" panose="020B0604020202020204" pitchFamily="34" charset="0"/>
+              <a:buChar char="•"/>
+              <a:defRPr sz="2000" kern="1200">
+                <a:solidFill>
+                  <a:schemeClr val="tx1"/>
+                </a:solidFill>
+                <a:latin typeface="+mn-lt"/>
+                <a:ea typeface="+mn-ea"/>
+                <a:cs typeface="+mn-cs"/>
+              </a:defRPr>
+            </a:lvl3pPr>
+            <a:lvl4pPr marL="1600200" indent="-228600" algn="l" defTabSz="914400" rtl="0" eaLnBrk="1" latinLnBrk="0" hangingPunct="1">
+              <a:lnSpc>
+                <a:spcPct val="90000"/>
+              </a:lnSpc>
+              <a:spcBef>
+                <a:spcPts val="500"/>
+              </a:spcBef>
+              <a:buFont typeface="Arial" panose="020B0604020202020204" pitchFamily="34" charset="0"/>
+              <a:buChar char="•"/>
+              <a:defRPr sz="1800" kern="1200">
+                <a:solidFill>
+                  <a:schemeClr val="tx1"/>
+                </a:solidFill>
+                <a:latin typeface="+mn-lt"/>
+                <a:ea typeface="+mn-ea"/>
+                <a:cs typeface="+mn-cs"/>
+              </a:defRPr>
+            </a:lvl4pPr>
+            <a:lvl5pPr marL="2057400" indent="-228600" algn="l" defTabSz="914400" rtl="0" eaLnBrk="1" latinLnBrk="0" hangingPunct="1">
+              <a:lnSpc>
+                <a:spcPct val="90000"/>
+              </a:lnSpc>
+              <a:spcBef>
+                <a:spcPts val="500"/>
+              </a:spcBef>
+              <a:buFont typeface="Arial" panose="020B0604020202020204" pitchFamily="34" charset="0"/>
+              <a:buChar char="•"/>
+              <a:defRPr sz="1800" kern="1200">
+                <a:solidFill>
+                  <a:schemeClr val="tx1"/>
+                </a:solidFill>
+                <a:latin typeface="+mn-lt"/>
+                <a:ea typeface="+mn-ea"/>
+                <a:cs typeface="+mn-cs"/>
+              </a:defRPr>
+            </a:lvl5pPr>
+            <a:lvl6pPr marL="2514600" indent="-228600" algn="l" defTabSz="914400" rtl="0" eaLnBrk="1" latinLnBrk="0" hangingPunct="1">
+              <a:lnSpc>
+                <a:spcPct val="90000"/>
+              </a:lnSpc>
+              <a:spcBef>
+                <a:spcPts val="500"/>
+              </a:spcBef>
+              <a:buFont typeface="Arial" panose="020B0604020202020204" pitchFamily="34" charset="0"/>
+              <a:buChar char="•"/>
+              <a:defRPr sz="1800" kern="1200">
+                <a:solidFill>
+                  <a:schemeClr val="tx1"/>
+                </a:solidFill>
+                <a:latin typeface="+mn-lt"/>
+                <a:ea typeface="+mn-ea"/>
+                <a:cs typeface="+mn-cs"/>
+              </a:defRPr>
+            </a:lvl6pPr>
+            <a:lvl7pPr marL="2971800" indent="-228600" algn="l" defTabSz="914400" rtl="0" eaLnBrk="1" latinLnBrk="0" hangingPunct="1">
+              <a:lnSpc>
+                <a:spcPct val="90000"/>
+              </a:lnSpc>
+              <a:spcBef>
+                <a:spcPts val="500"/>
+              </a:spcBef>
+              <a:buFont typeface="Arial" panose="020B0604020202020204" pitchFamily="34" charset="0"/>
+              <a:buChar char="•"/>
+              <a:defRPr sz="1800" kern="1200">
+                <a:solidFill>
+                  <a:schemeClr val="tx1"/>
+                </a:solidFill>
+                <a:latin typeface="+mn-lt"/>
+                <a:ea typeface="+mn-ea"/>
+                <a:cs typeface="+mn-cs"/>
+              </a:defRPr>
+            </a:lvl7pPr>
+            <a:lvl8pPr marL="3429000" indent="-228600" algn="l" defTabSz="914400" rtl="0" eaLnBrk="1" latinLnBrk="0" hangingPunct="1">
+              <a:lnSpc>
+                <a:spcPct val="90000"/>
+              </a:lnSpc>
+              <a:spcBef>
+                <a:spcPts val="500"/>
+              </a:spcBef>
+              <a:buFont typeface="Arial" panose="020B0604020202020204" pitchFamily="34" charset="0"/>
+              <a:buChar char="•"/>
+              <a:defRPr sz="1800" kern="1200">
+                <a:solidFill>
+                  <a:schemeClr val="tx1"/>
+                </a:solidFill>
+                <a:latin typeface="+mn-lt"/>
+                <a:ea typeface="+mn-ea"/>
+                <a:cs typeface="+mn-cs"/>
+              </a:defRPr>
+            </a:lvl8pPr>
+            <a:lvl9pPr marL="3886200" indent="-228600" algn="l" defTabSz="914400" rtl="0" eaLnBrk="1" latinLnBrk="0" hangingPunct="1">
+              <a:lnSpc>
+                <a:spcPct val="90000"/>
+              </a:lnSpc>
+              <a:spcBef>
+                <a:spcPts val="500"/>
+              </a:spcBef>
+              <a:buFont typeface="Arial" panose="020B0604020202020204" pitchFamily="34" charset="0"/>
+              <a:buChar char="•"/>
+              <a:defRPr sz="1800" kern="1200">
+                <a:solidFill>
+                  <a:schemeClr val="tx1"/>
+                </a:solidFill>
+                <a:latin typeface="+mn-lt"/>
+                <a:ea typeface="+mn-ea"/>
+                <a:cs typeface="+mn-cs"/>
+              </a:defRPr>
+            </a:lvl9pPr>
+          </a:lstStyle>
+          <a:p>
+            <a:pPr marL="0" indent="0">
+              <a:buFont typeface="Arial" panose="020B0604020202020204" pitchFamily="34" charset="0"/>
+              <a:buNone/>
+            </a:pPr>
+            <a:endParaRPr lang="fr-FR" sz="1400" dirty="0"/>
+          </a:p>
+          <a:p>
+            <a:pPr marL="0" indent="0">
+              <a:buFont typeface="Arial" panose="020B0604020202020204" pitchFamily="34" charset="0"/>
+              <a:buNone/>
+            </a:pPr>
+            <a:endParaRPr lang="fr-FR" sz="1400" dirty="0"/>
+          </a:p>
+        </p:txBody>
+      </p:sp>
+      <p:pic>
+        <p:nvPicPr>
+          <p:cNvPr id="2" name="Image 1">
+            <a:extLst>
+              <a:ext uri="{FF2B5EF4-FFF2-40B4-BE49-F238E27FC236}">
+                <a16:creationId xmlns:a16="http://schemas.microsoft.com/office/drawing/2014/main" id="{FAA5EFB4-83B6-4C29-B496-13B7BF7C66C0}"/>
+              </a:ext>
+            </a:extLst>
+          </p:cNvPr>
+          <p:cNvPicPr>
+            <a:picLocks noChangeAspect="1"/>
+          </p:cNvPicPr>
+          <p:nvPr/>
+        </p:nvPicPr>
+        <p:blipFill>
+          <a:blip r:embed="rId2"/>
+          <a:stretch>
+            <a:fillRect/>
+          </a:stretch>
+        </p:blipFill>
+        <p:spPr>
+          <a:xfrm>
+            <a:off x="999275" y="1690688"/>
+            <a:ext cx="10354524" cy="3010803"/>
+          </a:xfrm>
+          <a:prstGeom prst="rect">
+            <a:avLst/>
+          </a:prstGeom>
+        </p:spPr>
+      </p:pic>
+      <p:pic>
+        <p:nvPicPr>
+          <p:cNvPr id="6" name="Image 5">
+            <a:extLst>
+              <a:ext uri="{FF2B5EF4-FFF2-40B4-BE49-F238E27FC236}">
+                <a16:creationId xmlns:a16="http://schemas.microsoft.com/office/drawing/2014/main" id="{6A9FAADD-30BF-4E34-B982-927FF50508E0}"/>
+              </a:ext>
+            </a:extLst>
+          </p:cNvPr>
+          <p:cNvPicPr>
+            <a:picLocks noChangeAspect="1"/>
+          </p:cNvPicPr>
+          <p:nvPr/>
+        </p:nvPicPr>
+        <p:blipFill>
+          <a:blip r:embed="rId3"/>
+          <a:stretch>
+            <a:fillRect/>
+          </a:stretch>
+        </p:blipFill>
+        <p:spPr>
+          <a:xfrm>
+            <a:off x="999274" y="4701490"/>
+            <a:ext cx="9662441" cy="1617155"/>
+          </a:xfrm>
+          <a:prstGeom prst="rect">
+            <a:avLst/>
+          </a:prstGeom>
+        </p:spPr>
+      </p:pic>
+    </p:spTree>
+    <p:extLst>
+      <p:ext uri="{BB962C8B-B14F-4D97-AF65-F5344CB8AC3E}">
+        <p14:creationId xmlns:p14="http://schemas.microsoft.com/office/powerpoint/2010/main" val="95452484"/>
+      </p:ext>
+    </p:extLst>
+  </p:cSld>
+  <p:clrMapOvr>
+    <a:masterClrMapping/>
+  </p:clrMapOvr>
+</p:sld>
+</file>
+
+<file path=ppt/slides/slide41.xml><?xml version="1.0" encoding="utf-8"?>
+<p:sld xmlns:a="http://schemas.openxmlformats.org/drawingml/2006/main" xmlns:r="http://schemas.openxmlformats.org/officeDocument/2006/relationships" xmlns:p="http://schemas.openxmlformats.org/presentationml/2006/main">
+  <p:cSld>
+    <p:spTree>
+      <p:nvGrpSpPr>
+        <p:cNvPr id="1" name=""/>
+        <p:cNvGrpSpPr/>
+        <p:nvPr/>
+      </p:nvGrpSpPr>
+      <p:grpSpPr>
+        <a:xfrm>
+          <a:off x="0" y="0"/>
+          <a:ext cx="0" cy="0"/>
+          <a:chOff x="0" y="0"/>
+          <a:chExt cx="0" cy="0"/>
+        </a:xfrm>
+      </p:grpSpPr>
+      <p:sp>
+        <p:nvSpPr>
+          <p:cNvPr id="4" name="Titre 1">
+            <a:extLst>
+              <a:ext uri="{FF2B5EF4-FFF2-40B4-BE49-F238E27FC236}">
+                <a16:creationId xmlns:a16="http://schemas.microsoft.com/office/drawing/2014/main" id="{960C1D7C-377E-4936-AFF5-23D603AD6FF4}"/>
+              </a:ext>
+            </a:extLst>
+          </p:cNvPr>
+          <p:cNvSpPr>
+            <a:spLocks noGrp="1"/>
+          </p:cNvSpPr>
+          <p:nvPr>
+            <p:ph type="title"/>
+          </p:nvPr>
+        </p:nvSpPr>
+        <p:spPr>
+          <a:xfrm>
+            <a:off x="838200" y="365125"/>
+            <a:ext cx="10515600" cy="1325563"/>
+          </a:xfrm>
+        </p:spPr>
+        <p:txBody>
+          <a:bodyPr/>
+          <a:lstStyle/>
+          <a:p>
+            <a:r>
+              <a:rPr lang="fr-FR" dirty="0"/>
+              <a:t>Etape 32 : Ajouter un élément grâce au prototype de </a:t>
+            </a:r>
+            <a:r>
+              <a:rPr lang="fr-FR" dirty="0" err="1"/>
+              <a:t>CollectionType</a:t>
+            </a:r>
+            <a:endParaRPr lang="fr-FR" dirty="0"/>
+          </a:p>
+        </p:txBody>
+      </p:sp>
+      <p:sp>
+        <p:nvSpPr>
+          <p:cNvPr id="9" name="Espace réservé du contenu 2">
+            <a:extLst>
+              <a:ext uri="{FF2B5EF4-FFF2-40B4-BE49-F238E27FC236}">
+                <a16:creationId xmlns:a16="http://schemas.microsoft.com/office/drawing/2014/main" id="{EB812BAD-F986-4356-9B0E-865CD4B89634}"/>
+              </a:ext>
+            </a:extLst>
+          </p:cNvPr>
+          <p:cNvSpPr txBox="1">
+            <a:spLocks/>
+          </p:cNvSpPr>
+          <p:nvPr/>
+        </p:nvSpPr>
+        <p:spPr>
+          <a:xfrm>
+            <a:off x="999275" y="1828998"/>
+            <a:ext cx="4389120" cy="4351338"/>
+          </a:xfrm>
+          <a:prstGeom prst="rect">
+            <a:avLst/>
+          </a:prstGeom>
+        </p:spPr>
+        <p:txBody>
+          <a:bodyPr vert="horz" lIns="91440" tIns="45720" rIns="91440" bIns="45720" rtlCol="0">
+            <a:normAutofit/>
+          </a:bodyPr>
+          <a:lstStyle>
+            <a:lvl1pPr marL="228600" indent="-228600" algn="l" defTabSz="914400" rtl="0" eaLnBrk="1" latinLnBrk="0" hangingPunct="1">
+              <a:lnSpc>
+                <a:spcPct val="90000"/>
+              </a:lnSpc>
+              <a:spcBef>
+                <a:spcPts val="1000"/>
+              </a:spcBef>
+              <a:buFont typeface="Arial" panose="020B0604020202020204" pitchFamily="34" charset="0"/>
+              <a:buChar char="•"/>
+              <a:defRPr sz="2800" kern="1200">
+                <a:solidFill>
+                  <a:schemeClr val="tx1"/>
+                </a:solidFill>
+                <a:latin typeface="+mn-lt"/>
+                <a:ea typeface="+mn-ea"/>
+                <a:cs typeface="+mn-cs"/>
+              </a:defRPr>
+            </a:lvl1pPr>
+            <a:lvl2pPr marL="685800" indent="-228600" algn="l" defTabSz="914400" rtl="0" eaLnBrk="1" latinLnBrk="0" hangingPunct="1">
+              <a:lnSpc>
+                <a:spcPct val="90000"/>
+              </a:lnSpc>
+              <a:spcBef>
+                <a:spcPts val="500"/>
+              </a:spcBef>
+              <a:buFont typeface="Arial" panose="020B0604020202020204" pitchFamily="34" charset="0"/>
+              <a:buChar char="•"/>
+              <a:defRPr sz="2400" kern="1200">
+                <a:solidFill>
+                  <a:schemeClr val="tx1"/>
+                </a:solidFill>
+                <a:latin typeface="+mn-lt"/>
+                <a:ea typeface="+mn-ea"/>
+                <a:cs typeface="+mn-cs"/>
+              </a:defRPr>
+            </a:lvl2pPr>
+            <a:lvl3pPr marL="1143000" indent="-228600" algn="l" defTabSz="914400" rtl="0" eaLnBrk="1" latinLnBrk="0" hangingPunct="1">
+              <a:lnSpc>
+                <a:spcPct val="90000"/>
+              </a:lnSpc>
+              <a:spcBef>
+                <a:spcPts val="500"/>
+              </a:spcBef>
+              <a:buFont typeface="Arial" panose="020B0604020202020204" pitchFamily="34" charset="0"/>
+              <a:buChar char="•"/>
+              <a:defRPr sz="2000" kern="1200">
+                <a:solidFill>
+                  <a:schemeClr val="tx1"/>
+                </a:solidFill>
+                <a:latin typeface="+mn-lt"/>
+                <a:ea typeface="+mn-ea"/>
+                <a:cs typeface="+mn-cs"/>
+              </a:defRPr>
+            </a:lvl3pPr>
+            <a:lvl4pPr marL="1600200" indent="-228600" algn="l" defTabSz="914400" rtl="0" eaLnBrk="1" latinLnBrk="0" hangingPunct="1">
+              <a:lnSpc>
+                <a:spcPct val="90000"/>
+              </a:lnSpc>
+              <a:spcBef>
+                <a:spcPts val="500"/>
+              </a:spcBef>
+              <a:buFont typeface="Arial" panose="020B0604020202020204" pitchFamily="34" charset="0"/>
+              <a:buChar char="•"/>
+              <a:defRPr sz="1800" kern="1200">
+                <a:solidFill>
+                  <a:schemeClr val="tx1"/>
+                </a:solidFill>
+                <a:latin typeface="+mn-lt"/>
+                <a:ea typeface="+mn-ea"/>
+                <a:cs typeface="+mn-cs"/>
+              </a:defRPr>
+            </a:lvl4pPr>
+            <a:lvl5pPr marL="2057400" indent="-228600" algn="l" defTabSz="914400" rtl="0" eaLnBrk="1" latinLnBrk="0" hangingPunct="1">
+              <a:lnSpc>
+                <a:spcPct val="90000"/>
+              </a:lnSpc>
+              <a:spcBef>
+                <a:spcPts val="500"/>
+              </a:spcBef>
+              <a:buFont typeface="Arial" panose="020B0604020202020204" pitchFamily="34" charset="0"/>
+              <a:buChar char="•"/>
+              <a:defRPr sz="1800" kern="1200">
+                <a:solidFill>
+                  <a:schemeClr val="tx1"/>
+                </a:solidFill>
+                <a:latin typeface="+mn-lt"/>
+                <a:ea typeface="+mn-ea"/>
+                <a:cs typeface="+mn-cs"/>
+              </a:defRPr>
+            </a:lvl5pPr>
+            <a:lvl6pPr marL="2514600" indent="-228600" algn="l" defTabSz="914400" rtl="0" eaLnBrk="1" latinLnBrk="0" hangingPunct="1">
+              <a:lnSpc>
+                <a:spcPct val="90000"/>
+              </a:lnSpc>
+              <a:spcBef>
+                <a:spcPts val="500"/>
+              </a:spcBef>
+              <a:buFont typeface="Arial" panose="020B0604020202020204" pitchFamily="34" charset="0"/>
+              <a:buChar char="•"/>
+              <a:defRPr sz="1800" kern="1200">
+                <a:solidFill>
+                  <a:schemeClr val="tx1"/>
+                </a:solidFill>
+                <a:latin typeface="+mn-lt"/>
+                <a:ea typeface="+mn-ea"/>
+                <a:cs typeface="+mn-cs"/>
+              </a:defRPr>
+            </a:lvl6pPr>
+            <a:lvl7pPr marL="2971800" indent="-228600" algn="l" defTabSz="914400" rtl="0" eaLnBrk="1" latinLnBrk="0" hangingPunct="1">
+              <a:lnSpc>
+                <a:spcPct val="90000"/>
+              </a:lnSpc>
+              <a:spcBef>
+                <a:spcPts val="500"/>
+              </a:spcBef>
+              <a:buFont typeface="Arial" panose="020B0604020202020204" pitchFamily="34" charset="0"/>
+              <a:buChar char="•"/>
+              <a:defRPr sz="1800" kern="1200">
+                <a:solidFill>
+                  <a:schemeClr val="tx1"/>
+                </a:solidFill>
+                <a:latin typeface="+mn-lt"/>
+                <a:ea typeface="+mn-ea"/>
+                <a:cs typeface="+mn-cs"/>
+              </a:defRPr>
+            </a:lvl7pPr>
+            <a:lvl8pPr marL="3429000" indent="-228600" algn="l" defTabSz="914400" rtl="0" eaLnBrk="1" latinLnBrk="0" hangingPunct="1">
+              <a:lnSpc>
+                <a:spcPct val="90000"/>
+              </a:lnSpc>
+              <a:spcBef>
+                <a:spcPts val="500"/>
+              </a:spcBef>
+              <a:buFont typeface="Arial" panose="020B0604020202020204" pitchFamily="34" charset="0"/>
+              <a:buChar char="•"/>
+              <a:defRPr sz="1800" kern="1200">
+                <a:solidFill>
+                  <a:schemeClr val="tx1"/>
+                </a:solidFill>
+                <a:latin typeface="+mn-lt"/>
+                <a:ea typeface="+mn-ea"/>
+                <a:cs typeface="+mn-cs"/>
+              </a:defRPr>
+            </a:lvl8pPr>
+            <a:lvl9pPr marL="3886200" indent="-228600" algn="l" defTabSz="914400" rtl="0" eaLnBrk="1" latinLnBrk="0" hangingPunct="1">
+              <a:lnSpc>
+                <a:spcPct val="90000"/>
+              </a:lnSpc>
+              <a:spcBef>
+                <a:spcPts val="500"/>
+              </a:spcBef>
+              <a:buFont typeface="Arial" panose="020B0604020202020204" pitchFamily="34" charset="0"/>
+              <a:buChar char="•"/>
+              <a:defRPr sz="1800" kern="1200">
+                <a:solidFill>
+                  <a:schemeClr val="tx1"/>
+                </a:solidFill>
+                <a:latin typeface="+mn-lt"/>
+                <a:ea typeface="+mn-ea"/>
+                <a:cs typeface="+mn-cs"/>
+              </a:defRPr>
+            </a:lvl9pPr>
+          </a:lstStyle>
+          <a:p>
+            <a:pPr marL="0" indent="0">
+              <a:buFont typeface="Arial" panose="020B0604020202020204" pitchFamily="34" charset="0"/>
+              <a:buNone/>
+            </a:pPr>
+            <a:endParaRPr lang="fr-FR" sz="1400" dirty="0"/>
+          </a:p>
+        </p:txBody>
+      </p:sp>
+      <p:sp>
+        <p:nvSpPr>
+          <p:cNvPr id="11" name="Espace réservé du contenu 2">
+            <a:extLst>
+              <a:ext uri="{FF2B5EF4-FFF2-40B4-BE49-F238E27FC236}">
+                <a16:creationId xmlns:a16="http://schemas.microsoft.com/office/drawing/2014/main" id="{534F948C-D7ED-425C-B2BB-4056FDF0CEB3}"/>
+              </a:ext>
+            </a:extLst>
+          </p:cNvPr>
+          <p:cNvSpPr txBox="1">
+            <a:spLocks/>
+          </p:cNvSpPr>
+          <p:nvPr/>
+        </p:nvSpPr>
+        <p:spPr>
+          <a:xfrm>
+            <a:off x="6964679" y="1829196"/>
+            <a:ext cx="4389120" cy="4351338"/>
+          </a:xfrm>
+          <a:prstGeom prst="rect">
+            <a:avLst/>
+          </a:prstGeom>
+        </p:spPr>
+        <p:txBody>
+          <a:bodyPr vert="horz" lIns="91440" tIns="45720" rIns="91440" bIns="45720" rtlCol="0">
+            <a:normAutofit/>
+          </a:bodyPr>
+          <a:lstStyle>
+            <a:lvl1pPr marL="228600" indent="-228600" algn="l" defTabSz="914400" rtl="0" eaLnBrk="1" latinLnBrk="0" hangingPunct="1">
+              <a:lnSpc>
+                <a:spcPct val="90000"/>
+              </a:lnSpc>
+              <a:spcBef>
+                <a:spcPts val="1000"/>
+              </a:spcBef>
+              <a:buFont typeface="Arial" panose="020B0604020202020204" pitchFamily="34" charset="0"/>
+              <a:buChar char="•"/>
+              <a:defRPr sz="2800" kern="1200">
+                <a:solidFill>
+                  <a:schemeClr val="tx1"/>
+                </a:solidFill>
+                <a:latin typeface="+mn-lt"/>
+                <a:ea typeface="+mn-ea"/>
+                <a:cs typeface="+mn-cs"/>
+              </a:defRPr>
+            </a:lvl1pPr>
+            <a:lvl2pPr marL="685800" indent="-228600" algn="l" defTabSz="914400" rtl="0" eaLnBrk="1" latinLnBrk="0" hangingPunct="1">
+              <a:lnSpc>
+                <a:spcPct val="90000"/>
+              </a:lnSpc>
+              <a:spcBef>
+                <a:spcPts val="500"/>
+              </a:spcBef>
+              <a:buFont typeface="Arial" panose="020B0604020202020204" pitchFamily="34" charset="0"/>
+              <a:buChar char="•"/>
+              <a:defRPr sz="2400" kern="1200">
+                <a:solidFill>
+                  <a:schemeClr val="tx1"/>
+                </a:solidFill>
+                <a:latin typeface="+mn-lt"/>
+                <a:ea typeface="+mn-ea"/>
+                <a:cs typeface="+mn-cs"/>
+              </a:defRPr>
+            </a:lvl2pPr>
+            <a:lvl3pPr marL="1143000" indent="-228600" algn="l" defTabSz="914400" rtl="0" eaLnBrk="1" latinLnBrk="0" hangingPunct="1">
+              <a:lnSpc>
+                <a:spcPct val="90000"/>
+              </a:lnSpc>
+              <a:spcBef>
+                <a:spcPts val="500"/>
+              </a:spcBef>
+              <a:buFont typeface="Arial" panose="020B0604020202020204" pitchFamily="34" charset="0"/>
+              <a:buChar char="•"/>
+              <a:defRPr sz="2000" kern="1200">
+                <a:solidFill>
+                  <a:schemeClr val="tx1"/>
+                </a:solidFill>
+                <a:latin typeface="+mn-lt"/>
+                <a:ea typeface="+mn-ea"/>
+                <a:cs typeface="+mn-cs"/>
+              </a:defRPr>
+            </a:lvl3pPr>
+            <a:lvl4pPr marL="1600200" indent="-228600" algn="l" defTabSz="914400" rtl="0" eaLnBrk="1" latinLnBrk="0" hangingPunct="1">
+              <a:lnSpc>
+                <a:spcPct val="90000"/>
+              </a:lnSpc>
+              <a:spcBef>
+                <a:spcPts val="500"/>
+              </a:spcBef>
+              <a:buFont typeface="Arial" panose="020B0604020202020204" pitchFamily="34" charset="0"/>
+              <a:buChar char="•"/>
+              <a:defRPr sz="1800" kern="1200">
+                <a:solidFill>
+                  <a:schemeClr val="tx1"/>
+                </a:solidFill>
+                <a:latin typeface="+mn-lt"/>
+                <a:ea typeface="+mn-ea"/>
+                <a:cs typeface="+mn-cs"/>
+              </a:defRPr>
+            </a:lvl4pPr>
+            <a:lvl5pPr marL="2057400" indent="-228600" algn="l" defTabSz="914400" rtl="0" eaLnBrk="1" latinLnBrk="0" hangingPunct="1">
+              <a:lnSpc>
+                <a:spcPct val="90000"/>
+              </a:lnSpc>
+              <a:spcBef>
+                <a:spcPts val="500"/>
+              </a:spcBef>
+              <a:buFont typeface="Arial" panose="020B0604020202020204" pitchFamily="34" charset="0"/>
+              <a:buChar char="•"/>
+              <a:defRPr sz="1800" kern="1200">
+                <a:solidFill>
+                  <a:schemeClr val="tx1"/>
+                </a:solidFill>
+                <a:latin typeface="+mn-lt"/>
+                <a:ea typeface="+mn-ea"/>
+                <a:cs typeface="+mn-cs"/>
+              </a:defRPr>
+            </a:lvl5pPr>
+            <a:lvl6pPr marL="2514600" indent="-228600" algn="l" defTabSz="914400" rtl="0" eaLnBrk="1" latinLnBrk="0" hangingPunct="1">
+              <a:lnSpc>
+                <a:spcPct val="90000"/>
+              </a:lnSpc>
+              <a:spcBef>
+                <a:spcPts val="500"/>
+              </a:spcBef>
+              <a:buFont typeface="Arial" panose="020B0604020202020204" pitchFamily="34" charset="0"/>
+              <a:buChar char="•"/>
+              <a:defRPr sz="1800" kern="1200">
+                <a:solidFill>
+                  <a:schemeClr val="tx1"/>
+                </a:solidFill>
+                <a:latin typeface="+mn-lt"/>
+                <a:ea typeface="+mn-ea"/>
+                <a:cs typeface="+mn-cs"/>
+              </a:defRPr>
+            </a:lvl6pPr>
+            <a:lvl7pPr marL="2971800" indent="-228600" algn="l" defTabSz="914400" rtl="0" eaLnBrk="1" latinLnBrk="0" hangingPunct="1">
+              <a:lnSpc>
+                <a:spcPct val="90000"/>
+              </a:lnSpc>
+              <a:spcBef>
+                <a:spcPts val="500"/>
+              </a:spcBef>
+              <a:buFont typeface="Arial" panose="020B0604020202020204" pitchFamily="34" charset="0"/>
+              <a:buChar char="•"/>
+              <a:defRPr sz="1800" kern="1200">
+                <a:solidFill>
+                  <a:schemeClr val="tx1"/>
+                </a:solidFill>
+                <a:latin typeface="+mn-lt"/>
+                <a:ea typeface="+mn-ea"/>
+                <a:cs typeface="+mn-cs"/>
+              </a:defRPr>
+            </a:lvl7pPr>
+            <a:lvl8pPr marL="3429000" indent="-228600" algn="l" defTabSz="914400" rtl="0" eaLnBrk="1" latinLnBrk="0" hangingPunct="1">
+              <a:lnSpc>
+                <a:spcPct val="90000"/>
+              </a:lnSpc>
+              <a:spcBef>
+                <a:spcPts val="500"/>
+              </a:spcBef>
+              <a:buFont typeface="Arial" panose="020B0604020202020204" pitchFamily="34" charset="0"/>
+              <a:buChar char="•"/>
+              <a:defRPr sz="1800" kern="1200">
+                <a:solidFill>
+                  <a:schemeClr val="tx1"/>
+                </a:solidFill>
+                <a:latin typeface="+mn-lt"/>
+                <a:ea typeface="+mn-ea"/>
+                <a:cs typeface="+mn-cs"/>
+              </a:defRPr>
+            </a:lvl8pPr>
+            <a:lvl9pPr marL="3886200" indent="-228600" algn="l" defTabSz="914400" rtl="0" eaLnBrk="1" latinLnBrk="0" hangingPunct="1">
+              <a:lnSpc>
+                <a:spcPct val="90000"/>
+              </a:lnSpc>
+              <a:spcBef>
+                <a:spcPts val="500"/>
+              </a:spcBef>
+              <a:buFont typeface="Arial" panose="020B0604020202020204" pitchFamily="34" charset="0"/>
+              <a:buChar char="•"/>
+              <a:defRPr sz="1800" kern="1200">
+                <a:solidFill>
+                  <a:schemeClr val="tx1"/>
+                </a:solidFill>
+                <a:latin typeface="+mn-lt"/>
+                <a:ea typeface="+mn-ea"/>
+                <a:cs typeface="+mn-cs"/>
+              </a:defRPr>
+            </a:lvl9pPr>
+          </a:lstStyle>
+          <a:p>
+            <a:pPr marL="0" indent="0">
+              <a:buFont typeface="Arial" panose="020B0604020202020204" pitchFamily="34" charset="0"/>
+              <a:buNone/>
+            </a:pPr>
+            <a:endParaRPr lang="fr-FR" sz="1400" dirty="0"/>
+          </a:p>
+          <a:p>
+            <a:pPr marL="0" indent="0">
+              <a:buFont typeface="Arial" panose="020B0604020202020204" pitchFamily="34" charset="0"/>
+              <a:buNone/>
+            </a:pPr>
+            <a:endParaRPr lang="fr-FR" sz="1400" dirty="0"/>
+          </a:p>
+        </p:txBody>
+      </p:sp>
+      <p:pic>
+        <p:nvPicPr>
+          <p:cNvPr id="3" name="Image 2">
+            <a:extLst>
+              <a:ext uri="{FF2B5EF4-FFF2-40B4-BE49-F238E27FC236}">
+                <a16:creationId xmlns:a16="http://schemas.microsoft.com/office/drawing/2014/main" id="{FFBF6773-AD66-46C8-A9C8-5B1EACE705CF}"/>
+              </a:ext>
+            </a:extLst>
+          </p:cNvPr>
+          <p:cNvPicPr>
+            <a:picLocks noChangeAspect="1"/>
+          </p:cNvPicPr>
+          <p:nvPr/>
+        </p:nvPicPr>
+        <p:blipFill>
+          <a:blip r:embed="rId2"/>
+          <a:stretch>
+            <a:fillRect/>
+          </a:stretch>
+        </p:blipFill>
+        <p:spPr>
+          <a:xfrm>
+            <a:off x="755435" y="1967308"/>
+            <a:ext cx="3754009" cy="4351338"/>
+          </a:xfrm>
+          <a:prstGeom prst="rect">
+            <a:avLst/>
+          </a:prstGeom>
+        </p:spPr>
+      </p:pic>
+      <p:pic>
+        <p:nvPicPr>
+          <p:cNvPr id="5" name="Image 4">
+            <a:extLst>
+              <a:ext uri="{FF2B5EF4-FFF2-40B4-BE49-F238E27FC236}">
+                <a16:creationId xmlns:a16="http://schemas.microsoft.com/office/drawing/2014/main" id="{B9E837A0-0568-4652-A6AC-F6085FD1463D}"/>
+              </a:ext>
+            </a:extLst>
+          </p:cNvPr>
+          <p:cNvPicPr>
+            <a:picLocks noChangeAspect="1"/>
+          </p:cNvPicPr>
+          <p:nvPr/>
+        </p:nvPicPr>
+        <p:blipFill>
+          <a:blip r:embed="rId3"/>
+          <a:stretch>
+            <a:fillRect/>
+          </a:stretch>
+        </p:blipFill>
+        <p:spPr>
+          <a:xfrm>
+            <a:off x="4992951" y="1967308"/>
+            <a:ext cx="6443613" cy="4351338"/>
+          </a:xfrm>
+          <a:prstGeom prst="rect">
+            <a:avLst/>
+          </a:prstGeom>
+        </p:spPr>
+      </p:pic>
+    </p:spTree>
+    <p:extLst>
+      <p:ext uri="{BB962C8B-B14F-4D97-AF65-F5344CB8AC3E}">
+        <p14:creationId xmlns:p14="http://schemas.microsoft.com/office/powerpoint/2010/main" val="2343733315"/>
+      </p:ext>
+    </p:extLst>
+  </p:cSld>
+  <p:clrMapOvr>
+    <a:masterClrMapping/>
+  </p:clrMapOvr>
+</p:sld>
+</file>
+
+<file path=ppt/slides/slide42.xml><?xml version="1.0" encoding="utf-8"?>
+<p:sld xmlns:a="http://schemas.openxmlformats.org/drawingml/2006/main" xmlns:r="http://schemas.openxmlformats.org/officeDocument/2006/relationships" xmlns:p="http://schemas.openxmlformats.org/presentationml/2006/main">
+  <p:cSld>
+    <p:spTree>
+      <p:nvGrpSpPr>
+        <p:cNvPr id="1" name=""/>
+        <p:cNvGrpSpPr/>
+        <p:nvPr/>
+      </p:nvGrpSpPr>
+      <p:grpSpPr>
+        <a:xfrm>
+          <a:off x="0" y="0"/>
+          <a:ext cx="0" cy="0"/>
+          <a:chOff x="0" y="0"/>
+          <a:chExt cx="0" cy="0"/>
+        </a:xfrm>
+      </p:grpSpPr>
+      <p:sp>
+        <p:nvSpPr>
+          <p:cNvPr id="4" name="Titre 1">
+            <a:extLst>
+              <a:ext uri="{FF2B5EF4-FFF2-40B4-BE49-F238E27FC236}">
+                <a16:creationId xmlns:a16="http://schemas.microsoft.com/office/drawing/2014/main" id="{960C1D7C-377E-4936-AFF5-23D603AD6FF4}"/>
+              </a:ext>
+            </a:extLst>
+          </p:cNvPr>
+          <p:cNvSpPr>
+            <a:spLocks noGrp="1"/>
+          </p:cNvSpPr>
+          <p:nvPr>
+            <p:ph type="title"/>
+          </p:nvPr>
+        </p:nvSpPr>
+        <p:spPr>
+          <a:xfrm>
+            <a:off x="838200" y="365125"/>
+            <a:ext cx="10515600" cy="1325563"/>
+          </a:xfrm>
+        </p:spPr>
+        <p:txBody>
+          <a:bodyPr/>
+          <a:lstStyle/>
+          <a:p>
+            <a:r>
+              <a:rPr lang="fr-FR" dirty="0"/>
+              <a:t>Etape 33: Supprimer un élément dynamiquement grâce au </a:t>
+            </a:r>
+            <a:r>
+              <a:rPr lang="fr-FR" dirty="0" err="1"/>
+              <a:t>CollectionType</a:t>
+            </a:r>
+            <a:endParaRPr lang="fr-FR" dirty="0"/>
+          </a:p>
+        </p:txBody>
+      </p:sp>
+      <p:sp>
+        <p:nvSpPr>
+          <p:cNvPr id="9" name="Espace réservé du contenu 2">
+            <a:extLst>
+              <a:ext uri="{FF2B5EF4-FFF2-40B4-BE49-F238E27FC236}">
+                <a16:creationId xmlns:a16="http://schemas.microsoft.com/office/drawing/2014/main" id="{EB812BAD-F986-4356-9B0E-865CD4B89634}"/>
+              </a:ext>
+            </a:extLst>
+          </p:cNvPr>
+          <p:cNvSpPr txBox="1">
+            <a:spLocks/>
+          </p:cNvSpPr>
+          <p:nvPr/>
+        </p:nvSpPr>
+        <p:spPr>
+          <a:xfrm>
+            <a:off x="999275" y="1828998"/>
+            <a:ext cx="4389120" cy="4351338"/>
+          </a:xfrm>
+          <a:prstGeom prst="rect">
+            <a:avLst/>
+          </a:prstGeom>
+        </p:spPr>
+        <p:txBody>
+          <a:bodyPr vert="horz" lIns="91440" tIns="45720" rIns="91440" bIns="45720" rtlCol="0">
+            <a:normAutofit/>
+          </a:bodyPr>
+          <a:lstStyle>
+            <a:lvl1pPr marL="228600" indent="-228600" algn="l" defTabSz="914400" rtl="0" eaLnBrk="1" latinLnBrk="0" hangingPunct="1">
+              <a:lnSpc>
+                <a:spcPct val="90000"/>
+              </a:lnSpc>
+              <a:spcBef>
+                <a:spcPts val="1000"/>
+              </a:spcBef>
+              <a:buFont typeface="Arial" panose="020B0604020202020204" pitchFamily="34" charset="0"/>
+              <a:buChar char="•"/>
+              <a:defRPr sz="2800" kern="1200">
+                <a:solidFill>
+                  <a:schemeClr val="tx1"/>
+                </a:solidFill>
+                <a:latin typeface="+mn-lt"/>
+                <a:ea typeface="+mn-ea"/>
+                <a:cs typeface="+mn-cs"/>
+              </a:defRPr>
+            </a:lvl1pPr>
+            <a:lvl2pPr marL="685800" indent="-228600" algn="l" defTabSz="914400" rtl="0" eaLnBrk="1" latinLnBrk="0" hangingPunct="1">
+              <a:lnSpc>
+                <a:spcPct val="90000"/>
+              </a:lnSpc>
+              <a:spcBef>
+                <a:spcPts val="500"/>
+              </a:spcBef>
+              <a:buFont typeface="Arial" panose="020B0604020202020204" pitchFamily="34" charset="0"/>
+              <a:buChar char="•"/>
+              <a:defRPr sz="2400" kern="1200">
+                <a:solidFill>
+                  <a:schemeClr val="tx1"/>
+                </a:solidFill>
+                <a:latin typeface="+mn-lt"/>
+                <a:ea typeface="+mn-ea"/>
+                <a:cs typeface="+mn-cs"/>
+              </a:defRPr>
+            </a:lvl2pPr>
+            <a:lvl3pPr marL="1143000" indent="-228600" algn="l" defTabSz="914400" rtl="0" eaLnBrk="1" latinLnBrk="0" hangingPunct="1">
+              <a:lnSpc>
+                <a:spcPct val="90000"/>
+              </a:lnSpc>
+              <a:spcBef>
+                <a:spcPts val="500"/>
+              </a:spcBef>
+              <a:buFont typeface="Arial" panose="020B0604020202020204" pitchFamily="34" charset="0"/>
+              <a:buChar char="•"/>
+              <a:defRPr sz="2000" kern="1200">
+                <a:solidFill>
+                  <a:schemeClr val="tx1"/>
+                </a:solidFill>
+                <a:latin typeface="+mn-lt"/>
+                <a:ea typeface="+mn-ea"/>
+                <a:cs typeface="+mn-cs"/>
+              </a:defRPr>
+            </a:lvl3pPr>
+            <a:lvl4pPr marL="1600200" indent="-228600" algn="l" defTabSz="914400" rtl="0" eaLnBrk="1" latinLnBrk="0" hangingPunct="1">
+              <a:lnSpc>
+                <a:spcPct val="90000"/>
+              </a:lnSpc>
+              <a:spcBef>
+                <a:spcPts val="500"/>
+              </a:spcBef>
+              <a:buFont typeface="Arial" panose="020B0604020202020204" pitchFamily="34" charset="0"/>
+              <a:buChar char="•"/>
+              <a:defRPr sz="1800" kern="1200">
+                <a:solidFill>
+                  <a:schemeClr val="tx1"/>
+                </a:solidFill>
+                <a:latin typeface="+mn-lt"/>
+                <a:ea typeface="+mn-ea"/>
+                <a:cs typeface="+mn-cs"/>
+              </a:defRPr>
+            </a:lvl4pPr>
+            <a:lvl5pPr marL="2057400" indent="-228600" algn="l" defTabSz="914400" rtl="0" eaLnBrk="1" latinLnBrk="0" hangingPunct="1">
+              <a:lnSpc>
+                <a:spcPct val="90000"/>
+              </a:lnSpc>
+              <a:spcBef>
+                <a:spcPts val="500"/>
+              </a:spcBef>
+              <a:buFont typeface="Arial" panose="020B0604020202020204" pitchFamily="34" charset="0"/>
+              <a:buChar char="•"/>
+              <a:defRPr sz="1800" kern="1200">
+                <a:solidFill>
+                  <a:schemeClr val="tx1"/>
+                </a:solidFill>
+                <a:latin typeface="+mn-lt"/>
+                <a:ea typeface="+mn-ea"/>
+                <a:cs typeface="+mn-cs"/>
+              </a:defRPr>
+            </a:lvl5pPr>
+            <a:lvl6pPr marL="2514600" indent="-228600" algn="l" defTabSz="914400" rtl="0" eaLnBrk="1" latinLnBrk="0" hangingPunct="1">
+              <a:lnSpc>
+                <a:spcPct val="90000"/>
+              </a:lnSpc>
+              <a:spcBef>
+                <a:spcPts val="500"/>
+              </a:spcBef>
+              <a:buFont typeface="Arial" panose="020B0604020202020204" pitchFamily="34" charset="0"/>
+              <a:buChar char="•"/>
+              <a:defRPr sz="1800" kern="1200">
+                <a:solidFill>
+                  <a:schemeClr val="tx1"/>
+                </a:solidFill>
+                <a:latin typeface="+mn-lt"/>
+                <a:ea typeface="+mn-ea"/>
+                <a:cs typeface="+mn-cs"/>
+              </a:defRPr>
+            </a:lvl6pPr>
+            <a:lvl7pPr marL="2971800" indent="-228600" algn="l" defTabSz="914400" rtl="0" eaLnBrk="1" latinLnBrk="0" hangingPunct="1">
+              <a:lnSpc>
+                <a:spcPct val="90000"/>
+              </a:lnSpc>
+              <a:spcBef>
+                <a:spcPts val="500"/>
+              </a:spcBef>
+              <a:buFont typeface="Arial" panose="020B0604020202020204" pitchFamily="34" charset="0"/>
+              <a:buChar char="•"/>
+              <a:defRPr sz="1800" kern="1200">
+                <a:solidFill>
+                  <a:schemeClr val="tx1"/>
+                </a:solidFill>
+                <a:latin typeface="+mn-lt"/>
+                <a:ea typeface="+mn-ea"/>
+                <a:cs typeface="+mn-cs"/>
+              </a:defRPr>
+            </a:lvl7pPr>
+            <a:lvl8pPr marL="3429000" indent="-228600" algn="l" defTabSz="914400" rtl="0" eaLnBrk="1" latinLnBrk="0" hangingPunct="1">
+              <a:lnSpc>
+                <a:spcPct val="90000"/>
+              </a:lnSpc>
+              <a:spcBef>
+                <a:spcPts val="500"/>
+              </a:spcBef>
+              <a:buFont typeface="Arial" panose="020B0604020202020204" pitchFamily="34" charset="0"/>
+              <a:buChar char="•"/>
+              <a:defRPr sz="1800" kern="1200">
+                <a:solidFill>
+                  <a:schemeClr val="tx1"/>
+                </a:solidFill>
+                <a:latin typeface="+mn-lt"/>
+                <a:ea typeface="+mn-ea"/>
+                <a:cs typeface="+mn-cs"/>
+              </a:defRPr>
+            </a:lvl8pPr>
+            <a:lvl9pPr marL="3886200" indent="-228600" algn="l" defTabSz="914400" rtl="0" eaLnBrk="1" latinLnBrk="0" hangingPunct="1">
+              <a:lnSpc>
+                <a:spcPct val="90000"/>
+              </a:lnSpc>
+              <a:spcBef>
+                <a:spcPts val="500"/>
+              </a:spcBef>
+              <a:buFont typeface="Arial" panose="020B0604020202020204" pitchFamily="34" charset="0"/>
+              <a:buChar char="•"/>
+              <a:defRPr sz="1800" kern="1200">
+                <a:solidFill>
+                  <a:schemeClr val="tx1"/>
+                </a:solidFill>
+                <a:latin typeface="+mn-lt"/>
+                <a:ea typeface="+mn-ea"/>
+                <a:cs typeface="+mn-cs"/>
+              </a:defRPr>
+            </a:lvl9pPr>
+          </a:lstStyle>
+          <a:p>
+            <a:pPr marL="0" indent="0">
+              <a:buFont typeface="Arial" panose="020B0604020202020204" pitchFamily="34" charset="0"/>
+              <a:buNone/>
+            </a:pPr>
+            <a:endParaRPr lang="fr-FR" sz="1400" dirty="0"/>
+          </a:p>
+        </p:txBody>
+      </p:sp>
+      <p:sp>
+        <p:nvSpPr>
+          <p:cNvPr id="11" name="Espace réservé du contenu 2">
+            <a:extLst>
+              <a:ext uri="{FF2B5EF4-FFF2-40B4-BE49-F238E27FC236}">
+                <a16:creationId xmlns:a16="http://schemas.microsoft.com/office/drawing/2014/main" id="{534F948C-D7ED-425C-B2BB-4056FDF0CEB3}"/>
+              </a:ext>
+            </a:extLst>
+          </p:cNvPr>
+          <p:cNvSpPr txBox="1">
+            <a:spLocks/>
+          </p:cNvSpPr>
+          <p:nvPr/>
+        </p:nvSpPr>
+        <p:spPr>
+          <a:xfrm>
+            <a:off x="838200" y="1967308"/>
+            <a:ext cx="4389120" cy="4351338"/>
+          </a:xfrm>
+          <a:prstGeom prst="rect">
+            <a:avLst/>
+          </a:prstGeom>
+        </p:spPr>
+        <p:txBody>
+          <a:bodyPr vert="horz" lIns="91440" tIns="45720" rIns="91440" bIns="45720" rtlCol="0">
+            <a:normAutofit/>
+          </a:bodyPr>
+          <a:lstStyle>
+            <a:lvl1pPr marL="228600" indent="-228600" algn="l" defTabSz="914400" rtl="0" eaLnBrk="1" latinLnBrk="0" hangingPunct="1">
+              <a:lnSpc>
+                <a:spcPct val="90000"/>
+              </a:lnSpc>
+              <a:spcBef>
+                <a:spcPts val="1000"/>
+              </a:spcBef>
+              <a:buFont typeface="Arial" panose="020B0604020202020204" pitchFamily="34" charset="0"/>
+              <a:buChar char="•"/>
+              <a:defRPr sz="2800" kern="1200">
+                <a:solidFill>
+                  <a:schemeClr val="tx1"/>
+                </a:solidFill>
+                <a:latin typeface="+mn-lt"/>
+                <a:ea typeface="+mn-ea"/>
+                <a:cs typeface="+mn-cs"/>
+              </a:defRPr>
+            </a:lvl1pPr>
+            <a:lvl2pPr marL="685800" indent="-228600" algn="l" defTabSz="914400" rtl="0" eaLnBrk="1" latinLnBrk="0" hangingPunct="1">
+              <a:lnSpc>
+                <a:spcPct val="90000"/>
+              </a:lnSpc>
+              <a:spcBef>
+                <a:spcPts val="500"/>
+              </a:spcBef>
+              <a:buFont typeface="Arial" panose="020B0604020202020204" pitchFamily="34" charset="0"/>
+              <a:buChar char="•"/>
+              <a:defRPr sz="2400" kern="1200">
+                <a:solidFill>
+                  <a:schemeClr val="tx1"/>
+                </a:solidFill>
+                <a:latin typeface="+mn-lt"/>
+                <a:ea typeface="+mn-ea"/>
+                <a:cs typeface="+mn-cs"/>
+              </a:defRPr>
+            </a:lvl2pPr>
+            <a:lvl3pPr marL="1143000" indent="-228600" algn="l" defTabSz="914400" rtl="0" eaLnBrk="1" latinLnBrk="0" hangingPunct="1">
+              <a:lnSpc>
+                <a:spcPct val="90000"/>
+              </a:lnSpc>
+              <a:spcBef>
+                <a:spcPts val="500"/>
+              </a:spcBef>
+              <a:buFont typeface="Arial" panose="020B0604020202020204" pitchFamily="34" charset="0"/>
+              <a:buChar char="•"/>
+              <a:defRPr sz="2000" kern="1200">
+                <a:solidFill>
+                  <a:schemeClr val="tx1"/>
+                </a:solidFill>
+                <a:latin typeface="+mn-lt"/>
+                <a:ea typeface="+mn-ea"/>
+                <a:cs typeface="+mn-cs"/>
+              </a:defRPr>
+            </a:lvl3pPr>
+            <a:lvl4pPr marL="1600200" indent="-228600" algn="l" defTabSz="914400" rtl="0" eaLnBrk="1" latinLnBrk="0" hangingPunct="1">
+              <a:lnSpc>
+                <a:spcPct val="90000"/>
+              </a:lnSpc>
+              <a:spcBef>
+                <a:spcPts val="500"/>
+              </a:spcBef>
+              <a:buFont typeface="Arial" panose="020B0604020202020204" pitchFamily="34" charset="0"/>
+              <a:buChar char="•"/>
+              <a:defRPr sz="1800" kern="1200">
+                <a:solidFill>
+                  <a:schemeClr val="tx1"/>
+                </a:solidFill>
+                <a:latin typeface="+mn-lt"/>
+                <a:ea typeface="+mn-ea"/>
+                <a:cs typeface="+mn-cs"/>
+              </a:defRPr>
+            </a:lvl4pPr>
+            <a:lvl5pPr marL="2057400" indent="-228600" algn="l" defTabSz="914400" rtl="0" eaLnBrk="1" latinLnBrk="0" hangingPunct="1">
+              <a:lnSpc>
+                <a:spcPct val="90000"/>
+              </a:lnSpc>
+              <a:spcBef>
+                <a:spcPts val="500"/>
+              </a:spcBef>
+              <a:buFont typeface="Arial" panose="020B0604020202020204" pitchFamily="34" charset="0"/>
+              <a:buChar char="•"/>
+              <a:defRPr sz="1800" kern="1200">
+                <a:solidFill>
+                  <a:schemeClr val="tx1"/>
+                </a:solidFill>
+                <a:latin typeface="+mn-lt"/>
+                <a:ea typeface="+mn-ea"/>
+                <a:cs typeface="+mn-cs"/>
+              </a:defRPr>
+            </a:lvl5pPr>
+            <a:lvl6pPr marL="2514600" indent="-228600" algn="l" defTabSz="914400" rtl="0" eaLnBrk="1" latinLnBrk="0" hangingPunct="1">
+              <a:lnSpc>
+                <a:spcPct val="90000"/>
+              </a:lnSpc>
+              <a:spcBef>
+                <a:spcPts val="500"/>
+              </a:spcBef>
+              <a:buFont typeface="Arial" panose="020B0604020202020204" pitchFamily="34" charset="0"/>
+              <a:buChar char="•"/>
+              <a:defRPr sz="1800" kern="1200">
+                <a:solidFill>
+                  <a:schemeClr val="tx1"/>
+                </a:solidFill>
+                <a:latin typeface="+mn-lt"/>
+                <a:ea typeface="+mn-ea"/>
+                <a:cs typeface="+mn-cs"/>
+              </a:defRPr>
+            </a:lvl6pPr>
+            <a:lvl7pPr marL="2971800" indent="-228600" algn="l" defTabSz="914400" rtl="0" eaLnBrk="1" latinLnBrk="0" hangingPunct="1">
+              <a:lnSpc>
+                <a:spcPct val="90000"/>
+              </a:lnSpc>
+              <a:spcBef>
+                <a:spcPts val="500"/>
+              </a:spcBef>
+              <a:buFont typeface="Arial" panose="020B0604020202020204" pitchFamily="34" charset="0"/>
+              <a:buChar char="•"/>
+              <a:defRPr sz="1800" kern="1200">
+                <a:solidFill>
+                  <a:schemeClr val="tx1"/>
+                </a:solidFill>
+                <a:latin typeface="+mn-lt"/>
+                <a:ea typeface="+mn-ea"/>
+                <a:cs typeface="+mn-cs"/>
+              </a:defRPr>
+            </a:lvl7pPr>
+            <a:lvl8pPr marL="3429000" indent="-228600" algn="l" defTabSz="914400" rtl="0" eaLnBrk="1" latinLnBrk="0" hangingPunct="1">
+              <a:lnSpc>
+                <a:spcPct val="90000"/>
+              </a:lnSpc>
+              <a:spcBef>
+                <a:spcPts val="500"/>
+              </a:spcBef>
+              <a:buFont typeface="Arial" panose="020B0604020202020204" pitchFamily="34" charset="0"/>
+              <a:buChar char="•"/>
+              <a:defRPr sz="1800" kern="1200">
+                <a:solidFill>
+                  <a:schemeClr val="tx1"/>
+                </a:solidFill>
+                <a:latin typeface="+mn-lt"/>
+                <a:ea typeface="+mn-ea"/>
+                <a:cs typeface="+mn-cs"/>
+              </a:defRPr>
+            </a:lvl8pPr>
+            <a:lvl9pPr marL="3886200" indent="-228600" algn="l" defTabSz="914400" rtl="0" eaLnBrk="1" latinLnBrk="0" hangingPunct="1">
+              <a:lnSpc>
+                <a:spcPct val="90000"/>
+              </a:lnSpc>
+              <a:spcBef>
+                <a:spcPts val="500"/>
+              </a:spcBef>
+              <a:buFont typeface="Arial" panose="020B0604020202020204" pitchFamily="34" charset="0"/>
+              <a:buChar char="•"/>
+              <a:defRPr sz="1800" kern="1200">
+                <a:solidFill>
+                  <a:schemeClr val="tx1"/>
+                </a:solidFill>
+                <a:latin typeface="+mn-lt"/>
+                <a:ea typeface="+mn-ea"/>
+                <a:cs typeface="+mn-cs"/>
+              </a:defRPr>
+            </a:lvl9pPr>
+          </a:lstStyle>
+          <a:p>
+            <a:pPr marL="0" indent="0">
+              <a:buFont typeface="Arial" panose="020B0604020202020204" pitchFamily="34" charset="0"/>
+              <a:buNone/>
+            </a:pPr>
+            <a:endParaRPr lang="fr-FR" sz="1400" dirty="0"/>
+          </a:p>
+          <a:p>
+            <a:pPr marL="0" indent="0">
+              <a:buFont typeface="Arial" panose="020B0604020202020204" pitchFamily="34" charset="0"/>
+              <a:buNone/>
+            </a:pPr>
+            <a:endParaRPr lang="fr-FR" sz="1400" dirty="0"/>
+          </a:p>
+        </p:txBody>
+      </p:sp>
+      <p:sp>
+        <p:nvSpPr>
+          <p:cNvPr id="7" name="Espace réservé du contenu 2">
+            <a:extLst>
+              <a:ext uri="{FF2B5EF4-FFF2-40B4-BE49-F238E27FC236}">
+                <a16:creationId xmlns:a16="http://schemas.microsoft.com/office/drawing/2014/main" id="{C186E827-4A12-4E94-B916-563ED25781C9}"/>
+              </a:ext>
+            </a:extLst>
+          </p:cNvPr>
+          <p:cNvSpPr txBox="1">
+            <a:spLocks/>
+          </p:cNvSpPr>
+          <p:nvPr/>
+        </p:nvSpPr>
+        <p:spPr>
+          <a:xfrm>
+            <a:off x="838200" y="1828998"/>
+            <a:ext cx="4389120" cy="4351338"/>
+          </a:xfrm>
+          <a:prstGeom prst="rect">
+            <a:avLst/>
+          </a:prstGeom>
+        </p:spPr>
+        <p:txBody>
+          <a:bodyPr vert="horz" lIns="91440" tIns="45720" rIns="91440" bIns="45720" rtlCol="0">
+            <a:normAutofit/>
+          </a:bodyPr>
+          <a:lstStyle>
+            <a:lvl1pPr marL="228600" indent="-228600" algn="l" defTabSz="914400" rtl="0" eaLnBrk="1" latinLnBrk="0" hangingPunct="1">
+              <a:lnSpc>
+                <a:spcPct val="90000"/>
+              </a:lnSpc>
+              <a:spcBef>
+                <a:spcPts val="1000"/>
+              </a:spcBef>
+              <a:buFont typeface="Arial" panose="020B0604020202020204" pitchFamily="34" charset="0"/>
+              <a:buChar char="•"/>
+              <a:defRPr sz="2800" kern="1200">
+                <a:solidFill>
+                  <a:schemeClr val="tx1"/>
+                </a:solidFill>
+                <a:latin typeface="+mn-lt"/>
+                <a:ea typeface="+mn-ea"/>
+                <a:cs typeface="+mn-cs"/>
+              </a:defRPr>
+            </a:lvl1pPr>
+            <a:lvl2pPr marL="685800" indent="-228600" algn="l" defTabSz="914400" rtl="0" eaLnBrk="1" latinLnBrk="0" hangingPunct="1">
+              <a:lnSpc>
+                <a:spcPct val="90000"/>
+              </a:lnSpc>
+              <a:spcBef>
+                <a:spcPts val="500"/>
+              </a:spcBef>
+              <a:buFont typeface="Arial" panose="020B0604020202020204" pitchFamily="34" charset="0"/>
+              <a:buChar char="•"/>
+              <a:defRPr sz="2400" kern="1200">
+                <a:solidFill>
+                  <a:schemeClr val="tx1"/>
+                </a:solidFill>
+                <a:latin typeface="+mn-lt"/>
+                <a:ea typeface="+mn-ea"/>
+                <a:cs typeface="+mn-cs"/>
+              </a:defRPr>
+            </a:lvl2pPr>
+            <a:lvl3pPr marL="1143000" indent="-228600" algn="l" defTabSz="914400" rtl="0" eaLnBrk="1" latinLnBrk="0" hangingPunct="1">
+              <a:lnSpc>
+                <a:spcPct val="90000"/>
+              </a:lnSpc>
+              <a:spcBef>
+                <a:spcPts val="500"/>
+              </a:spcBef>
+              <a:buFont typeface="Arial" panose="020B0604020202020204" pitchFamily="34" charset="0"/>
+              <a:buChar char="•"/>
+              <a:defRPr sz="2000" kern="1200">
+                <a:solidFill>
+                  <a:schemeClr val="tx1"/>
+                </a:solidFill>
+                <a:latin typeface="+mn-lt"/>
+                <a:ea typeface="+mn-ea"/>
+                <a:cs typeface="+mn-cs"/>
+              </a:defRPr>
+            </a:lvl3pPr>
+            <a:lvl4pPr marL="1600200" indent="-228600" algn="l" defTabSz="914400" rtl="0" eaLnBrk="1" latinLnBrk="0" hangingPunct="1">
+              <a:lnSpc>
+                <a:spcPct val="90000"/>
+              </a:lnSpc>
+              <a:spcBef>
+                <a:spcPts val="500"/>
+              </a:spcBef>
+              <a:buFont typeface="Arial" panose="020B0604020202020204" pitchFamily="34" charset="0"/>
+              <a:buChar char="•"/>
+              <a:defRPr sz="1800" kern="1200">
+                <a:solidFill>
+                  <a:schemeClr val="tx1"/>
+                </a:solidFill>
+                <a:latin typeface="+mn-lt"/>
+                <a:ea typeface="+mn-ea"/>
+                <a:cs typeface="+mn-cs"/>
+              </a:defRPr>
+            </a:lvl4pPr>
+            <a:lvl5pPr marL="2057400" indent="-228600" algn="l" defTabSz="914400" rtl="0" eaLnBrk="1" latinLnBrk="0" hangingPunct="1">
+              <a:lnSpc>
+                <a:spcPct val="90000"/>
+              </a:lnSpc>
+              <a:spcBef>
+                <a:spcPts val="500"/>
+              </a:spcBef>
+              <a:buFont typeface="Arial" panose="020B0604020202020204" pitchFamily="34" charset="0"/>
+              <a:buChar char="•"/>
+              <a:defRPr sz="1800" kern="1200">
+                <a:solidFill>
+                  <a:schemeClr val="tx1"/>
+                </a:solidFill>
+                <a:latin typeface="+mn-lt"/>
+                <a:ea typeface="+mn-ea"/>
+                <a:cs typeface="+mn-cs"/>
+              </a:defRPr>
+            </a:lvl5pPr>
+            <a:lvl6pPr marL="2514600" indent="-228600" algn="l" defTabSz="914400" rtl="0" eaLnBrk="1" latinLnBrk="0" hangingPunct="1">
+              <a:lnSpc>
+                <a:spcPct val="90000"/>
+              </a:lnSpc>
+              <a:spcBef>
+                <a:spcPts val="500"/>
+              </a:spcBef>
+              <a:buFont typeface="Arial" panose="020B0604020202020204" pitchFamily="34" charset="0"/>
+              <a:buChar char="•"/>
+              <a:defRPr sz="1800" kern="1200">
+                <a:solidFill>
+                  <a:schemeClr val="tx1"/>
+                </a:solidFill>
+                <a:latin typeface="+mn-lt"/>
+                <a:ea typeface="+mn-ea"/>
+                <a:cs typeface="+mn-cs"/>
+              </a:defRPr>
+            </a:lvl6pPr>
+            <a:lvl7pPr marL="2971800" indent="-228600" algn="l" defTabSz="914400" rtl="0" eaLnBrk="1" latinLnBrk="0" hangingPunct="1">
+              <a:lnSpc>
+                <a:spcPct val="90000"/>
+              </a:lnSpc>
+              <a:spcBef>
+                <a:spcPts val="500"/>
+              </a:spcBef>
+              <a:buFont typeface="Arial" panose="020B0604020202020204" pitchFamily="34" charset="0"/>
+              <a:buChar char="•"/>
+              <a:defRPr sz="1800" kern="1200">
+                <a:solidFill>
+                  <a:schemeClr val="tx1"/>
+                </a:solidFill>
+                <a:latin typeface="+mn-lt"/>
+                <a:ea typeface="+mn-ea"/>
+                <a:cs typeface="+mn-cs"/>
+              </a:defRPr>
+            </a:lvl7pPr>
+            <a:lvl8pPr marL="3429000" indent="-228600" algn="l" defTabSz="914400" rtl="0" eaLnBrk="1" latinLnBrk="0" hangingPunct="1">
+              <a:lnSpc>
+                <a:spcPct val="90000"/>
+              </a:lnSpc>
+              <a:spcBef>
+                <a:spcPts val="500"/>
+              </a:spcBef>
+              <a:buFont typeface="Arial" panose="020B0604020202020204" pitchFamily="34" charset="0"/>
+              <a:buChar char="•"/>
+              <a:defRPr sz="1800" kern="1200">
+                <a:solidFill>
+                  <a:schemeClr val="tx1"/>
+                </a:solidFill>
+                <a:latin typeface="+mn-lt"/>
+                <a:ea typeface="+mn-ea"/>
+                <a:cs typeface="+mn-cs"/>
+              </a:defRPr>
+            </a:lvl8pPr>
+            <a:lvl9pPr marL="3886200" indent="-228600" algn="l" defTabSz="914400" rtl="0" eaLnBrk="1" latinLnBrk="0" hangingPunct="1">
+              <a:lnSpc>
+                <a:spcPct val="90000"/>
+              </a:lnSpc>
+              <a:spcBef>
+                <a:spcPts val="500"/>
+              </a:spcBef>
+              <a:buFont typeface="Arial" panose="020B0604020202020204" pitchFamily="34" charset="0"/>
+              <a:buChar char="•"/>
+              <a:defRPr sz="1800" kern="1200">
+                <a:solidFill>
+                  <a:schemeClr val="tx1"/>
+                </a:solidFill>
+                <a:latin typeface="+mn-lt"/>
+                <a:ea typeface="+mn-ea"/>
+                <a:cs typeface="+mn-cs"/>
+              </a:defRPr>
+            </a:lvl9pPr>
+          </a:lstStyle>
+          <a:p>
+            <a:pPr marL="0" indent="0">
+              <a:buFont typeface="Arial" panose="020B0604020202020204" pitchFamily="34" charset="0"/>
+              <a:buNone/>
+            </a:pPr>
+            <a:r>
+              <a:rPr lang="fr-FR" sz="1700" dirty="0"/>
+              <a:t>Dans la vue </a:t>
+            </a:r>
+            <a:r>
+              <a:rPr lang="fr-FR" sz="1700" dirty="0" err="1"/>
+              <a:t>new.html.twig</a:t>
+            </a:r>
+            <a:r>
+              <a:rPr lang="fr-FR" sz="1700" dirty="0"/>
+              <a:t>, nous ajoutons un id permettant l’identification de l’entry : id = ‘’ block_{{id}} ’’</a:t>
+            </a:r>
+          </a:p>
+          <a:p>
+            <a:pPr marL="0" indent="0">
+              <a:buFont typeface="Arial" panose="020B0604020202020204" pitchFamily="34" charset="0"/>
+              <a:buNone/>
+            </a:pPr>
+            <a:r>
+              <a:rPr lang="fr-FR" sz="1700" dirty="0"/>
+              <a:t>On refactorise ensuite le code du widget, afin d’ajouter le bouton supprimer. Nous ajoutons ensuite des attributs dans ce boutons, data-action=‘’</a:t>
+            </a:r>
+            <a:r>
+              <a:rPr lang="fr-FR" sz="1700" dirty="0" err="1"/>
+              <a:t>delete</a:t>
+            </a:r>
+            <a:r>
+              <a:rPr lang="fr-FR" sz="1700" dirty="0"/>
+              <a:t>’’, et data-</a:t>
+            </a:r>
+            <a:r>
+              <a:rPr lang="fr-FR" sz="1700" dirty="0" err="1"/>
+              <a:t>target</a:t>
+            </a:r>
+            <a:r>
+              <a:rPr lang="fr-FR" sz="1700" dirty="0"/>
+              <a:t>=‘’#data_{{id}}’’</a:t>
+            </a:r>
+          </a:p>
+          <a:p>
+            <a:pPr marL="0" indent="0">
+              <a:buFont typeface="Arial" panose="020B0604020202020204" pitchFamily="34" charset="0"/>
+              <a:buNone/>
+            </a:pPr>
+            <a:endParaRPr lang="fr-FR" sz="1700" dirty="0"/>
+          </a:p>
+          <a:p>
+            <a:pPr marL="0" indent="0">
+              <a:buFont typeface="Arial" panose="020B0604020202020204" pitchFamily="34" charset="0"/>
+              <a:buNone/>
+            </a:pPr>
+            <a:r>
+              <a:rPr lang="fr-FR" sz="1700" dirty="0"/>
+              <a:t>Et pour finir , on créé une fonction qui va gérer l’évènement du bouton, et où va gérer la suppression du </a:t>
+            </a:r>
+            <a:r>
+              <a:rPr lang="fr-FR" sz="1700" dirty="0" err="1"/>
+              <a:t>target</a:t>
+            </a:r>
+            <a:endParaRPr lang="en-US" sz="1000" dirty="0"/>
+          </a:p>
+          <a:p>
+            <a:pPr marL="0" indent="0">
+              <a:buNone/>
+            </a:pPr>
+            <a:endParaRPr lang="en-US" sz="1000" dirty="0"/>
+          </a:p>
+        </p:txBody>
+      </p:sp>
+      <p:pic>
+        <p:nvPicPr>
+          <p:cNvPr id="2" name="Image 1">
+            <a:extLst>
+              <a:ext uri="{FF2B5EF4-FFF2-40B4-BE49-F238E27FC236}">
+                <a16:creationId xmlns:a16="http://schemas.microsoft.com/office/drawing/2014/main" id="{229E091D-F650-4CF9-933A-B1DE7D0301ED}"/>
+              </a:ext>
+            </a:extLst>
+          </p:cNvPr>
+          <p:cNvPicPr>
+            <a:picLocks noChangeAspect="1"/>
+          </p:cNvPicPr>
+          <p:nvPr/>
+        </p:nvPicPr>
+        <p:blipFill>
+          <a:blip r:embed="rId2"/>
+          <a:stretch>
+            <a:fillRect/>
+          </a:stretch>
+        </p:blipFill>
+        <p:spPr>
+          <a:xfrm>
+            <a:off x="5314950" y="1828998"/>
+            <a:ext cx="6353174" cy="2489201"/>
+          </a:xfrm>
+          <a:prstGeom prst="rect">
+            <a:avLst/>
+          </a:prstGeom>
+        </p:spPr>
+      </p:pic>
+      <p:pic>
+        <p:nvPicPr>
+          <p:cNvPr id="6" name="Image 5">
+            <a:extLst>
+              <a:ext uri="{FF2B5EF4-FFF2-40B4-BE49-F238E27FC236}">
+                <a16:creationId xmlns:a16="http://schemas.microsoft.com/office/drawing/2014/main" id="{0D5556AA-2A5C-4615-ADA3-58E844897ED4}"/>
+              </a:ext>
+            </a:extLst>
+          </p:cNvPr>
+          <p:cNvPicPr>
+            <a:picLocks noChangeAspect="1"/>
+          </p:cNvPicPr>
+          <p:nvPr/>
+        </p:nvPicPr>
+        <p:blipFill>
+          <a:blip r:embed="rId3"/>
+          <a:stretch>
+            <a:fillRect/>
+          </a:stretch>
+        </p:blipFill>
+        <p:spPr>
+          <a:xfrm>
+            <a:off x="5314950" y="4387354"/>
+            <a:ext cx="6353174" cy="2105521"/>
+          </a:xfrm>
+          <a:prstGeom prst="rect">
+            <a:avLst/>
+          </a:prstGeom>
+        </p:spPr>
+      </p:pic>
+    </p:spTree>
+    <p:extLst>
+      <p:ext uri="{BB962C8B-B14F-4D97-AF65-F5344CB8AC3E}">
+        <p14:creationId xmlns:p14="http://schemas.microsoft.com/office/powerpoint/2010/main" val="3428667597"/>
+      </p:ext>
+    </p:extLst>
+  </p:cSld>
+  <p:clrMapOvr>
+    <a:masterClrMapping/>
+  </p:clrMapOvr>
+</p:sld>
+</file>
+
+<file path=ppt/slides/slide43.xml><?xml version="1.0" encoding="utf-8"?>
+<p:sld xmlns:a="http://schemas.openxmlformats.org/drawingml/2006/main" xmlns:r="http://schemas.openxmlformats.org/officeDocument/2006/relationships" xmlns:p="http://schemas.openxmlformats.org/presentationml/2006/main">
+  <p:cSld>
+    <p:spTree>
+      <p:nvGrpSpPr>
+        <p:cNvPr id="1" name=""/>
+        <p:cNvGrpSpPr/>
+        <p:nvPr/>
+      </p:nvGrpSpPr>
+      <p:grpSpPr>
+        <a:xfrm>
+          <a:off x="0" y="0"/>
+          <a:ext cx="0" cy="0"/>
+          <a:chOff x="0" y="0"/>
+          <a:chExt cx="0" cy="0"/>
+        </a:xfrm>
+      </p:grpSpPr>
+      <p:sp>
+        <p:nvSpPr>
+          <p:cNvPr id="4" name="Titre 1">
+            <a:extLst>
+              <a:ext uri="{FF2B5EF4-FFF2-40B4-BE49-F238E27FC236}">
+                <a16:creationId xmlns:a16="http://schemas.microsoft.com/office/drawing/2014/main" id="{960C1D7C-377E-4936-AFF5-23D603AD6FF4}"/>
+              </a:ext>
+            </a:extLst>
+          </p:cNvPr>
+          <p:cNvSpPr>
+            <a:spLocks noGrp="1"/>
+          </p:cNvSpPr>
+          <p:nvPr>
+            <p:ph type="title"/>
+          </p:nvPr>
+        </p:nvSpPr>
+        <p:spPr>
+          <a:xfrm>
+            <a:off x="838200" y="365125"/>
+            <a:ext cx="10515600" cy="1325563"/>
+          </a:xfrm>
+        </p:spPr>
+        <p:txBody>
+          <a:bodyPr/>
+          <a:lstStyle/>
+          <a:p>
+            <a:r>
+              <a:rPr lang="fr-FR" dirty="0"/>
+              <a:t>Etape 34: Faire persister les éléments liés avec le </a:t>
+            </a:r>
+            <a:r>
+              <a:rPr lang="fr-FR" dirty="0" err="1"/>
+              <a:t>CollectionType</a:t>
+            </a:r>
+            <a:endParaRPr lang="fr-FR" dirty="0"/>
+          </a:p>
+        </p:txBody>
+      </p:sp>
+      <p:sp>
+        <p:nvSpPr>
+          <p:cNvPr id="9" name="Espace réservé du contenu 2">
+            <a:extLst>
+              <a:ext uri="{FF2B5EF4-FFF2-40B4-BE49-F238E27FC236}">
+                <a16:creationId xmlns:a16="http://schemas.microsoft.com/office/drawing/2014/main" id="{EB812BAD-F986-4356-9B0E-865CD4B89634}"/>
+              </a:ext>
+            </a:extLst>
+          </p:cNvPr>
+          <p:cNvSpPr txBox="1">
+            <a:spLocks/>
+          </p:cNvSpPr>
+          <p:nvPr/>
+        </p:nvSpPr>
+        <p:spPr>
+          <a:xfrm>
+            <a:off x="999275" y="1828998"/>
+            <a:ext cx="4389120" cy="4351338"/>
+          </a:xfrm>
+          <a:prstGeom prst="rect">
+            <a:avLst/>
+          </a:prstGeom>
+        </p:spPr>
+        <p:txBody>
+          <a:bodyPr vert="horz" lIns="91440" tIns="45720" rIns="91440" bIns="45720" rtlCol="0">
+            <a:normAutofit/>
+          </a:bodyPr>
+          <a:lstStyle>
+            <a:lvl1pPr marL="228600" indent="-228600" algn="l" defTabSz="914400" rtl="0" eaLnBrk="1" latinLnBrk="0" hangingPunct="1">
+              <a:lnSpc>
+                <a:spcPct val="90000"/>
+              </a:lnSpc>
+              <a:spcBef>
+                <a:spcPts val="1000"/>
+              </a:spcBef>
+              <a:buFont typeface="Arial" panose="020B0604020202020204" pitchFamily="34" charset="0"/>
+              <a:buChar char="•"/>
+              <a:defRPr sz="2800" kern="1200">
+                <a:solidFill>
+                  <a:schemeClr val="tx1"/>
+                </a:solidFill>
+                <a:latin typeface="+mn-lt"/>
+                <a:ea typeface="+mn-ea"/>
+                <a:cs typeface="+mn-cs"/>
+              </a:defRPr>
+            </a:lvl1pPr>
+            <a:lvl2pPr marL="685800" indent="-228600" algn="l" defTabSz="914400" rtl="0" eaLnBrk="1" latinLnBrk="0" hangingPunct="1">
+              <a:lnSpc>
+                <a:spcPct val="90000"/>
+              </a:lnSpc>
+              <a:spcBef>
+                <a:spcPts val="500"/>
+              </a:spcBef>
+              <a:buFont typeface="Arial" panose="020B0604020202020204" pitchFamily="34" charset="0"/>
+              <a:buChar char="•"/>
+              <a:defRPr sz="2400" kern="1200">
+                <a:solidFill>
+                  <a:schemeClr val="tx1"/>
+                </a:solidFill>
+                <a:latin typeface="+mn-lt"/>
+                <a:ea typeface="+mn-ea"/>
+                <a:cs typeface="+mn-cs"/>
+              </a:defRPr>
+            </a:lvl2pPr>
+            <a:lvl3pPr marL="1143000" indent="-228600" algn="l" defTabSz="914400" rtl="0" eaLnBrk="1" latinLnBrk="0" hangingPunct="1">
+              <a:lnSpc>
+                <a:spcPct val="90000"/>
+              </a:lnSpc>
+              <a:spcBef>
+                <a:spcPts val="500"/>
+              </a:spcBef>
+              <a:buFont typeface="Arial" panose="020B0604020202020204" pitchFamily="34" charset="0"/>
+              <a:buChar char="•"/>
+              <a:defRPr sz="2000" kern="1200">
+                <a:solidFill>
+                  <a:schemeClr val="tx1"/>
+                </a:solidFill>
+                <a:latin typeface="+mn-lt"/>
+                <a:ea typeface="+mn-ea"/>
+                <a:cs typeface="+mn-cs"/>
+              </a:defRPr>
+            </a:lvl3pPr>
+            <a:lvl4pPr marL="1600200" indent="-228600" algn="l" defTabSz="914400" rtl="0" eaLnBrk="1" latinLnBrk="0" hangingPunct="1">
+              <a:lnSpc>
+                <a:spcPct val="90000"/>
+              </a:lnSpc>
+              <a:spcBef>
+                <a:spcPts val="500"/>
+              </a:spcBef>
+              <a:buFont typeface="Arial" panose="020B0604020202020204" pitchFamily="34" charset="0"/>
+              <a:buChar char="•"/>
+              <a:defRPr sz="1800" kern="1200">
+                <a:solidFill>
+                  <a:schemeClr val="tx1"/>
+                </a:solidFill>
+                <a:latin typeface="+mn-lt"/>
+                <a:ea typeface="+mn-ea"/>
+                <a:cs typeface="+mn-cs"/>
+              </a:defRPr>
+            </a:lvl4pPr>
+            <a:lvl5pPr marL="2057400" indent="-228600" algn="l" defTabSz="914400" rtl="0" eaLnBrk="1" latinLnBrk="0" hangingPunct="1">
+              <a:lnSpc>
+                <a:spcPct val="90000"/>
+              </a:lnSpc>
+              <a:spcBef>
+                <a:spcPts val="500"/>
+              </a:spcBef>
+              <a:buFont typeface="Arial" panose="020B0604020202020204" pitchFamily="34" charset="0"/>
+              <a:buChar char="•"/>
+              <a:defRPr sz="1800" kern="1200">
+                <a:solidFill>
+                  <a:schemeClr val="tx1"/>
+                </a:solidFill>
+                <a:latin typeface="+mn-lt"/>
+                <a:ea typeface="+mn-ea"/>
+                <a:cs typeface="+mn-cs"/>
+              </a:defRPr>
+            </a:lvl5pPr>
+            <a:lvl6pPr marL="2514600" indent="-228600" algn="l" defTabSz="914400" rtl="0" eaLnBrk="1" latinLnBrk="0" hangingPunct="1">
+              <a:lnSpc>
+                <a:spcPct val="90000"/>
+              </a:lnSpc>
+              <a:spcBef>
+                <a:spcPts val="500"/>
+              </a:spcBef>
+              <a:buFont typeface="Arial" panose="020B0604020202020204" pitchFamily="34" charset="0"/>
+              <a:buChar char="•"/>
+              <a:defRPr sz="1800" kern="1200">
+                <a:solidFill>
+                  <a:schemeClr val="tx1"/>
+                </a:solidFill>
+                <a:latin typeface="+mn-lt"/>
+                <a:ea typeface="+mn-ea"/>
+                <a:cs typeface="+mn-cs"/>
+              </a:defRPr>
+            </a:lvl6pPr>
+            <a:lvl7pPr marL="2971800" indent="-228600" algn="l" defTabSz="914400" rtl="0" eaLnBrk="1" latinLnBrk="0" hangingPunct="1">
+              <a:lnSpc>
+                <a:spcPct val="90000"/>
+              </a:lnSpc>
+              <a:spcBef>
+                <a:spcPts val="500"/>
+              </a:spcBef>
+              <a:buFont typeface="Arial" panose="020B0604020202020204" pitchFamily="34" charset="0"/>
+              <a:buChar char="•"/>
+              <a:defRPr sz="1800" kern="1200">
+                <a:solidFill>
+                  <a:schemeClr val="tx1"/>
+                </a:solidFill>
+                <a:latin typeface="+mn-lt"/>
+                <a:ea typeface="+mn-ea"/>
+                <a:cs typeface="+mn-cs"/>
+              </a:defRPr>
+            </a:lvl7pPr>
+            <a:lvl8pPr marL="3429000" indent="-228600" algn="l" defTabSz="914400" rtl="0" eaLnBrk="1" latinLnBrk="0" hangingPunct="1">
+              <a:lnSpc>
+                <a:spcPct val="90000"/>
+              </a:lnSpc>
+              <a:spcBef>
+                <a:spcPts val="500"/>
+              </a:spcBef>
+              <a:buFont typeface="Arial" panose="020B0604020202020204" pitchFamily="34" charset="0"/>
+              <a:buChar char="•"/>
+              <a:defRPr sz="1800" kern="1200">
+                <a:solidFill>
+                  <a:schemeClr val="tx1"/>
+                </a:solidFill>
+                <a:latin typeface="+mn-lt"/>
+                <a:ea typeface="+mn-ea"/>
+                <a:cs typeface="+mn-cs"/>
+              </a:defRPr>
+            </a:lvl8pPr>
+            <a:lvl9pPr marL="3886200" indent="-228600" algn="l" defTabSz="914400" rtl="0" eaLnBrk="1" latinLnBrk="0" hangingPunct="1">
+              <a:lnSpc>
+                <a:spcPct val="90000"/>
+              </a:lnSpc>
+              <a:spcBef>
+                <a:spcPts val="500"/>
+              </a:spcBef>
+              <a:buFont typeface="Arial" panose="020B0604020202020204" pitchFamily="34" charset="0"/>
+              <a:buChar char="•"/>
+              <a:defRPr sz="1800" kern="1200">
+                <a:solidFill>
+                  <a:schemeClr val="tx1"/>
+                </a:solidFill>
+                <a:latin typeface="+mn-lt"/>
+                <a:ea typeface="+mn-ea"/>
+                <a:cs typeface="+mn-cs"/>
+              </a:defRPr>
+            </a:lvl9pPr>
+          </a:lstStyle>
+          <a:p>
+            <a:pPr marL="0" indent="0">
+              <a:buFont typeface="Arial" panose="020B0604020202020204" pitchFamily="34" charset="0"/>
+              <a:buNone/>
+            </a:pPr>
+            <a:endParaRPr lang="fr-FR" sz="1400" dirty="0"/>
+          </a:p>
+        </p:txBody>
+      </p:sp>
+      <p:sp>
+        <p:nvSpPr>
+          <p:cNvPr id="11" name="Espace réservé du contenu 2">
+            <a:extLst>
+              <a:ext uri="{FF2B5EF4-FFF2-40B4-BE49-F238E27FC236}">
+                <a16:creationId xmlns:a16="http://schemas.microsoft.com/office/drawing/2014/main" id="{534F948C-D7ED-425C-B2BB-4056FDF0CEB3}"/>
+              </a:ext>
+            </a:extLst>
+          </p:cNvPr>
+          <p:cNvSpPr txBox="1">
+            <a:spLocks/>
+          </p:cNvSpPr>
+          <p:nvPr/>
+        </p:nvSpPr>
+        <p:spPr>
+          <a:xfrm>
+            <a:off x="838200" y="1967308"/>
+            <a:ext cx="4389120" cy="4351338"/>
+          </a:xfrm>
+          <a:prstGeom prst="rect">
+            <a:avLst/>
+          </a:prstGeom>
+        </p:spPr>
+        <p:txBody>
+          <a:bodyPr vert="horz" lIns="91440" tIns="45720" rIns="91440" bIns="45720" rtlCol="0">
+            <a:normAutofit/>
+          </a:bodyPr>
+          <a:lstStyle>
+            <a:lvl1pPr marL="228600" indent="-228600" algn="l" defTabSz="914400" rtl="0" eaLnBrk="1" latinLnBrk="0" hangingPunct="1">
+              <a:lnSpc>
+                <a:spcPct val="90000"/>
+              </a:lnSpc>
+              <a:spcBef>
+                <a:spcPts val="1000"/>
+              </a:spcBef>
+              <a:buFont typeface="Arial" panose="020B0604020202020204" pitchFamily="34" charset="0"/>
+              <a:buChar char="•"/>
+              <a:defRPr sz="2800" kern="1200">
+                <a:solidFill>
+                  <a:schemeClr val="tx1"/>
+                </a:solidFill>
+                <a:latin typeface="+mn-lt"/>
+                <a:ea typeface="+mn-ea"/>
+                <a:cs typeface="+mn-cs"/>
+              </a:defRPr>
+            </a:lvl1pPr>
+            <a:lvl2pPr marL="685800" indent="-228600" algn="l" defTabSz="914400" rtl="0" eaLnBrk="1" latinLnBrk="0" hangingPunct="1">
+              <a:lnSpc>
+                <a:spcPct val="90000"/>
+              </a:lnSpc>
+              <a:spcBef>
+                <a:spcPts val="500"/>
+              </a:spcBef>
+              <a:buFont typeface="Arial" panose="020B0604020202020204" pitchFamily="34" charset="0"/>
+              <a:buChar char="•"/>
+              <a:defRPr sz="2400" kern="1200">
+                <a:solidFill>
+                  <a:schemeClr val="tx1"/>
+                </a:solidFill>
+                <a:latin typeface="+mn-lt"/>
+                <a:ea typeface="+mn-ea"/>
+                <a:cs typeface="+mn-cs"/>
+              </a:defRPr>
+            </a:lvl2pPr>
+            <a:lvl3pPr marL="1143000" indent="-228600" algn="l" defTabSz="914400" rtl="0" eaLnBrk="1" latinLnBrk="0" hangingPunct="1">
+              <a:lnSpc>
+                <a:spcPct val="90000"/>
+              </a:lnSpc>
+              <a:spcBef>
+                <a:spcPts val="500"/>
+              </a:spcBef>
+              <a:buFont typeface="Arial" panose="020B0604020202020204" pitchFamily="34" charset="0"/>
+              <a:buChar char="•"/>
+              <a:defRPr sz="2000" kern="1200">
+                <a:solidFill>
+                  <a:schemeClr val="tx1"/>
+                </a:solidFill>
+                <a:latin typeface="+mn-lt"/>
+                <a:ea typeface="+mn-ea"/>
+                <a:cs typeface="+mn-cs"/>
+              </a:defRPr>
+            </a:lvl3pPr>
+            <a:lvl4pPr marL="1600200" indent="-228600" algn="l" defTabSz="914400" rtl="0" eaLnBrk="1" latinLnBrk="0" hangingPunct="1">
+              <a:lnSpc>
+                <a:spcPct val="90000"/>
+              </a:lnSpc>
+              <a:spcBef>
+                <a:spcPts val="500"/>
+              </a:spcBef>
+              <a:buFont typeface="Arial" panose="020B0604020202020204" pitchFamily="34" charset="0"/>
+              <a:buChar char="•"/>
+              <a:defRPr sz="1800" kern="1200">
+                <a:solidFill>
+                  <a:schemeClr val="tx1"/>
+                </a:solidFill>
+                <a:latin typeface="+mn-lt"/>
+                <a:ea typeface="+mn-ea"/>
+                <a:cs typeface="+mn-cs"/>
+              </a:defRPr>
+            </a:lvl4pPr>
+            <a:lvl5pPr marL="2057400" indent="-228600" algn="l" defTabSz="914400" rtl="0" eaLnBrk="1" latinLnBrk="0" hangingPunct="1">
+              <a:lnSpc>
+                <a:spcPct val="90000"/>
+              </a:lnSpc>
+              <a:spcBef>
+                <a:spcPts val="500"/>
+              </a:spcBef>
+              <a:buFont typeface="Arial" panose="020B0604020202020204" pitchFamily="34" charset="0"/>
+              <a:buChar char="•"/>
+              <a:defRPr sz="1800" kern="1200">
+                <a:solidFill>
+                  <a:schemeClr val="tx1"/>
+                </a:solidFill>
+                <a:latin typeface="+mn-lt"/>
+                <a:ea typeface="+mn-ea"/>
+                <a:cs typeface="+mn-cs"/>
+              </a:defRPr>
+            </a:lvl5pPr>
+            <a:lvl6pPr marL="2514600" indent="-228600" algn="l" defTabSz="914400" rtl="0" eaLnBrk="1" latinLnBrk="0" hangingPunct="1">
+              <a:lnSpc>
+                <a:spcPct val="90000"/>
+              </a:lnSpc>
+              <a:spcBef>
+                <a:spcPts val="500"/>
+              </a:spcBef>
+              <a:buFont typeface="Arial" panose="020B0604020202020204" pitchFamily="34" charset="0"/>
+              <a:buChar char="•"/>
+              <a:defRPr sz="1800" kern="1200">
+                <a:solidFill>
+                  <a:schemeClr val="tx1"/>
+                </a:solidFill>
+                <a:latin typeface="+mn-lt"/>
+                <a:ea typeface="+mn-ea"/>
+                <a:cs typeface="+mn-cs"/>
+              </a:defRPr>
+            </a:lvl6pPr>
+            <a:lvl7pPr marL="2971800" indent="-228600" algn="l" defTabSz="914400" rtl="0" eaLnBrk="1" latinLnBrk="0" hangingPunct="1">
+              <a:lnSpc>
+                <a:spcPct val="90000"/>
+              </a:lnSpc>
+              <a:spcBef>
+                <a:spcPts val="500"/>
+              </a:spcBef>
+              <a:buFont typeface="Arial" panose="020B0604020202020204" pitchFamily="34" charset="0"/>
+              <a:buChar char="•"/>
+              <a:defRPr sz="1800" kern="1200">
+                <a:solidFill>
+                  <a:schemeClr val="tx1"/>
+                </a:solidFill>
+                <a:latin typeface="+mn-lt"/>
+                <a:ea typeface="+mn-ea"/>
+                <a:cs typeface="+mn-cs"/>
+              </a:defRPr>
+            </a:lvl7pPr>
+            <a:lvl8pPr marL="3429000" indent="-228600" algn="l" defTabSz="914400" rtl="0" eaLnBrk="1" latinLnBrk="0" hangingPunct="1">
+              <a:lnSpc>
+                <a:spcPct val="90000"/>
+              </a:lnSpc>
+              <a:spcBef>
+                <a:spcPts val="500"/>
+              </a:spcBef>
+              <a:buFont typeface="Arial" panose="020B0604020202020204" pitchFamily="34" charset="0"/>
+              <a:buChar char="•"/>
+              <a:defRPr sz="1800" kern="1200">
+                <a:solidFill>
+                  <a:schemeClr val="tx1"/>
+                </a:solidFill>
+                <a:latin typeface="+mn-lt"/>
+                <a:ea typeface="+mn-ea"/>
+                <a:cs typeface="+mn-cs"/>
+              </a:defRPr>
+            </a:lvl8pPr>
+            <a:lvl9pPr marL="3886200" indent="-228600" algn="l" defTabSz="914400" rtl="0" eaLnBrk="1" latinLnBrk="0" hangingPunct="1">
+              <a:lnSpc>
+                <a:spcPct val="90000"/>
+              </a:lnSpc>
+              <a:spcBef>
+                <a:spcPts val="500"/>
+              </a:spcBef>
+              <a:buFont typeface="Arial" panose="020B0604020202020204" pitchFamily="34" charset="0"/>
+              <a:buChar char="•"/>
+              <a:defRPr sz="1800" kern="1200">
+                <a:solidFill>
+                  <a:schemeClr val="tx1"/>
+                </a:solidFill>
+                <a:latin typeface="+mn-lt"/>
+                <a:ea typeface="+mn-ea"/>
+                <a:cs typeface="+mn-cs"/>
+              </a:defRPr>
+            </a:lvl9pPr>
+          </a:lstStyle>
+          <a:p>
+            <a:pPr marL="0" indent="0">
+              <a:buFont typeface="Arial" panose="020B0604020202020204" pitchFamily="34" charset="0"/>
+              <a:buNone/>
+            </a:pPr>
+            <a:endParaRPr lang="fr-FR" sz="1400" dirty="0"/>
+          </a:p>
+          <a:p>
+            <a:pPr marL="0" indent="0">
+              <a:buFont typeface="Arial" panose="020B0604020202020204" pitchFamily="34" charset="0"/>
+              <a:buNone/>
+            </a:pPr>
+            <a:endParaRPr lang="fr-FR" sz="1400" dirty="0"/>
+          </a:p>
+        </p:txBody>
+      </p:sp>
+      <p:sp>
+        <p:nvSpPr>
+          <p:cNvPr id="7" name="Espace réservé du contenu 2">
+            <a:extLst>
+              <a:ext uri="{FF2B5EF4-FFF2-40B4-BE49-F238E27FC236}">
+                <a16:creationId xmlns:a16="http://schemas.microsoft.com/office/drawing/2014/main" id="{C186E827-4A12-4E94-B916-563ED25781C9}"/>
+              </a:ext>
+            </a:extLst>
+          </p:cNvPr>
+          <p:cNvSpPr txBox="1">
+            <a:spLocks/>
+          </p:cNvSpPr>
+          <p:nvPr/>
+        </p:nvSpPr>
+        <p:spPr>
+          <a:xfrm>
+            <a:off x="838200" y="1828998"/>
+            <a:ext cx="4389120" cy="4351338"/>
+          </a:xfrm>
+          <a:prstGeom prst="rect">
+            <a:avLst/>
+          </a:prstGeom>
+        </p:spPr>
+        <p:txBody>
+          <a:bodyPr vert="horz" lIns="91440" tIns="45720" rIns="91440" bIns="45720" rtlCol="0">
+            <a:normAutofit/>
+          </a:bodyPr>
+          <a:lstStyle>
+            <a:lvl1pPr marL="228600" indent="-228600" algn="l" defTabSz="914400" rtl="0" eaLnBrk="1" latinLnBrk="0" hangingPunct="1">
+              <a:lnSpc>
+                <a:spcPct val="90000"/>
+              </a:lnSpc>
+              <a:spcBef>
+                <a:spcPts val="1000"/>
+              </a:spcBef>
+              <a:buFont typeface="Arial" panose="020B0604020202020204" pitchFamily="34" charset="0"/>
+              <a:buChar char="•"/>
+              <a:defRPr sz="2800" kern="1200">
+                <a:solidFill>
+                  <a:schemeClr val="tx1"/>
+                </a:solidFill>
+                <a:latin typeface="+mn-lt"/>
+                <a:ea typeface="+mn-ea"/>
+                <a:cs typeface="+mn-cs"/>
+              </a:defRPr>
+            </a:lvl1pPr>
+            <a:lvl2pPr marL="685800" indent="-228600" algn="l" defTabSz="914400" rtl="0" eaLnBrk="1" latinLnBrk="0" hangingPunct="1">
+              <a:lnSpc>
+                <a:spcPct val="90000"/>
+              </a:lnSpc>
+              <a:spcBef>
+                <a:spcPts val="500"/>
+              </a:spcBef>
+              <a:buFont typeface="Arial" panose="020B0604020202020204" pitchFamily="34" charset="0"/>
+              <a:buChar char="•"/>
+              <a:defRPr sz="2400" kern="1200">
+                <a:solidFill>
+                  <a:schemeClr val="tx1"/>
+                </a:solidFill>
+                <a:latin typeface="+mn-lt"/>
+                <a:ea typeface="+mn-ea"/>
+                <a:cs typeface="+mn-cs"/>
+              </a:defRPr>
+            </a:lvl2pPr>
+            <a:lvl3pPr marL="1143000" indent="-228600" algn="l" defTabSz="914400" rtl="0" eaLnBrk="1" latinLnBrk="0" hangingPunct="1">
+              <a:lnSpc>
+                <a:spcPct val="90000"/>
+              </a:lnSpc>
+              <a:spcBef>
+                <a:spcPts val="500"/>
+              </a:spcBef>
+              <a:buFont typeface="Arial" panose="020B0604020202020204" pitchFamily="34" charset="0"/>
+              <a:buChar char="•"/>
+              <a:defRPr sz="2000" kern="1200">
+                <a:solidFill>
+                  <a:schemeClr val="tx1"/>
+                </a:solidFill>
+                <a:latin typeface="+mn-lt"/>
+                <a:ea typeface="+mn-ea"/>
+                <a:cs typeface="+mn-cs"/>
+              </a:defRPr>
+            </a:lvl3pPr>
+            <a:lvl4pPr marL="1600200" indent="-228600" algn="l" defTabSz="914400" rtl="0" eaLnBrk="1" latinLnBrk="0" hangingPunct="1">
+              <a:lnSpc>
+                <a:spcPct val="90000"/>
+              </a:lnSpc>
+              <a:spcBef>
+                <a:spcPts val="500"/>
+              </a:spcBef>
+              <a:buFont typeface="Arial" panose="020B0604020202020204" pitchFamily="34" charset="0"/>
+              <a:buChar char="•"/>
+              <a:defRPr sz="1800" kern="1200">
+                <a:solidFill>
+                  <a:schemeClr val="tx1"/>
+                </a:solidFill>
+                <a:latin typeface="+mn-lt"/>
+                <a:ea typeface="+mn-ea"/>
+                <a:cs typeface="+mn-cs"/>
+              </a:defRPr>
+            </a:lvl4pPr>
+            <a:lvl5pPr marL="2057400" indent="-228600" algn="l" defTabSz="914400" rtl="0" eaLnBrk="1" latinLnBrk="0" hangingPunct="1">
+              <a:lnSpc>
+                <a:spcPct val="90000"/>
+              </a:lnSpc>
+              <a:spcBef>
+                <a:spcPts val="500"/>
+              </a:spcBef>
+              <a:buFont typeface="Arial" panose="020B0604020202020204" pitchFamily="34" charset="0"/>
+              <a:buChar char="•"/>
+              <a:defRPr sz="1800" kern="1200">
+                <a:solidFill>
+                  <a:schemeClr val="tx1"/>
+                </a:solidFill>
+                <a:latin typeface="+mn-lt"/>
+                <a:ea typeface="+mn-ea"/>
+                <a:cs typeface="+mn-cs"/>
+              </a:defRPr>
+            </a:lvl5pPr>
+            <a:lvl6pPr marL="2514600" indent="-228600" algn="l" defTabSz="914400" rtl="0" eaLnBrk="1" latinLnBrk="0" hangingPunct="1">
+              <a:lnSpc>
+                <a:spcPct val="90000"/>
+              </a:lnSpc>
+              <a:spcBef>
+                <a:spcPts val="500"/>
+              </a:spcBef>
+              <a:buFont typeface="Arial" panose="020B0604020202020204" pitchFamily="34" charset="0"/>
+              <a:buChar char="•"/>
+              <a:defRPr sz="1800" kern="1200">
+                <a:solidFill>
+                  <a:schemeClr val="tx1"/>
+                </a:solidFill>
+                <a:latin typeface="+mn-lt"/>
+                <a:ea typeface="+mn-ea"/>
+                <a:cs typeface="+mn-cs"/>
+              </a:defRPr>
+            </a:lvl6pPr>
+            <a:lvl7pPr marL="2971800" indent="-228600" algn="l" defTabSz="914400" rtl="0" eaLnBrk="1" latinLnBrk="0" hangingPunct="1">
+              <a:lnSpc>
+                <a:spcPct val="90000"/>
+              </a:lnSpc>
+              <a:spcBef>
+                <a:spcPts val="500"/>
+              </a:spcBef>
+              <a:buFont typeface="Arial" panose="020B0604020202020204" pitchFamily="34" charset="0"/>
+              <a:buChar char="•"/>
+              <a:defRPr sz="1800" kern="1200">
+                <a:solidFill>
+                  <a:schemeClr val="tx1"/>
+                </a:solidFill>
+                <a:latin typeface="+mn-lt"/>
+                <a:ea typeface="+mn-ea"/>
+                <a:cs typeface="+mn-cs"/>
+              </a:defRPr>
+            </a:lvl7pPr>
+            <a:lvl8pPr marL="3429000" indent="-228600" algn="l" defTabSz="914400" rtl="0" eaLnBrk="1" latinLnBrk="0" hangingPunct="1">
+              <a:lnSpc>
+                <a:spcPct val="90000"/>
+              </a:lnSpc>
+              <a:spcBef>
+                <a:spcPts val="500"/>
+              </a:spcBef>
+              <a:buFont typeface="Arial" panose="020B0604020202020204" pitchFamily="34" charset="0"/>
+              <a:buChar char="•"/>
+              <a:defRPr sz="1800" kern="1200">
+                <a:solidFill>
+                  <a:schemeClr val="tx1"/>
+                </a:solidFill>
+                <a:latin typeface="+mn-lt"/>
+                <a:ea typeface="+mn-ea"/>
+                <a:cs typeface="+mn-cs"/>
+              </a:defRPr>
+            </a:lvl8pPr>
+            <a:lvl9pPr marL="3886200" indent="-228600" algn="l" defTabSz="914400" rtl="0" eaLnBrk="1" latinLnBrk="0" hangingPunct="1">
+              <a:lnSpc>
+                <a:spcPct val="90000"/>
+              </a:lnSpc>
+              <a:spcBef>
+                <a:spcPts val="500"/>
+              </a:spcBef>
+              <a:buFont typeface="Arial" panose="020B0604020202020204" pitchFamily="34" charset="0"/>
+              <a:buChar char="•"/>
+              <a:defRPr sz="1800" kern="1200">
+                <a:solidFill>
+                  <a:schemeClr val="tx1"/>
+                </a:solidFill>
+                <a:latin typeface="+mn-lt"/>
+                <a:ea typeface="+mn-ea"/>
+                <a:cs typeface="+mn-cs"/>
+              </a:defRPr>
+            </a:lvl9pPr>
+          </a:lstStyle>
+          <a:p>
+            <a:pPr marL="0" indent="0">
+              <a:buFont typeface="Arial" panose="020B0604020202020204" pitchFamily="34" charset="0"/>
+              <a:buNone/>
+            </a:pPr>
+            <a:r>
+              <a:rPr lang="fr-FR" sz="1700" dirty="0"/>
+              <a:t>Dans</a:t>
+            </a:r>
+            <a:endParaRPr lang="en-US" sz="1000" dirty="0"/>
+          </a:p>
+        </p:txBody>
+      </p:sp>
+    </p:spTree>
+    <p:extLst>
+      <p:ext uri="{BB962C8B-B14F-4D97-AF65-F5344CB8AC3E}">
+        <p14:creationId xmlns:p14="http://schemas.microsoft.com/office/powerpoint/2010/main" val="3815006444"/>
       </p:ext>
     </p:extLst>
   </p:cSld>

--- a/Apprendre symfony.pptx
+++ b/Apprendre symfony.pptx
@@ -48,6 +48,11 @@
     <p:sldId id="297" r:id="rId42"/>
     <p:sldId id="298" r:id="rId43"/>
     <p:sldId id="299" r:id="rId44"/>
+    <p:sldId id="300" r:id="rId45"/>
+    <p:sldId id="301" r:id="rId46"/>
+    <p:sldId id="302" r:id="rId47"/>
+    <p:sldId id="303" r:id="rId48"/>
+    <p:sldId id="304" r:id="rId49"/>
   </p:sldIdLst>
   <p:sldSz cx="12192000" cy="6858000"/>
   <p:notesSz cx="6858000" cy="9144000"/>
@@ -23245,16 +23250,6190 @@
             </a:pPr>
             <a:r>
               <a:rPr lang="fr-FR" sz="1700" dirty="0"/>
-              <a:t>Dans</a:t>
-            </a:r>
-            <a:endParaRPr lang="en-US" sz="1000" dirty="0"/>
+              <a:t>Dans </a:t>
+            </a:r>
+            <a:r>
+              <a:rPr lang="fr-FR" sz="1700" dirty="0" err="1"/>
+              <a:t>ImageType.php</a:t>
+            </a:r>
+            <a:r>
+              <a:rPr lang="fr-FR" sz="1700" dirty="0"/>
+              <a:t> (formulaire de l’image), nous avons ajouté les types sur les champs ‘url’ et ‘</a:t>
+            </a:r>
+            <a:r>
+              <a:rPr lang="fr-FR" sz="1700" dirty="0" err="1"/>
+              <a:t>caption</a:t>
+            </a:r>
+            <a:r>
+              <a:rPr lang="fr-FR" sz="1700" dirty="0"/>
+              <a:t>’, et ensuite les attributs </a:t>
+            </a:r>
+            <a:r>
+              <a:rPr lang="fr-FR" sz="1700" dirty="0" err="1"/>
+              <a:t>placeholder</a:t>
+            </a:r>
+            <a:endParaRPr lang="fr-FR" sz="1700" dirty="0"/>
           </a:p>
         </p:txBody>
       </p:sp>
+      <p:pic>
+        <p:nvPicPr>
+          <p:cNvPr id="3" name="Image 2">
+            <a:extLst>
+              <a:ext uri="{FF2B5EF4-FFF2-40B4-BE49-F238E27FC236}">
+                <a16:creationId xmlns:a16="http://schemas.microsoft.com/office/drawing/2014/main" id="{24F291E9-7067-4F6E-A822-AE8F4BA6CC4C}"/>
+              </a:ext>
+            </a:extLst>
+          </p:cNvPr>
+          <p:cNvPicPr>
+            <a:picLocks noChangeAspect="1"/>
+          </p:cNvPicPr>
+          <p:nvPr/>
+        </p:nvPicPr>
+        <p:blipFill>
+          <a:blip r:embed="rId2"/>
+          <a:stretch>
+            <a:fillRect/>
+          </a:stretch>
+        </p:blipFill>
+        <p:spPr>
+          <a:xfrm>
+            <a:off x="727710" y="2832019"/>
+            <a:ext cx="4610100" cy="3348317"/>
+          </a:xfrm>
+          <a:prstGeom prst="rect">
+            <a:avLst/>
+          </a:prstGeom>
+        </p:spPr>
+      </p:pic>
+      <p:sp>
+        <p:nvSpPr>
+          <p:cNvPr id="10" name="Espace réservé du contenu 2">
+            <a:extLst>
+              <a:ext uri="{FF2B5EF4-FFF2-40B4-BE49-F238E27FC236}">
+                <a16:creationId xmlns:a16="http://schemas.microsoft.com/office/drawing/2014/main" id="{043C8D8C-BDCD-46B0-9564-FF19BB4698A7}"/>
+              </a:ext>
+            </a:extLst>
+          </p:cNvPr>
+          <p:cNvSpPr txBox="1">
+            <a:spLocks/>
+          </p:cNvSpPr>
+          <p:nvPr/>
+        </p:nvSpPr>
+        <p:spPr>
+          <a:xfrm>
+            <a:off x="6096000" y="1828998"/>
+            <a:ext cx="4389120" cy="4351338"/>
+          </a:xfrm>
+          <a:prstGeom prst="rect">
+            <a:avLst/>
+          </a:prstGeom>
+        </p:spPr>
+        <p:txBody>
+          <a:bodyPr vert="horz" lIns="91440" tIns="45720" rIns="91440" bIns="45720" rtlCol="0">
+            <a:normAutofit/>
+          </a:bodyPr>
+          <a:lstStyle>
+            <a:lvl1pPr marL="228600" indent="-228600" algn="l" defTabSz="914400" rtl="0" eaLnBrk="1" latinLnBrk="0" hangingPunct="1">
+              <a:lnSpc>
+                <a:spcPct val="90000"/>
+              </a:lnSpc>
+              <a:spcBef>
+                <a:spcPts val="1000"/>
+              </a:spcBef>
+              <a:buFont typeface="Arial" panose="020B0604020202020204" pitchFamily="34" charset="0"/>
+              <a:buChar char="•"/>
+              <a:defRPr sz="2800" kern="1200">
+                <a:solidFill>
+                  <a:schemeClr val="tx1"/>
+                </a:solidFill>
+                <a:latin typeface="+mn-lt"/>
+                <a:ea typeface="+mn-ea"/>
+                <a:cs typeface="+mn-cs"/>
+              </a:defRPr>
+            </a:lvl1pPr>
+            <a:lvl2pPr marL="685800" indent="-228600" algn="l" defTabSz="914400" rtl="0" eaLnBrk="1" latinLnBrk="0" hangingPunct="1">
+              <a:lnSpc>
+                <a:spcPct val="90000"/>
+              </a:lnSpc>
+              <a:spcBef>
+                <a:spcPts val="500"/>
+              </a:spcBef>
+              <a:buFont typeface="Arial" panose="020B0604020202020204" pitchFamily="34" charset="0"/>
+              <a:buChar char="•"/>
+              <a:defRPr sz="2400" kern="1200">
+                <a:solidFill>
+                  <a:schemeClr val="tx1"/>
+                </a:solidFill>
+                <a:latin typeface="+mn-lt"/>
+                <a:ea typeface="+mn-ea"/>
+                <a:cs typeface="+mn-cs"/>
+              </a:defRPr>
+            </a:lvl2pPr>
+            <a:lvl3pPr marL="1143000" indent="-228600" algn="l" defTabSz="914400" rtl="0" eaLnBrk="1" latinLnBrk="0" hangingPunct="1">
+              <a:lnSpc>
+                <a:spcPct val="90000"/>
+              </a:lnSpc>
+              <a:spcBef>
+                <a:spcPts val="500"/>
+              </a:spcBef>
+              <a:buFont typeface="Arial" panose="020B0604020202020204" pitchFamily="34" charset="0"/>
+              <a:buChar char="•"/>
+              <a:defRPr sz="2000" kern="1200">
+                <a:solidFill>
+                  <a:schemeClr val="tx1"/>
+                </a:solidFill>
+                <a:latin typeface="+mn-lt"/>
+                <a:ea typeface="+mn-ea"/>
+                <a:cs typeface="+mn-cs"/>
+              </a:defRPr>
+            </a:lvl3pPr>
+            <a:lvl4pPr marL="1600200" indent="-228600" algn="l" defTabSz="914400" rtl="0" eaLnBrk="1" latinLnBrk="0" hangingPunct="1">
+              <a:lnSpc>
+                <a:spcPct val="90000"/>
+              </a:lnSpc>
+              <a:spcBef>
+                <a:spcPts val="500"/>
+              </a:spcBef>
+              <a:buFont typeface="Arial" panose="020B0604020202020204" pitchFamily="34" charset="0"/>
+              <a:buChar char="•"/>
+              <a:defRPr sz="1800" kern="1200">
+                <a:solidFill>
+                  <a:schemeClr val="tx1"/>
+                </a:solidFill>
+                <a:latin typeface="+mn-lt"/>
+                <a:ea typeface="+mn-ea"/>
+                <a:cs typeface="+mn-cs"/>
+              </a:defRPr>
+            </a:lvl4pPr>
+            <a:lvl5pPr marL="2057400" indent="-228600" algn="l" defTabSz="914400" rtl="0" eaLnBrk="1" latinLnBrk="0" hangingPunct="1">
+              <a:lnSpc>
+                <a:spcPct val="90000"/>
+              </a:lnSpc>
+              <a:spcBef>
+                <a:spcPts val="500"/>
+              </a:spcBef>
+              <a:buFont typeface="Arial" panose="020B0604020202020204" pitchFamily="34" charset="0"/>
+              <a:buChar char="•"/>
+              <a:defRPr sz="1800" kern="1200">
+                <a:solidFill>
+                  <a:schemeClr val="tx1"/>
+                </a:solidFill>
+                <a:latin typeface="+mn-lt"/>
+                <a:ea typeface="+mn-ea"/>
+                <a:cs typeface="+mn-cs"/>
+              </a:defRPr>
+            </a:lvl5pPr>
+            <a:lvl6pPr marL="2514600" indent="-228600" algn="l" defTabSz="914400" rtl="0" eaLnBrk="1" latinLnBrk="0" hangingPunct="1">
+              <a:lnSpc>
+                <a:spcPct val="90000"/>
+              </a:lnSpc>
+              <a:spcBef>
+                <a:spcPts val="500"/>
+              </a:spcBef>
+              <a:buFont typeface="Arial" panose="020B0604020202020204" pitchFamily="34" charset="0"/>
+              <a:buChar char="•"/>
+              <a:defRPr sz="1800" kern="1200">
+                <a:solidFill>
+                  <a:schemeClr val="tx1"/>
+                </a:solidFill>
+                <a:latin typeface="+mn-lt"/>
+                <a:ea typeface="+mn-ea"/>
+                <a:cs typeface="+mn-cs"/>
+              </a:defRPr>
+            </a:lvl6pPr>
+            <a:lvl7pPr marL="2971800" indent="-228600" algn="l" defTabSz="914400" rtl="0" eaLnBrk="1" latinLnBrk="0" hangingPunct="1">
+              <a:lnSpc>
+                <a:spcPct val="90000"/>
+              </a:lnSpc>
+              <a:spcBef>
+                <a:spcPts val="500"/>
+              </a:spcBef>
+              <a:buFont typeface="Arial" panose="020B0604020202020204" pitchFamily="34" charset="0"/>
+              <a:buChar char="•"/>
+              <a:defRPr sz="1800" kern="1200">
+                <a:solidFill>
+                  <a:schemeClr val="tx1"/>
+                </a:solidFill>
+                <a:latin typeface="+mn-lt"/>
+                <a:ea typeface="+mn-ea"/>
+                <a:cs typeface="+mn-cs"/>
+              </a:defRPr>
+            </a:lvl7pPr>
+            <a:lvl8pPr marL="3429000" indent="-228600" algn="l" defTabSz="914400" rtl="0" eaLnBrk="1" latinLnBrk="0" hangingPunct="1">
+              <a:lnSpc>
+                <a:spcPct val="90000"/>
+              </a:lnSpc>
+              <a:spcBef>
+                <a:spcPts val="500"/>
+              </a:spcBef>
+              <a:buFont typeface="Arial" panose="020B0604020202020204" pitchFamily="34" charset="0"/>
+              <a:buChar char="•"/>
+              <a:defRPr sz="1800" kern="1200">
+                <a:solidFill>
+                  <a:schemeClr val="tx1"/>
+                </a:solidFill>
+                <a:latin typeface="+mn-lt"/>
+                <a:ea typeface="+mn-ea"/>
+                <a:cs typeface="+mn-cs"/>
+              </a:defRPr>
+            </a:lvl8pPr>
+            <a:lvl9pPr marL="3886200" indent="-228600" algn="l" defTabSz="914400" rtl="0" eaLnBrk="1" latinLnBrk="0" hangingPunct="1">
+              <a:lnSpc>
+                <a:spcPct val="90000"/>
+              </a:lnSpc>
+              <a:spcBef>
+                <a:spcPts val="500"/>
+              </a:spcBef>
+              <a:buFont typeface="Arial" panose="020B0604020202020204" pitchFamily="34" charset="0"/>
+              <a:buChar char="•"/>
+              <a:defRPr sz="1800" kern="1200">
+                <a:solidFill>
+                  <a:schemeClr val="tx1"/>
+                </a:solidFill>
+                <a:latin typeface="+mn-lt"/>
+                <a:ea typeface="+mn-ea"/>
+                <a:cs typeface="+mn-cs"/>
+              </a:defRPr>
+            </a:lvl9pPr>
+          </a:lstStyle>
+          <a:p>
+            <a:pPr marL="0" indent="0">
+              <a:buFont typeface="Arial" panose="020B0604020202020204" pitchFamily="34" charset="0"/>
+              <a:buNone/>
+            </a:pPr>
+            <a:r>
+              <a:rPr lang="fr-FR" sz="1700" dirty="0"/>
+              <a:t>Ensuite dans le </a:t>
+            </a:r>
+            <a:r>
+              <a:rPr lang="fr-FR" sz="1700" dirty="0" err="1"/>
+              <a:t>controller</a:t>
+            </a:r>
+            <a:r>
+              <a:rPr lang="fr-FR" sz="1700" dirty="0"/>
+              <a:t> des annonces, il faut persister le </a:t>
+            </a:r>
+            <a:r>
+              <a:rPr lang="fr-FR" sz="1700" dirty="0" err="1"/>
+              <a:t>CollectionType</a:t>
+            </a:r>
+            <a:r>
+              <a:rPr lang="fr-FR" sz="1700" dirty="0"/>
+              <a:t>. </a:t>
+            </a:r>
+          </a:p>
+          <a:p>
+            <a:pPr marL="0" indent="0">
+              <a:buFont typeface="Arial" panose="020B0604020202020204" pitchFamily="34" charset="0"/>
+              <a:buNone/>
+            </a:pPr>
+            <a:r>
+              <a:rPr lang="fr-FR" sz="1700" dirty="0"/>
+              <a:t>Dans la condition qui gère l’envoi du formulaire, il faut bouclé sur chacune des images, et associé à chacune des images l’annonce en question.</a:t>
+            </a:r>
+          </a:p>
+          <a:p>
+            <a:pPr marL="0" indent="0">
+              <a:buFont typeface="Arial" panose="020B0604020202020204" pitchFamily="34" charset="0"/>
+              <a:buNone/>
+            </a:pPr>
+            <a:r>
+              <a:rPr lang="fr-FR" sz="1700" dirty="0"/>
+              <a:t>Ensuite on persiste via le manager.</a:t>
+            </a:r>
+          </a:p>
+          <a:p>
+            <a:pPr marL="0" indent="0">
+              <a:buFont typeface="Arial" panose="020B0604020202020204" pitchFamily="34" charset="0"/>
+              <a:buNone/>
+            </a:pPr>
+            <a:endParaRPr lang="fr-FR" sz="1700" dirty="0"/>
+          </a:p>
+        </p:txBody>
+      </p:sp>
+      <p:pic>
+        <p:nvPicPr>
+          <p:cNvPr id="5" name="Image 4">
+            <a:extLst>
+              <a:ext uri="{FF2B5EF4-FFF2-40B4-BE49-F238E27FC236}">
+                <a16:creationId xmlns:a16="http://schemas.microsoft.com/office/drawing/2014/main" id="{08ABA6D5-C026-43DD-A1CF-325F6A8608BB}"/>
+              </a:ext>
+            </a:extLst>
+          </p:cNvPr>
+          <p:cNvPicPr>
+            <a:picLocks noChangeAspect="1"/>
+          </p:cNvPicPr>
+          <p:nvPr/>
+        </p:nvPicPr>
+        <p:blipFill>
+          <a:blip r:embed="rId3"/>
+          <a:stretch>
+            <a:fillRect/>
+          </a:stretch>
+        </p:blipFill>
+        <p:spPr>
+          <a:xfrm>
+            <a:off x="5656898" y="3972560"/>
+            <a:ext cx="5848032" cy="2207776"/>
+          </a:xfrm>
+          <a:prstGeom prst="rect">
+            <a:avLst/>
+          </a:prstGeom>
+        </p:spPr>
+      </p:pic>
     </p:spTree>
     <p:extLst>
       <p:ext uri="{BB962C8B-B14F-4D97-AF65-F5344CB8AC3E}">
         <p14:creationId xmlns:p14="http://schemas.microsoft.com/office/powerpoint/2010/main" val="3815006444"/>
+      </p:ext>
+    </p:extLst>
+  </p:cSld>
+  <p:clrMapOvr>
+    <a:masterClrMapping/>
+  </p:clrMapOvr>
+</p:sld>
+</file>
+
+<file path=ppt/slides/slide44.xml><?xml version="1.0" encoding="utf-8"?>
+<p:sld xmlns:a="http://schemas.openxmlformats.org/drawingml/2006/main" xmlns:r="http://schemas.openxmlformats.org/officeDocument/2006/relationships" xmlns:p="http://schemas.openxmlformats.org/presentationml/2006/main">
+  <p:cSld>
+    <p:spTree>
+      <p:nvGrpSpPr>
+        <p:cNvPr id="1" name=""/>
+        <p:cNvGrpSpPr/>
+        <p:nvPr/>
+      </p:nvGrpSpPr>
+      <p:grpSpPr>
+        <a:xfrm>
+          <a:off x="0" y="0"/>
+          <a:ext cx="0" cy="0"/>
+          <a:chOff x="0" y="0"/>
+          <a:chExt cx="0" cy="0"/>
+        </a:xfrm>
+      </p:grpSpPr>
+      <p:sp>
+        <p:nvSpPr>
+          <p:cNvPr id="4" name="Titre 1">
+            <a:extLst>
+              <a:ext uri="{FF2B5EF4-FFF2-40B4-BE49-F238E27FC236}">
+                <a16:creationId xmlns:a16="http://schemas.microsoft.com/office/drawing/2014/main" id="{960C1D7C-377E-4936-AFF5-23D603AD6FF4}"/>
+              </a:ext>
+            </a:extLst>
+          </p:cNvPr>
+          <p:cNvSpPr>
+            <a:spLocks noGrp="1"/>
+          </p:cNvSpPr>
+          <p:nvPr>
+            <p:ph type="title"/>
+          </p:nvPr>
+        </p:nvSpPr>
+        <p:spPr>
+          <a:xfrm>
+            <a:off x="838200" y="365125"/>
+            <a:ext cx="10515600" cy="1325563"/>
+          </a:xfrm>
+        </p:spPr>
+        <p:txBody>
+          <a:bodyPr/>
+          <a:lstStyle/>
+          <a:p>
+            <a:r>
+              <a:rPr lang="fr-FR" dirty="0"/>
+              <a:t>Etape 35: Correction d’un bug sur les index des sous-formulaires</a:t>
+            </a:r>
+          </a:p>
+        </p:txBody>
+      </p:sp>
+      <p:sp>
+        <p:nvSpPr>
+          <p:cNvPr id="9" name="Espace réservé du contenu 2">
+            <a:extLst>
+              <a:ext uri="{FF2B5EF4-FFF2-40B4-BE49-F238E27FC236}">
+                <a16:creationId xmlns:a16="http://schemas.microsoft.com/office/drawing/2014/main" id="{EB812BAD-F986-4356-9B0E-865CD4B89634}"/>
+              </a:ext>
+            </a:extLst>
+          </p:cNvPr>
+          <p:cNvSpPr txBox="1">
+            <a:spLocks/>
+          </p:cNvSpPr>
+          <p:nvPr/>
+        </p:nvSpPr>
+        <p:spPr>
+          <a:xfrm>
+            <a:off x="999275" y="1828998"/>
+            <a:ext cx="4389120" cy="4351338"/>
+          </a:xfrm>
+          <a:prstGeom prst="rect">
+            <a:avLst/>
+          </a:prstGeom>
+        </p:spPr>
+        <p:txBody>
+          <a:bodyPr vert="horz" lIns="91440" tIns="45720" rIns="91440" bIns="45720" rtlCol="0">
+            <a:normAutofit/>
+          </a:bodyPr>
+          <a:lstStyle>
+            <a:lvl1pPr marL="228600" indent="-228600" algn="l" defTabSz="914400" rtl="0" eaLnBrk="1" latinLnBrk="0" hangingPunct="1">
+              <a:lnSpc>
+                <a:spcPct val="90000"/>
+              </a:lnSpc>
+              <a:spcBef>
+                <a:spcPts val="1000"/>
+              </a:spcBef>
+              <a:buFont typeface="Arial" panose="020B0604020202020204" pitchFamily="34" charset="0"/>
+              <a:buChar char="•"/>
+              <a:defRPr sz="2800" kern="1200">
+                <a:solidFill>
+                  <a:schemeClr val="tx1"/>
+                </a:solidFill>
+                <a:latin typeface="+mn-lt"/>
+                <a:ea typeface="+mn-ea"/>
+                <a:cs typeface="+mn-cs"/>
+              </a:defRPr>
+            </a:lvl1pPr>
+            <a:lvl2pPr marL="685800" indent="-228600" algn="l" defTabSz="914400" rtl="0" eaLnBrk="1" latinLnBrk="0" hangingPunct="1">
+              <a:lnSpc>
+                <a:spcPct val="90000"/>
+              </a:lnSpc>
+              <a:spcBef>
+                <a:spcPts val="500"/>
+              </a:spcBef>
+              <a:buFont typeface="Arial" panose="020B0604020202020204" pitchFamily="34" charset="0"/>
+              <a:buChar char="•"/>
+              <a:defRPr sz="2400" kern="1200">
+                <a:solidFill>
+                  <a:schemeClr val="tx1"/>
+                </a:solidFill>
+                <a:latin typeface="+mn-lt"/>
+                <a:ea typeface="+mn-ea"/>
+                <a:cs typeface="+mn-cs"/>
+              </a:defRPr>
+            </a:lvl2pPr>
+            <a:lvl3pPr marL="1143000" indent="-228600" algn="l" defTabSz="914400" rtl="0" eaLnBrk="1" latinLnBrk="0" hangingPunct="1">
+              <a:lnSpc>
+                <a:spcPct val="90000"/>
+              </a:lnSpc>
+              <a:spcBef>
+                <a:spcPts val="500"/>
+              </a:spcBef>
+              <a:buFont typeface="Arial" panose="020B0604020202020204" pitchFamily="34" charset="0"/>
+              <a:buChar char="•"/>
+              <a:defRPr sz="2000" kern="1200">
+                <a:solidFill>
+                  <a:schemeClr val="tx1"/>
+                </a:solidFill>
+                <a:latin typeface="+mn-lt"/>
+                <a:ea typeface="+mn-ea"/>
+                <a:cs typeface="+mn-cs"/>
+              </a:defRPr>
+            </a:lvl3pPr>
+            <a:lvl4pPr marL="1600200" indent="-228600" algn="l" defTabSz="914400" rtl="0" eaLnBrk="1" latinLnBrk="0" hangingPunct="1">
+              <a:lnSpc>
+                <a:spcPct val="90000"/>
+              </a:lnSpc>
+              <a:spcBef>
+                <a:spcPts val="500"/>
+              </a:spcBef>
+              <a:buFont typeface="Arial" panose="020B0604020202020204" pitchFamily="34" charset="0"/>
+              <a:buChar char="•"/>
+              <a:defRPr sz="1800" kern="1200">
+                <a:solidFill>
+                  <a:schemeClr val="tx1"/>
+                </a:solidFill>
+                <a:latin typeface="+mn-lt"/>
+                <a:ea typeface="+mn-ea"/>
+                <a:cs typeface="+mn-cs"/>
+              </a:defRPr>
+            </a:lvl4pPr>
+            <a:lvl5pPr marL="2057400" indent="-228600" algn="l" defTabSz="914400" rtl="0" eaLnBrk="1" latinLnBrk="0" hangingPunct="1">
+              <a:lnSpc>
+                <a:spcPct val="90000"/>
+              </a:lnSpc>
+              <a:spcBef>
+                <a:spcPts val="500"/>
+              </a:spcBef>
+              <a:buFont typeface="Arial" panose="020B0604020202020204" pitchFamily="34" charset="0"/>
+              <a:buChar char="•"/>
+              <a:defRPr sz="1800" kern="1200">
+                <a:solidFill>
+                  <a:schemeClr val="tx1"/>
+                </a:solidFill>
+                <a:latin typeface="+mn-lt"/>
+                <a:ea typeface="+mn-ea"/>
+                <a:cs typeface="+mn-cs"/>
+              </a:defRPr>
+            </a:lvl5pPr>
+            <a:lvl6pPr marL="2514600" indent="-228600" algn="l" defTabSz="914400" rtl="0" eaLnBrk="1" latinLnBrk="0" hangingPunct="1">
+              <a:lnSpc>
+                <a:spcPct val="90000"/>
+              </a:lnSpc>
+              <a:spcBef>
+                <a:spcPts val="500"/>
+              </a:spcBef>
+              <a:buFont typeface="Arial" panose="020B0604020202020204" pitchFamily="34" charset="0"/>
+              <a:buChar char="•"/>
+              <a:defRPr sz="1800" kern="1200">
+                <a:solidFill>
+                  <a:schemeClr val="tx1"/>
+                </a:solidFill>
+                <a:latin typeface="+mn-lt"/>
+                <a:ea typeface="+mn-ea"/>
+                <a:cs typeface="+mn-cs"/>
+              </a:defRPr>
+            </a:lvl6pPr>
+            <a:lvl7pPr marL="2971800" indent="-228600" algn="l" defTabSz="914400" rtl="0" eaLnBrk="1" latinLnBrk="0" hangingPunct="1">
+              <a:lnSpc>
+                <a:spcPct val="90000"/>
+              </a:lnSpc>
+              <a:spcBef>
+                <a:spcPts val="500"/>
+              </a:spcBef>
+              <a:buFont typeface="Arial" panose="020B0604020202020204" pitchFamily="34" charset="0"/>
+              <a:buChar char="•"/>
+              <a:defRPr sz="1800" kern="1200">
+                <a:solidFill>
+                  <a:schemeClr val="tx1"/>
+                </a:solidFill>
+                <a:latin typeface="+mn-lt"/>
+                <a:ea typeface="+mn-ea"/>
+                <a:cs typeface="+mn-cs"/>
+              </a:defRPr>
+            </a:lvl7pPr>
+            <a:lvl8pPr marL="3429000" indent="-228600" algn="l" defTabSz="914400" rtl="0" eaLnBrk="1" latinLnBrk="0" hangingPunct="1">
+              <a:lnSpc>
+                <a:spcPct val="90000"/>
+              </a:lnSpc>
+              <a:spcBef>
+                <a:spcPts val="500"/>
+              </a:spcBef>
+              <a:buFont typeface="Arial" panose="020B0604020202020204" pitchFamily="34" charset="0"/>
+              <a:buChar char="•"/>
+              <a:defRPr sz="1800" kern="1200">
+                <a:solidFill>
+                  <a:schemeClr val="tx1"/>
+                </a:solidFill>
+                <a:latin typeface="+mn-lt"/>
+                <a:ea typeface="+mn-ea"/>
+                <a:cs typeface="+mn-cs"/>
+              </a:defRPr>
+            </a:lvl8pPr>
+            <a:lvl9pPr marL="3886200" indent="-228600" algn="l" defTabSz="914400" rtl="0" eaLnBrk="1" latinLnBrk="0" hangingPunct="1">
+              <a:lnSpc>
+                <a:spcPct val="90000"/>
+              </a:lnSpc>
+              <a:spcBef>
+                <a:spcPts val="500"/>
+              </a:spcBef>
+              <a:buFont typeface="Arial" panose="020B0604020202020204" pitchFamily="34" charset="0"/>
+              <a:buChar char="•"/>
+              <a:defRPr sz="1800" kern="1200">
+                <a:solidFill>
+                  <a:schemeClr val="tx1"/>
+                </a:solidFill>
+                <a:latin typeface="+mn-lt"/>
+                <a:ea typeface="+mn-ea"/>
+                <a:cs typeface="+mn-cs"/>
+              </a:defRPr>
+            </a:lvl9pPr>
+          </a:lstStyle>
+          <a:p>
+            <a:pPr marL="0" indent="0">
+              <a:buFont typeface="Arial" panose="020B0604020202020204" pitchFamily="34" charset="0"/>
+              <a:buNone/>
+            </a:pPr>
+            <a:endParaRPr lang="fr-FR" sz="1400" dirty="0"/>
+          </a:p>
+        </p:txBody>
+      </p:sp>
+      <p:sp>
+        <p:nvSpPr>
+          <p:cNvPr id="11" name="Espace réservé du contenu 2">
+            <a:extLst>
+              <a:ext uri="{FF2B5EF4-FFF2-40B4-BE49-F238E27FC236}">
+                <a16:creationId xmlns:a16="http://schemas.microsoft.com/office/drawing/2014/main" id="{534F948C-D7ED-425C-B2BB-4056FDF0CEB3}"/>
+              </a:ext>
+            </a:extLst>
+          </p:cNvPr>
+          <p:cNvSpPr txBox="1">
+            <a:spLocks/>
+          </p:cNvSpPr>
+          <p:nvPr/>
+        </p:nvSpPr>
+        <p:spPr>
+          <a:xfrm>
+            <a:off x="838200" y="1967308"/>
+            <a:ext cx="4389120" cy="4351338"/>
+          </a:xfrm>
+          <a:prstGeom prst="rect">
+            <a:avLst/>
+          </a:prstGeom>
+        </p:spPr>
+        <p:txBody>
+          <a:bodyPr vert="horz" lIns="91440" tIns="45720" rIns="91440" bIns="45720" rtlCol="0">
+            <a:normAutofit/>
+          </a:bodyPr>
+          <a:lstStyle>
+            <a:lvl1pPr marL="228600" indent="-228600" algn="l" defTabSz="914400" rtl="0" eaLnBrk="1" latinLnBrk="0" hangingPunct="1">
+              <a:lnSpc>
+                <a:spcPct val="90000"/>
+              </a:lnSpc>
+              <a:spcBef>
+                <a:spcPts val="1000"/>
+              </a:spcBef>
+              <a:buFont typeface="Arial" panose="020B0604020202020204" pitchFamily="34" charset="0"/>
+              <a:buChar char="•"/>
+              <a:defRPr sz="2800" kern="1200">
+                <a:solidFill>
+                  <a:schemeClr val="tx1"/>
+                </a:solidFill>
+                <a:latin typeface="+mn-lt"/>
+                <a:ea typeface="+mn-ea"/>
+                <a:cs typeface="+mn-cs"/>
+              </a:defRPr>
+            </a:lvl1pPr>
+            <a:lvl2pPr marL="685800" indent="-228600" algn="l" defTabSz="914400" rtl="0" eaLnBrk="1" latinLnBrk="0" hangingPunct="1">
+              <a:lnSpc>
+                <a:spcPct val="90000"/>
+              </a:lnSpc>
+              <a:spcBef>
+                <a:spcPts val="500"/>
+              </a:spcBef>
+              <a:buFont typeface="Arial" panose="020B0604020202020204" pitchFamily="34" charset="0"/>
+              <a:buChar char="•"/>
+              <a:defRPr sz="2400" kern="1200">
+                <a:solidFill>
+                  <a:schemeClr val="tx1"/>
+                </a:solidFill>
+                <a:latin typeface="+mn-lt"/>
+                <a:ea typeface="+mn-ea"/>
+                <a:cs typeface="+mn-cs"/>
+              </a:defRPr>
+            </a:lvl2pPr>
+            <a:lvl3pPr marL="1143000" indent="-228600" algn="l" defTabSz="914400" rtl="0" eaLnBrk="1" latinLnBrk="0" hangingPunct="1">
+              <a:lnSpc>
+                <a:spcPct val="90000"/>
+              </a:lnSpc>
+              <a:spcBef>
+                <a:spcPts val="500"/>
+              </a:spcBef>
+              <a:buFont typeface="Arial" panose="020B0604020202020204" pitchFamily="34" charset="0"/>
+              <a:buChar char="•"/>
+              <a:defRPr sz="2000" kern="1200">
+                <a:solidFill>
+                  <a:schemeClr val="tx1"/>
+                </a:solidFill>
+                <a:latin typeface="+mn-lt"/>
+                <a:ea typeface="+mn-ea"/>
+                <a:cs typeface="+mn-cs"/>
+              </a:defRPr>
+            </a:lvl3pPr>
+            <a:lvl4pPr marL="1600200" indent="-228600" algn="l" defTabSz="914400" rtl="0" eaLnBrk="1" latinLnBrk="0" hangingPunct="1">
+              <a:lnSpc>
+                <a:spcPct val="90000"/>
+              </a:lnSpc>
+              <a:spcBef>
+                <a:spcPts val="500"/>
+              </a:spcBef>
+              <a:buFont typeface="Arial" panose="020B0604020202020204" pitchFamily="34" charset="0"/>
+              <a:buChar char="•"/>
+              <a:defRPr sz="1800" kern="1200">
+                <a:solidFill>
+                  <a:schemeClr val="tx1"/>
+                </a:solidFill>
+                <a:latin typeface="+mn-lt"/>
+                <a:ea typeface="+mn-ea"/>
+                <a:cs typeface="+mn-cs"/>
+              </a:defRPr>
+            </a:lvl4pPr>
+            <a:lvl5pPr marL="2057400" indent="-228600" algn="l" defTabSz="914400" rtl="0" eaLnBrk="1" latinLnBrk="0" hangingPunct="1">
+              <a:lnSpc>
+                <a:spcPct val="90000"/>
+              </a:lnSpc>
+              <a:spcBef>
+                <a:spcPts val="500"/>
+              </a:spcBef>
+              <a:buFont typeface="Arial" panose="020B0604020202020204" pitchFamily="34" charset="0"/>
+              <a:buChar char="•"/>
+              <a:defRPr sz="1800" kern="1200">
+                <a:solidFill>
+                  <a:schemeClr val="tx1"/>
+                </a:solidFill>
+                <a:latin typeface="+mn-lt"/>
+                <a:ea typeface="+mn-ea"/>
+                <a:cs typeface="+mn-cs"/>
+              </a:defRPr>
+            </a:lvl5pPr>
+            <a:lvl6pPr marL="2514600" indent="-228600" algn="l" defTabSz="914400" rtl="0" eaLnBrk="1" latinLnBrk="0" hangingPunct="1">
+              <a:lnSpc>
+                <a:spcPct val="90000"/>
+              </a:lnSpc>
+              <a:spcBef>
+                <a:spcPts val="500"/>
+              </a:spcBef>
+              <a:buFont typeface="Arial" panose="020B0604020202020204" pitchFamily="34" charset="0"/>
+              <a:buChar char="•"/>
+              <a:defRPr sz="1800" kern="1200">
+                <a:solidFill>
+                  <a:schemeClr val="tx1"/>
+                </a:solidFill>
+                <a:latin typeface="+mn-lt"/>
+                <a:ea typeface="+mn-ea"/>
+                <a:cs typeface="+mn-cs"/>
+              </a:defRPr>
+            </a:lvl6pPr>
+            <a:lvl7pPr marL="2971800" indent="-228600" algn="l" defTabSz="914400" rtl="0" eaLnBrk="1" latinLnBrk="0" hangingPunct="1">
+              <a:lnSpc>
+                <a:spcPct val="90000"/>
+              </a:lnSpc>
+              <a:spcBef>
+                <a:spcPts val="500"/>
+              </a:spcBef>
+              <a:buFont typeface="Arial" panose="020B0604020202020204" pitchFamily="34" charset="0"/>
+              <a:buChar char="•"/>
+              <a:defRPr sz="1800" kern="1200">
+                <a:solidFill>
+                  <a:schemeClr val="tx1"/>
+                </a:solidFill>
+                <a:latin typeface="+mn-lt"/>
+                <a:ea typeface="+mn-ea"/>
+                <a:cs typeface="+mn-cs"/>
+              </a:defRPr>
+            </a:lvl7pPr>
+            <a:lvl8pPr marL="3429000" indent="-228600" algn="l" defTabSz="914400" rtl="0" eaLnBrk="1" latinLnBrk="0" hangingPunct="1">
+              <a:lnSpc>
+                <a:spcPct val="90000"/>
+              </a:lnSpc>
+              <a:spcBef>
+                <a:spcPts val="500"/>
+              </a:spcBef>
+              <a:buFont typeface="Arial" panose="020B0604020202020204" pitchFamily="34" charset="0"/>
+              <a:buChar char="•"/>
+              <a:defRPr sz="1800" kern="1200">
+                <a:solidFill>
+                  <a:schemeClr val="tx1"/>
+                </a:solidFill>
+                <a:latin typeface="+mn-lt"/>
+                <a:ea typeface="+mn-ea"/>
+                <a:cs typeface="+mn-cs"/>
+              </a:defRPr>
+            </a:lvl8pPr>
+            <a:lvl9pPr marL="3886200" indent="-228600" algn="l" defTabSz="914400" rtl="0" eaLnBrk="1" latinLnBrk="0" hangingPunct="1">
+              <a:lnSpc>
+                <a:spcPct val="90000"/>
+              </a:lnSpc>
+              <a:spcBef>
+                <a:spcPts val="500"/>
+              </a:spcBef>
+              <a:buFont typeface="Arial" panose="020B0604020202020204" pitchFamily="34" charset="0"/>
+              <a:buChar char="•"/>
+              <a:defRPr sz="1800" kern="1200">
+                <a:solidFill>
+                  <a:schemeClr val="tx1"/>
+                </a:solidFill>
+                <a:latin typeface="+mn-lt"/>
+                <a:ea typeface="+mn-ea"/>
+                <a:cs typeface="+mn-cs"/>
+              </a:defRPr>
+            </a:lvl9pPr>
+          </a:lstStyle>
+          <a:p>
+            <a:pPr marL="0" indent="0">
+              <a:buFont typeface="Arial" panose="020B0604020202020204" pitchFamily="34" charset="0"/>
+              <a:buNone/>
+            </a:pPr>
+            <a:endParaRPr lang="fr-FR" sz="1400" dirty="0"/>
+          </a:p>
+          <a:p>
+            <a:pPr marL="0" indent="0">
+              <a:buFont typeface="Arial" panose="020B0604020202020204" pitchFamily="34" charset="0"/>
+              <a:buNone/>
+            </a:pPr>
+            <a:endParaRPr lang="fr-FR" sz="1400" dirty="0"/>
+          </a:p>
+        </p:txBody>
+      </p:sp>
+      <p:sp>
+        <p:nvSpPr>
+          <p:cNvPr id="7" name="Espace réservé du contenu 2">
+            <a:extLst>
+              <a:ext uri="{FF2B5EF4-FFF2-40B4-BE49-F238E27FC236}">
+                <a16:creationId xmlns:a16="http://schemas.microsoft.com/office/drawing/2014/main" id="{C186E827-4A12-4E94-B916-563ED25781C9}"/>
+              </a:ext>
+            </a:extLst>
+          </p:cNvPr>
+          <p:cNvSpPr txBox="1">
+            <a:spLocks/>
+          </p:cNvSpPr>
+          <p:nvPr/>
+        </p:nvSpPr>
+        <p:spPr>
+          <a:xfrm>
+            <a:off x="838200" y="1828998"/>
+            <a:ext cx="4389120" cy="4351338"/>
+          </a:xfrm>
+          <a:prstGeom prst="rect">
+            <a:avLst/>
+          </a:prstGeom>
+        </p:spPr>
+        <p:txBody>
+          <a:bodyPr vert="horz" lIns="91440" tIns="45720" rIns="91440" bIns="45720" rtlCol="0">
+            <a:normAutofit/>
+          </a:bodyPr>
+          <a:lstStyle>
+            <a:lvl1pPr marL="228600" indent="-228600" algn="l" defTabSz="914400" rtl="0" eaLnBrk="1" latinLnBrk="0" hangingPunct="1">
+              <a:lnSpc>
+                <a:spcPct val="90000"/>
+              </a:lnSpc>
+              <a:spcBef>
+                <a:spcPts val="1000"/>
+              </a:spcBef>
+              <a:buFont typeface="Arial" panose="020B0604020202020204" pitchFamily="34" charset="0"/>
+              <a:buChar char="•"/>
+              <a:defRPr sz="2800" kern="1200">
+                <a:solidFill>
+                  <a:schemeClr val="tx1"/>
+                </a:solidFill>
+                <a:latin typeface="+mn-lt"/>
+                <a:ea typeface="+mn-ea"/>
+                <a:cs typeface="+mn-cs"/>
+              </a:defRPr>
+            </a:lvl1pPr>
+            <a:lvl2pPr marL="685800" indent="-228600" algn="l" defTabSz="914400" rtl="0" eaLnBrk="1" latinLnBrk="0" hangingPunct="1">
+              <a:lnSpc>
+                <a:spcPct val="90000"/>
+              </a:lnSpc>
+              <a:spcBef>
+                <a:spcPts val="500"/>
+              </a:spcBef>
+              <a:buFont typeface="Arial" panose="020B0604020202020204" pitchFamily="34" charset="0"/>
+              <a:buChar char="•"/>
+              <a:defRPr sz="2400" kern="1200">
+                <a:solidFill>
+                  <a:schemeClr val="tx1"/>
+                </a:solidFill>
+                <a:latin typeface="+mn-lt"/>
+                <a:ea typeface="+mn-ea"/>
+                <a:cs typeface="+mn-cs"/>
+              </a:defRPr>
+            </a:lvl2pPr>
+            <a:lvl3pPr marL="1143000" indent="-228600" algn="l" defTabSz="914400" rtl="0" eaLnBrk="1" latinLnBrk="0" hangingPunct="1">
+              <a:lnSpc>
+                <a:spcPct val="90000"/>
+              </a:lnSpc>
+              <a:spcBef>
+                <a:spcPts val="500"/>
+              </a:spcBef>
+              <a:buFont typeface="Arial" panose="020B0604020202020204" pitchFamily="34" charset="0"/>
+              <a:buChar char="•"/>
+              <a:defRPr sz="2000" kern="1200">
+                <a:solidFill>
+                  <a:schemeClr val="tx1"/>
+                </a:solidFill>
+                <a:latin typeface="+mn-lt"/>
+                <a:ea typeface="+mn-ea"/>
+                <a:cs typeface="+mn-cs"/>
+              </a:defRPr>
+            </a:lvl3pPr>
+            <a:lvl4pPr marL="1600200" indent="-228600" algn="l" defTabSz="914400" rtl="0" eaLnBrk="1" latinLnBrk="0" hangingPunct="1">
+              <a:lnSpc>
+                <a:spcPct val="90000"/>
+              </a:lnSpc>
+              <a:spcBef>
+                <a:spcPts val="500"/>
+              </a:spcBef>
+              <a:buFont typeface="Arial" panose="020B0604020202020204" pitchFamily="34" charset="0"/>
+              <a:buChar char="•"/>
+              <a:defRPr sz="1800" kern="1200">
+                <a:solidFill>
+                  <a:schemeClr val="tx1"/>
+                </a:solidFill>
+                <a:latin typeface="+mn-lt"/>
+                <a:ea typeface="+mn-ea"/>
+                <a:cs typeface="+mn-cs"/>
+              </a:defRPr>
+            </a:lvl4pPr>
+            <a:lvl5pPr marL="2057400" indent="-228600" algn="l" defTabSz="914400" rtl="0" eaLnBrk="1" latinLnBrk="0" hangingPunct="1">
+              <a:lnSpc>
+                <a:spcPct val="90000"/>
+              </a:lnSpc>
+              <a:spcBef>
+                <a:spcPts val="500"/>
+              </a:spcBef>
+              <a:buFont typeface="Arial" panose="020B0604020202020204" pitchFamily="34" charset="0"/>
+              <a:buChar char="•"/>
+              <a:defRPr sz="1800" kern="1200">
+                <a:solidFill>
+                  <a:schemeClr val="tx1"/>
+                </a:solidFill>
+                <a:latin typeface="+mn-lt"/>
+                <a:ea typeface="+mn-ea"/>
+                <a:cs typeface="+mn-cs"/>
+              </a:defRPr>
+            </a:lvl5pPr>
+            <a:lvl6pPr marL="2514600" indent="-228600" algn="l" defTabSz="914400" rtl="0" eaLnBrk="1" latinLnBrk="0" hangingPunct="1">
+              <a:lnSpc>
+                <a:spcPct val="90000"/>
+              </a:lnSpc>
+              <a:spcBef>
+                <a:spcPts val="500"/>
+              </a:spcBef>
+              <a:buFont typeface="Arial" panose="020B0604020202020204" pitchFamily="34" charset="0"/>
+              <a:buChar char="•"/>
+              <a:defRPr sz="1800" kern="1200">
+                <a:solidFill>
+                  <a:schemeClr val="tx1"/>
+                </a:solidFill>
+                <a:latin typeface="+mn-lt"/>
+                <a:ea typeface="+mn-ea"/>
+                <a:cs typeface="+mn-cs"/>
+              </a:defRPr>
+            </a:lvl6pPr>
+            <a:lvl7pPr marL="2971800" indent="-228600" algn="l" defTabSz="914400" rtl="0" eaLnBrk="1" latinLnBrk="0" hangingPunct="1">
+              <a:lnSpc>
+                <a:spcPct val="90000"/>
+              </a:lnSpc>
+              <a:spcBef>
+                <a:spcPts val="500"/>
+              </a:spcBef>
+              <a:buFont typeface="Arial" panose="020B0604020202020204" pitchFamily="34" charset="0"/>
+              <a:buChar char="•"/>
+              <a:defRPr sz="1800" kern="1200">
+                <a:solidFill>
+                  <a:schemeClr val="tx1"/>
+                </a:solidFill>
+                <a:latin typeface="+mn-lt"/>
+                <a:ea typeface="+mn-ea"/>
+                <a:cs typeface="+mn-cs"/>
+              </a:defRPr>
+            </a:lvl7pPr>
+            <a:lvl8pPr marL="3429000" indent="-228600" algn="l" defTabSz="914400" rtl="0" eaLnBrk="1" latinLnBrk="0" hangingPunct="1">
+              <a:lnSpc>
+                <a:spcPct val="90000"/>
+              </a:lnSpc>
+              <a:spcBef>
+                <a:spcPts val="500"/>
+              </a:spcBef>
+              <a:buFont typeface="Arial" panose="020B0604020202020204" pitchFamily="34" charset="0"/>
+              <a:buChar char="•"/>
+              <a:defRPr sz="1800" kern="1200">
+                <a:solidFill>
+                  <a:schemeClr val="tx1"/>
+                </a:solidFill>
+                <a:latin typeface="+mn-lt"/>
+                <a:ea typeface="+mn-ea"/>
+                <a:cs typeface="+mn-cs"/>
+              </a:defRPr>
+            </a:lvl8pPr>
+            <a:lvl9pPr marL="3886200" indent="-228600" algn="l" defTabSz="914400" rtl="0" eaLnBrk="1" latinLnBrk="0" hangingPunct="1">
+              <a:lnSpc>
+                <a:spcPct val="90000"/>
+              </a:lnSpc>
+              <a:spcBef>
+                <a:spcPts val="500"/>
+              </a:spcBef>
+              <a:buFont typeface="Arial" panose="020B0604020202020204" pitchFamily="34" charset="0"/>
+              <a:buChar char="•"/>
+              <a:defRPr sz="1800" kern="1200">
+                <a:solidFill>
+                  <a:schemeClr val="tx1"/>
+                </a:solidFill>
+                <a:latin typeface="+mn-lt"/>
+                <a:ea typeface="+mn-ea"/>
+                <a:cs typeface="+mn-cs"/>
+              </a:defRPr>
+            </a:lvl9pPr>
+          </a:lstStyle>
+          <a:p>
+            <a:pPr marL="0" indent="0">
+              <a:buFont typeface="Arial" panose="020B0604020202020204" pitchFamily="34" charset="0"/>
+              <a:buNone/>
+            </a:pPr>
+            <a:endParaRPr lang="fr-FR" sz="1700" dirty="0"/>
+          </a:p>
+        </p:txBody>
+      </p:sp>
+      <p:sp>
+        <p:nvSpPr>
+          <p:cNvPr id="10" name="Espace réservé du contenu 2">
+            <a:extLst>
+              <a:ext uri="{FF2B5EF4-FFF2-40B4-BE49-F238E27FC236}">
+                <a16:creationId xmlns:a16="http://schemas.microsoft.com/office/drawing/2014/main" id="{043C8D8C-BDCD-46B0-9564-FF19BB4698A7}"/>
+              </a:ext>
+            </a:extLst>
+          </p:cNvPr>
+          <p:cNvSpPr txBox="1">
+            <a:spLocks/>
+          </p:cNvSpPr>
+          <p:nvPr/>
+        </p:nvSpPr>
+        <p:spPr>
+          <a:xfrm>
+            <a:off x="6096000" y="1828998"/>
+            <a:ext cx="4389120" cy="4351338"/>
+          </a:xfrm>
+          <a:prstGeom prst="rect">
+            <a:avLst/>
+          </a:prstGeom>
+        </p:spPr>
+        <p:txBody>
+          <a:bodyPr vert="horz" lIns="91440" tIns="45720" rIns="91440" bIns="45720" rtlCol="0">
+            <a:normAutofit/>
+          </a:bodyPr>
+          <a:lstStyle>
+            <a:lvl1pPr marL="228600" indent="-228600" algn="l" defTabSz="914400" rtl="0" eaLnBrk="1" latinLnBrk="0" hangingPunct="1">
+              <a:lnSpc>
+                <a:spcPct val="90000"/>
+              </a:lnSpc>
+              <a:spcBef>
+                <a:spcPts val="1000"/>
+              </a:spcBef>
+              <a:buFont typeface="Arial" panose="020B0604020202020204" pitchFamily="34" charset="0"/>
+              <a:buChar char="•"/>
+              <a:defRPr sz="2800" kern="1200">
+                <a:solidFill>
+                  <a:schemeClr val="tx1"/>
+                </a:solidFill>
+                <a:latin typeface="+mn-lt"/>
+                <a:ea typeface="+mn-ea"/>
+                <a:cs typeface="+mn-cs"/>
+              </a:defRPr>
+            </a:lvl1pPr>
+            <a:lvl2pPr marL="685800" indent="-228600" algn="l" defTabSz="914400" rtl="0" eaLnBrk="1" latinLnBrk="0" hangingPunct="1">
+              <a:lnSpc>
+                <a:spcPct val="90000"/>
+              </a:lnSpc>
+              <a:spcBef>
+                <a:spcPts val="500"/>
+              </a:spcBef>
+              <a:buFont typeface="Arial" panose="020B0604020202020204" pitchFamily="34" charset="0"/>
+              <a:buChar char="•"/>
+              <a:defRPr sz="2400" kern="1200">
+                <a:solidFill>
+                  <a:schemeClr val="tx1"/>
+                </a:solidFill>
+                <a:latin typeface="+mn-lt"/>
+                <a:ea typeface="+mn-ea"/>
+                <a:cs typeface="+mn-cs"/>
+              </a:defRPr>
+            </a:lvl2pPr>
+            <a:lvl3pPr marL="1143000" indent="-228600" algn="l" defTabSz="914400" rtl="0" eaLnBrk="1" latinLnBrk="0" hangingPunct="1">
+              <a:lnSpc>
+                <a:spcPct val="90000"/>
+              </a:lnSpc>
+              <a:spcBef>
+                <a:spcPts val="500"/>
+              </a:spcBef>
+              <a:buFont typeface="Arial" panose="020B0604020202020204" pitchFamily="34" charset="0"/>
+              <a:buChar char="•"/>
+              <a:defRPr sz="2000" kern="1200">
+                <a:solidFill>
+                  <a:schemeClr val="tx1"/>
+                </a:solidFill>
+                <a:latin typeface="+mn-lt"/>
+                <a:ea typeface="+mn-ea"/>
+                <a:cs typeface="+mn-cs"/>
+              </a:defRPr>
+            </a:lvl3pPr>
+            <a:lvl4pPr marL="1600200" indent="-228600" algn="l" defTabSz="914400" rtl="0" eaLnBrk="1" latinLnBrk="0" hangingPunct="1">
+              <a:lnSpc>
+                <a:spcPct val="90000"/>
+              </a:lnSpc>
+              <a:spcBef>
+                <a:spcPts val="500"/>
+              </a:spcBef>
+              <a:buFont typeface="Arial" panose="020B0604020202020204" pitchFamily="34" charset="0"/>
+              <a:buChar char="•"/>
+              <a:defRPr sz="1800" kern="1200">
+                <a:solidFill>
+                  <a:schemeClr val="tx1"/>
+                </a:solidFill>
+                <a:latin typeface="+mn-lt"/>
+                <a:ea typeface="+mn-ea"/>
+                <a:cs typeface="+mn-cs"/>
+              </a:defRPr>
+            </a:lvl4pPr>
+            <a:lvl5pPr marL="2057400" indent="-228600" algn="l" defTabSz="914400" rtl="0" eaLnBrk="1" latinLnBrk="0" hangingPunct="1">
+              <a:lnSpc>
+                <a:spcPct val="90000"/>
+              </a:lnSpc>
+              <a:spcBef>
+                <a:spcPts val="500"/>
+              </a:spcBef>
+              <a:buFont typeface="Arial" panose="020B0604020202020204" pitchFamily="34" charset="0"/>
+              <a:buChar char="•"/>
+              <a:defRPr sz="1800" kern="1200">
+                <a:solidFill>
+                  <a:schemeClr val="tx1"/>
+                </a:solidFill>
+                <a:latin typeface="+mn-lt"/>
+                <a:ea typeface="+mn-ea"/>
+                <a:cs typeface="+mn-cs"/>
+              </a:defRPr>
+            </a:lvl5pPr>
+            <a:lvl6pPr marL="2514600" indent="-228600" algn="l" defTabSz="914400" rtl="0" eaLnBrk="1" latinLnBrk="0" hangingPunct="1">
+              <a:lnSpc>
+                <a:spcPct val="90000"/>
+              </a:lnSpc>
+              <a:spcBef>
+                <a:spcPts val="500"/>
+              </a:spcBef>
+              <a:buFont typeface="Arial" panose="020B0604020202020204" pitchFamily="34" charset="0"/>
+              <a:buChar char="•"/>
+              <a:defRPr sz="1800" kern="1200">
+                <a:solidFill>
+                  <a:schemeClr val="tx1"/>
+                </a:solidFill>
+                <a:latin typeface="+mn-lt"/>
+                <a:ea typeface="+mn-ea"/>
+                <a:cs typeface="+mn-cs"/>
+              </a:defRPr>
+            </a:lvl6pPr>
+            <a:lvl7pPr marL="2971800" indent="-228600" algn="l" defTabSz="914400" rtl="0" eaLnBrk="1" latinLnBrk="0" hangingPunct="1">
+              <a:lnSpc>
+                <a:spcPct val="90000"/>
+              </a:lnSpc>
+              <a:spcBef>
+                <a:spcPts val="500"/>
+              </a:spcBef>
+              <a:buFont typeface="Arial" panose="020B0604020202020204" pitchFamily="34" charset="0"/>
+              <a:buChar char="•"/>
+              <a:defRPr sz="1800" kern="1200">
+                <a:solidFill>
+                  <a:schemeClr val="tx1"/>
+                </a:solidFill>
+                <a:latin typeface="+mn-lt"/>
+                <a:ea typeface="+mn-ea"/>
+                <a:cs typeface="+mn-cs"/>
+              </a:defRPr>
+            </a:lvl7pPr>
+            <a:lvl8pPr marL="3429000" indent="-228600" algn="l" defTabSz="914400" rtl="0" eaLnBrk="1" latinLnBrk="0" hangingPunct="1">
+              <a:lnSpc>
+                <a:spcPct val="90000"/>
+              </a:lnSpc>
+              <a:spcBef>
+                <a:spcPts val="500"/>
+              </a:spcBef>
+              <a:buFont typeface="Arial" panose="020B0604020202020204" pitchFamily="34" charset="0"/>
+              <a:buChar char="•"/>
+              <a:defRPr sz="1800" kern="1200">
+                <a:solidFill>
+                  <a:schemeClr val="tx1"/>
+                </a:solidFill>
+                <a:latin typeface="+mn-lt"/>
+                <a:ea typeface="+mn-ea"/>
+                <a:cs typeface="+mn-cs"/>
+              </a:defRPr>
+            </a:lvl8pPr>
+            <a:lvl9pPr marL="3886200" indent="-228600" algn="l" defTabSz="914400" rtl="0" eaLnBrk="1" latinLnBrk="0" hangingPunct="1">
+              <a:lnSpc>
+                <a:spcPct val="90000"/>
+              </a:lnSpc>
+              <a:spcBef>
+                <a:spcPts val="500"/>
+              </a:spcBef>
+              <a:buFont typeface="Arial" panose="020B0604020202020204" pitchFamily="34" charset="0"/>
+              <a:buChar char="•"/>
+              <a:defRPr sz="1800" kern="1200">
+                <a:solidFill>
+                  <a:schemeClr val="tx1"/>
+                </a:solidFill>
+                <a:latin typeface="+mn-lt"/>
+                <a:ea typeface="+mn-ea"/>
+                <a:cs typeface="+mn-cs"/>
+              </a:defRPr>
+            </a:lvl9pPr>
+          </a:lstStyle>
+          <a:p>
+            <a:pPr marL="0" indent="0">
+              <a:buFont typeface="Arial" panose="020B0604020202020204" pitchFamily="34" charset="0"/>
+              <a:buNone/>
+            </a:pPr>
+            <a:endParaRPr lang="fr-FR" sz="1700" dirty="0"/>
+          </a:p>
+        </p:txBody>
+      </p:sp>
+      <p:sp>
+        <p:nvSpPr>
+          <p:cNvPr id="12" name="Espace réservé du contenu 2">
+            <a:extLst>
+              <a:ext uri="{FF2B5EF4-FFF2-40B4-BE49-F238E27FC236}">
+                <a16:creationId xmlns:a16="http://schemas.microsoft.com/office/drawing/2014/main" id="{4408F6F0-FDC2-4D0B-BEE4-B5BC7E6FD279}"/>
+              </a:ext>
+            </a:extLst>
+          </p:cNvPr>
+          <p:cNvSpPr txBox="1">
+            <a:spLocks/>
+          </p:cNvSpPr>
+          <p:nvPr/>
+        </p:nvSpPr>
+        <p:spPr>
+          <a:xfrm>
+            <a:off x="990600" y="1981398"/>
+            <a:ext cx="4389120" cy="4351338"/>
+          </a:xfrm>
+          <a:prstGeom prst="rect">
+            <a:avLst/>
+          </a:prstGeom>
+        </p:spPr>
+        <p:txBody>
+          <a:bodyPr vert="horz" lIns="91440" tIns="45720" rIns="91440" bIns="45720" rtlCol="0">
+            <a:normAutofit/>
+          </a:bodyPr>
+          <a:lstStyle>
+            <a:lvl1pPr marL="228600" indent="-228600" algn="l" defTabSz="914400" rtl="0" eaLnBrk="1" latinLnBrk="0" hangingPunct="1">
+              <a:lnSpc>
+                <a:spcPct val="90000"/>
+              </a:lnSpc>
+              <a:spcBef>
+                <a:spcPts val="1000"/>
+              </a:spcBef>
+              <a:buFont typeface="Arial" panose="020B0604020202020204" pitchFamily="34" charset="0"/>
+              <a:buChar char="•"/>
+              <a:defRPr sz="2800" kern="1200">
+                <a:solidFill>
+                  <a:schemeClr val="tx1"/>
+                </a:solidFill>
+                <a:latin typeface="+mn-lt"/>
+                <a:ea typeface="+mn-ea"/>
+                <a:cs typeface="+mn-cs"/>
+              </a:defRPr>
+            </a:lvl1pPr>
+            <a:lvl2pPr marL="685800" indent="-228600" algn="l" defTabSz="914400" rtl="0" eaLnBrk="1" latinLnBrk="0" hangingPunct="1">
+              <a:lnSpc>
+                <a:spcPct val="90000"/>
+              </a:lnSpc>
+              <a:spcBef>
+                <a:spcPts val="500"/>
+              </a:spcBef>
+              <a:buFont typeface="Arial" panose="020B0604020202020204" pitchFamily="34" charset="0"/>
+              <a:buChar char="•"/>
+              <a:defRPr sz="2400" kern="1200">
+                <a:solidFill>
+                  <a:schemeClr val="tx1"/>
+                </a:solidFill>
+                <a:latin typeface="+mn-lt"/>
+                <a:ea typeface="+mn-ea"/>
+                <a:cs typeface="+mn-cs"/>
+              </a:defRPr>
+            </a:lvl2pPr>
+            <a:lvl3pPr marL="1143000" indent="-228600" algn="l" defTabSz="914400" rtl="0" eaLnBrk="1" latinLnBrk="0" hangingPunct="1">
+              <a:lnSpc>
+                <a:spcPct val="90000"/>
+              </a:lnSpc>
+              <a:spcBef>
+                <a:spcPts val="500"/>
+              </a:spcBef>
+              <a:buFont typeface="Arial" panose="020B0604020202020204" pitchFamily="34" charset="0"/>
+              <a:buChar char="•"/>
+              <a:defRPr sz="2000" kern="1200">
+                <a:solidFill>
+                  <a:schemeClr val="tx1"/>
+                </a:solidFill>
+                <a:latin typeface="+mn-lt"/>
+                <a:ea typeface="+mn-ea"/>
+                <a:cs typeface="+mn-cs"/>
+              </a:defRPr>
+            </a:lvl3pPr>
+            <a:lvl4pPr marL="1600200" indent="-228600" algn="l" defTabSz="914400" rtl="0" eaLnBrk="1" latinLnBrk="0" hangingPunct="1">
+              <a:lnSpc>
+                <a:spcPct val="90000"/>
+              </a:lnSpc>
+              <a:spcBef>
+                <a:spcPts val="500"/>
+              </a:spcBef>
+              <a:buFont typeface="Arial" panose="020B0604020202020204" pitchFamily="34" charset="0"/>
+              <a:buChar char="•"/>
+              <a:defRPr sz="1800" kern="1200">
+                <a:solidFill>
+                  <a:schemeClr val="tx1"/>
+                </a:solidFill>
+                <a:latin typeface="+mn-lt"/>
+                <a:ea typeface="+mn-ea"/>
+                <a:cs typeface="+mn-cs"/>
+              </a:defRPr>
+            </a:lvl4pPr>
+            <a:lvl5pPr marL="2057400" indent="-228600" algn="l" defTabSz="914400" rtl="0" eaLnBrk="1" latinLnBrk="0" hangingPunct="1">
+              <a:lnSpc>
+                <a:spcPct val="90000"/>
+              </a:lnSpc>
+              <a:spcBef>
+                <a:spcPts val="500"/>
+              </a:spcBef>
+              <a:buFont typeface="Arial" panose="020B0604020202020204" pitchFamily="34" charset="0"/>
+              <a:buChar char="•"/>
+              <a:defRPr sz="1800" kern="1200">
+                <a:solidFill>
+                  <a:schemeClr val="tx1"/>
+                </a:solidFill>
+                <a:latin typeface="+mn-lt"/>
+                <a:ea typeface="+mn-ea"/>
+                <a:cs typeface="+mn-cs"/>
+              </a:defRPr>
+            </a:lvl5pPr>
+            <a:lvl6pPr marL="2514600" indent="-228600" algn="l" defTabSz="914400" rtl="0" eaLnBrk="1" latinLnBrk="0" hangingPunct="1">
+              <a:lnSpc>
+                <a:spcPct val="90000"/>
+              </a:lnSpc>
+              <a:spcBef>
+                <a:spcPts val="500"/>
+              </a:spcBef>
+              <a:buFont typeface="Arial" panose="020B0604020202020204" pitchFamily="34" charset="0"/>
+              <a:buChar char="•"/>
+              <a:defRPr sz="1800" kern="1200">
+                <a:solidFill>
+                  <a:schemeClr val="tx1"/>
+                </a:solidFill>
+                <a:latin typeface="+mn-lt"/>
+                <a:ea typeface="+mn-ea"/>
+                <a:cs typeface="+mn-cs"/>
+              </a:defRPr>
+            </a:lvl6pPr>
+            <a:lvl7pPr marL="2971800" indent="-228600" algn="l" defTabSz="914400" rtl="0" eaLnBrk="1" latinLnBrk="0" hangingPunct="1">
+              <a:lnSpc>
+                <a:spcPct val="90000"/>
+              </a:lnSpc>
+              <a:spcBef>
+                <a:spcPts val="500"/>
+              </a:spcBef>
+              <a:buFont typeface="Arial" panose="020B0604020202020204" pitchFamily="34" charset="0"/>
+              <a:buChar char="•"/>
+              <a:defRPr sz="1800" kern="1200">
+                <a:solidFill>
+                  <a:schemeClr val="tx1"/>
+                </a:solidFill>
+                <a:latin typeface="+mn-lt"/>
+                <a:ea typeface="+mn-ea"/>
+                <a:cs typeface="+mn-cs"/>
+              </a:defRPr>
+            </a:lvl7pPr>
+            <a:lvl8pPr marL="3429000" indent="-228600" algn="l" defTabSz="914400" rtl="0" eaLnBrk="1" latinLnBrk="0" hangingPunct="1">
+              <a:lnSpc>
+                <a:spcPct val="90000"/>
+              </a:lnSpc>
+              <a:spcBef>
+                <a:spcPts val="500"/>
+              </a:spcBef>
+              <a:buFont typeface="Arial" panose="020B0604020202020204" pitchFamily="34" charset="0"/>
+              <a:buChar char="•"/>
+              <a:defRPr sz="1800" kern="1200">
+                <a:solidFill>
+                  <a:schemeClr val="tx1"/>
+                </a:solidFill>
+                <a:latin typeface="+mn-lt"/>
+                <a:ea typeface="+mn-ea"/>
+                <a:cs typeface="+mn-cs"/>
+              </a:defRPr>
+            </a:lvl8pPr>
+            <a:lvl9pPr marL="3886200" indent="-228600" algn="l" defTabSz="914400" rtl="0" eaLnBrk="1" latinLnBrk="0" hangingPunct="1">
+              <a:lnSpc>
+                <a:spcPct val="90000"/>
+              </a:lnSpc>
+              <a:spcBef>
+                <a:spcPts val="500"/>
+              </a:spcBef>
+              <a:buFont typeface="Arial" panose="020B0604020202020204" pitchFamily="34" charset="0"/>
+              <a:buChar char="•"/>
+              <a:defRPr sz="1800" kern="1200">
+                <a:solidFill>
+                  <a:schemeClr val="tx1"/>
+                </a:solidFill>
+                <a:latin typeface="+mn-lt"/>
+                <a:ea typeface="+mn-ea"/>
+                <a:cs typeface="+mn-cs"/>
+              </a:defRPr>
+            </a:lvl9pPr>
+          </a:lstStyle>
+          <a:p>
+            <a:pPr marL="0" indent="0">
+              <a:buFont typeface="Arial" panose="020B0604020202020204" pitchFamily="34" charset="0"/>
+              <a:buNone/>
+            </a:pPr>
+            <a:r>
+              <a:rPr lang="fr-FR" sz="1700" dirty="0"/>
+              <a:t>Le bug que nous rencontrons au niveau des sous formulaires du collection type, est que les index ont tendances à se répéter, et donc lors de la suppression d’une image, toutes les images ayant le même index s’effacer elles aussi. </a:t>
+            </a:r>
+          </a:p>
+          <a:p>
+            <a:pPr marL="0" indent="0">
+              <a:buFont typeface="Arial" panose="020B0604020202020204" pitchFamily="34" charset="0"/>
+              <a:buNone/>
+            </a:pPr>
+            <a:r>
+              <a:rPr lang="fr-FR" sz="1700" dirty="0"/>
+              <a:t>Pour palier à se problème nous créer un input de type </a:t>
+            </a:r>
+            <a:r>
+              <a:rPr lang="fr-FR" sz="1700" dirty="0" err="1"/>
+              <a:t>hidden</a:t>
+            </a:r>
+            <a:r>
+              <a:rPr lang="fr-FR" sz="1700" dirty="0"/>
+              <a:t> ou nous lui avons attribuer une valeur à zéro, et que nous incrémentons lors de la création d’un nouvel d’une nouvelle image. Ce qui nous permet par conséquent de supprimer une image et seulement celle qui a été choisie.</a:t>
+            </a:r>
+            <a:endParaRPr lang="en-US" sz="1000" dirty="0"/>
+          </a:p>
+          <a:p>
+            <a:pPr marL="0" indent="0">
+              <a:buNone/>
+            </a:pPr>
+            <a:endParaRPr lang="en-US" sz="1000" dirty="0"/>
+          </a:p>
+        </p:txBody>
+      </p:sp>
+      <p:pic>
+        <p:nvPicPr>
+          <p:cNvPr id="2" name="Image 1">
+            <a:extLst>
+              <a:ext uri="{FF2B5EF4-FFF2-40B4-BE49-F238E27FC236}">
+                <a16:creationId xmlns:a16="http://schemas.microsoft.com/office/drawing/2014/main" id="{A46ED1A9-6EEB-4C74-85D1-9CF068CFD7E7}"/>
+              </a:ext>
+            </a:extLst>
+          </p:cNvPr>
+          <p:cNvPicPr>
+            <a:picLocks noChangeAspect="1"/>
+          </p:cNvPicPr>
+          <p:nvPr/>
+        </p:nvPicPr>
+        <p:blipFill>
+          <a:blip r:embed="rId2"/>
+          <a:stretch>
+            <a:fillRect/>
+          </a:stretch>
+        </p:blipFill>
+        <p:spPr>
+          <a:xfrm>
+            <a:off x="5892678" y="1967308"/>
+            <a:ext cx="5690039" cy="1325563"/>
+          </a:xfrm>
+          <a:prstGeom prst="rect">
+            <a:avLst/>
+          </a:prstGeom>
+        </p:spPr>
+      </p:pic>
+      <p:pic>
+        <p:nvPicPr>
+          <p:cNvPr id="6" name="Image 5">
+            <a:extLst>
+              <a:ext uri="{FF2B5EF4-FFF2-40B4-BE49-F238E27FC236}">
+                <a16:creationId xmlns:a16="http://schemas.microsoft.com/office/drawing/2014/main" id="{775CD6F2-2B9F-4C78-905F-0DB039281237}"/>
+              </a:ext>
+            </a:extLst>
+          </p:cNvPr>
+          <p:cNvPicPr>
+            <a:picLocks noChangeAspect="1"/>
+          </p:cNvPicPr>
+          <p:nvPr/>
+        </p:nvPicPr>
+        <p:blipFill>
+          <a:blip r:embed="rId3"/>
+          <a:stretch>
+            <a:fillRect/>
+          </a:stretch>
+        </p:blipFill>
+        <p:spPr>
+          <a:xfrm>
+            <a:off x="5892678" y="3429001"/>
+            <a:ext cx="5690039" cy="2751336"/>
+          </a:xfrm>
+          <a:prstGeom prst="rect">
+            <a:avLst/>
+          </a:prstGeom>
+        </p:spPr>
+      </p:pic>
+    </p:spTree>
+    <p:extLst>
+      <p:ext uri="{BB962C8B-B14F-4D97-AF65-F5344CB8AC3E}">
+        <p14:creationId xmlns:p14="http://schemas.microsoft.com/office/powerpoint/2010/main" val="2615268646"/>
+      </p:ext>
+    </p:extLst>
+  </p:cSld>
+  <p:clrMapOvr>
+    <a:masterClrMapping/>
+  </p:clrMapOvr>
+</p:sld>
+</file>
+
+<file path=ppt/slides/slide45.xml><?xml version="1.0" encoding="utf-8"?>
+<p:sld xmlns:a="http://schemas.openxmlformats.org/drawingml/2006/main" xmlns:r="http://schemas.openxmlformats.org/officeDocument/2006/relationships" xmlns:p="http://schemas.openxmlformats.org/presentationml/2006/main">
+  <p:cSld>
+    <p:spTree>
+      <p:nvGrpSpPr>
+        <p:cNvPr id="1" name=""/>
+        <p:cNvGrpSpPr/>
+        <p:nvPr/>
+      </p:nvGrpSpPr>
+      <p:grpSpPr>
+        <a:xfrm>
+          <a:off x="0" y="0"/>
+          <a:ext cx="0" cy="0"/>
+          <a:chOff x="0" y="0"/>
+          <a:chExt cx="0" cy="0"/>
+        </a:xfrm>
+      </p:grpSpPr>
+      <p:sp>
+        <p:nvSpPr>
+          <p:cNvPr id="4" name="Titre 1">
+            <a:extLst>
+              <a:ext uri="{FF2B5EF4-FFF2-40B4-BE49-F238E27FC236}">
+                <a16:creationId xmlns:a16="http://schemas.microsoft.com/office/drawing/2014/main" id="{960C1D7C-377E-4936-AFF5-23D603AD6FF4}"/>
+              </a:ext>
+            </a:extLst>
+          </p:cNvPr>
+          <p:cNvSpPr>
+            <a:spLocks noGrp="1"/>
+          </p:cNvSpPr>
+          <p:nvPr>
+            <p:ph type="title"/>
+          </p:nvPr>
+        </p:nvSpPr>
+        <p:spPr>
+          <a:xfrm>
+            <a:off x="838200" y="365125"/>
+            <a:ext cx="10515600" cy="1325563"/>
+          </a:xfrm>
+        </p:spPr>
+        <p:txBody>
+          <a:bodyPr/>
+          <a:lstStyle/>
+          <a:p>
+            <a:r>
+              <a:rPr lang="fr-FR" dirty="0"/>
+              <a:t>Etape 36: Rendre le champ slug non obligatoire</a:t>
+            </a:r>
+          </a:p>
+        </p:txBody>
+      </p:sp>
+      <p:sp>
+        <p:nvSpPr>
+          <p:cNvPr id="9" name="Espace réservé du contenu 2">
+            <a:extLst>
+              <a:ext uri="{FF2B5EF4-FFF2-40B4-BE49-F238E27FC236}">
+                <a16:creationId xmlns:a16="http://schemas.microsoft.com/office/drawing/2014/main" id="{EB812BAD-F986-4356-9B0E-865CD4B89634}"/>
+              </a:ext>
+            </a:extLst>
+          </p:cNvPr>
+          <p:cNvSpPr txBox="1">
+            <a:spLocks/>
+          </p:cNvSpPr>
+          <p:nvPr/>
+        </p:nvSpPr>
+        <p:spPr>
+          <a:xfrm>
+            <a:off x="999275" y="1828998"/>
+            <a:ext cx="4389120" cy="4351338"/>
+          </a:xfrm>
+          <a:prstGeom prst="rect">
+            <a:avLst/>
+          </a:prstGeom>
+        </p:spPr>
+        <p:txBody>
+          <a:bodyPr vert="horz" lIns="91440" tIns="45720" rIns="91440" bIns="45720" rtlCol="0">
+            <a:normAutofit/>
+          </a:bodyPr>
+          <a:lstStyle>
+            <a:lvl1pPr marL="228600" indent="-228600" algn="l" defTabSz="914400" rtl="0" eaLnBrk="1" latinLnBrk="0" hangingPunct="1">
+              <a:lnSpc>
+                <a:spcPct val="90000"/>
+              </a:lnSpc>
+              <a:spcBef>
+                <a:spcPts val="1000"/>
+              </a:spcBef>
+              <a:buFont typeface="Arial" panose="020B0604020202020204" pitchFamily="34" charset="0"/>
+              <a:buChar char="•"/>
+              <a:defRPr sz="2800" kern="1200">
+                <a:solidFill>
+                  <a:schemeClr val="tx1"/>
+                </a:solidFill>
+                <a:latin typeface="+mn-lt"/>
+                <a:ea typeface="+mn-ea"/>
+                <a:cs typeface="+mn-cs"/>
+              </a:defRPr>
+            </a:lvl1pPr>
+            <a:lvl2pPr marL="685800" indent="-228600" algn="l" defTabSz="914400" rtl="0" eaLnBrk="1" latinLnBrk="0" hangingPunct="1">
+              <a:lnSpc>
+                <a:spcPct val="90000"/>
+              </a:lnSpc>
+              <a:spcBef>
+                <a:spcPts val="500"/>
+              </a:spcBef>
+              <a:buFont typeface="Arial" panose="020B0604020202020204" pitchFamily="34" charset="0"/>
+              <a:buChar char="•"/>
+              <a:defRPr sz="2400" kern="1200">
+                <a:solidFill>
+                  <a:schemeClr val="tx1"/>
+                </a:solidFill>
+                <a:latin typeface="+mn-lt"/>
+                <a:ea typeface="+mn-ea"/>
+                <a:cs typeface="+mn-cs"/>
+              </a:defRPr>
+            </a:lvl2pPr>
+            <a:lvl3pPr marL="1143000" indent="-228600" algn="l" defTabSz="914400" rtl="0" eaLnBrk="1" latinLnBrk="0" hangingPunct="1">
+              <a:lnSpc>
+                <a:spcPct val="90000"/>
+              </a:lnSpc>
+              <a:spcBef>
+                <a:spcPts val="500"/>
+              </a:spcBef>
+              <a:buFont typeface="Arial" panose="020B0604020202020204" pitchFamily="34" charset="0"/>
+              <a:buChar char="•"/>
+              <a:defRPr sz="2000" kern="1200">
+                <a:solidFill>
+                  <a:schemeClr val="tx1"/>
+                </a:solidFill>
+                <a:latin typeface="+mn-lt"/>
+                <a:ea typeface="+mn-ea"/>
+                <a:cs typeface="+mn-cs"/>
+              </a:defRPr>
+            </a:lvl3pPr>
+            <a:lvl4pPr marL="1600200" indent="-228600" algn="l" defTabSz="914400" rtl="0" eaLnBrk="1" latinLnBrk="0" hangingPunct="1">
+              <a:lnSpc>
+                <a:spcPct val="90000"/>
+              </a:lnSpc>
+              <a:spcBef>
+                <a:spcPts val="500"/>
+              </a:spcBef>
+              <a:buFont typeface="Arial" panose="020B0604020202020204" pitchFamily="34" charset="0"/>
+              <a:buChar char="•"/>
+              <a:defRPr sz="1800" kern="1200">
+                <a:solidFill>
+                  <a:schemeClr val="tx1"/>
+                </a:solidFill>
+                <a:latin typeface="+mn-lt"/>
+                <a:ea typeface="+mn-ea"/>
+                <a:cs typeface="+mn-cs"/>
+              </a:defRPr>
+            </a:lvl4pPr>
+            <a:lvl5pPr marL="2057400" indent="-228600" algn="l" defTabSz="914400" rtl="0" eaLnBrk="1" latinLnBrk="0" hangingPunct="1">
+              <a:lnSpc>
+                <a:spcPct val="90000"/>
+              </a:lnSpc>
+              <a:spcBef>
+                <a:spcPts val="500"/>
+              </a:spcBef>
+              <a:buFont typeface="Arial" panose="020B0604020202020204" pitchFamily="34" charset="0"/>
+              <a:buChar char="•"/>
+              <a:defRPr sz="1800" kern="1200">
+                <a:solidFill>
+                  <a:schemeClr val="tx1"/>
+                </a:solidFill>
+                <a:latin typeface="+mn-lt"/>
+                <a:ea typeface="+mn-ea"/>
+                <a:cs typeface="+mn-cs"/>
+              </a:defRPr>
+            </a:lvl5pPr>
+            <a:lvl6pPr marL="2514600" indent="-228600" algn="l" defTabSz="914400" rtl="0" eaLnBrk="1" latinLnBrk="0" hangingPunct="1">
+              <a:lnSpc>
+                <a:spcPct val="90000"/>
+              </a:lnSpc>
+              <a:spcBef>
+                <a:spcPts val="500"/>
+              </a:spcBef>
+              <a:buFont typeface="Arial" panose="020B0604020202020204" pitchFamily="34" charset="0"/>
+              <a:buChar char="•"/>
+              <a:defRPr sz="1800" kern="1200">
+                <a:solidFill>
+                  <a:schemeClr val="tx1"/>
+                </a:solidFill>
+                <a:latin typeface="+mn-lt"/>
+                <a:ea typeface="+mn-ea"/>
+                <a:cs typeface="+mn-cs"/>
+              </a:defRPr>
+            </a:lvl6pPr>
+            <a:lvl7pPr marL="2971800" indent="-228600" algn="l" defTabSz="914400" rtl="0" eaLnBrk="1" latinLnBrk="0" hangingPunct="1">
+              <a:lnSpc>
+                <a:spcPct val="90000"/>
+              </a:lnSpc>
+              <a:spcBef>
+                <a:spcPts val="500"/>
+              </a:spcBef>
+              <a:buFont typeface="Arial" panose="020B0604020202020204" pitchFamily="34" charset="0"/>
+              <a:buChar char="•"/>
+              <a:defRPr sz="1800" kern="1200">
+                <a:solidFill>
+                  <a:schemeClr val="tx1"/>
+                </a:solidFill>
+                <a:latin typeface="+mn-lt"/>
+                <a:ea typeface="+mn-ea"/>
+                <a:cs typeface="+mn-cs"/>
+              </a:defRPr>
+            </a:lvl7pPr>
+            <a:lvl8pPr marL="3429000" indent="-228600" algn="l" defTabSz="914400" rtl="0" eaLnBrk="1" latinLnBrk="0" hangingPunct="1">
+              <a:lnSpc>
+                <a:spcPct val="90000"/>
+              </a:lnSpc>
+              <a:spcBef>
+                <a:spcPts val="500"/>
+              </a:spcBef>
+              <a:buFont typeface="Arial" panose="020B0604020202020204" pitchFamily="34" charset="0"/>
+              <a:buChar char="•"/>
+              <a:defRPr sz="1800" kern="1200">
+                <a:solidFill>
+                  <a:schemeClr val="tx1"/>
+                </a:solidFill>
+                <a:latin typeface="+mn-lt"/>
+                <a:ea typeface="+mn-ea"/>
+                <a:cs typeface="+mn-cs"/>
+              </a:defRPr>
+            </a:lvl8pPr>
+            <a:lvl9pPr marL="3886200" indent="-228600" algn="l" defTabSz="914400" rtl="0" eaLnBrk="1" latinLnBrk="0" hangingPunct="1">
+              <a:lnSpc>
+                <a:spcPct val="90000"/>
+              </a:lnSpc>
+              <a:spcBef>
+                <a:spcPts val="500"/>
+              </a:spcBef>
+              <a:buFont typeface="Arial" panose="020B0604020202020204" pitchFamily="34" charset="0"/>
+              <a:buChar char="•"/>
+              <a:defRPr sz="1800" kern="1200">
+                <a:solidFill>
+                  <a:schemeClr val="tx1"/>
+                </a:solidFill>
+                <a:latin typeface="+mn-lt"/>
+                <a:ea typeface="+mn-ea"/>
+                <a:cs typeface="+mn-cs"/>
+              </a:defRPr>
+            </a:lvl9pPr>
+          </a:lstStyle>
+          <a:p>
+            <a:pPr marL="0" indent="0">
+              <a:buFont typeface="Arial" panose="020B0604020202020204" pitchFamily="34" charset="0"/>
+              <a:buNone/>
+            </a:pPr>
+            <a:endParaRPr lang="fr-FR" sz="1400" dirty="0"/>
+          </a:p>
+        </p:txBody>
+      </p:sp>
+      <p:sp>
+        <p:nvSpPr>
+          <p:cNvPr id="11" name="Espace réservé du contenu 2">
+            <a:extLst>
+              <a:ext uri="{FF2B5EF4-FFF2-40B4-BE49-F238E27FC236}">
+                <a16:creationId xmlns:a16="http://schemas.microsoft.com/office/drawing/2014/main" id="{534F948C-D7ED-425C-B2BB-4056FDF0CEB3}"/>
+              </a:ext>
+            </a:extLst>
+          </p:cNvPr>
+          <p:cNvSpPr txBox="1">
+            <a:spLocks/>
+          </p:cNvSpPr>
+          <p:nvPr/>
+        </p:nvSpPr>
+        <p:spPr>
+          <a:xfrm>
+            <a:off x="838200" y="1967308"/>
+            <a:ext cx="4389120" cy="4351338"/>
+          </a:xfrm>
+          <a:prstGeom prst="rect">
+            <a:avLst/>
+          </a:prstGeom>
+        </p:spPr>
+        <p:txBody>
+          <a:bodyPr vert="horz" lIns="91440" tIns="45720" rIns="91440" bIns="45720" rtlCol="0">
+            <a:normAutofit/>
+          </a:bodyPr>
+          <a:lstStyle>
+            <a:lvl1pPr marL="228600" indent="-228600" algn="l" defTabSz="914400" rtl="0" eaLnBrk="1" latinLnBrk="0" hangingPunct="1">
+              <a:lnSpc>
+                <a:spcPct val="90000"/>
+              </a:lnSpc>
+              <a:spcBef>
+                <a:spcPts val="1000"/>
+              </a:spcBef>
+              <a:buFont typeface="Arial" panose="020B0604020202020204" pitchFamily="34" charset="0"/>
+              <a:buChar char="•"/>
+              <a:defRPr sz="2800" kern="1200">
+                <a:solidFill>
+                  <a:schemeClr val="tx1"/>
+                </a:solidFill>
+                <a:latin typeface="+mn-lt"/>
+                <a:ea typeface="+mn-ea"/>
+                <a:cs typeface="+mn-cs"/>
+              </a:defRPr>
+            </a:lvl1pPr>
+            <a:lvl2pPr marL="685800" indent="-228600" algn="l" defTabSz="914400" rtl="0" eaLnBrk="1" latinLnBrk="0" hangingPunct="1">
+              <a:lnSpc>
+                <a:spcPct val="90000"/>
+              </a:lnSpc>
+              <a:spcBef>
+                <a:spcPts val="500"/>
+              </a:spcBef>
+              <a:buFont typeface="Arial" panose="020B0604020202020204" pitchFamily="34" charset="0"/>
+              <a:buChar char="•"/>
+              <a:defRPr sz="2400" kern="1200">
+                <a:solidFill>
+                  <a:schemeClr val="tx1"/>
+                </a:solidFill>
+                <a:latin typeface="+mn-lt"/>
+                <a:ea typeface="+mn-ea"/>
+                <a:cs typeface="+mn-cs"/>
+              </a:defRPr>
+            </a:lvl2pPr>
+            <a:lvl3pPr marL="1143000" indent="-228600" algn="l" defTabSz="914400" rtl="0" eaLnBrk="1" latinLnBrk="0" hangingPunct="1">
+              <a:lnSpc>
+                <a:spcPct val="90000"/>
+              </a:lnSpc>
+              <a:spcBef>
+                <a:spcPts val="500"/>
+              </a:spcBef>
+              <a:buFont typeface="Arial" panose="020B0604020202020204" pitchFamily="34" charset="0"/>
+              <a:buChar char="•"/>
+              <a:defRPr sz="2000" kern="1200">
+                <a:solidFill>
+                  <a:schemeClr val="tx1"/>
+                </a:solidFill>
+                <a:latin typeface="+mn-lt"/>
+                <a:ea typeface="+mn-ea"/>
+                <a:cs typeface="+mn-cs"/>
+              </a:defRPr>
+            </a:lvl3pPr>
+            <a:lvl4pPr marL="1600200" indent="-228600" algn="l" defTabSz="914400" rtl="0" eaLnBrk="1" latinLnBrk="0" hangingPunct="1">
+              <a:lnSpc>
+                <a:spcPct val="90000"/>
+              </a:lnSpc>
+              <a:spcBef>
+                <a:spcPts val="500"/>
+              </a:spcBef>
+              <a:buFont typeface="Arial" panose="020B0604020202020204" pitchFamily="34" charset="0"/>
+              <a:buChar char="•"/>
+              <a:defRPr sz="1800" kern="1200">
+                <a:solidFill>
+                  <a:schemeClr val="tx1"/>
+                </a:solidFill>
+                <a:latin typeface="+mn-lt"/>
+                <a:ea typeface="+mn-ea"/>
+                <a:cs typeface="+mn-cs"/>
+              </a:defRPr>
+            </a:lvl4pPr>
+            <a:lvl5pPr marL="2057400" indent="-228600" algn="l" defTabSz="914400" rtl="0" eaLnBrk="1" latinLnBrk="0" hangingPunct="1">
+              <a:lnSpc>
+                <a:spcPct val="90000"/>
+              </a:lnSpc>
+              <a:spcBef>
+                <a:spcPts val="500"/>
+              </a:spcBef>
+              <a:buFont typeface="Arial" panose="020B0604020202020204" pitchFamily="34" charset="0"/>
+              <a:buChar char="•"/>
+              <a:defRPr sz="1800" kern="1200">
+                <a:solidFill>
+                  <a:schemeClr val="tx1"/>
+                </a:solidFill>
+                <a:latin typeface="+mn-lt"/>
+                <a:ea typeface="+mn-ea"/>
+                <a:cs typeface="+mn-cs"/>
+              </a:defRPr>
+            </a:lvl5pPr>
+            <a:lvl6pPr marL="2514600" indent="-228600" algn="l" defTabSz="914400" rtl="0" eaLnBrk="1" latinLnBrk="0" hangingPunct="1">
+              <a:lnSpc>
+                <a:spcPct val="90000"/>
+              </a:lnSpc>
+              <a:spcBef>
+                <a:spcPts val="500"/>
+              </a:spcBef>
+              <a:buFont typeface="Arial" panose="020B0604020202020204" pitchFamily="34" charset="0"/>
+              <a:buChar char="•"/>
+              <a:defRPr sz="1800" kern="1200">
+                <a:solidFill>
+                  <a:schemeClr val="tx1"/>
+                </a:solidFill>
+                <a:latin typeface="+mn-lt"/>
+                <a:ea typeface="+mn-ea"/>
+                <a:cs typeface="+mn-cs"/>
+              </a:defRPr>
+            </a:lvl6pPr>
+            <a:lvl7pPr marL="2971800" indent="-228600" algn="l" defTabSz="914400" rtl="0" eaLnBrk="1" latinLnBrk="0" hangingPunct="1">
+              <a:lnSpc>
+                <a:spcPct val="90000"/>
+              </a:lnSpc>
+              <a:spcBef>
+                <a:spcPts val="500"/>
+              </a:spcBef>
+              <a:buFont typeface="Arial" panose="020B0604020202020204" pitchFamily="34" charset="0"/>
+              <a:buChar char="•"/>
+              <a:defRPr sz="1800" kern="1200">
+                <a:solidFill>
+                  <a:schemeClr val="tx1"/>
+                </a:solidFill>
+                <a:latin typeface="+mn-lt"/>
+                <a:ea typeface="+mn-ea"/>
+                <a:cs typeface="+mn-cs"/>
+              </a:defRPr>
+            </a:lvl7pPr>
+            <a:lvl8pPr marL="3429000" indent="-228600" algn="l" defTabSz="914400" rtl="0" eaLnBrk="1" latinLnBrk="0" hangingPunct="1">
+              <a:lnSpc>
+                <a:spcPct val="90000"/>
+              </a:lnSpc>
+              <a:spcBef>
+                <a:spcPts val="500"/>
+              </a:spcBef>
+              <a:buFont typeface="Arial" panose="020B0604020202020204" pitchFamily="34" charset="0"/>
+              <a:buChar char="•"/>
+              <a:defRPr sz="1800" kern="1200">
+                <a:solidFill>
+                  <a:schemeClr val="tx1"/>
+                </a:solidFill>
+                <a:latin typeface="+mn-lt"/>
+                <a:ea typeface="+mn-ea"/>
+                <a:cs typeface="+mn-cs"/>
+              </a:defRPr>
+            </a:lvl8pPr>
+            <a:lvl9pPr marL="3886200" indent="-228600" algn="l" defTabSz="914400" rtl="0" eaLnBrk="1" latinLnBrk="0" hangingPunct="1">
+              <a:lnSpc>
+                <a:spcPct val="90000"/>
+              </a:lnSpc>
+              <a:spcBef>
+                <a:spcPts val="500"/>
+              </a:spcBef>
+              <a:buFont typeface="Arial" panose="020B0604020202020204" pitchFamily="34" charset="0"/>
+              <a:buChar char="•"/>
+              <a:defRPr sz="1800" kern="1200">
+                <a:solidFill>
+                  <a:schemeClr val="tx1"/>
+                </a:solidFill>
+                <a:latin typeface="+mn-lt"/>
+                <a:ea typeface="+mn-ea"/>
+                <a:cs typeface="+mn-cs"/>
+              </a:defRPr>
+            </a:lvl9pPr>
+          </a:lstStyle>
+          <a:p>
+            <a:pPr marL="0" indent="0">
+              <a:buFont typeface="Arial" panose="020B0604020202020204" pitchFamily="34" charset="0"/>
+              <a:buNone/>
+            </a:pPr>
+            <a:endParaRPr lang="fr-FR" sz="1400" dirty="0"/>
+          </a:p>
+          <a:p>
+            <a:pPr marL="0" indent="0">
+              <a:buFont typeface="Arial" panose="020B0604020202020204" pitchFamily="34" charset="0"/>
+              <a:buNone/>
+            </a:pPr>
+            <a:endParaRPr lang="fr-FR" sz="1400" dirty="0"/>
+          </a:p>
+        </p:txBody>
+      </p:sp>
+      <p:sp>
+        <p:nvSpPr>
+          <p:cNvPr id="7" name="Espace réservé du contenu 2">
+            <a:extLst>
+              <a:ext uri="{FF2B5EF4-FFF2-40B4-BE49-F238E27FC236}">
+                <a16:creationId xmlns:a16="http://schemas.microsoft.com/office/drawing/2014/main" id="{C186E827-4A12-4E94-B916-563ED25781C9}"/>
+              </a:ext>
+            </a:extLst>
+          </p:cNvPr>
+          <p:cNvSpPr txBox="1">
+            <a:spLocks/>
+          </p:cNvSpPr>
+          <p:nvPr/>
+        </p:nvSpPr>
+        <p:spPr>
+          <a:xfrm>
+            <a:off x="838200" y="1828998"/>
+            <a:ext cx="4389120" cy="4351338"/>
+          </a:xfrm>
+          <a:prstGeom prst="rect">
+            <a:avLst/>
+          </a:prstGeom>
+        </p:spPr>
+        <p:txBody>
+          <a:bodyPr vert="horz" lIns="91440" tIns="45720" rIns="91440" bIns="45720" rtlCol="0">
+            <a:normAutofit/>
+          </a:bodyPr>
+          <a:lstStyle>
+            <a:lvl1pPr marL="228600" indent="-228600" algn="l" defTabSz="914400" rtl="0" eaLnBrk="1" latinLnBrk="0" hangingPunct="1">
+              <a:lnSpc>
+                <a:spcPct val="90000"/>
+              </a:lnSpc>
+              <a:spcBef>
+                <a:spcPts val="1000"/>
+              </a:spcBef>
+              <a:buFont typeface="Arial" panose="020B0604020202020204" pitchFamily="34" charset="0"/>
+              <a:buChar char="•"/>
+              <a:defRPr sz="2800" kern="1200">
+                <a:solidFill>
+                  <a:schemeClr val="tx1"/>
+                </a:solidFill>
+                <a:latin typeface="+mn-lt"/>
+                <a:ea typeface="+mn-ea"/>
+                <a:cs typeface="+mn-cs"/>
+              </a:defRPr>
+            </a:lvl1pPr>
+            <a:lvl2pPr marL="685800" indent="-228600" algn="l" defTabSz="914400" rtl="0" eaLnBrk="1" latinLnBrk="0" hangingPunct="1">
+              <a:lnSpc>
+                <a:spcPct val="90000"/>
+              </a:lnSpc>
+              <a:spcBef>
+                <a:spcPts val="500"/>
+              </a:spcBef>
+              <a:buFont typeface="Arial" panose="020B0604020202020204" pitchFamily="34" charset="0"/>
+              <a:buChar char="•"/>
+              <a:defRPr sz="2400" kern="1200">
+                <a:solidFill>
+                  <a:schemeClr val="tx1"/>
+                </a:solidFill>
+                <a:latin typeface="+mn-lt"/>
+                <a:ea typeface="+mn-ea"/>
+                <a:cs typeface="+mn-cs"/>
+              </a:defRPr>
+            </a:lvl2pPr>
+            <a:lvl3pPr marL="1143000" indent="-228600" algn="l" defTabSz="914400" rtl="0" eaLnBrk="1" latinLnBrk="0" hangingPunct="1">
+              <a:lnSpc>
+                <a:spcPct val="90000"/>
+              </a:lnSpc>
+              <a:spcBef>
+                <a:spcPts val="500"/>
+              </a:spcBef>
+              <a:buFont typeface="Arial" panose="020B0604020202020204" pitchFamily="34" charset="0"/>
+              <a:buChar char="•"/>
+              <a:defRPr sz="2000" kern="1200">
+                <a:solidFill>
+                  <a:schemeClr val="tx1"/>
+                </a:solidFill>
+                <a:latin typeface="+mn-lt"/>
+                <a:ea typeface="+mn-ea"/>
+                <a:cs typeface="+mn-cs"/>
+              </a:defRPr>
+            </a:lvl3pPr>
+            <a:lvl4pPr marL="1600200" indent="-228600" algn="l" defTabSz="914400" rtl="0" eaLnBrk="1" latinLnBrk="0" hangingPunct="1">
+              <a:lnSpc>
+                <a:spcPct val="90000"/>
+              </a:lnSpc>
+              <a:spcBef>
+                <a:spcPts val="500"/>
+              </a:spcBef>
+              <a:buFont typeface="Arial" panose="020B0604020202020204" pitchFamily="34" charset="0"/>
+              <a:buChar char="•"/>
+              <a:defRPr sz="1800" kern="1200">
+                <a:solidFill>
+                  <a:schemeClr val="tx1"/>
+                </a:solidFill>
+                <a:latin typeface="+mn-lt"/>
+                <a:ea typeface="+mn-ea"/>
+                <a:cs typeface="+mn-cs"/>
+              </a:defRPr>
+            </a:lvl4pPr>
+            <a:lvl5pPr marL="2057400" indent="-228600" algn="l" defTabSz="914400" rtl="0" eaLnBrk="1" latinLnBrk="0" hangingPunct="1">
+              <a:lnSpc>
+                <a:spcPct val="90000"/>
+              </a:lnSpc>
+              <a:spcBef>
+                <a:spcPts val="500"/>
+              </a:spcBef>
+              <a:buFont typeface="Arial" panose="020B0604020202020204" pitchFamily="34" charset="0"/>
+              <a:buChar char="•"/>
+              <a:defRPr sz="1800" kern="1200">
+                <a:solidFill>
+                  <a:schemeClr val="tx1"/>
+                </a:solidFill>
+                <a:latin typeface="+mn-lt"/>
+                <a:ea typeface="+mn-ea"/>
+                <a:cs typeface="+mn-cs"/>
+              </a:defRPr>
+            </a:lvl5pPr>
+            <a:lvl6pPr marL="2514600" indent="-228600" algn="l" defTabSz="914400" rtl="0" eaLnBrk="1" latinLnBrk="0" hangingPunct="1">
+              <a:lnSpc>
+                <a:spcPct val="90000"/>
+              </a:lnSpc>
+              <a:spcBef>
+                <a:spcPts val="500"/>
+              </a:spcBef>
+              <a:buFont typeface="Arial" panose="020B0604020202020204" pitchFamily="34" charset="0"/>
+              <a:buChar char="•"/>
+              <a:defRPr sz="1800" kern="1200">
+                <a:solidFill>
+                  <a:schemeClr val="tx1"/>
+                </a:solidFill>
+                <a:latin typeface="+mn-lt"/>
+                <a:ea typeface="+mn-ea"/>
+                <a:cs typeface="+mn-cs"/>
+              </a:defRPr>
+            </a:lvl6pPr>
+            <a:lvl7pPr marL="2971800" indent="-228600" algn="l" defTabSz="914400" rtl="0" eaLnBrk="1" latinLnBrk="0" hangingPunct="1">
+              <a:lnSpc>
+                <a:spcPct val="90000"/>
+              </a:lnSpc>
+              <a:spcBef>
+                <a:spcPts val="500"/>
+              </a:spcBef>
+              <a:buFont typeface="Arial" panose="020B0604020202020204" pitchFamily="34" charset="0"/>
+              <a:buChar char="•"/>
+              <a:defRPr sz="1800" kern="1200">
+                <a:solidFill>
+                  <a:schemeClr val="tx1"/>
+                </a:solidFill>
+                <a:latin typeface="+mn-lt"/>
+                <a:ea typeface="+mn-ea"/>
+                <a:cs typeface="+mn-cs"/>
+              </a:defRPr>
+            </a:lvl7pPr>
+            <a:lvl8pPr marL="3429000" indent="-228600" algn="l" defTabSz="914400" rtl="0" eaLnBrk="1" latinLnBrk="0" hangingPunct="1">
+              <a:lnSpc>
+                <a:spcPct val="90000"/>
+              </a:lnSpc>
+              <a:spcBef>
+                <a:spcPts val="500"/>
+              </a:spcBef>
+              <a:buFont typeface="Arial" panose="020B0604020202020204" pitchFamily="34" charset="0"/>
+              <a:buChar char="•"/>
+              <a:defRPr sz="1800" kern="1200">
+                <a:solidFill>
+                  <a:schemeClr val="tx1"/>
+                </a:solidFill>
+                <a:latin typeface="+mn-lt"/>
+                <a:ea typeface="+mn-ea"/>
+                <a:cs typeface="+mn-cs"/>
+              </a:defRPr>
+            </a:lvl8pPr>
+            <a:lvl9pPr marL="3886200" indent="-228600" algn="l" defTabSz="914400" rtl="0" eaLnBrk="1" latinLnBrk="0" hangingPunct="1">
+              <a:lnSpc>
+                <a:spcPct val="90000"/>
+              </a:lnSpc>
+              <a:spcBef>
+                <a:spcPts val="500"/>
+              </a:spcBef>
+              <a:buFont typeface="Arial" panose="020B0604020202020204" pitchFamily="34" charset="0"/>
+              <a:buChar char="•"/>
+              <a:defRPr sz="1800" kern="1200">
+                <a:solidFill>
+                  <a:schemeClr val="tx1"/>
+                </a:solidFill>
+                <a:latin typeface="+mn-lt"/>
+                <a:ea typeface="+mn-ea"/>
+                <a:cs typeface="+mn-cs"/>
+              </a:defRPr>
+            </a:lvl9pPr>
+          </a:lstStyle>
+          <a:p>
+            <a:pPr marL="0" indent="0">
+              <a:buFont typeface="Arial" panose="020B0604020202020204" pitchFamily="34" charset="0"/>
+              <a:buNone/>
+            </a:pPr>
+            <a:endParaRPr lang="fr-FR" sz="1700" dirty="0"/>
+          </a:p>
+        </p:txBody>
+      </p:sp>
+      <p:sp>
+        <p:nvSpPr>
+          <p:cNvPr id="10" name="Espace réservé du contenu 2">
+            <a:extLst>
+              <a:ext uri="{FF2B5EF4-FFF2-40B4-BE49-F238E27FC236}">
+                <a16:creationId xmlns:a16="http://schemas.microsoft.com/office/drawing/2014/main" id="{043C8D8C-BDCD-46B0-9564-FF19BB4698A7}"/>
+              </a:ext>
+            </a:extLst>
+          </p:cNvPr>
+          <p:cNvSpPr txBox="1">
+            <a:spLocks/>
+          </p:cNvSpPr>
+          <p:nvPr/>
+        </p:nvSpPr>
+        <p:spPr>
+          <a:xfrm>
+            <a:off x="6096000" y="1828998"/>
+            <a:ext cx="4389120" cy="4351338"/>
+          </a:xfrm>
+          <a:prstGeom prst="rect">
+            <a:avLst/>
+          </a:prstGeom>
+        </p:spPr>
+        <p:txBody>
+          <a:bodyPr vert="horz" lIns="91440" tIns="45720" rIns="91440" bIns="45720" rtlCol="0">
+            <a:normAutofit/>
+          </a:bodyPr>
+          <a:lstStyle>
+            <a:lvl1pPr marL="228600" indent="-228600" algn="l" defTabSz="914400" rtl="0" eaLnBrk="1" latinLnBrk="0" hangingPunct="1">
+              <a:lnSpc>
+                <a:spcPct val="90000"/>
+              </a:lnSpc>
+              <a:spcBef>
+                <a:spcPts val="1000"/>
+              </a:spcBef>
+              <a:buFont typeface="Arial" panose="020B0604020202020204" pitchFamily="34" charset="0"/>
+              <a:buChar char="•"/>
+              <a:defRPr sz="2800" kern="1200">
+                <a:solidFill>
+                  <a:schemeClr val="tx1"/>
+                </a:solidFill>
+                <a:latin typeface="+mn-lt"/>
+                <a:ea typeface="+mn-ea"/>
+                <a:cs typeface="+mn-cs"/>
+              </a:defRPr>
+            </a:lvl1pPr>
+            <a:lvl2pPr marL="685800" indent="-228600" algn="l" defTabSz="914400" rtl="0" eaLnBrk="1" latinLnBrk="0" hangingPunct="1">
+              <a:lnSpc>
+                <a:spcPct val="90000"/>
+              </a:lnSpc>
+              <a:spcBef>
+                <a:spcPts val="500"/>
+              </a:spcBef>
+              <a:buFont typeface="Arial" panose="020B0604020202020204" pitchFamily="34" charset="0"/>
+              <a:buChar char="•"/>
+              <a:defRPr sz="2400" kern="1200">
+                <a:solidFill>
+                  <a:schemeClr val="tx1"/>
+                </a:solidFill>
+                <a:latin typeface="+mn-lt"/>
+                <a:ea typeface="+mn-ea"/>
+                <a:cs typeface="+mn-cs"/>
+              </a:defRPr>
+            </a:lvl2pPr>
+            <a:lvl3pPr marL="1143000" indent="-228600" algn="l" defTabSz="914400" rtl="0" eaLnBrk="1" latinLnBrk="0" hangingPunct="1">
+              <a:lnSpc>
+                <a:spcPct val="90000"/>
+              </a:lnSpc>
+              <a:spcBef>
+                <a:spcPts val="500"/>
+              </a:spcBef>
+              <a:buFont typeface="Arial" panose="020B0604020202020204" pitchFamily="34" charset="0"/>
+              <a:buChar char="•"/>
+              <a:defRPr sz="2000" kern="1200">
+                <a:solidFill>
+                  <a:schemeClr val="tx1"/>
+                </a:solidFill>
+                <a:latin typeface="+mn-lt"/>
+                <a:ea typeface="+mn-ea"/>
+                <a:cs typeface="+mn-cs"/>
+              </a:defRPr>
+            </a:lvl3pPr>
+            <a:lvl4pPr marL="1600200" indent="-228600" algn="l" defTabSz="914400" rtl="0" eaLnBrk="1" latinLnBrk="0" hangingPunct="1">
+              <a:lnSpc>
+                <a:spcPct val="90000"/>
+              </a:lnSpc>
+              <a:spcBef>
+                <a:spcPts val="500"/>
+              </a:spcBef>
+              <a:buFont typeface="Arial" panose="020B0604020202020204" pitchFamily="34" charset="0"/>
+              <a:buChar char="•"/>
+              <a:defRPr sz="1800" kern="1200">
+                <a:solidFill>
+                  <a:schemeClr val="tx1"/>
+                </a:solidFill>
+                <a:latin typeface="+mn-lt"/>
+                <a:ea typeface="+mn-ea"/>
+                <a:cs typeface="+mn-cs"/>
+              </a:defRPr>
+            </a:lvl4pPr>
+            <a:lvl5pPr marL="2057400" indent="-228600" algn="l" defTabSz="914400" rtl="0" eaLnBrk="1" latinLnBrk="0" hangingPunct="1">
+              <a:lnSpc>
+                <a:spcPct val="90000"/>
+              </a:lnSpc>
+              <a:spcBef>
+                <a:spcPts val="500"/>
+              </a:spcBef>
+              <a:buFont typeface="Arial" panose="020B0604020202020204" pitchFamily="34" charset="0"/>
+              <a:buChar char="•"/>
+              <a:defRPr sz="1800" kern="1200">
+                <a:solidFill>
+                  <a:schemeClr val="tx1"/>
+                </a:solidFill>
+                <a:latin typeface="+mn-lt"/>
+                <a:ea typeface="+mn-ea"/>
+                <a:cs typeface="+mn-cs"/>
+              </a:defRPr>
+            </a:lvl5pPr>
+            <a:lvl6pPr marL="2514600" indent="-228600" algn="l" defTabSz="914400" rtl="0" eaLnBrk="1" latinLnBrk="0" hangingPunct="1">
+              <a:lnSpc>
+                <a:spcPct val="90000"/>
+              </a:lnSpc>
+              <a:spcBef>
+                <a:spcPts val="500"/>
+              </a:spcBef>
+              <a:buFont typeface="Arial" panose="020B0604020202020204" pitchFamily="34" charset="0"/>
+              <a:buChar char="•"/>
+              <a:defRPr sz="1800" kern="1200">
+                <a:solidFill>
+                  <a:schemeClr val="tx1"/>
+                </a:solidFill>
+                <a:latin typeface="+mn-lt"/>
+                <a:ea typeface="+mn-ea"/>
+                <a:cs typeface="+mn-cs"/>
+              </a:defRPr>
+            </a:lvl6pPr>
+            <a:lvl7pPr marL="2971800" indent="-228600" algn="l" defTabSz="914400" rtl="0" eaLnBrk="1" latinLnBrk="0" hangingPunct="1">
+              <a:lnSpc>
+                <a:spcPct val="90000"/>
+              </a:lnSpc>
+              <a:spcBef>
+                <a:spcPts val="500"/>
+              </a:spcBef>
+              <a:buFont typeface="Arial" panose="020B0604020202020204" pitchFamily="34" charset="0"/>
+              <a:buChar char="•"/>
+              <a:defRPr sz="1800" kern="1200">
+                <a:solidFill>
+                  <a:schemeClr val="tx1"/>
+                </a:solidFill>
+                <a:latin typeface="+mn-lt"/>
+                <a:ea typeface="+mn-ea"/>
+                <a:cs typeface="+mn-cs"/>
+              </a:defRPr>
+            </a:lvl7pPr>
+            <a:lvl8pPr marL="3429000" indent="-228600" algn="l" defTabSz="914400" rtl="0" eaLnBrk="1" latinLnBrk="0" hangingPunct="1">
+              <a:lnSpc>
+                <a:spcPct val="90000"/>
+              </a:lnSpc>
+              <a:spcBef>
+                <a:spcPts val="500"/>
+              </a:spcBef>
+              <a:buFont typeface="Arial" panose="020B0604020202020204" pitchFamily="34" charset="0"/>
+              <a:buChar char="•"/>
+              <a:defRPr sz="1800" kern="1200">
+                <a:solidFill>
+                  <a:schemeClr val="tx1"/>
+                </a:solidFill>
+                <a:latin typeface="+mn-lt"/>
+                <a:ea typeface="+mn-ea"/>
+                <a:cs typeface="+mn-cs"/>
+              </a:defRPr>
+            </a:lvl8pPr>
+            <a:lvl9pPr marL="3886200" indent="-228600" algn="l" defTabSz="914400" rtl="0" eaLnBrk="1" latinLnBrk="0" hangingPunct="1">
+              <a:lnSpc>
+                <a:spcPct val="90000"/>
+              </a:lnSpc>
+              <a:spcBef>
+                <a:spcPts val="500"/>
+              </a:spcBef>
+              <a:buFont typeface="Arial" panose="020B0604020202020204" pitchFamily="34" charset="0"/>
+              <a:buChar char="•"/>
+              <a:defRPr sz="1800" kern="1200">
+                <a:solidFill>
+                  <a:schemeClr val="tx1"/>
+                </a:solidFill>
+                <a:latin typeface="+mn-lt"/>
+                <a:ea typeface="+mn-ea"/>
+                <a:cs typeface="+mn-cs"/>
+              </a:defRPr>
+            </a:lvl9pPr>
+          </a:lstStyle>
+          <a:p>
+            <a:pPr marL="0" indent="0">
+              <a:buFont typeface="Arial" panose="020B0604020202020204" pitchFamily="34" charset="0"/>
+              <a:buNone/>
+            </a:pPr>
+            <a:endParaRPr lang="fr-FR" sz="1700" dirty="0"/>
+          </a:p>
+        </p:txBody>
+      </p:sp>
+      <p:pic>
+        <p:nvPicPr>
+          <p:cNvPr id="3" name="Image 2">
+            <a:extLst>
+              <a:ext uri="{FF2B5EF4-FFF2-40B4-BE49-F238E27FC236}">
+                <a16:creationId xmlns:a16="http://schemas.microsoft.com/office/drawing/2014/main" id="{A72CE249-D0BA-466A-AD3B-024348AC2330}"/>
+              </a:ext>
+            </a:extLst>
+          </p:cNvPr>
+          <p:cNvPicPr>
+            <a:picLocks noChangeAspect="1"/>
+          </p:cNvPicPr>
+          <p:nvPr/>
+        </p:nvPicPr>
+        <p:blipFill>
+          <a:blip r:embed="rId2"/>
+          <a:stretch>
+            <a:fillRect/>
+          </a:stretch>
+        </p:blipFill>
+        <p:spPr>
+          <a:xfrm>
+            <a:off x="838199" y="2133600"/>
+            <a:ext cx="10354525" cy="4046736"/>
+          </a:xfrm>
+          <a:prstGeom prst="rect">
+            <a:avLst/>
+          </a:prstGeom>
+        </p:spPr>
+      </p:pic>
+    </p:spTree>
+    <p:extLst>
+      <p:ext uri="{BB962C8B-B14F-4D97-AF65-F5344CB8AC3E}">
+        <p14:creationId xmlns:p14="http://schemas.microsoft.com/office/powerpoint/2010/main" val="1969231056"/>
+      </p:ext>
+    </p:extLst>
+  </p:cSld>
+  <p:clrMapOvr>
+    <a:masterClrMapping/>
+  </p:clrMapOvr>
+</p:sld>
+</file>
+
+<file path=ppt/slides/slide46.xml><?xml version="1.0" encoding="utf-8"?>
+<p:sld xmlns:a="http://schemas.openxmlformats.org/drawingml/2006/main" xmlns:r="http://schemas.openxmlformats.org/officeDocument/2006/relationships" xmlns:p="http://schemas.openxmlformats.org/presentationml/2006/main">
+  <p:cSld>
+    <p:spTree>
+      <p:nvGrpSpPr>
+        <p:cNvPr id="1" name=""/>
+        <p:cNvGrpSpPr/>
+        <p:nvPr/>
+      </p:nvGrpSpPr>
+      <p:grpSpPr>
+        <a:xfrm>
+          <a:off x="0" y="0"/>
+          <a:ext cx="0" cy="0"/>
+          <a:chOff x="0" y="0"/>
+          <a:chExt cx="0" cy="0"/>
+        </a:xfrm>
+      </p:grpSpPr>
+      <p:sp>
+        <p:nvSpPr>
+          <p:cNvPr id="4" name="Titre 1">
+            <a:extLst>
+              <a:ext uri="{FF2B5EF4-FFF2-40B4-BE49-F238E27FC236}">
+                <a16:creationId xmlns:a16="http://schemas.microsoft.com/office/drawing/2014/main" id="{960C1D7C-377E-4936-AFF5-23D603AD6FF4}"/>
+              </a:ext>
+            </a:extLst>
+          </p:cNvPr>
+          <p:cNvSpPr>
+            <a:spLocks noGrp="1"/>
+          </p:cNvSpPr>
+          <p:nvPr>
+            <p:ph type="title"/>
+          </p:nvPr>
+        </p:nvSpPr>
+        <p:spPr>
+          <a:xfrm>
+            <a:off x="838200" y="365125"/>
+            <a:ext cx="10515600" cy="1325563"/>
+          </a:xfrm>
+        </p:spPr>
+        <p:txBody>
+          <a:bodyPr/>
+          <a:lstStyle/>
+          <a:p>
+            <a:r>
+              <a:rPr lang="fr-FR" dirty="0"/>
+              <a:t>Etape 37: La validation de formulaire</a:t>
+            </a:r>
+          </a:p>
+        </p:txBody>
+      </p:sp>
+      <p:sp>
+        <p:nvSpPr>
+          <p:cNvPr id="9" name="Espace réservé du contenu 2">
+            <a:extLst>
+              <a:ext uri="{FF2B5EF4-FFF2-40B4-BE49-F238E27FC236}">
+                <a16:creationId xmlns:a16="http://schemas.microsoft.com/office/drawing/2014/main" id="{EB812BAD-F986-4356-9B0E-865CD4B89634}"/>
+              </a:ext>
+            </a:extLst>
+          </p:cNvPr>
+          <p:cNvSpPr txBox="1">
+            <a:spLocks/>
+          </p:cNvSpPr>
+          <p:nvPr/>
+        </p:nvSpPr>
+        <p:spPr>
+          <a:xfrm>
+            <a:off x="999275" y="1828998"/>
+            <a:ext cx="4389120" cy="4351338"/>
+          </a:xfrm>
+          <a:prstGeom prst="rect">
+            <a:avLst/>
+          </a:prstGeom>
+        </p:spPr>
+        <p:txBody>
+          <a:bodyPr vert="horz" lIns="91440" tIns="45720" rIns="91440" bIns="45720" rtlCol="0">
+            <a:normAutofit/>
+          </a:bodyPr>
+          <a:lstStyle>
+            <a:lvl1pPr marL="228600" indent="-228600" algn="l" defTabSz="914400" rtl="0" eaLnBrk="1" latinLnBrk="0" hangingPunct="1">
+              <a:lnSpc>
+                <a:spcPct val="90000"/>
+              </a:lnSpc>
+              <a:spcBef>
+                <a:spcPts val="1000"/>
+              </a:spcBef>
+              <a:buFont typeface="Arial" panose="020B0604020202020204" pitchFamily="34" charset="0"/>
+              <a:buChar char="•"/>
+              <a:defRPr sz="2800" kern="1200">
+                <a:solidFill>
+                  <a:schemeClr val="tx1"/>
+                </a:solidFill>
+                <a:latin typeface="+mn-lt"/>
+                <a:ea typeface="+mn-ea"/>
+                <a:cs typeface="+mn-cs"/>
+              </a:defRPr>
+            </a:lvl1pPr>
+            <a:lvl2pPr marL="685800" indent="-228600" algn="l" defTabSz="914400" rtl="0" eaLnBrk="1" latinLnBrk="0" hangingPunct="1">
+              <a:lnSpc>
+                <a:spcPct val="90000"/>
+              </a:lnSpc>
+              <a:spcBef>
+                <a:spcPts val="500"/>
+              </a:spcBef>
+              <a:buFont typeface="Arial" panose="020B0604020202020204" pitchFamily="34" charset="0"/>
+              <a:buChar char="•"/>
+              <a:defRPr sz="2400" kern="1200">
+                <a:solidFill>
+                  <a:schemeClr val="tx1"/>
+                </a:solidFill>
+                <a:latin typeface="+mn-lt"/>
+                <a:ea typeface="+mn-ea"/>
+                <a:cs typeface="+mn-cs"/>
+              </a:defRPr>
+            </a:lvl2pPr>
+            <a:lvl3pPr marL="1143000" indent="-228600" algn="l" defTabSz="914400" rtl="0" eaLnBrk="1" latinLnBrk="0" hangingPunct="1">
+              <a:lnSpc>
+                <a:spcPct val="90000"/>
+              </a:lnSpc>
+              <a:spcBef>
+                <a:spcPts val="500"/>
+              </a:spcBef>
+              <a:buFont typeface="Arial" panose="020B0604020202020204" pitchFamily="34" charset="0"/>
+              <a:buChar char="•"/>
+              <a:defRPr sz="2000" kern="1200">
+                <a:solidFill>
+                  <a:schemeClr val="tx1"/>
+                </a:solidFill>
+                <a:latin typeface="+mn-lt"/>
+                <a:ea typeface="+mn-ea"/>
+                <a:cs typeface="+mn-cs"/>
+              </a:defRPr>
+            </a:lvl3pPr>
+            <a:lvl4pPr marL="1600200" indent="-228600" algn="l" defTabSz="914400" rtl="0" eaLnBrk="1" latinLnBrk="0" hangingPunct="1">
+              <a:lnSpc>
+                <a:spcPct val="90000"/>
+              </a:lnSpc>
+              <a:spcBef>
+                <a:spcPts val="500"/>
+              </a:spcBef>
+              <a:buFont typeface="Arial" panose="020B0604020202020204" pitchFamily="34" charset="0"/>
+              <a:buChar char="•"/>
+              <a:defRPr sz="1800" kern="1200">
+                <a:solidFill>
+                  <a:schemeClr val="tx1"/>
+                </a:solidFill>
+                <a:latin typeface="+mn-lt"/>
+                <a:ea typeface="+mn-ea"/>
+                <a:cs typeface="+mn-cs"/>
+              </a:defRPr>
+            </a:lvl4pPr>
+            <a:lvl5pPr marL="2057400" indent="-228600" algn="l" defTabSz="914400" rtl="0" eaLnBrk="1" latinLnBrk="0" hangingPunct="1">
+              <a:lnSpc>
+                <a:spcPct val="90000"/>
+              </a:lnSpc>
+              <a:spcBef>
+                <a:spcPts val="500"/>
+              </a:spcBef>
+              <a:buFont typeface="Arial" panose="020B0604020202020204" pitchFamily="34" charset="0"/>
+              <a:buChar char="•"/>
+              <a:defRPr sz="1800" kern="1200">
+                <a:solidFill>
+                  <a:schemeClr val="tx1"/>
+                </a:solidFill>
+                <a:latin typeface="+mn-lt"/>
+                <a:ea typeface="+mn-ea"/>
+                <a:cs typeface="+mn-cs"/>
+              </a:defRPr>
+            </a:lvl5pPr>
+            <a:lvl6pPr marL="2514600" indent="-228600" algn="l" defTabSz="914400" rtl="0" eaLnBrk="1" latinLnBrk="0" hangingPunct="1">
+              <a:lnSpc>
+                <a:spcPct val="90000"/>
+              </a:lnSpc>
+              <a:spcBef>
+                <a:spcPts val="500"/>
+              </a:spcBef>
+              <a:buFont typeface="Arial" panose="020B0604020202020204" pitchFamily="34" charset="0"/>
+              <a:buChar char="•"/>
+              <a:defRPr sz="1800" kern="1200">
+                <a:solidFill>
+                  <a:schemeClr val="tx1"/>
+                </a:solidFill>
+                <a:latin typeface="+mn-lt"/>
+                <a:ea typeface="+mn-ea"/>
+                <a:cs typeface="+mn-cs"/>
+              </a:defRPr>
+            </a:lvl6pPr>
+            <a:lvl7pPr marL="2971800" indent="-228600" algn="l" defTabSz="914400" rtl="0" eaLnBrk="1" latinLnBrk="0" hangingPunct="1">
+              <a:lnSpc>
+                <a:spcPct val="90000"/>
+              </a:lnSpc>
+              <a:spcBef>
+                <a:spcPts val="500"/>
+              </a:spcBef>
+              <a:buFont typeface="Arial" panose="020B0604020202020204" pitchFamily="34" charset="0"/>
+              <a:buChar char="•"/>
+              <a:defRPr sz="1800" kern="1200">
+                <a:solidFill>
+                  <a:schemeClr val="tx1"/>
+                </a:solidFill>
+                <a:latin typeface="+mn-lt"/>
+                <a:ea typeface="+mn-ea"/>
+                <a:cs typeface="+mn-cs"/>
+              </a:defRPr>
+            </a:lvl7pPr>
+            <a:lvl8pPr marL="3429000" indent="-228600" algn="l" defTabSz="914400" rtl="0" eaLnBrk="1" latinLnBrk="0" hangingPunct="1">
+              <a:lnSpc>
+                <a:spcPct val="90000"/>
+              </a:lnSpc>
+              <a:spcBef>
+                <a:spcPts val="500"/>
+              </a:spcBef>
+              <a:buFont typeface="Arial" panose="020B0604020202020204" pitchFamily="34" charset="0"/>
+              <a:buChar char="•"/>
+              <a:defRPr sz="1800" kern="1200">
+                <a:solidFill>
+                  <a:schemeClr val="tx1"/>
+                </a:solidFill>
+                <a:latin typeface="+mn-lt"/>
+                <a:ea typeface="+mn-ea"/>
+                <a:cs typeface="+mn-cs"/>
+              </a:defRPr>
+            </a:lvl8pPr>
+            <a:lvl9pPr marL="3886200" indent="-228600" algn="l" defTabSz="914400" rtl="0" eaLnBrk="1" latinLnBrk="0" hangingPunct="1">
+              <a:lnSpc>
+                <a:spcPct val="90000"/>
+              </a:lnSpc>
+              <a:spcBef>
+                <a:spcPts val="500"/>
+              </a:spcBef>
+              <a:buFont typeface="Arial" panose="020B0604020202020204" pitchFamily="34" charset="0"/>
+              <a:buChar char="•"/>
+              <a:defRPr sz="1800" kern="1200">
+                <a:solidFill>
+                  <a:schemeClr val="tx1"/>
+                </a:solidFill>
+                <a:latin typeface="+mn-lt"/>
+                <a:ea typeface="+mn-ea"/>
+                <a:cs typeface="+mn-cs"/>
+              </a:defRPr>
+            </a:lvl9pPr>
+          </a:lstStyle>
+          <a:p>
+            <a:pPr marL="0" indent="0">
+              <a:buFont typeface="Arial" panose="020B0604020202020204" pitchFamily="34" charset="0"/>
+              <a:buNone/>
+            </a:pPr>
+            <a:endParaRPr lang="fr-FR" sz="1400" dirty="0"/>
+          </a:p>
+        </p:txBody>
+      </p:sp>
+      <p:sp>
+        <p:nvSpPr>
+          <p:cNvPr id="11" name="Espace réservé du contenu 2">
+            <a:extLst>
+              <a:ext uri="{FF2B5EF4-FFF2-40B4-BE49-F238E27FC236}">
+                <a16:creationId xmlns:a16="http://schemas.microsoft.com/office/drawing/2014/main" id="{534F948C-D7ED-425C-B2BB-4056FDF0CEB3}"/>
+              </a:ext>
+            </a:extLst>
+          </p:cNvPr>
+          <p:cNvSpPr txBox="1">
+            <a:spLocks/>
+          </p:cNvSpPr>
+          <p:nvPr/>
+        </p:nvSpPr>
+        <p:spPr>
+          <a:xfrm>
+            <a:off x="838200" y="1967308"/>
+            <a:ext cx="4389120" cy="4351338"/>
+          </a:xfrm>
+          <a:prstGeom prst="rect">
+            <a:avLst/>
+          </a:prstGeom>
+        </p:spPr>
+        <p:txBody>
+          <a:bodyPr vert="horz" lIns="91440" tIns="45720" rIns="91440" bIns="45720" rtlCol="0">
+            <a:normAutofit/>
+          </a:bodyPr>
+          <a:lstStyle>
+            <a:lvl1pPr marL="228600" indent="-228600" algn="l" defTabSz="914400" rtl="0" eaLnBrk="1" latinLnBrk="0" hangingPunct="1">
+              <a:lnSpc>
+                <a:spcPct val="90000"/>
+              </a:lnSpc>
+              <a:spcBef>
+                <a:spcPts val="1000"/>
+              </a:spcBef>
+              <a:buFont typeface="Arial" panose="020B0604020202020204" pitchFamily="34" charset="0"/>
+              <a:buChar char="•"/>
+              <a:defRPr sz="2800" kern="1200">
+                <a:solidFill>
+                  <a:schemeClr val="tx1"/>
+                </a:solidFill>
+                <a:latin typeface="+mn-lt"/>
+                <a:ea typeface="+mn-ea"/>
+                <a:cs typeface="+mn-cs"/>
+              </a:defRPr>
+            </a:lvl1pPr>
+            <a:lvl2pPr marL="685800" indent="-228600" algn="l" defTabSz="914400" rtl="0" eaLnBrk="1" latinLnBrk="0" hangingPunct="1">
+              <a:lnSpc>
+                <a:spcPct val="90000"/>
+              </a:lnSpc>
+              <a:spcBef>
+                <a:spcPts val="500"/>
+              </a:spcBef>
+              <a:buFont typeface="Arial" panose="020B0604020202020204" pitchFamily="34" charset="0"/>
+              <a:buChar char="•"/>
+              <a:defRPr sz="2400" kern="1200">
+                <a:solidFill>
+                  <a:schemeClr val="tx1"/>
+                </a:solidFill>
+                <a:latin typeface="+mn-lt"/>
+                <a:ea typeface="+mn-ea"/>
+                <a:cs typeface="+mn-cs"/>
+              </a:defRPr>
+            </a:lvl2pPr>
+            <a:lvl3pPr marL="1143000" indent="-228600" algn="l" defTabSz="914400" rtl="0" eaLnBrk="1" latinLnBrk="0" hangingPunct="1">
+              <a:lnSpc>
+                <a:spcPct val="90000"/>
+              </a:lnSpc>
+              <a:spcBef>
+                <a:spcPts val="500"/>
+              </a:spcBef>
+              <a:buFont typeface="Arial" panose="020B0604020202020204" pitchFamily="34" charset="0"/>
+              <a:buChar char="•"/>
+              <a:defRPr sz="2000" kern="1200">
+                <a:solidFill>
+                  <a:schemeClr val="tx1"/>
+                </a:solidFill>
+                <a:latin typeface="+mn-lt"/>
+                <a:ea typeface="+mn-ea"/>
+                <a:cs typeface="+mn-cs"/>
+              </a:defRPr>
+            </a:lvl3pPr>
+            <a:lvl4pPr marL="1600200" indent="-228600" algn="l" defTabSz="914400" rtl="0" eaLnBrk="1" latinLnBrk="0" hangingPunct="1">
+              <a:lnSpc>
+                <a:spcPct val="90000"/>
+              </a:lnSpc>
+              <a:spcBef>
+                <a:spcPts val="500"/>
+              </a:spcBef>
+              <a:buFont typeface="Arial" panose="020B0604020202020204" pitchFamily="34" charset="0"/>
+              <a:buChar char="•"/>
+              <a:defRPr sz="1800" kern="1200">
+                <a:solidFill>
+                  <a:schemeClr val="tx1"/>
+                </a:solidFill>
+                <a:latin typeface="+mn-lt"/>
+                <a:ea typeface="+mn-ea"/>
+                <a:cs typeface="+mn-cs"/>
+              </a:defRPr>
+            </a:lvl4pPr>
+            <a:lvl5pPr marL="2057400" indent="-228600" algn="l" defTabSz="914400" rtl="0" eaLnBrk="1" latinLnBrk="0" hangingPunct="1">
+              <a:lnSpc>
+                <a:spcPct val="90000"/>
+              </a:lnSpc>
+              <a:spcBef>
+                <a:spcPts val="500"/>
+              </a:spcBef>
+              <a:buFont typeface="Arial" panose="020B0604020202020204" pitchFamily="34" charset="0"/>
+              <a:buChar char="•"/>
+              <a:defRPr sz="1800" kern="1200">
+                <a:solidFill>
+                  <a:schemeClr val="tx1"/>
+                </a:solidFill>
+                <a:latin typeface="+mn-lt"/>
+                <a:ea typeface="+mn-ea"/>
+                <a:cs typeface="+mn-cs"/>
+              </a:defRPr>
+            </a:lvl5pPr>
+            <a:lvl6pPr marL="2514600" indent="-228600" algn="l" defTabSz="914400" rtl="0" eaLnBrk="1" latinLnBrk="0" hangingPunct="1">
+              <a:lnSpc>
+                <a:spcPct val="90000"/>
+              </a:lnSpc>
+              <a:spcBef>
+                <a:spcPts val="500"/>
+              </a:spcBef>
+              <a:buFont typeface="Arial" panose="020B0604020202020204" pitchFamily="34" charset="0"/>
+              <a:buChar char="•"/>
+              <a:defRPr sz="1800" kern="1200">
+                <a:solidFill>
+                  <a:schemeClr val="tx1"/>
+                </a:solidFill>
+                <a:latin typeface="+mn-lt"/>
+                <a:ea typeface="+mn-ea"/>
+                <a:cs typeface="+mn-cs"/>
+              </a:defRPr>
+            </a:lvl6pPr>
+            <a:lvl7pPr marL="2971800" indent="-228600" algn="l" defTabSz="914400" rtl="0" eaLnBrk="1" latinLnBrk="0" hangingPunct="1">
+              <a:lnSpc>
+                <a:spcPct val="90000"/>
+              </a:lnSpc>
+              <a:spcBef>
+                <a:spcPts val="500"/>
+              </a:spcBef>
+              <a:buFont typeface="Arial" panose="020B0604020202020204" pitchFamily="34" charset="0"/>
+              <a:buChar char="•"/>
+              <a:defRPr sz="1800" kern="1200">
+                <a:solidFill>
+                  <a:schemeClr val="tx1"/>
+                </a:solidFill>
+                <a:latin typeface="+mn-lt"/>
+                <a:ea typeface="+mn-ea"/>
+                <a:cs typeface="+mn-cs"/>
+              </a:defRPr>
+            </a:lvl7pPr>
+            <a:lvl8pPr marL="3429000" indent="-228600" algn="l" defTabSz="914400" rtl="0" eaLnBrk="1" latinLnBrk="0" hangingPunct="1">
+              <a:lnSpc>
+                <a:spcPct val="90000"/>
+              </a:lnSpc>
+              <a:spcBef>
+                <a:spcPts val="500"/>
+              </a:spcBef>
+              <a:buFont typeface="Arial" panose="020B0604020202020204" pitchFamily="34" charset="0"/>
+              <a:buChar char="•"/>
+              <a:defRPr sz="1800" kern="1200">
+                <a:solidFill>
+                  <a:schemeClr val="tx1"/>
+                </a:solidFill>
+                <a:latin typeface="+mn-lt"/>
+                <a:ea typeface="+mn-ea"/>
+                <a:cs typeface="+mn-cs"/>
+              </a:defRPr>
+            </a:lvl8pPr>
+            <a:lvl9pPr marL="3886200" indent="-228600" algn="l" defTabSz="914400" rtl="0" eaLnBrk="1" latinLnBrk="0" hangingPunct="1">
+              <a:lnSpc>
+                <a:spcPct val="90000"/>
+              </a:lnSpc>
+              <a:spcBef>
+                <a:spcPts val="500"/>
+              </a:spcBef>
+              <a:buFont typeface="Arial" panose="020B0604020202020204" pitchFamily="34" charset="0"/>
+              <a:buChar char="•"/>
+              <a:defRPr sz="1800" kern="1200">
+                <a:solidFill>
+                  <a:schemeClr val="tx1"/>
+                </a:solidFill>
+                <a:latin typeface="+mn-lt"/>
+                <a:ea typeface="+mn-ea"/>
+                <a:cs typeface="+mn-cs"/>
+              </a:defRPr>
+            </a:lvl9pPr>
+          </a:lstStyle>
+          <a:p>
+            <a:pPr marL="0" indent="0">
+              <a:buFont typeface="Arial" panose="020B0604020202020204" pitchFamily="34" charset="0"/>
+              <a:buNone/>
+            </a:pPr>
+            <a:endParaRPr lang="fr-FR" sz="1400" dirty="0"/>
+          </a:p>
+          <a:p>
+            <a:pPr marL="0" indent="0">
+              <a:buFont typeface="Arial" panose="020B0604020202020204" pitchFamily="34" charset="0"/>
+              <a:buNone/>
+            </a:pPr>
+            <a:endParaRPr lang="fr-FR" sz="1400" dirty="0"/>
+          </a:p>
+        </p:txBody>
+      </p:sp>
+      <p:sp>
+        <p:nvSpPr>
+          <p:cNvPr id="7" name="Espace réservé du contenu 2">
+            <a:extLst>
+              <a:ext uri="{FF2B5EF4-FFF2-40B4-BE49-F238E27FC236}">
+                <a16:creationId xmlns:a16="http://schemas.microsoft.com/office/drawing/2014/main" id="{C186E827-4A12-4E94-B916-563ED25781C9}"/>
+              </a:ext>
+            </a:extLst>
+          </p:cNvPr>
+          <p:cNvSpPr txBox="1">
+            <a:spLocks/>
+          </p:cNvSpPr>
+          <p:nvPr/>
+        </p:nvSpPr>
+        <p:spPr>
+          <a:xfrm>
+            <a:off x="838200" y="1828998"/>
+            <a:ext cx="4389120" cy="4351338"/>
+          </a:xfrm>
+          <a:prstGeom prst="rect">
+            <a:avLst/>
+          </a:prstGeom>
+        </p:spPr>
+        <p:txBody>
+          <a:bodyPr vert="horz" lIns="91440" tIns="45720" rIns="91440" bIns="45720" rtlCol="0">
+            <a:normAutofit/>
+          </a:bodyPr>
+          <a:lstStyle>
+            <a:lvl1pPr marL="228600" indent="-228600" algn="l" defTabSz="914400" rtl="0" eaLnBrk="1" latinLnBrk="0" hangingPunct="1">
+              <a:lnSpc>
+                <a:spcPct val="90000"/>
+              </a:lnSpc>
+              <a:spcBef>
+                <a:spcPts val="1000"/>
+              </a:spcBef>
+              <a:buFont typeface="Arial" panose="020B0604020202020204" pitchFamily="34" charset="0"/>
+              <a:buChar char="•"/>
+              <a:defRPr sz="2800" kern="1200">
+                <a:solidFill>
+                  <a:schemeClr val="tx1"/>
+                </a:solidFill>
+                <a:latin typeface="+mn-lt"/>
+                <a:ea typeface="+mn-ea"/>
+                <a:cs typeface="+mn-cs"/>
+              </a:defRPr>
+            </a:lvl1pPr>
+            <a:lvl2pPr marL="685800" indent="-228600" algn="l" defTabSz="914400" rtl="0" eaLnBrk="1" latinLnBrk="0" hangingPunct="1">
+              <a:lnSpc>
+                <a:spcPct val="90000"/>
+              </a:lnSpc>
+              <a:spcBef>
+                <a:spcPts val="500"/>
+              </a:spcBef>
+              <a:buFont typeface="Arial" panose="020B0604020202020204" pitchFamily="34" charset="0"/>
+              <a:buChar char="•"/>
+              <a:defRPr sz="2400" kern="1200">
+                <a:solidFill>
+                  <a:schemeClr val="tx1"/>
+                </a:solidFill>
+                <a:latin typeface="+mn-lt"/>
+                <a:ea typeface="+mn-ea"/>
+                <a:cs typeface="+mn-cs"/>
+              </a:defRPr>
+            </a:lvl2pPr>
+            <a:lvl3pPr marL="1143000" indent="-228600" algn="l" defTabSz="914400" rtl="0" eaLnBrk="1" latinLnBrk="0" hangingPunct="1">
+              <a:lnSpc>
+                <a:spcPct val="90000"/>
+              </a:lnSpc>
+              <a:spcBef>
+                <a:spcPts val="500"/>
+              </a:spcBef>
+              <a:buFont typeface="Arial" panose="020B0604020202020204" pitchFamily="34" charset="0"/>
+              <a:buChar char="•"/>
+              <a:defRPr sz="2000" kern="1200">
+                <a:solidFill>
+                  <a:schemeClr val="tx1"/>
+                </a:solidFill>
+                <a:latin typeface="+mn-lt"/>
+                <a:ea typeface="+mn-ea"/>
+                <a:cs typeface="+mn-cs"/>
+              </a:defRPr>
+            </a:lvl3pPr>
+            <a:lvl4pPr marL="1600200" indent="-228600" algn="l" defTabSz="914400" rtl="0" eaLnBrk="1" latinLnBrk="0" hangingPunct="1">
+              <a:lnSpc>
+                <a:spcPct val="90000"/>
+              </a:lnSpc>
+              <a:spcBef>
+                <a:spcPts val="500"/>
+              </a:spcBef>
+              <a:buFont typeface="Arial" panose="020B0604020202020204" pitchFamily="34" charset="0"/>
+              <a:buChar char="•"/>
+              <a:defRPr sz="1800" kern="1200">
+                <a:solidFill>
+                  <a:schemeClr val="tx1"/>
+                </a:solidFill>
+                <a:latin typeface="+mn-lt"/>
+                <a:ea typeface="+mn-ea"/>
+                <a:cs typeface="+mn-cs"/>
+              </a:defRPr>
+            </a:lvl4pPr>
+            <a:lvl5pPr marL="2057400" indent="-228600" algn="l" defTabSz="914400" rtl="0" eaLnBrk="1" latinLnBrk="0" hangingPunct="1">
+              <a:lnSpc>
+                <a:spcPct val="90000"/>
+              </a:lnSpc>
+              <a:spcBef>
+                <a:spcPts val="500"/>
+              </a:spcBef>
+              <a:buFont typeface="Arial" panose="020B0604020202020204" pitchFamily="34" charset="0"/>
+              <a:buChar char="•"/>
+              <a:defRPr sz="1800" kern="1200">
+                <a:solidFill>
+                  <a:schemeClr val="tx1"/>
+                </a:solidFill>
+                <a:latin typeface="+mn-lt"/>
+                <a:ea typeface="+mn-ea"/>
+                <a:cs typeface="+mn-cs"/>
+              </a:defRPr>
+            </a:lvl5pPr>
+            <a:lvl6pPr marL="2514600" indent="-228600" algn="l" defTabSz="914400" rtl="0" eaLnBrk="1" latinLnBrk="0" hangingPunct="1">
+              <a:lnSpc>
+                <a:spcPct val="90000"/>
+              </a:lnSpc>
+              <a:spcBef>
+                <a:spcPts val="500"/>
+              </a:spcBef>
+              <a:buFont typeface="Arial" panose="020B0604020202020204" pitchFamily="34" charset="0"/>
+              <a:buChar char="•"/>
+              <a:defRPr sz="1800" kern="1200">
+                <a:solidFill>
+                  <a:schemeClr val="tx1"/>
+                </a:solidFill>
+                <a:latin typeface="+mn-lt"/>
+                <a:ea typeface="+mn-ea"/>
+                <a:cs typeface="+mn-cs"/>
+              </a:defRPr>
+            </a:lvl6pPr>
+            <a:lvl7pPr marL="2971800" indent="-228600" algn="l" defTabSz="914400" rtl="0" eaLnBrk="1" latinLnBrk="0" hangingPunct="1">
+              <a:lnSpc>
+                <a:spcPct val="90000"/>
+              </a:lnSpc>
+              <a:spcBef>
+                <a:spcPts val="500"/>
+              </a:spcBef>
+              <a:buFont typeface="Arial" panose="020B0604020202020204" pitchFamily="34" charset="0"/>
+              <a:buChar char="•"/>
+              <a:defRPr sz="1800" kern="1200">
+                <a:solidFill>
+                  <a:schemeClr val="tx1"/>
+                </a:solidFill>
+                <a:latin typeface="+mn-lt"/>
+                <a:ea typeface="+mn-ea"/>
+                <a:cs typeface="+mn-cs"/>
+              </a:defRPr>
+            </a:lvl7pPr>
+            <a:lvl8pPr marL="3429000" indent="-228600" algn="l" defTabSz="914400" rtl="0" eaLnBrk="1" latinLnBrk="0" hangingPunct="1">
+              <a:lnSpc>
+                <a:spcPct val="90000"/>
+              </a:lnSpc>
+              <a:spcBef>
+                <a:spcPts val="500"/>
+              </a:spcBef>
+              <a:buFont typeface="Arial" panose="020B0604020202020204" pitchFamily="34" charset="0"/>
+              <a:buChar char="•"/>
+              <a:defRPr sz="1800" kern="1200">
+                <a:solidFill>
+                  <a:schemeClr val="tx1"/>
+                </a:solidFill>
+                <a:latin typeface="+mn-lt"/>
+                <a:ea typeface="+mn-ea"/>
+                <a:cs typeface="+mn-cs"/>
+              </a:defRPr>
+            </a:lvl8pPr>
+            <a:lvl9pPr marL="3886200" indent="-228600" algn="l" defTabSz="914400" rtl="0" eaLnBrk="1" latinLnBrk="0" hangingPunct="1">
+              <a:lnSpc>
+                <a:spcPct val="90000"/>
+              </a:lnSpc>
+              <a:spcBef>
+                <a:spcPts val="500"/>
+              </a:spcBef>
+              <a:buFont typeface="Arial" panose="020B0604020202020204" pitchFamily="34" charset="0"/>
+              <a:buChar char="•"/>
+              <a:defRPr sz="1800" kern="1200">
+                <a:solidFill>
+                  <a:schemeClr val="tx1"/>
+                </a:solidFill>
+                <a:latin typeface="+mn-lt"/>
+                <a:ea typeface="+mn-ea"/>
+                <a:cs typeface="+mn-cs"/>
+              </a:defRPr>
+            </a:lvl9pPr>
+          </a:lstStyle>
+          <a:p>
+            <a:pPr marL="0" indent="0">
+              <a:buFont typeface="Arial" panose="020B0604020202020204" pitchFamily="34" charset="0"/>
+              <a:buNone/>
+            </a:pPr>
+            <a:endParaRPr lang="fr-FR" sz="1700" dirty="0"/>
+          </a:p>
+        </p:txBody>
+      </p:sp>
+      <p:sp>
+        <p:nvSpPr>
+          <p:cNvPr id="10" name="Espace réservé du contenu 2">
+            <a:extLst>
+              <a:ext uri="{FF2B5EF4-FFF2-40B4-BE49-F238E27FC236}">
+                <a16:creationId xmlns:a16="http://schemas.microsoft.com/office/drawing/2014/main" id="{043C8D8C-BDCD-46B0-9564-FF19BB4698A7}"/>
+              </a:ext>
+            </a:extLst>
+          </p:cNvPr>
+          <p:cNvSpPr txBox="1">
+            <a:spLocks/>
+          </p:cNvSpPr>
+          <p:nvPr/>
+        </p:nvSpPr>
+        <p:spPr>
+          <a:xfrm>
+            <a:off x="6096000" y="1828998"/>
+            <a:ext cx="4389120" cy="4351338"/>
+          </a:xfrm>
+          <a:prstGeom prst="rect">
+            <a:avLst/>
+          </a:prstGeom>
+        </p:spPr>
+        <p:txBody>
+          <a:bodyPr vert="horz" lIns="91440" tIns="45720" rIns="91440" bIns="45720" rtlCol="0">
+            <a:normAutofit/>
+          </a:bodyPr>
+          <a:lstStyle>
+            <a:lvl1pPr marL="228600" indent="-228600" algn="l" defTabSz="914400" rtl="0" eaLnBrk="1" latinLnBrk="0" hangingPunct="1">
+              <a:lnSpc>
+                <a:spcPct val="90000"/>
+              </a:lnSpc>
+              <a:spcBef>
+                <a:spcPts val="1000"/>
+              </a:spcBef>
+              <a:buFont typeface="Arial" panose="020B0604020202020204" pitchFamily="34" charset="0"/>
+              <a:buChar char="•"/>
+              <a:defRPr sz="2800" kern="1200">
+                <a:solidFill>
+                  <a:schemeClr val="tx1"/>
+                </a:solidFill>
+                <a:latin typeface="+mn-lt"/>
+                <a:ea typeface="+mn-ea"/>
+                <a:cs typeface="+mn-cs"/>
+              </a:defRPr>
+            </a:lvl1pPr>
+            <a:lvl2pPr marL="685800" indent="-228600" algn="l" defTabSz="914400" rtl="0" eaLnBrk="1" latinLnBrk="0" hangingPunct="1">
+              <a:lnSpc>
+                <a:spcPct val="90000"/>
+              </a:lnSpc>
+              <a:spcBef>
+                <a:spcPts val="500"/>
+              </a:spcBef>
+              <a:buFont typeface="Arial" panose="020B0604020202020204" pitchFamily="34" charset="0"/>
+              <a:buChar char="•"/>
+              <a:defRPr sz="2400" kern="1200">
+                <a:solidFill>
+                  <a:schemeClr val="tx1"/>
+                </a:solidFill>
+                <a:latin typeface="+mn-lt"/>
+                <a:ea typeface="+mn-ea"/>
+                <a:cs typeface="+mn-cs"/>
+              </a:defRPr>
+            </a:lvl2pPr>
+            <a:lvl3pPr marL="1143000" indent="-228600" algn="l" defTabSz="914400" rtl="0" eaLnBrk="1" latinLnBrk="0" hangingPunct="1">
+              <a:lnSpc>
+                <a:spcPct val="90000"/>
+              </a:lnSpc>
+              <a:spcBef>
+                <a:spcPts val="500"/>
+              </a:spcBef>
+              <a:buFont typeface="Arial" panose="020B0604020202020204" pitchFamily="34" charset="0"/>
+              <a:buChar char="•"/>
+              <a:defRPr sz="2000" kern="1200">
+                <a:solidFill>
+                  <a:schemeClr val="tx1"/>
+                </a:solidFill>
+                <a:latin typeface="+mn-lt"/>
+                <a:ea typeface="+mn-ea"/>
+                <a:cs typeface="+mn-cs"/>
+              </a:defRPr>
+            </a:lvl3pPr>
+            <a:lvl4pPr marL="1600200" indent="-228600" algn="l" defTabSz="914400" rtl="0" eaLnBrk="1" latinLnBrk="0" hangingPunct="1">
+              <a:lnSpc>
+                <a:spcPct val="90000"/>
+              </a:lnSpc>
+              <a:spcBef>
+                <a:spcPts val="500"/>
+              </a:spcBef>
+              <a:buFont typeface="Arial" panose="020B0604020202020204" pitchFamily="34" charset="0"/>
+              <a:buChar char="•"/>
+              <a:defRPr sz="1800" kern="1200">
+                <a:solidFill>
+                  <a:schemeClr val="tx1"/>
+                </a:solidFill>
+                <a:latin typeface="+mn-lt"/>
+                <a:ea typeface="+mn-ea"/>
+                <a:cs typeface="+mn-cs"/>
+              </a:defRPr>
+            </a:lvl4pPr>
+            <a:lvl5pPr marL="2057400" indent="-228600" algn="l" defTabSz="914400" rtl="0" eaLnBrk="1" latinLnBrk="0" hangingPunct="1">
+              <a:lnSpc>
+                <a:spcPct val="90000"/>
+              </a:lnSpc>
+              <a:spcBef>
+                <a:spcPts val="500"/>
+              </a:spcBef>
+              <a:buFont typeface="Arial" panose="020B0604020202020204" pitchFamily="34" charset="0"/>
+              <a:buChar char="•"/>
+              <a:defRPr sz="1800" kern="1200">
+                <a:solidFill>
+                  <a:schemeClr val="tx1"/>
+                </a:solidFill>
+                <a:latin typeface="+mn-lt"/>
+                <a:ea typeface="+mn-ea"/>
+                <a:cs typeface="+mn-cs"/>
+              </a:defRPr>
+            </a:lvl5pPr>
+            <a:lvl6pPr marL="2514600" indent="-228600" algn="l" defTabSz="914400" rtl="0" eaLnBrk="1" latinLnBrk="0" hangingPunct="1">
+              <a:lnSpc>
+                <a:spcPct val="90000"/>
+              </a:lnSpc>
+              <a:spcBef>
+                <a:spcPts val="500"/>
+              </a:spcBef>
+              <a:buFont typeface="Arial" panose="020B0604020202020204" pitchFamily="34" charset="0"/>
+              <a:buChar char="•"/>
+              <a:defRPr sz="1800" kern="1200">
+                <a:solidFill>
+                  <a:schemeClr val="tx1"/>
+                </a:solidFill>
+                <a:latin typeface="+mn-lt"/>
+                <a:ea typeface="+mn-ea"/>
+                <a:cs typeface="+mn-cs"/>
+              </a:defRPr>
+            </a:lvl6pPr>
+            <a:lvl7pPr marL="2971800" indent="-228600" algn="l" defTabSz="914400" rtl="0" eaLnBrk="1" latinLnBrk="0" hangingPunct="1">
+              <a:lnSpc>
+                <a:spcPct val="90000"/>
+              </a:lnSpc>
+              <a:spcBef>
+                <a:spcPts val="500"/>
+              </a:spcBef>
+              <a:buFont typeface="Arial" panose="020B0604020202020204" pitchFamily="34" charset="0"/>
+              <a:buChar char="•"/>
+              <a:defRPr sz="1800" kern="1200">
+                <a:solidFill>
+                  <a:schemeClr val="tx1"/>
+                </a:solidFill>
+                <a:latin typeface="+mn-lt"/>
+                <a:ea typeface="+mn-ea"/>
+                <a:cs typeface="+mn-cs"/>
+              </a:defRPr>
+            </a:lvl7pPr>
+            <a:lvl8pPr marL="3429000" indent="-228600" algn="l" defTabSz="914400" rtl="0" eaLnBrk="1" latinLnBrk="0" hangingPunct="1">
+              <a:lnSpc>
+                <a:spcPct val="90000"/>
+              </a:lnSpc>
+              <a:spcBef>
+                <a:spcPts val="500"/>
+              </a:spcBef>
+              <a:buFont typeface="Arial" panose="020B0604020202020204" pitchFamily="34" charset="0"/>
+              <a:buChar char="•"/>
+              <a:defRPr sz="1800" kern="1200">
+                <a:solidFill>
+                  <a:schemeClr val="tx1"/>
+                </a:solidFill>
+                <a:latin typeface="+mn-lt"/>
+                <a:ea typeface="+mn-ea"/>
+                <a:cs typeface="+mn-cs"/>
+              </a:defRPr>
+            </a:lvl8pPr>
+            <a:lvl9pPr marL="3886200" indent="-228600" algn="l" defTabSz="914400" rtl="0" eaLnBrk="1" latinLnBrk="0" hangingPunct="1">
+              <a:lnSpc>
+                <a:spcPct val="90000"/>
+              </a:lnSpc>
+              <a:spcBef>
+                <a:spcPts val="500"/>
+              </a:spcBef>
+              <a:buFont typeface="Arial" panose="020B0604020202020204" pitchFamily="34" charset="0"/>
+              <a:buChar char="•"/>
+              <a:defRPr sz="1800" kern="1200">
+                <a:solidFill>
+                  <a:schemeClr val="tx1"/>
+                </a:solidFill>
+                <a:latin typeface="+mn-lt"/>
+                <a:ea typeface="+mn-ea"/>
+                <a:cs typeface="+mn-cs"/>
+              </a:defRPr>
+            </a:lvl9pPr>
+          </a:lstStyle>
+          <a:p>
+            <a:pPr marL="0" indent="0">
+              <a:buFont typeface="Arial" panose="020B0604020202020204" pitchFamily="34" charset="0"/>
+              <a:buNone/>
+            </a:pPr>
+            <a:endParaRPr lang="fr-FR" sz="1700" dirty="0"/>
+          </a:p>
+        </p:txBody>
+      </p:sp>
+      <p:sp>
+        <p:nvSpPr>
+          <p:cNvPr id="8" name="Espace réservé du contenu 2">
+            <a:extLst>
+              <a:ext uri="{FF2B5EF4-FFF2-40B4-BE49-F238E27FC236}">
+                <a16:creationId xmlns:a16="http://schemas.microsoft.com/office/drawing/2014/main" id="{76D116A5-BF4D-4565-AC44-77C92C6D06E2}"/>
+              </a:ext>
+            </a:extLst>
+          </p:cNvPr>
+          <p:cNvSpPr txBox="1">
+            <a:spLocks/>
+          </p:cNvSpPr>
+          <p:nvPr/>
+        </p:nvSpPr>
+        <p:spPr>
+          <a:xfrm>
+            <a:off x="990600" y="1981398"/>
+            <a:ext cx="4389120" cy="4351338"/>
+          </a:xfrm>
+          <a:prstGeom prst="rect">
+            <a:avLst/>
+          </a:prstGeom>
+        </p:spPr>
+        <p:txBody>
+          <a:bodyPr vert="horz" lIns="91440" tIns="45720" rIns="91440" bIns="45720" rtlCol="0">
+            <a:normAutofit/>
+          </a:bodyPr>
+          <a:lstStyle>
+            <a:lvl1pPr marL="228600" indent="-228600" algn="l" defTabSz="914400" rtl="0" eaLnBrk="1" latinLnBrk="0" hangingPunct="1">
+              <a:lnSpc>
+                <a:spcPct val="90000"/>
+              </a:lnSpc>
+              <a:spcBef>
+                <a:spcPts val="1000"/>
+              </a:spcBef>
+              <a:buFont typeface="Arial" panose="020B0604020202020204" pitchFamily="34" charset="0"/>
+              <a:buChar char="•"/>
+              <a:defRPr sz="2800" kern="1200">
+                <a:solidFill>
+                  <a:schemeClr val="tx1"/>
+                </a:solidFill>
+                <a:latin typeface="+mn-lt"/>
+                <a:ea typeface="+mn-ea"/>
+                <a:cs typeface="+mn-cs"/>
+              </a:defRPr>
+            </a:lvl1pPr>
+            <a:lvl2pPr marL="685800" indent="-228600" algn="l" defTabSz="914400" rtl="0" eaLnBrk="1" latinLnBrk="0" hangingPunct="1">
+              <a:lnSpc>
+                <a:spcPct val="90000"/>
+              </a:lnSpc>
+              <a:spcBef>
+                <a:spcPts val="500"/>
+              </a:spcBef>
+              <a:buFont typeface="Arial" panose="020B0604020202020204" pitchFamily="34" charset="0"/>
+              <a:buChar char="•"/>
+              <a:defRPr sz="2400" kern="1200">
+                <a:solidFill>
+                  <a:schemeClr val="tx1"/>
+                </a:solidFill>
+                <a:latin typeface="+mn-lt"/>
+                <a:ea typeface="+mn-ea"/>
+                <a:cs typeface="+mn-cs"/>
+              </a:defRPr>
+            </a:lvl2pPr>
+            <a:lvl3pPr marL="1143000" indent="-228600" algn="l" defTabSz="914400" rtl="0" eaLnBrk="1" latinLnBrk="0" hangingPunct="1">
+              <a:lnSpc>
+                <a:spcPct val="90000"/>
+              </a:lnSpc>
+              <a:spcBef>
+                <a:spcPts val="500"/>
+              </a:spcBef>
+              <a:buFont typeface="Arial" panose="020B0604020202020204" pitchFamily="34" charset="0"/>
+              <a:buChar char="•"/>
+              <a:defRPr sz="2000" kern="1200">
+                <a:solidFill>
+                  <a:schemeClr val="tx1"/>
+                </a:solidFill>
+                <a:latin typeface="+mn-lt"/>
+                <a:ea typeface="+mn-ea"/>
+                <a:cs typeface="+mn-cs"/>
+              </a:defRPr>
+            </a:lvl3pPr>
+            <a:lvl4pPr marL="1600200" indent="-228600" algn="l" defTabSz="914400" rtl="0" eaLnBrk="1" latinLnBrk="0" hangingPunct="1">
+              <a:lnSpc>
+                <a:spcPct val="90000"/>
+              </a:lnSpc>
+              <a:spcBef>
+                <a:spcPts val="500"/>
+              </a:spcBef>
+              <a:buFont typeface="Arial" panose="020B0604020202020204" pitchFamily="34" charset="0"/>
+              <a:buChar char="•"/>
+              <a:defRPr sz="1800" kern="1200">
+                <a:solidFill>
+                  <a:schemeClr val="tx1"/>
+                </a:solidFill>
+                <a:latin typeface="+mn-lt"/>
+                <a:ea typeface="+mn-ea"/>
+                <a:cs typeface="+mn-cs"/>
+              </a:defRPr>
+            </a:lvl4pPr>
+            <a:lvl5pPr marL="2057400" indent="-228600" algn="l" defTabSz="914400" rtl="0" eaLnBrk="1" latinLnBrk="0" hangingPunct="1">
+              <a:lnSpc>
+                <a:spcPct val="90000"/>
+              </a:lnSpc>
+              <a:spcBef>
+                <a:spcPts val="500"/>
+              </a:spcBef>
+              <a:buFont typeface="Arial" panose="020B0604020202020204" pitchFamily="34" charset="0"/>
+              <a:buChar char="•"/>
+              <a:defRPr sz="1800" kern="1200">
+                <a:solidFill>
+                  <a:schemeClr val="tx1"/>
+                </a:solidFill>
+                <a:latin typeface="+mn-lt"/>
+                <a:ea typeface="+mn-ea"/>
+                <a:cs typeface="+mn-cs"/>
+              </a:defRPr>
+            </a:lvl5pPr>
+            <a:lvl6pPr marL="2514600" indent="-228600" algn="l" defTabSz="914400" rtl="0" eaLnBrk="1" latinLnBrk="0" hangingPunct="1">
+              <a:lnSpc>
+                <a:spcPct val="90000"/>
+              </a:lnSpc>
+              <a:spcBef>
+                <a:spcPts val="500"/>
+              </a:spcBef>
+              <a:buFont typeface="Arial" panose="020B0604020202020204" pitchFamily="34" charset="0"/>
+              <a:buChar char="•"/>
+              <a:defRPr sz="1800" kern="1200">
+                <a:solidFill>
+                  <a:schemeClr val="tx1"/>
+                </a:solidFill>
+                <a:latin typeface="+mn-lt"/>
+                <a:ea typeface="+mn-ea"/>
+                <a:cs typeface="+mn-cs"/>
+              </a:defRPr>
+            </a:lvl6pPr>
+            <a:lvl7pPr marL="2971800" indent="-228600" algn="l" defTabSz="914400" rtl="0" eaLnBrk="1" latinLnBrk="0" hangingPunct="1">
+              <a:lnSpc>
+                <a:spcPct val="90000"/>
+              </a:lnSpc>
+              <a:spcBef>
+                <a:spcPts val="500"/>
+              </a:spcBef>
+              <a:buFont typeface="Arial" panose="020B0604020202020204" pitchFamily="34" charset="0"/>
+              <a:buChar char="•"/>
+              <a:defRPr sz="1800" kern="1200">
+                <a:solidFill>
+                  <a:schemeClr val="tx1"/>
+                </a:solidFill>
+                <a:latin typeface="+mn-lt"/>
+                <a:ea typeface="+mn-ea"/>
+                <a:cs typeface="+mn-cs"/>
+              </a:defRPr>
+            </a:lvl7pPr>
+            <a:lvl8pPr marL="3429000" indent="-228600" algn="l" defTabSz="914400" rtl="0" eaLnBrk="1" latinLnBrk="0" hangingPunct="1">
+              <a:lnSpc>
+                <a:spcPct val="90000"/>
+              </a:lnSpc>
+              <a:spcBef>
+                <a:spcPts val="500"/>
+              </a:spcBef>
+              <a:buFont typeface="Arial" panose="020B0604020202020204" pitchFamily="34" charset="0"/>
+              <a:buChar char="•"/>
+              <a:defRPr sz="1800" kern="1200">
+                <a:solidFill>
+                  <a:schemeClr val="tx1"/>
+                </a:solidFill>
+                <a:latin typeface="+mn-lt"/>
+                <a:ea typeface="+mn-ea"/>
+                <a:cs typeface="+mn-cs"/>
+              </a:defRPr>
+            </a:lvl8pPr>
+            <a:lvl9pPr marL="3886200" indent="-228600" algn="l" defTabSz="914400" rtl="0" eaLnBrk="1" latinLnBrk="0" hangingPunct="1">
+              <a:lnSpc>
+                <a:spcPct val="90000"/>
+              </a:lnSpc>
+              <a:spcBef>
+                <a:spcPts val="500"/>
+              </a:spcBef>
+              <a:buFont typeface="Arial" panose="020B0604020202020204" pitchFamily="34" charset="0"/>
+              <a:buChar char="•"/>
+              <a:defRPr sz="1800" kern="1200">
+                <a:solidFill>
+                  <a:schemeClr val="tx1"/>
+                </a:solidFill>
+                <a:latin typeface="+mn-lt"/>
+                <a:ea typeface="+mn-ea"/>
+                <a:cs typeface="+mn-cs"/>
+              </a:defRPr>
+            </a:lvl9pPr>
+          </a:lstStyle>
+          <a:p>
+            <a:pPr marL="0" indent="0">
+              <a:buFont typeface="Arial" panose="020B0604020202020204" pitchFamily="34" charset="0"/>
+              <a:buNone/>
+            </a:pPr>
+            <a:r>
+              <a:rPr lang="fr-FR" sz="1700" dirty="0"/>
+              <a:t>Les validations se font au niveau de l’entité, et pour cela, il faut utiliser le composant </a:t>
+            </a:r>
+            <a:r>
+              <a:rPr lang="fr-FR" sz="1700" dirty="0" err="1"/>
+              <a:t>validator</a:t>
+            </a:r>
+            <a:r>
+              <a:rPr lang="fr-FR" sz="1700" dirty="0"/>
+              <a:t> de </a:t>
+            </a:r>
+            <a:r>
+              <a:rPr lang="fr-FR" sz="1700" dirty="0" err="1"/>
+              <a:t>symfony</a:t>
+            </a:r>
+            <a:r>
+              <a:rPr lang="fr-FR" sz="1700" dirty="0"/>
+              <a:t>.</a:t>
+            </a:r>
+          </a:p>
+          <a:p>
+            <a:pPr marL="0" indent="0">
+              <a:buFont typeface="Arial" panose="020B0604020202020204" pitchFamily="34" charset="0"/>
+              <a:buNone/>
+            </a:pPr>
+            <a:r>
+              <a:rPr lang="fr-FR" sz="1700" dirty="0"/>
+              <a:t>Dans l’entité concernée, il faut insérer le </a:t>
+            </a:r>
+            <a:r>
+              <a:rPr lang="fr-FR" sz="1700" dirty="0" err="1"/>
+              <a:t>namespace</a:t>
+            </a:r>
+            <a:r>
+              <a:rPr lang="fr-FR" sz="1700" dirty="0"/>
+              <a:t> prévu à cet effet : </a:t>
+            </a:r>
+          </a:p>
+          <a:p>
+            <a:pPr marL="0" indent="0">
+              <a:buNone/>
+            </a:pPr>
+            <a:r>
+              <a:rPr lang="en-US" sz="1600" dirty="0"/>
+              <a:t>use </a:t>
+            </a:r>
+            <a:r>
+              <a:rPr lang="en-US" sz="1600" dirty="0" err="1"/>
+              <a:t>Symfony</a:t>
+            </a:r>
+            <a:r>
+              <a:rPr lang="en-US" sz="1600" dirty="0"/>
+              <a:t>\Component\Validator\Constraints as Assert;</a:t>
+            </a:r>
+          </a:p>
+          <a:p>
+            <a:pPr marL="0" indent="0">
+              <a:buNone/>
+            </a:pPr>
+            <a:endParaRPr lang="en-US" sz="1600" dirty="0"/>
+          </a:p>
+          <a:p>
+            <a:pPr marL="0" indent="0">
+              <a:buNone/>
+            </a:pPr>
+            <a:r>
+              <a:rPr lang="en-US" sz="1600" dirty="0" err="1"/>
+              <a:t>Ensuite</a:t>
+            </a:r>
+            <a:r>
+              <a:rPr lang="en-US" sz="1600" dirty="0"/>
+              <a:t> sur </a:t>
+            </a:r>
+            <a:r>
+              <a:rPr lang="en-US" sz="1600" dirty="0" err="1"/>
+              <a:t>tous</a:t>
+            </a:r>
+            <a:r>
+              <a:rPr lang="en-US" sz="1600" dirty="0"/>
+              <a:t> les champs </a:t>
+            </a:r>
+            <a:r>
+              <a:rPr lang="en-US" sz="1600" dirty="0" err="1"/>
+              <a:t>où</a:t>
+            </a:r>
+            <a:r>
+              <a:rPr lang="en-US" sz="1600" dirty="0"/>
+              <a:t> </a:t>
+            </a:r>
+            <a:r>
+              <a:rPr lang="en-US" sz="1600" dirty="0" err="1"/>
+              <a:t>il</a:t>
+            </a:r>
+            <a:r>
+              <a:rPr lang="en-US" sz="1600" dirty="0"/>
+              <a:t> </a:t>
+            </a:r>
+            <a:r>
+              <a:rPr lang="en-US" sz="1600" dirty="0" err="1"/>
+              <a:t>doit</a:t>
+            </a:r>
+            <a:r>
+              <a:rPr lang="en-US" sz="1600" dirty="0"/>
+              <a:t> y </a:t>
+            </a:r>
+            <a:r>
+              <a:rPr lang="en-US" sz="1600" dirty="0" err="1"/>
+              <a:t>avoir</a:t>
+            </a:r>
+            <a:r>
+              <a:rPr lang="en-US" sz="1600" dirty="0"/>
+              <a:t> </a:t>
+            </a:r>
+            <a:r>
+              <a:rPr lang="en-US" sz="1600" dirty="0" err="1"/>
+              <a:t>une</a:t>
+            </a:r>
+            <a:r>
+              <a:rPr lang="en-US" sz="1600" dirty="0"/>
+              <a:t> validation, </a:t>
+            </a:r>
+            <a:r>
+              <a:rPr lang="en-US" sz="1600" dirty="0" err="1"/>
+              <a:t>il</a:t>
+            </a:r>
+            <a:r>
+              <a:rPr lang="en-US" sz="1600" dirty="0"/>
+              <a:t> </a:t>
+            </a:r>
+            <a:r>
+              <a:rPr lang="en-US" sz="1600" dirty="0" err="1"/>
+              <a:t>faudra</a:t>
+            </a:r>
+            <a:r>
+              <a:rPr lang="en-US" sz="1600" dirty="0"/>
+              <a:t> </a:t>
+            </a:r>
+            <a:r>
+              <a:rPr lang="en-US" sz="1600" dirty="0" err="1"/>
+              <a:t>veiller</a:t>
+            </a:r>
+            <a:r>
+              <a:rPr lang="en-US" sz="1600" dirty="0"/>
+              <a:t> à </a:t>
+            </a:r>
+            <a:r>
+              <a:rPr lang="en-US" sz="1600" dirty="0" err="1"/>
+              <a:t>insérer</a:t>
+            </a:r>
+            <a:r>
+              <a:rPr lang="en-US" sz="1600" dirty="0"/>
+              <a:t> les annotations avec le type de validation </a:t>
+            </a:r>
+            <a:r>
+              <a:rPr lang="en-US" sz="1600" dirty="0" err="1"/>
+              <a:t>souhaité</a:t>
+            </a:r>
+            <a:r>
+              <a:rPr lang="en-US" sz="1600" dirty="0"/>
+              <a:t>.</a:t>
+            </a:r>
+          </a:p>
+          <a:p>
+            <a:pPr marL="0" indent="0">
+              <a:buFont typeface="Arial" panose="020B0604020202020204" pitchFamily="34" charset="0"/>
+              <a:buNone/>
+            </a:pPr>
+            <a:endParaRPr lang="fr-FR" sz="1700" dirty="0"/>
+          </a:p>
+          <a:p>
+            <a:pPr marL="0" indent="0">
+              <a:buFont typeface="Arial" panose="020B0604020202020204" pitchFamily="34" charset="0"/>
+              <a:buNone/>
+            </a:pPr>
+            <a:endParaRPr lang="en-US" sz="1000" dirty="0"/>
+          </a:p>
+          <a:p>
+            <a:pPr marL="0" indent="0">
+              <a:buNone/>
+            </a:pPr>
+            <a:endParaRPr lang="en-US" sz="1000" dirty="0"/>
+          </a:p>
+        </p:txBody>
+      </p:sp>
+      <p:pic>
+        <p:nvPicPr>
+          <p:cNvPr id="2" name="Image 1">
+            <a:extLst>
+              <a:ext uri="{FF2B5EF4-FFF2-40B4-BE49-F238E27FC236}">
+                <a16:creationId xmlns:a16="http://schemas.microsoft.com/office/drawing/2014/main" id="{8A112809-8C73-4535-BB9D-16384E1C303E}"/>
+              </a:ext>
+            </a:extLst>
+          </p:cNvPr>
+          <p:cNvPicPr>
+            <a:picLocks noChangeAspect="1"/>
+          </p:cNvPicPr>
+          <p:nvPr/>
+        </p:nvPicPr>
+        <p:blipFill>
+          <a:blip r:embed="rId2"/>
+          <a:stretch>
+            <a:fillRect/>
+          </a:stretch>
+        </p:blipFill>
+        <p:spPr>
+          <a:xfrm>
+            <a:off x="5559041" y="1981398"/>
+            <a:ext cx="5794759" cy="2505075"/>
+          </a:xfrm>
+          <a:prstGeom prst="rect">
+            <a:avLst/>
+          </a:prstGeom>
+        </p:spPr>
+      </p:pic>
+    </p:spTree>
+    <p:extLst>
+      <p:ext uri="{BB962C8B-B14F-4D97-AF65-F5344CB8AC3E}">
+        <p14:creationId xmlns:p14="http://schemas.microsoft.com/office/powerpoint/2010/main" val="2274517596"/>
+      </p:ext>
+    </p:extLst>
+  </p:cSld>
+  <p:clrMapOvr>
+    <a:masterClrMapping/>
+  </p:clrMapOvr>
+</p:sld>
+</file>
+
+<file path=ppt/slides/slide47.xml><?xml version="1.0" encoding="utf-8"?>
+<p:sld xmlns:a="http://schemas.openxmlformats.org/drawingml/2006/main" xmlns:r="http://schemas.openxmlformats.org/officeDocument/2006/relationships" xmlns:p="http://schemas.openxmlformats.org/presentationml/2006/main">
+  <p:cSld>
+    <p:spTree>
+      <p:nvGrpSpPr>
+        <p:cNvPr id="1" name=""/>
+        <p:cNvGrpSpPr/>
+        <p:nvPr/>
+      </p:nvGrpSpPr>
+      <p:grpSpPr>
+        <a:xfrm>
+          <a:off x="0" y="0"/>
+          <a:ext cx="0" cy="0"/>
+          <a:chOff x="0" y="0"/>
+          <a:chExt cx="0" cy="0"/>
+        </a:xfrm>
+      </p:grpSpPr>
+      <p:sp>
+        <p:nvSpPr>
+          <p:cNvPr id="4" name="Titre 1">
+            <a:extLst>
+              <a:ext uri="{FF2B5EF4-FFF2-40B4-BE49-F238E27FC236}">
+                <a16:creationId xmlns:a16="http://schemas.microsoft.com/office/drawing/2014/main" id="{960C1D7C-377E-4936-AFF5-23D603AD6FF4}"/>
+              </a:ext>
+            </a:extLst>
+          </p:cNvPr>
+          <p:cNvSpPr>
+            <a:spLocks noGrp="1"/>
+          </p:cNvSpPr>
+          <p:nvPr>
+            <p:ph type="title"/>
+          </p:nvPr>
+        </p:nvSpPr>
+        <p:spPr>
+          <a:xfrm>
+            <a:off x="838200" y="365125"/>
+            <a:ext cx="10515600" cy="1325563"/>
+          </a:xfrm>
+        </p:spPr>
+        <p:txBody>
+          <a:bodyPr/>
+          <a:lstStyle/>
+          <a:p>
+            <a:r>
+              <a:rPr lang="fr-FR" dirty="0"/>
+              <a:t>Etape 37: La validation sur l’unicité des entités et éviter les doublons</a:t>
+            </a:r>
+          </a:p>
+        </p:txBody>
+      </p:sp>
+      <p:sp>
+        <p:nvSpPr>
+          <p:cNvPr id="9" name="Espace réservé du contenu 2">
+            <a:extLst>
+              <a:ext uri="{FF2B5EF4-FFF2-40B4-BE49-F238E27FC236}">
+                <a16:creationId xmlns:a16="http://schemas.microsoft.com/office/drawing/2014/main" id="{EB812BAD-F986-4356-9B0E-865CD4B89634}"/>
+              </a:ext>
+            </a:extLst>
+          </p:cNvPr>
+          <p:cNvSpPr txBox="1">
+            <a:spLocks/>
+          </p:cNvSpPr>
+          <p:nvPr/>
+        </p:nvSpPr>
+        <p:spPr>
+          <a:xfrm>
+            <a:off x="999275" y="1828998"/>
+            <a:ext cx="4389120" cy="4351338"/>
+          </a:xfrm>
+          <a:prstGeom prst="rect">
+            <a:avLst/>
+          </a:prstGeom>
+        </p:spPr>
+        <p:txBody>
+          <a:bodyPr vert="horz" lIns="91440" tIns="45720" rIns="91440" bIns="45720" rtlCol="0">
+            <a:normAutofit/>
+          </a:bodyPr>
+          <a:lstStyle>
+            <a:lvl1pPr marL="228600" indent="-228600" algn="l" defTabSz="914400" rtl="0" eaLnBrk="1" latinLnBrk="0" hangingPunct="1">
+              <a:lnSpc>
+                <a:spcPct val="90000"/>
+              </a:lnSpc>
+              <a:spcBef>
+                <a:spcPts val="1000"/>
+              </a:spcBef>
+              <a:buFont typeface="Arial" panose="020B0604020202020204" pitchFamily="34" charset="0"/>
+              <a:buChar char="•"/>
+              <a:defRPr sz="2800" kern="1200">
+                <a:solidFill>
+                  <a:schemeClr val="tx1"/>
+                </a:solidFill>
+                <a:latin typeface="+mn-lt"/>
+                <a:ea typeface="+mn-ea"/>
+                <a:cs typeface="+mn-cs"/>
+              </a:defRPr>
+            </a:lvl1pPr>
+            <a:lvl2pPr marL="685800" indent="-228600" algn="l" defTabSz="914400" rtl="0" eaLnBrk="1" latinLnBrk="0" hangingPunct="1">
+              <a:lnSpc>
+                <a:spcPct val="90000"/>
+              </a:lnSpc>
+              <a:spcBef>
+                <a:spcPts val="500"/>
+              </a:spcBef>
+              <a:buFont typeface="Arial" panose="020B0604020202020204" pitchFamily="34" charset="0"/>
+              <a:buChar char="•"/>
+              <a:defRPr sz="2400" kern="1200">
+                <a:solidFill>
+                  <a:schemeClr val="tx1"/>
+                </a:solidFill>
+                <a:latin typeface="+mn-lt"/>
+                <a:ea typeface="+mn-ea"/>
+                <a:cs typeface="+mn-cs"/>
+              </a:defRPr>
+            </a:lvl2pPr>
+            <a:lvl3pPr marL="1143000" indent="-228600" algn="l" defTabSz="914400" rtl="0" eaLnBrk="1" latinLnBrk="0" hangingPunct="1">
+              <a:lnSpc>
+                <a:spcPct val="90000"/>
+              </a:lnSpc>
+              <a:spcBef>
+                <a:spcPts val="500"/>
+              </a:spcBef>
+              <a:buFont typeface="Arial" panose="020B0604020202020204" pitchFamily="34" charset="0"/>
+              <a:buChar char="•"/>
+              <a:defRPr sz="2000" kern="1200">
+                <a:solidFill>
+                  <a:schemeClr val="tx1"/>
+                </a:solidFill>
+                <a:latin typeface="+mn-lt"/>
+                <a:ea typeface="+mn-ea"/>
+                <a:cs typeface="+mn-cs"/>
+              </a:defRPr>
+            </a:lvl3pPr>
+            <a:lvl4pPr marL="1600200" indent="-228600" algn="l" defTabSz="914400" rtl="0" eaLnBrk="1" latinLnBrk="0" hangingPunct="1">
+              <a:lnSpc>
+                <a:spcPct val="90000"/>
+              </a:lnSpc>
+              <a:spcBef>
+                <a:spcPts val="500"/>
+              </a:spcBef>
+              <a:buFont typeface="Arial" panose="020B0604020202020204" pitchFamily="34" charset="0"/>
+              <a:buChar char="•"/>
+              <a:defRPr sz="1800" kern="1200">
+                <a:solidFill>
+                  <a:schemeClr val="tx1"/>
+                </a:solidFill>
+                <a:latin typeface="+mn-lt"/>
+                <a:ea typeface="+mn-ea"/>
+                <a:cs typeface="+mn-cs"/>
+              </a:defRPr>
+            </a:lvl4pPr>
+            <a:lvl5pPr marL="2057400" indent="-228600" algn="l" defTabSz="914400" rtl="0" eaLnBrk="1" latinLnBrk="0" hangingPunct="1">
+              <a:lnSpc>
+                <a:spcPct val="90000"/>
+              </a:lnSpc>
+              <a:spcBef>
+                <a:spcPts val="500"/>
+              </a:spcBef>
+              <a:buFont typeface="Arial" panose="020B0604020202020204" pitchFamily="34" charset="0"/>
+              <a:buChar char="•"/>
+              <a:defRPr sz="1800" kern="1200">
+                <a:solidFill>
+                  <a:schemeClr val="tx1"/>
+                </a:solidFill>
+                <a:latin typeface="+mn-lt"/>
+                <a:ea typeface="+mn-ea"/>
+                <a:cs typeface="+mn-cs"/>
+              </a:defRPr>
+            </a:lvl5pPr>
+            <a:lvl6pPr marL="2514600" indent="-228600" algn="l" defTabSz="914400" rtl="0" eaLnBrk="1" latinLnBrk="0" hangingPunct="1">
+              <a:lnSpc>
+                <a:spcPct val="90000"/>
+              </a:lnSpc>
+              <a:spcBef>
+                <a:spcPts val="500"/>
+              </a:spcBef>
+              <a:buFont typeface="Arial" panose="020B0604020202020204" pitchFamily="34" charset="0"/>
+              <a:buChar char="•"/>
+              <a:defRPr sz="1800" kern="1200">
+                <a:solidFill>
+                  <a:schemeClr val="tx1"/>
+                </a:solidFill>
+                <a:latin typeface="+mn-lt"/>
+                <a:ea typeface="+mn-ea"/>
+                <a:cs typeface="+mn-cs"/>
+              </a:defRPr>
+            </a:lvl6pPr>
+            <a:lvl7pPr marL="2971800" indent="-228600" algn="l" defTabSz="914400" rtl="0" eaLnBrk="1" latinLnBrk="0" hangingPunct="1">
+              <a:lnSpc>
+                <a:spcPct val="90000"/>
+              </a:lnSpc>
+              <a:spcBef>
+                <a:spcPts val="500"/>
+              </a:spcBef>
+              <a:buFont typeface="Arial" panose="020B0604020202020204" pitchFamily="34" charset="0"/>
+              <a:buChar char="•"/>
+              <a:defRPr sz="1800" kern="1200">
+                <a:solidFill>
+                  <a:schemeClr val="tx1"/>
+                </a:solidFill>
+                <a:latin typeface="+mn-lt"/>
+                <a:ea typeface="+mn-ea"/>
+                <a:cs typeface="+mn-cs"/>
+              </a:defRPr>
+            </a:lvl7pPr>
+            <a:lvl8pPr marL="3429000" indent="-228600" algn="l" defTabSz="914400" rtl="0" eaLnBrk="1" latinLnBrk="0" hangingPunct="1">
+              <a:lnSpc>
+                <a:spcPct val="90000"/>
+              </a:lnSpc>
+              <a:spcBef>
+                <a:spcPts val="500"/>
+              </a:spcBef>
+              <a:buFont typeface="Arial" panose="020B0604020202020204" pitchFamily="34" charset="0"/>
+              <a:buChar char="•"/>
+              <a:defRPr sz="1800" kern="1200">
+                <a:solidFill>
+                  <a:schemeClr val="tx1"/>
+                </a:solidFill>
+                <a:latin typeface="+mn-lt"/>
+                <a:ea typeface="+mn-ea"/>
+                <a:cs typeface="+mn-cs"/>
+              </a:defRPr>
+            </a:lvl8pPr>
+            <a:lvl9pPr marL="3886200" indent="-228600" algn="l" defTabSz="914400" rtl="0" eaLnBrk="1" latinLnBrk="0" hangingPunct="1">
+              <a:lnSpc>
+                <a:spcPct val="90000"/>
+              </a:lnSpc>
+              <a:spcBef>
+                <a:spcPts val="500"/>
+              </a:spcBef>
+              <a:buFont typeface="Arial" panose="020B0604020202020204" pitchFamily="34" charset="0"/>
+              <a:buChar char="•"/>
+              <a:defRPr sz="1800" kern="1200">
+                <a:solidFill>
+                  <a:schemeClr val="tx1"/>
+                </a:solidFill>
+                <a:latin typeface="+mn-lt"/>
+                <a:ea typeface="+mn-ea"/>
+                <a:cs typeface="+mn-cs"/>
+              </a:defRPr>
+            </a:lvl9pPr>
+          </a:lstStyle>
+          <a:p>
+            <a:pPr marL="0" indent="0">
+              <a:buFont typeface="Arial" panose="020B0604020202020204" pitchFamily="34" charset="0"/>
+              <a:buNone/>
+            </a:pPr>
+            <a:endParaRPr lang="fr-FR" sz="1400" dirty="0"/>
+          </a:p>
+        </p:txBody>
+      </p:sp>
+      <p:sp>
+        <p:nvSpPr>
+          <p:cNvPr id="11" name="Espace réservé du contenu 2">
+            <a:extLst>
+              <a:ext uri="{FF2B5EF4-FFF2-40B4-BE49-F238E27FC236}">
+                <a16:creationId xmlns:a16="http://schemas.microsoft.com/office/drawing/2014/main" id="{534F948C-D7ED-425C-B2BB-4056FDF0CEB3}"/>
+              </a:ext>
+            </a:extLst>
+          </p:cNvPr>
+          <p:cNvSpPr txBox="1">
+            <a:spLocks/>
+          </p:cNvSpPr>
+          <p:nvPr/>
+        </p:nvSpPr>
+        <p:spPr>
+          <a:xfrm>
+            <a:off x="838200" y="1967308"/>
+            <a:ext cx="4389120" cy="4351338"/>
+          </a:xfrm>
+          <a:prstGeom prst="rect">
+            <a:avLst/>
+          </a:prstGeom>
+        </p:spPr>
+        <p:txBody>
+          <a:bodyPr vert="horz" lIns="91440" tIns="45720" rIns="91440" bIns="45720" rtlCol="0">
+            <a:normAutofit/>
+          </a:bodyPr>
+          <a:lstStyle>
+            <a:lvl1pPr marL="228600" indent="-228600" algn="l" defTabSz="914400" rtl="0" eaLnBrk="1" latinLnBrk="0" hangingPunct="1">
+              <a:lnSpc>
+                <a:spcPct val="90000"/>
+              </a:lnSpc>
+              <a:spcBef>
+                <a:spcPts val="1000"/>
+              </a:spcBef>
+              <a:buFont typeface="Arial" panose="020B0604020202020204" pitchFamily="34" charset="0"/>
+              <a:buChar char="•"/>
+              <a:defRPr sz="2800" kern="1200">
+                <a:solidFill>
+                  <a:schemeClr val="tx1"/>
+                </a:solidFill>
+                <a:latin typeface="+mn-lt"/>
+                <a:ea typeface="+mn-ea"/>
+                <a:cs typeface="+mn-cs"/>
+              </a:defRPr>
+            </a:lvl1pPr>
+            <a:lvl2pPr marL="685800" indent="-228600" algn="l" defTabSz="914400" rtl="0" eaLnBrk="1" latinLnBrk="0" hangingPunct="1">
+              <a:lnSpc>
+                <a:spcPct val="90000"/>
+              </a:lnSpc>
+              <a:spcBef>
+                <a:spcPts val="500"/>
+              </a:spcBef>
+              <a:buFont typeface="Arial" panose="020B0604020202020204" pitchFamily="34" charset="0"/>
+              <a:buChar char="•"/>
+              <a:defRPr sz="2400" kern="1200">
+                <a:solidFill>
+                  <a:schemeClr val="tx1"/>
+                </a:solidFill>
+                <a:latin typeface="+mn-lt"/>
+                <a:ea typeface="+mn-ea"/>
+                <a:cs typeface="+mn-cs"/>
+              </a:defRPr>
+            </a:lvl2pPr>
+            <a:lvl3pPr marL="1143000" indent="-228600" algn="l" defTabSz="914400" rtl="0" eaLnBrk="1" latinLnBrk="0" hangingPunct="1">
+              <a:lnSpc>
+                <a:spcPct val="90000"/>
+              </a:lnSpc>
+              <a:spcBef>
+                <a:spcPts val="500"/>
+              </a:spcBef>
+              <a:buFont typeface="Arial" panose="020B0604020202020204" pitchFamily="34" charset="0"/>
+              <a:buChar char="•"/>
+              <a:defRPr sz="2000" kern="1200">
+                <a:solidFill>
+                  <a:schemeClr val="tx1"/>
+                </a:solidFill>
+                <a:latin typeface="+mn-lt"/>
+                <a:ea typeface="+mn-ea"/>
+                <a:cs typeface="+mn-cs"/>
+              </a:defRPr>
+            </a:lvl3pPr>
+            <a:lvl4pPr marL="1600200" indent="-228600" algn="l" defTabSz="914400" rtl="0" eaLnBrk="1" latinLnBrk="0" hangingPunct="1">
+              <a:lnSpc>
+                <a:spcPct val="90000"/>
+              </a:lnSpc>
+              <a:spcBef>
+                <a:spcPts val="500"/>
+              </a:spcBef>
+              <a:buFont typeface="Arial" panose="020B0604020202020204" pitchFamily="34" charset="0"/>
+              <a:buChar char="•"/>
+              <a:defRPr sz="1800" kern="1200">
+                <a:solidFill>
+                  <a:schemeClr val="tx1"/>
+                </a:solidFill>
+                <a:latin typeface="+mn-lt"/>
+                <a:ea typeface="+mn-ea"/>
+                <a:cs typeface="+mn-cs"/>
+              </a:defRPr>
+            </a:lvl4pPr>
+            <a:lvl5pPr marL="2057400" indent="-228600" algn="l" defTabSz="914400" rtl="0" eaLnBrk="1" latinLnBrk="0" hangingPunct="1">
+              <a:lnSpc>
+                <a:spcPct val="90000"/>
+              </a:lnSpc>
+              <a:spcBef>
+                <a:spcPts val="500"/>
+              </a:spcBef>
+              <a:buFont typeface="Arial" panose="020B0604020202020204" pitchFamily="34" charset="0"/>
+              <a:buChar char="•"/>
+              <a:defRPr sz="1800" kern="1200">
+                <a:solidFill>
+                  <a:schemeClr val="tx1"/>
+                </a:solidFill>
+                <a:latin typeface="+mn-lt"/>
+                <a:ea typeface="+mn-ea"/>
+                <a:cs typeface="+mn-cs"/>
+              </a:defRPr>
+            </a:lvl5pPr>
+            <a:lvl6pPr marL="2514600" indent="-228600" algn="l" defTabSz="914400" rtl="0" eaLnBrk="1" latinLnBrk="0" hangingPunct="1">
+              <a:lnSpc>
+                <a:spcPct val="90000"/>
+              </a:lnSpc>
+              <a:spcBef>
+                <a:spcPts val="500"/>
+              </a:spcBef>
+              <a:buFont typeface="Arial" panose="020B0604020202020204" pitchFamily="34" charset="0"/>
+              <a:buChar char="•"/>
+              <a:defRPr sz="1800" kern="1200">
+                <a:solidFill>
+                  <a:schemeClr val="tx1"/>
+                </a:solidFill>
+                <a:latin typeface="+mn-lt"/>
+                <a:ea typeface="+mn-ea"/>
+                <a:cs typeface="+mn-cs"/>
+              </a:defRPr>
+            </a:lvl6pPr>
+            <a:lvl7pPr marL="2971800" indent="-228600" algn="l" defTabSz="914400" rtl="0" eaLnBrk="1" latinLnBrk="0" hangingPunct="1">
+              <a:lnSpc>
+                <a:spcPct val="90000"/>
+              </a:lnSpc>
+              <a:spcBef>
+                <a:spcPts val="500"/>
+              </a:spcBef>
+              <a:buFont typeface="Arial" panose="020B0604020202020204" pitchFamily="34" charset="0"/>
+              <a:buChar char="•"/>
+              <a:defRPr sz="1800" kern="1200">
+                <a:solidFill>
+                  <a:schemeClr val="tx1"/>
+                </a:solidFill>
+                <a:latin typeface="+mn-lt"/>
+                <a:ea typeface="+mn-ea"/>
+                <a:cs typeface="+mn-cs"/>
+              </a:defRPr>
+            </a:lvl7pPr>
+            <a:lvl8pPr marL="3429000" indent="-228600" algn="l" defTabSz="914400" rtl="0" eaLnBrk="1" latinLnBrk="0" hangingPunct="1">
+              <a:lnSpc>
+                <a:spcPct val="90000"/>
+              </a:lnSpc>
+              <a:spcBef>
+                <a:spcPts val="500"/>
+              </a:spcBef>
+              <a:buFont typeface="Arial" panose="020B0604020202020204" pitchFamily="34" charset="0"/>
+              <a:buChar char="•"/>
+              <a:defRPr sz="1800" kern="1200">
+                <a:solidFill>
+                  <a:schemeClr val="tx1"/>
+                </a:solidFill>
+                <a:latin typeface="+mn-lt"/>
+                <a:ea typeface="+mn-ea"/>
+                <a:cs typeface="+mn-cs"/>
+              </a:defRPr>
+            </a:lvl8pPr>
+            <a:lvl9pPr marL="3886200" indent="-228600" algn="l" defTabSz="914400" rtl="0" eaLnBrk="1" latinLnBrk="0" hangingPunct="1">
+              <a:lnSpc>
+                <a:spcPct val="90000"/>
+              </a:lnSpc>
+              <a:spcBef>
+                <a:spcPts val="500"/>
+              </a:spcBef>
+              <a:buFont typeface="Arial" panose="020B0604020202020204" pitchFamily="34" charset="0"/>
+              <a:buChar char="•"/>
+              <a:defRPr sz="1800" kern="1200">
+                <a:solidFill>
+                  <a:schemeClr val="tx1"/>
+                </a:solidFill>
+                <a:latin typeface="+mn-lt"/>
+                <a:ea typeface="+mn-ea"/>
+                <a:cs typeface="+mn-cs"/>
+              </a:defRPr>
+            </a:lvl9pPr>
+          </a:lstStyle>
+          <a:p>
+            <a:pPr marL="0" indent="0">
+              <a:buFont typeface="Arial" panose="020B0604020202020204" pitchFamily="34" charset="0"/>
+              <a:buNone/>
+            </a:pPr>
+            <a:endParaRPr lang="fr-FR" sz="1400" dirty="0"/>
+          </a:p>
+          <a:p>
+            <a:pPr marL="0" indent="0">
+              <a:buFont typeface="Arial" panose="020B0604020202020204" pitchFamily="34" charset="0"/>
+              <a:buNone/>
+            </a:pPr>
+            <a:endParaRPr lang="fr-FR" sz="1400" dirty="0"/>
+          </a:p>
+        </p:txBody>
+      </p:sp>
+      <p:sp>
+        <p:nvSpPr>
+          <p:cNvPr id="7" name="Espace réservé du contenu 2">
+            <a:extLst>
+              <a:ext uri="{FF2B5EF4-FFF2-40B4-BE49-F238E27FC236}">
+                <a16:creationId xmlns:a16="http://schemas.microsoft.com/office/drawing/2014/main" id="{C186E827-4A12-4E94-B916-563ED25781C9}"/>
+              </a:ext>
+            </a:extLst>
+          </p:cNvPr>
+          <p:cNvSpPr txBox="1">
+            <a:spLocks/>
+          </p:cNvSpPr>
+          <p:nvPr/>
+        </p:nvSpPr>
+        <p:spPr>
+          <a:xfrm>
+            <a:off x="838200" y="1828998"/>
+            <a:ext cx="4389120" cy="4351338"/>
+          </a:xfrm>
+          <a:prstGeom prst="rect">
+            <a:avLst/>
+          </a:prstGeom>
+        </p:spPr>
+        <p:txBody>
+          <a:bodyPr vert="horz" lIns="91440" tIns="45720" rIns="91440" bIns="45720" rtlCol="0">
+            <a:normAutofit/>
+          </a:bodyPr>
+          <a:lstStyle>
+            <a:lvl1pPr marL="228600" indent="-228600" algn="l" defTabSz="914400" rtl="0" eaLnBrk="1" latinLnBrk="0" hangingPunct="1">
+              <a:lnSpc>
+                <a:spcPct val="90000"/>
+              </a:lnSpc>
+              <a:spcBef>
+                <a:spcPts val="1000"/>
+              </a:spcBef>
+              <a:buFont typeface="Arial" panose="020B0604020202020204" pitchFamily="34" charset="0"/>
+              <a:buChar char="•"/>
+              <a:defRPr sz="2800" kern="1200">
+                <a:solidFill>
+                  <a:schemeClr val="tx1"/>
+                </a:solidFill>
+                <a:latin typeface="+mn-lt"/>
+                <a:ea typeface="+mn-ea"/>
+                <a:cs typeface="+mn-cs"/>
+              </a:defRPr>
+            </a:lvl1pPr>
+            <a:lvl2pPr marL="685800" indent="-228600" algn="l" defTabSz="914400" rtl="0" eaLnBrk="1" latinLnBrk="0" hangingPunct="1">
+              <a:lnSpc>
+                <a:spcPct val="90000"/>
+              </a:lnSpc>
+              <a:spcBef>
+                <a:spcPts val="500"/>
+              </a:spcBef>
+              <a:buFont typeface="Arial" panose="020B0604020202020204" pitchFamily="34" charset="0"/>
+              <a:buChar char="•"/>
+              <a:defRPr sz="2400" kern="1200">
+                <a:solidFill>
+                  <a:schemeClr val="tx1"/>
+                </a:solidFill>
+                <a:latin typeface="+mn-lt"/>
+                <a:ea typeface="+mn-ea"/>
+                <a:cs typeface="+mn-cs"/>
+              </a:defRPr>
+            </a:lvl2pPr>
+            <a:lvl3pPr marL="1143000" indent="-228600" algn="l" defTabSz="914400" rtl="0" eaLnBrk="1" latinLnBrk="0" hangingPunct="1">
+              <a:lnSpc>
+                <a:spcPct val="90000"/>
+              </a:lnSpc>
+              <a:spcBef>
+                <a:spcPts val="500"/>
+              </a:spcBef>
+              <a:buFont typeface="Arial" panose="020B0604020202020204" pitchFamily="34" charset="0"/>
+              <a:buChar char="•"/>
+              <a:defRPr sz="2000" kern="1200">
+                <a:solidFill>
+                  <a:schemeClr val="tx1"/>
+                </a:solidFill>
+                <a:latin typeface="+mn-lt"/>
+                <a:ea typeface="+mn-ea"/>
+                <a:cs typeface="+mn-cs"/>
+              </a:defRPr>
+            </a:lvl3pPr>
+            <a:lvl4pPr marL="1600200" indent="-228600" algn="l" defTabSz="914400" rtl="0" eaLnBrk="1" latinLnBrk="0" hangingPunct="1">
+              <a:lnSpc>
+                <a:spcPct val="90000"/>
+              </a:lnSpc>
+              <a:spcBef>
+                <a:spcPts val="500"/>
+              </a:spcBef>
+              <a:buFont typeface="Arial" panose="020B0604020202020204" pitchFamily="34" charset="0"/>
+              <a:buChar char="•"/>
+              <a:defRPr sz="1800" kern="1200">
+                <a:solidFill>
+                  <a:schemeClr val="tx1"/>
+                </a:solidFill>
+                <a:latin typeface="+mn-lt"/>
+                <a:ea typeface="+mn-ea"/>
+                <a:cs typeface="+mn-cs"/>
+              </a:defRPr>
+            </a:lvl4pPr>
+            <a:lvl5pPr marL="2057400" indent="-228600" algn="l" defTabSz="914400" rtl="0" eaLnBrk="1" latinLnBrk="0" hangingPunct="1">
+              <a:lnSpc>
+                <a:spcPct val="90000"/>
+              </a:lnSpc>
+              <a:spcBef>
+                <a:spcPts val="500"/>
+              </a:spcBef>
+              <a:buFont typeface="Arial" panose="020B0604020202020204" pitchFamily="34" charset="0"/>
+              <a:buChar char="•"/>
+              <a:defRPr sz="1800" kern="1200">
+                <a:solidFill>
+                  <a:schemeClr val="tx1"/>
+                </a:solidFill>
+                <a:latin typeface="+mn-lt"/>
+                <a:ea typeface="+mn-ea"/>
+                <a:cs typeface="+mn-cs"/>
+              </a:defRPr>
+            </a:lvl5pPr>
+            <a:lvl6pPr marL="2514600" indent="-228600" algn="l" defTabSz="914400" rtl="0" eaLnBrk="1" latinLnBrk="0" hangingPunct="1">
+              <a:lnSpc>
+                <a:spcPct val="90000"/>
+              </a:lnSpc>
+              <a:spcBef>
+                <a:spcPts val="500"/>
+              </a:spcBef>
+              <a:buFont typeface="Arial" panose="020B0604020202020204" pitchFamily="34" charset="0"/>
+              <a:buChar char="•"/>
+              <a:defRPr sz="1800" kern="1200">
+                <a:solidFill>
+                  <a:schemeClr val="tx1"/>
+                </a:solidFill>
+                <a:latin typeface="+mn-lt"/>
+                <a:ea typeface="+mn-ea"/>
+                <a:cs typeface="+mn-cs"/>
+              </a:defRPr>
+            </a:lvl6pPr>
+            <a:lvl7pPr marL="2971800" indent="-228600" algn="l" defTabSz="914400" rtl="0" eaLnBrk="1" latinLnBrk="0" hangingPunct="1">
+              <a:lnSpc>
+                <a:spcPct val="90000"/>
+              </a:lnSpc>
+              <a:spcBef>
+                <a:spcPts val="500"/>
+              </a:spcBef>
+              <a:buFont typeface="Arial" panose="020B0604020202020204" pitchFamily="34" charset="0"/>
+              <a:buChar char="•"/>
+              <a:defRPr sz="1800" kern="1200">
+                <a:solidFill>
+                  <a:schemeClr val="tx1"/>
+                </a:solidFill>
+                <a:latin typeface="+mn-lt"/>
+                <a:ea typeface="+mn-ea"/>
+                <a:cs typeface="+mn-cs"/>
+              </a:defRPr>
+            </a:lvl7pPr>
+            <a:lvl8pPr marL="3429000" indent="-228600" algn="l" defTabSz="914400" rtl="0" eaLnBrk="1" latinLnBrk="0" hangingPunct="1">
+              <a:lnSpc>
+                <a:spcPct val="90000"/>
+              </a:lnSpc>
+              <a:spcBef>
+                <a:spcPts val="500"/>
+              </a:spcBef>
+              <a:buFont typeface="Arial" panose="020B0604020202020204" pitchFamily="34" charset="0"/>
+              <a:buChar char="•"/>
+              <a:defRPr sz="1800" kern="1200">
+                <a:solidFill>
+                  <a:schemeClr val="tx1"/>
+                </a:solidFill>
+                <a:latin typeface="+mn-lt"/>
+                <a:ea typeface="+mn-ea"/>
+                <a:cs typeface="+mn-cs"/>
+              </a:defRPr>
+            </a:lvl8pPr>
+            <a:lvl9pPr marL="3886200" indent="-228600" algn="l" defTabSz="914400" rtl="0" eaLnBrk="1" latinLnBrk="0" hangingPunct="1">
+              <a:lnSpc>
+                <a:spcPct val="90000"/>
+              </a:lnSpc>
+              <a:spcBef>
+                <a:spcPts val="500"/>
+              </a:spcBef>
+              <a:buFont typeface="Arial" panose="020B0604020202020204" pitchFamily="34" charset="0"/>
+              <a:buChar char="•"/>
+              <a:defRPr sz="1800" kern="1200">
+                <a:solidFill>
+                  <a:schemeClr val="tx1"/>
+                </a:solidFill>
+                <a:latin typeface="+mn-lt"/>
+                <a:ea typeface="+mn-ea"/>
+                <a:cs typeface="+mn-cs"/>
+              </a:defRPr>
+            </a:lvl9pPr>
+          </a:lstStyle>
+          <a:p>
+            <a:pPr marL="0" indent="0">
+              <a:buFont typeface="Arial" panose="020B0604020202020204" pitchFamily="34" charset="0"/>
+              <a:buNone/>
+            </a:pPr>
+            <a:endParaRPr lang="fr-FR" sz="1700" dirty="0"/>
+          </a:p>
+        </p:txBody>
+      </p:sp>
+      <p:sp>
+        <p:nvSpPr>
+          <p:cNvPr id="10" name="Espace réservé du contenu 2">
+            <a:extLst>
+              <a:ext uri="{FF2B5EF4-FFF2-40B4-BE49-F238E27FC236}">
+                <a16:creationId xmlns:a16="http://schemas.microsoft.com/office/drawing/2014/main" id="{043C8D8C-BDCD-46B0-9564-FF19BB4698A7}"/>
+              </a:ext>
+            </a:extLst>
+          </p:cNvPr>
+          <p:cNvSpPr txBox="1">
+            <a:spLocks/>
+          </p:cNvSpPr>
+          <p:nvPr/>
+        </p:nvSpPr>
+        <p:spPr>
+          <a:xfrm>
+            <a:off x="6096000" y="1828998"/>
+            <a:ext cx="4389120" cy="4351338"/>
+          </a:xfrm>
+          <a:prstGeom prst="rect">
+            <a:avLst/>
+          </a:prstGeom>
+        </p:spPr>
+        <p:txBody>
+          <a:bodyPr vert="horz" lIns="91440" tIns="45720" rIns="91440" bIns="45720" rtlCol="0">
+            <a:normAutofit/>
+          </a:bodyPr>
+          <a:lstStyle>
+            <a:lvl1pPr marL="228600" indent="-228600" algn="l" defTabSz="914400" rtl="0" eaLnBrk="1" latinLnBrk="0" hangingPunct="1">
+              <a:lnSpc>
+                <a:spcPct val="90000"/>
+              </a:lnSpc>
+              <a:spcBef>
+                <a:spcPts val="1000"/>
+              </a:spcBef>
+              <a:buFont typeface="Arial" panose="020B0604020202020204" pitchFamily="34" charset="0"/>
+              <a:buChar char="•"/>
+              <a:defRPr sz="2800" kern="1200">
+                <a:solidFill>
+                  <a:schemeClr val="tx1"/>
+                </a:solidFill>
+                <a:latin typeface="+mn-lt"/>
+                <a:ea typeface="+mn-ea"/>
+                <a:cs typeface="+mn-cs"/>
+              </a:defRPr>
+            </a:lvl1pPr>
+            <a:lvl2pPr marL="685800" indent="-228600" algn="l" defTabSz="914400" rtl="0" eaLnBrk="1" latinLnBrk="0" hangingPunct="1">
+              <a:lnSpc>
+                <a:spcPct val="90000"/>
+              </a:lnSpc>
+              <a:spcBef>
+                <a:spcPts val="500"/>
+              </a:spcBef>
+              <a:buFont typeface="Arial" panose="020B0604020202020204" pitchFamily="34" charset="0"/>
+              <a:buChar char="•"/>
+              <a:defRPr sz="2400" kern="1200">
+                <a:solidFill>
+                  <a:schemeClr val="tx1"/>
+                </a:solidFill>
+                <a:latin typeface="+mn-lt"/>
+                <a:ea typeface="+mn-ea"/>
+                <a:cs typeface="+mn-cs"/>
+              </a:defRPr>
+            </a:lvl2pPr>
+            <a:lvl3pPr marL="1143000" indent="-228600" algn="l" defTabSz="914400" rtl="0" eaLnBrk="1" latinLnBrk="0" hangingPunct="1">
+              <a:lnSpc>
+                <a:spcPct val="90000"/>
+              </a:lnSpc>
+              <a:spcBef>
+                <a:spcPts val="500"/>
+              </a:spcBef>
+              <a:buFont typeface="Arial" panose="020B0604020202020204" pitchFamily="34" charset="0"/>
+              <a:buChar char="•"/>
+              <a:defRPr sz="2000" kern="1200">
+                <a:solidFill>
+                  <a:schemeClr val="tx1"/>
+                </a:solidFill>
+                <a:latin typeface="+mn-lt"/>
+                <a:ea typeface="+mn-ea"/>
+                <a:cs typeface="+mn-cs"/>
+              </a:defRPr>
+            </a:lvl3pPr>
+            <a:lvl4pPr marL="1600200" indent="-228600" algn="l" defTabSz="914400" rtl="0" eaLnBrk="1" latinLnBrk="0" hangingPunct="1">
+              <a:lnSpc>
+                <a:spcPct val="90000"/>
+              </a:lnSpc>
+              <a:spcBef>
+                <a:spcPts val="500"/>
+              </a:spcBef>
+              <a:buFont typeface="Arial" panose="020B0604020202020204" pitchFamily="34" charset="0"/>
+              <a:buChar char="•"/>
+              <a:defRPr sz="1800" kern="1200">
+                <a:solidFill>
+                  <a:schemeClr val="tx1"/>
+                </a:solidFill>
+                <a:latin typeface="+mn-lt"/>
+                <a:ea typeface="+mn-ea"/>
+                <a:cs typeface="+mn-cs"/>
+              </a:defRPr>
+            </a:lvl4pPr>
+            <a:lvl5pPr marL="2057400" indent="-228600" algn="l" defTabSz="914400" rtl="0" eaLnBrk="1" latinLnBrk="0" hangingPunct="1">
+              <a:lnSpc>
+                <a:spcPct val="90000"/>
+              </a:lnSpc>
+              <a:spcBef>
+                <a:spcPts val="500"/>
+              </a:spcBef>
+              <a:buFont typeface="Arial" panose="020B0604020202020204" pitchFamily="34" charset="0"/>
+              <a:buChar char="•"/>
+              <a:defRPr sz="1800" kern="1200">
+                <a:solidFill>
+                  <a:schemeClr val="tx1"/>
+                </a:solidFill>
+                <a:latin typeface="+mn-lt"/>
+                <a:ea typeface="+mn-ea"/>
+                <a:cs typeface="+mn-cs"/>
+              </a:defRPr>
+            </a:lvl5pPr>
+            <a:lvl6pPr marL="2514600" indent="-228600" algn="l" defTabSz="914400" rtl="0" eaLnBrk="1" latinLnBrk="0" hangingPunct="1">
+              <a:lnSpc>
+                <a:spcPct val="90000"/>
+              </a:lnSpc>
+              <a:spcBef>
+                <a:spcPts val="500"/>
+              </a:spcBef>
+              <a:buFont typeface="Arial" panose="020B0604020202020204" pitchFamily="34" charset="0"/>
+              <a:buChar char="•"/>
+              <a:defRPr sz="1800" kern="1200">
+                <a:solidFill>
+                  <a:schemeClr val="tx1"/>
+                </a:solidFill>
+                <a:latin typeface="+mn-lt"/>
+                <a:ea typeface="+mn-ea"/>
+                <a:cs typeface="+mn-cs"/>
+              </a:defRPr>
+            </a:lvl6pPr>
+            <a:lvl7pPr marL="2971800" indent="-228600" algn="l" defTabSz="914400" rtl="0" eaLnBrk="1" latinLnBrk="0" hangingPunct="1">
+              <a:lnSpc>
+                <a:spcPct val="90000"/>
+              </a:lnSpc>
+              <a:spcBef>
+                <a:spcPts val="500"/>
+              </a:spcBef>
+              <a:buFont typeface="Arial" panose="020B0604020202020204" pitchFamily="34" charset="0"/>
+              <a:buChar char="•"/>
+              <a:defRPr sz="1800" kern="1200">
+                <a:solidFill>
+                  <a:schemeClr val="tx1"/>
+                </a:solidFill>
+                <a:latin typeface="+mn-lt"/>
+                <a:ea typeface="+mn-ea"/>
+                <a:cs typeface="+mn-cs"/>
+              </a:defRPr>
+            </a:lvl7pPr>
+            <a:lvl8pPr marL="3429000" indent="-228600" algn="l" defTabSz="914400" rtl="0" eaLnBrk="1" latinLnBrk="0" hangingPunct="1">
+              <a:lnSpc>
+                <a:spcPct val="90000"/>
+              </a:lnSpc>
+              <a:spcBef>
+                <a:spcPts val="500"/>
+              </a:spcBef>
+              <a:buFont typeface="Arial" panose="020B0604020202020204" pitchFamily="34" charset="0"/>
+              <a:buChar char="•"/>
+              <a:defRPr sz="1800" kern="1200">
+                <a:solidFill>
+                  <a:schemeClr val="tx1"/>
+                </a:solidFill>
+                <a:latin typeface="+mn-lt"/>
+                <a:ea typeface="+mn-ea"/>
+                <a:cs typeface="+mn-cs"/>
+              </a:defRPr>
+            </a:lvl8pPr>
+            <a:lvl9pPr marL="3886200" indent="-228600" algn="l" defTabSz="914400" rtl="0" eaLnBrk="1" latinLnBrk="0" hangingPunct="1">
+              <a:lnSpc>
+                <a:spcPct val="90000"/>
+              </a:lnSpc>
+              <a:spcBef>
+                <a:spcPts val="500"/>
+              </a:spcBef>
+              <a:buFont typeface="Arial" panose="020B0604020202020204" pitchFamily="34" charset="0"/>
+              <a:buChar char="•"/>
+              <a:defRPr sz="1800" kern="1200">
+                <a:solidFill>
+                  <a:schemeClr val="tx1"/>
+                </a:solidFill>
+                <a:latin typeface="+mn-lt"/>
+                <a:ea typeface="+mn-ea"/>
+                <a:cs typeface="+mn-cs"/>
+              </a:defRPr>
+            </a:lvl9pPr>
+          </a:lstStyle>
+          <a:p>
+            <a:pPr marL="0" indent="0">
+              <a:buFont typeface="Arial" panose="020B0604020202020204" pitchFamily="34" charset="0"/>
+              <a:buNone/>
+            </a:pPr>
+            <a:endParaRPr lang="fr-FR" sz="1700" dirty="0"/>
+          </a:p>
+        </p:txBody>
+      </p:sp>
+      <p:sp>
+        <p:nvSpPr>
+          <p:cNvPr id="8" name="Espace réservé du contenu 2">
+            <a:extLst>
+              <a:ext uri="{FF2B5EF4-FFF2-40B4-BE49-F238E27FC236}">
+                <a16:creationId xmlns:a16="http://schemas.microsoft.com/office/drawing/2014/main" id="{76D116A5-BF4D-4565-AC44-77C92C6D06E2}"/>
+              </a:ext>
+            </a:extLst>
+          </p:cNvPr>
+          <p:cNvSpPr txBox="1">
+            <a:spLocks/>
+          </p:cNvSpPr>
+          <p:nvPr/>
+        </p:nvSpPr>
+        <p:spPr>
+          <a:xfrm>
+            <a:off x="990600" y="1981398"/>
+            <a:ext cx="4389120" cy="4351338"/>
+          </a:xfrm>
+          <a:prstGeom prst="rect">
+            <a:avLst/>
+          </a:prstGeom>
+        </p:spPr>
+        <p:txBody>
+          <a:bodyPr vert="horz" lIns="91440" tIns="45720" rIns="91440" bIns="45720" rtlCol="0">
+            <a:normAutofit/>
+          </a:bodyPr>
+          <a:lstStyle>
+            <a:lvl1pPr marL="228600" indent="-228600" algn="l" defTabSz="914400" rtl="0" eaLnBrk="1" latinLnBrk="0" hangingPunct="1">
+              <a:lnSpc>
+                <a:spcPct val="90000"/>
+              </a:lnSpc>
+              <a:spcBef>
+                <a:spcPts val="1000"/>
+              </a:spcBef>
+              <a:buFont typeface="Arial" panose="020B0604020202020204" pitchFamily="34" charset="0"/>
+              <a:buChar char="•"/>
+              <a:defRPr sz="2800" kern="1200">
+                <a:solidFill>
+                  <a:schemeClr val="tx1"/>
+                </a:solidFill>
+                <a:latin typeface="+mn-lt"/>
+                <a:ea typeface="+mn-ea"/>
+                <a:cs typeface="+mn-cs"/>
+              </a:defRPr>
+            </a:lvl1pPr>
+            <a:lvl2pPr marL="685800" indent="-228600" algn="l" defTabSz="914400" rtl="0" eaLnBrk="1" latinLnBrk="0" hangingPunct="1">
+              <a:lnSpc>
+                <a:spcPct val="90000"/>
+              </a:lnSpc>
+              <a:spcBef>
+                <a:spcPts val="500"/>
+              </a:spcBef>
+              <a:buFont typeface="Arial" panose="020B0604020202020204" pitchFamily="34" charset="0"/>
+              <a:buChar char="•"/>
+              <a:defRPr sz="2400" kern="1200">
+                <a:solidFill>
+                  <a:schemeClr val="tx1"/>
+                </a:solidFill>
+                <a:latin typeface="+mn-lt"/>
+                <a:ea typeface="+mn-ea"/>
+                <a:cs typeface="+mn-cs"/>
+              </a:defRPr>
+            </a:lvl2pPr>
+            <a:lvl3pPr marL="1143000" indent="-228600" algn="l" defTabSz="914400" rtl="0" eaLnBrk="1" latinLnBrk="0" hangingPunct="1">
+              <a:lnSpc>
+                <a:spcPct val="90000"/>
+              </a:lnSpc>
+              <a:spcBef>
+                <a:spcPts val="500"/>
+              </a:spcBef>
+              <a:buFont typeface="Arial" panose="020B0604020202020204" pitchFamily="34" charset="0"/>
+              <a:buChar char="•"/>
+              <a:defRPr sz="2000" kern="1200">
+                <a:solidFill>
+                  <a:schemeClr val="tx1"/>
+                </a:solidFill>
+                <a:latin typeface="+mn-lt"/>
+                <a:ea typeface="+mn-ea"/>
+                <a:cs typeface="+mn-cs"/>
+              </a:defRPr>
+            </a:lvl3pPr>
+            <a:lvl4pPr marL="1600200" indent="-228600" algn="l" defTabSz="914400" rtl="0" eaLnBrk="1" latinLnBrk="0" hangingPunct="1">
+              <a:lnSpc>
+                <a:spcPct val="90000"/>
+              </a:lnSpc>
+              <a:spcBef>
+                <a:spcPts val="500"/>
+              </a:spcBef>
+              <a:buFont typeface="Arial" panose="020B0604020202020204" pitchFamily="34" charset="0"/>
+              <a:buChar char="•"/>
+              <a:defRPr sz="1800" kern="1200">
+                <a:solidFill>
+                  <a:schemeClr val="tx1"/>
+                </a:solidFill>
+                <a:latin typeface="+mn-lt"/>
+                <a:ea typeface="+mn-ea"/>
+                <a:cs typeface="+mn-cs"/>
+              </a:defRPr>
+            </a:lvl4pPr>
+            <a:lvl5pPr marL="2057400" indent="-228600" algn="l" defTabSz="914400" rtl="0" eaLnBrk="1" latinLnBrk="0" hangingPunct="1">
+              <a:lnSpc>
+                <a:spcPct val="90000"/>
+              </a:lnSpc>
+              <a:spcBef>
+                <a:spcPts val="500"/>
+              </a:spcBef>
+              <a:buFont typeface="Arial" panose="020B0604020202020204" pitchFamily="34" charset="0"/>
+              <a:buChar char="•"/>
+              <a:defRPr sz="1800" kern="1200">
+                <a:solidFill>
+                  <a:schemeClr val="tx1"/>
+                </a:solidFill>
+                <a:latin typeface="+mn-lt"/>
+                <a:ea typeface="+mn-ea"/>
+                <a:cs typeface="+mn-cs"/>
+              </a:defRPr>
+            </a:lvl5pPr>
+            <a:lvl6pPr marL="2514600" indent="-228600" algn="l" defTabSz="914400" rtl="0" eaLnBrk="1" latinLnBrk="0" hangingPunct="1">
+              <a:lnSpc>
+                <a:spcPct val="90000"/>
+              </a:lnSpc>
+              <a:spcBef>
+                <a:spcPts val="500"/>
+              </a:spcBef>
+              <a:buFont typeface="Arial" panose="020B0604020202020204" pitchFamily="34" charset="0"/>
+              <a:buChar char="•"/>
+              <a:defRPr sz="1800" kern="1200">
+                <a:solidFill>
+                  <a:schemeClr val="tx1"/>
+                </a:solidFill>
+                <a:latin typeface="+mn-lt"/>
+                <a:ea typeface="+mn-ea"/>
+                <a:cs typeface="+mn-cs"/>
+              </a:defRPr>
+            </a:lvl6pPr>
+            <a:lvl7pPr marL="2971800" indent="-228600" algn="l" defTabSz="914400" rtl="0" eaLnBrk="1" latinLnBrk="0" hangingPunct="1">
+              <a:lnSpc>
+                <a:spcPct val="90000"/>
+              </a:lnSpc>
+              <a:spcBef>
+                <a:spcPts val="500"/>
+              </a:spcBef>
+              <a:buFont typeface="Arial" panose="020B0604020202020204" pitchFamily="34" charset="0"/>
+              <a:buChar char="•"/>
+              <a:defRPr sz="1800" kern="1200">
+                <a:solidFill>
+                  <a:schemeClr val="tx1"/>
+                </a:solidFill>
+                <a:latin typeface="+mn-lt"/>
+                <a:ea typeface="+mn-ea"/>
+                <a:cs typeface="+mn-cs"/>
+              </a:defRPr>
+            </a:lvl7pPr>
+            <a:lvl8pPr marL="3429000" indent="-228600" algn="l" defTabSz="914400" rtl="0" eaLnBrk="1" latinLnBrk="0" hangingPunct="1">
+              <a:lnSpc>
+                <a:spcPct val="90000"/>
+              </a:lnSpc>
+              <a:spcBef>
+                <a:spcPts val="500"/>
+              </a:spcBef>
+              <a:buFont typeface="Arial" panose="020B0604020202020204" pitchFamily="34" charset="0"/>
+              <a:buChar char="•"/>
+              <a:defRPr sz="1800" kern="1200">
+                <a:solidFill>
+                  <a:schemeClr val="tx1"/>
+                </a:solidFill>
+                <a:latin typeface="+mn-lt"/>
+                <a:ea typeface="+mn-ea"/>
+                <a:cs typeface="+mn-cs"/>
+              </a:defRPr>
+            </a:lvl8pPr>
+            <a:lvl9pPr marL="3886200" indent="-228600" algn="l" defTabSz="914400" rtl="0" eaLnBrk="1" latinLnBrk="0" hangingPunct="1">
+              <a:lnSpc>
+                <a:spcPct val="90000"/>
+              </a:lnSpc>
+              <a:spcBef>
+                <a:spcPts val="500"/>
+              </a:spcBef>
+              <a:buFont typeface="Arial" panose="020B0604020202020204" pitchFamily="34" charset="0"/>
+              <a:buChar char="•"/>
+              <a:defRPr sz="1800" kern="1200">
+                <a:solidFill>
+                  <a:schemeClr val="tx1"/>
+                </a:solidFill>
+                <a:latin typeface="+mn-lt"/>
+                <a:ea typeface="+mn-ea"/>
+                <a:cs typeface="+mn-cs"/>
+              </a:defRPr>
+            </a:lvl9pPr>
+          </a:lstStyle>
+          <a:p>
+            <a:pPr marL="0" indent="0">
+              <a:buNone/>
+            </a:pPr>
+            <a:r>
+              <a:rPr lang="fr-FR" sz="1700" dirty="0"/>
+              <a:t>Pour l’unicité des entités il faut utiliser le composant </a:t>
+            </a:r>
+            <a:r>
+              <a:rPr lang="fr-FR" sz="1700" dirty="0" err="1"/>
+              <a:t>UniqueEntity</a:t>
+            </a:r>
+            <a:r>
+              <a:rPr lang="fr-FR" sz="1700" dirty="0"/>
+              <a:t> de </a:t>
+            </a:r>
+            <a:r>
+              <a:rPr lang="fr-FR" sz="1700" dirty="0" err="1"/>
+              <a:t>symfony</a:t>
+            </a:r>
+            <a:endParaRPr lang="fr-FR" sz="1700" dirty="0"/>
+          </a:p>
+          <a:p>
+            <a:pPr marL="0" indent="0">
+              <a:buNone/>
+            </a:pPr>
+            <a:r>
+              <a:rPr lang="fr-FR" sz="1700" dirty="0"/>
+              <a:t>Dans l’entité concernée, il faut insérer le </a:t>
+            </a:r>
+            <a:r>
+              <a:rPr lang="fr-FR" sz="1700" dirty="0" err="1"/>
+              <a:t>namespace</a:t>
+            </a:r>
+            <a:r>
+              <a:rPr lang="fr-FR" sz="1700" dirty="0"/>
+              <a:t> prévu à cet effet : </a:t>
+            </a:r>
+          </a:p>
+          <a:p>
+            <a:pPr marL="0" indent="0">
+              <a:buNone/>
+            </a:pPr>
+            <a:r>
+              <a:rPr lang="en-US" sz="1200" dirty="0"/>
+              <a:t>use </a:t>
+            </a:r>
+            <a:r>
+              <a:rPr lang="en-US" sz="1200" dirty="0" err="1"/>
+              <a:t>Symfony</a:t>
+            </a:r>
+            <a:r>
+              <a:rPr lang="en-US" sz="1200" dirty="0"/>
+              <a:t>\Bridge\Doctrine\Validator\Constraints\</a:t>
+            </a:r>
+            <a:r>
+              <a:rPr lang="en-US" sz="1200" dirty="0" err="1"/>
+              <a:t>UniqueEntity</a:t>
+            </a:r>
+            <a:r>
+              <a:rPr lang="en-US" sz="1200" dirty="0"/>
+              <a:t>;</a:t>
+            </a:r>
+            <a:endParaRPr lang="en-US" sz="1600" dirty="0"/>
+          </a:p>
+          <a:p>
+            <a:pPr marL="0" indent="0">
+              <a:buFont typeface="Arial" panose="020B0604020202020204" pitchFamily="34" charset="0"/>
+              <a:buNone/>
+            </a:pPr>
+            <a:endParaRPr lang="en-US" sz="1600" dirty="0"/>
+          </a:p>
+          <a:p>
+            <a:pPr marL="0" indent="0">
+              <a:buFont typeface="Arial" panose="020B0604020202020204" pitchFamily="34" charset="0"/>
+              <a:buNone/>
+            </a:pPr>
+            <a:r>
+              <a:rPr lang="en-US" sz="1600" dirty="0" err="1"/>
+              <a:t>Ensuite</a:t>
+            </a:r>
+            <a:r>
+              <a:rPr lang="en-US" sz="1600" dirty="0"/>
+              <a:t> au dessus de la class de </a:t>
+            </a:r>
+            <a:r>
+              <a:rPr lang="en-US" sz="1600" dirty="0" err="1"/>
+              <a:t>l’entity</a:t>
+            </a:r>
+            <a:r>
+              <a:rPr lang="en-US" sz="1600" dirty="0"/>
+              <a:t>, </a:t>
+            </a:r>
+            <a:r>
+              <a:rPr lang="en-US" sz="1600" dirty="0" err="1"/>
+              <a:t>il</a:t>
+            </a:r>
+            <a:r>
+              <a:rPr lang="en-US" sz="1600" dirty="0"/>
+              <a:t> </a:t>
+            </a:r>
+            <a:r>
+              <a:rPr lang="en-US" sz="1600" dirty="0" err="1"/>
+              <a:t>insérer</a:t>
+            </a:r>
+            <a:r>
+              <a:rPr lang="en-US" sz="1600" dirty="0"/>
+              <a:t> </a:t>
+            </a:r>
+            <a:r>
+              <a:rPr lang="en-US" sz="1600" dirty="0" err="1"/>
+              <a:t>l’annotation</a:t>
+            </a:r>
+            <a:r>
+              <a:rPr lang="en-US" sz="1600" dirty="0"/>
+              <a:t> prevue à </a:t>
+            </a:r>
+            <a:r>
+              <a:rPr lang="en-US" sz="1600" dirty="0" err="1"/>
+              <a:t>cet</a:t>
+            </a:r>
+            <a:r>
+              <a:rPr lang="en-US" sz="1600" dirty="0"/>
+              <a:t> </a:t>
+            </a:r>
+            <a:r>
+              <a:rPr lang="en-US" sz="1600" dirty="0" err="1"/>
+              <a:t>effet</a:t>
+            </a:r>
+            <a:r>
+              <a:rPr lang="en-US" sz="1600" dirty="0"/>
+              <a:t>, </a:t>
+            </a:r>
+            <a:r>
+              <a:rPr lang="en-US" sz="1600" dirty="0" err="1"/>
+              <a:t>ainsi</a:t>
+            </a:r>
+            <a:r>
+              <a:rPr lang="en-US" sz="1600" dirty="0"/>
+              <a:t> que les </a:t>
+            </a:r>
+            <a:r>
+              <a:rPr lang="en-US" sz="1600" dirty="0" err="1"/>
+              <a:t>paramètres</a:t>
+            </a:r>
+            <a:r>
+              <a:rPr lang="en-US" sz="1600" dirty="0"/>
+              <a:t> </a:t>
+            </a:r>
+            <a:r>
+              <a:rPr lang="en-US" sz="1600" dirty="0" err="1"/>
+              <a:t>désirées</a:t>
+            </a:r>
+            <a:r>
+              <a:rPr lang="en-US" sz="1600" dirty="0"/>
+              <a:t>.</a:t>
+            </a:r>
+            <a:endParaRPr lang="en-US" sz="1000" dirty="0"/>
+          </a:p>
+        </p:txBody>
+      </p:sp>
+      <p:pic>
+        <p:nvPicPr>
+          <p:cNvPr id="3" name="Image 2">
+            <a:extLst>
+              <a:ext uri="{FF2B5EF4-FFF2-40B4-BE49-F238E27FC236}">
+                <a16:creationId xmlns:a16="http://schemas.microsoft.com/office/drawing/2014/main" id="{633D619D-7301-4030-B854-5436B63BE6AD}"/>
+              </a:ext>
+            </a:extLst>
+          </p:cNvPr>
+          <p:cNvPicPr>
+            <a:picLocks noChangeAspect="1"/>
+          </p:cNvPicPr>
+          <p:nvPr/>
+        </p:nvPicPr>
+        <p:blipFill>
+          <a:blip r:embed="rId2"/>
+          <a:stretch>
+            <a:fillRect/>
+          </a:stretch>
+        </p:blipFill>
+        <p:spPr>
+          <a:xfrm>
+            <a:off x="5549470" y="1981398"/>
+            <a:ext cx="5804330" cy="2628900"/>
+          </a:xfrm>
+          <a:prstGeom prst="rect">
+            <a:avLst/>
+          </a:prstGeom>
+        </p:spPr>
+      </p:pic>
+    </p:spTree>
+    <p:extLst>
+      <p:ext uri="{BB962C8B-B14F-4D97-AF65-F5344CB8AC3E}">
+        <p14:creationId xmlns:p14="http://schemas.microsoft.com/office/powerpoint/2010/main" val="3330403760"/>
+      </p:ext>
+    </p:extLst>
+  </p:cSld>
+  <p:clrMapOvr>
+    <a:masterClrMapping/>
+  </p:clrMapOvr>
+</p:sld>
+</file>
+
+<file path=ppt/slides/slide48.xml><?xml version="1.0" encoding="utf-8"?>
+<p:sld xmlns:a="http://schemas.openxmlformats.org/drawingml/2006/main" xmlns:r="http://schemas.openxmlformats.org/officeDocument/2006/relationships" xmlns:p="http://schemas.openxmlformats.org/presentationml/2006/main">
+  <p:cSld>
+    <p:spTree>
+      <p:nvGrpSpPr>
+        <p:cNvPr id="1" name=""/>
+        <p:cNvGrpSpPr/>
+        <p:nvPr/>
+      </p:nvGrpSpPr>
+      <p:grpSpPr>
+        <a:xfrm>
+          <a:off x="0" y="0"/>
+          <a:ext cx="0" cy="0"/>
+          <a:chOff x="0" y="0"/>
+          <a:chExt cx="0" cy="0"/>
+        </a:xfrm>
+      </p:grpSpPr>
+      <p:sp>
+        <p:nvSpPr>
+          <p:cNvPr id="4" name="Titre 1">
+            <a:extLst>
+              <a:ext uri="{FF2B5EF4-FFF2-40B4-BE49-F238E27FC236}">
+                <a16:creationId xmlns:a16="http://schemas.microsoft.com/office/drawing/2014/main" id="{960C1D7C-377E-4936-AFF5-23D603AD6FF4}"/>
+              </a:ext>
+            </a:extLst>
+          </p:cNvPr>
+          <p:cNvSpPr>
+            <a:spLocks noGrp="1"/>
+          </p:cNvSpPr>
+          <p:nvPr>
+            <p:ph type="title"/>
+          </p:nvPr>
+        </p:nvSpPr>
+        <p:spPr>
+          <a:xfrm>
+            <a:off x="838200" y="365125"/>
+            <a:ext cx="10515600" cy="1325563"/>
+          </a:xfrm>
+        </p:spPr>
+        <p:txBody>
+          <a:bodyPr/>
+          <a:lstStyle/>
+          <a:p>
+            <a:r>
+              <a:rPr lang="fr-FR" dirty="0"/>
+              <a:t>Etape 38: Création d’un formulaire d’édition pour </a:t>
+            </a:r>
+            <a:r>
+              <a:rPr lang="fr-FR"/>
+              <a:t>nos annonces</a:t>
+            </a:r>
+            <a:endParaRPr lang="fr-FR" dirty="0"/>
+          </a:p>
+        </p:txBody>
+      </p:sp>
+      <p:sp>
+        <p:nvSpPr>
+          <p:cNvPr id="9" name="Espace réservé du contenu 2">
+            <a:extLst>
+              <a:ext uri="{FF2B5EF4-FFF2-40B4-BE49-F238E27FC236}">
+                <a16:creationId xmlns:a16="http://schemas.microsoft.com/office/drawing/2014/main" id="{EB812BAD-F986-4356-9B0E-865CD4B89634}"/>
+              </a:ext>
+            </a:extLst>
+          </p:cNvPr>
+          <p:cNvSpPr txBox="1">
+            <a:spLocks/>
+          </p:cNvSpPr>
+          <p:nvPr/>
+        </p:nvSpPr>
+        <p:spPr>
+          <a:xfrm>
+            <a:off x="999275" y="1828998"/>
+            <a:ext cx="4389120" cy="4351338"/>
+          </a:xfrm>
+          <a:prstGeom prst="rect">
+            <a:avLst/>
+          </a:prstGeom>
+        </p:spPr>
+        <p:txBody>
+          <a:bodyPr vert="horz" lIns="91440" tIns="45720" rIns="91440" bIns="45720" rtlCol="0">
+            <a:normAutofit/>
+          </a:bodyPr>
+          <a:lstStyle>
+            <a:lvl1pPr marL="228600" indent="-228600" algn="l" defTabSz="914400" rtl="0" eaLnBrk="1" latinLnBrk="0" hangingPunct="1">
+              <a:lnSpc>
+                <a:spcPct val="90000"/>
+              </a:lnSpc>
+              <a:spcBef>
+                <a:spcPts val="1000"/>
+              </a:spcBef>
+              <a:buFont typeface="Arial" panose="020B0604020202020204" pitchFamily="34" charset="0"/>
+              <a:buChar char="•"/>
+              <a:defRPr sz="2800" kern="1200">
+                <a:solidFill>
+                  <a:schemeClr val="tx1"/>
+                </a:solidFill>
+                <a:latin typeface="+mn-lt"/>
+                <a:ea typeface="+mn-ea"/>
+                <a:cs typeface="+mn-cs"/>
+              </a:defRPr>
+            </a:lvl1pPr>
+            <a:lvl2pPr marL="685800" indent="-228600" algn="l" defTabSz="914400" rtl="0" eaLnBrk="1" latinLnBrk="0" hangingPunct="1">
+              <a:lnSpc>
+                <a:spcPct val="90000"/>
+              </a:lnSpc>
+              <a:spcBef>
+                <a:spcPts val="500"/>
+              </a:spcBef>
+              <a:buFont typeface="Arial" panose="020B0604020202020204" pitchFamily="34" charset="0"/>
+              <a:buChar char="•"/>
+              <a:defRPr sz="2400" kern="1200">
+                <a:solidFill>
+                  <a:schemeClr val="tx1"/>
+                </a:solidFill>
+                <a:latin typeface="+mn-lt"/>
+                <a:ea typeface="+mn-ea"/>
+                <a:cs typeface="+mn-cs"/>
+              </a:defRPr>
+            </a:lvl2pPr>
+            <a:lvl3pPr marL="1143000" indent="-228600" algn="l" defTabSz="914400" rtl="0" eaLnBrk="1" latinLnBrk="0" hangingPunct="1">
+              <a:lnSpc>
+                <a:spcPct val="90000"/>
+              </a:lnSpc>
+              <a:spcBef>
+                <a:spcPts val="500"/>
+              </a:spcBef>
+              <a:buFont typeface="Arial" panose="020B0604020202020204" pitchFamily="34" charset="0"/>
+              <a:buChar char="•"/>
+              <a:defRPr sz="2000" kern="1200">
+                <a:solidFill>
+                  <a:schemeClr val="tx1"/>
+                </a:solidFill>
+                <a:latin typeface="+mn-lt"/>
+                <a:ea typeface="+mn-ea"/>
+                <a:cs typeface="+mn-cs"/>
+              </a:defRPr>
+            </a:lvl3pPr>
+            <a:lvl4pPr marL="1600200" indent="-228600" algn="l" defTabSz="914400" rtl="0" eaLnBrk="1" latinLnBrk="0" hangingPunct="1">
+              <a:lnSpc>
+                <a:spcPct val="90000"/>
+              </a:lnSpc>
+              <a:spcBef>
+                <a:spcPts val="500"/>
+              </a:spcBef>
+              <a:buFont typeface="Arial" panose="020B0604020202020204" pitchFamily="34" charset="0"/>
+              <a:buChar char="•"/>
+              <a:defRPr sz="1800" kern="1200">
+                <a:solidFill>
+                  <a:schemeClr val="tx1"/>
+                </a:solidFill>
+                <a:latin typeface="+mn-lt"/>
+                <a:ea typeface="+mn-ea"/>
+                <a:cs typeface="+mn-cs"/>
+              </a:defRPr>
+            </a:lvl4pPr>
+            <a:lvl5pPr marL="2057400" indent="-228600" algn="l" defTabSz="914400" rtl="0" eaLnBrk="1" latinLnBrk="0" hangingPunct="1">
+              <a:lnSpc>
+                <a:spcPct val="90000"/>
+              </a:lnSpc>
+              <a:spcBef>
+                <a:spcPts val="500"/>
+              </a:spcBef>
+              <a:buFont typeface="Arial" panose="020B0604020202020204" pitchFamily="34" charset="0"/>
+              <a:buChar char="•"/>
+              <a:defRPr sz="1800" kern="1200">
+                <a:solidFill>
+                  <a:schemeClr val="tx1"/>
+                </a:solidFill>
+                <a:latin typeface="+mn-lt"/>
+                <a:ea typeface="+mn-ea"/>
+                <a:cs typeface="+mn-cs"/>
+              </a:defRPr>
+            </a:lvl5pPr>
+            <a:lvl6pPr marL="2514600" indent="-228600" algn="l" defTabSz="914400" rtl="0" eaLnBrk="1" latinLnBrk="0" hangingPunct="1">
+              <a:lnSpc>
+                <a:spcPct val="90000"/>
+              </a:lnSpc>
+              <a:spcBef>
+                <a:spcPts val="500"/>
+              </a:spcBef>
+              <a:buFont typeface="Arial" panose="020B0604020202020204" pitchFamily="34" charset="0"/>
+              <a:buChar char="•"/>
+              <a:defRPr sz="1800" kern="1200">
+                <a:solidFill>
+                  <a:schemeClr val="tx1"/>
+                </a:solidFill>
+                <a:latin typeface="+mn-lt"/>
+                <a:ea typeface="+mn-ea"/>
+                <a:cs typeface="+mn-cs"/>
+              </a:defRPr>
+            </a:lvl6pPr>
+            <a:lvl7pPr marL="2971800" indent="-228600" algn="l" defTabSz="914400" rtl="0" eaLnBrk="1" latinLnBrk="0" hangingPunct="1">
+              <a:lnSpc>
+                <a:spcPct val="90000"/>
+              </a:lnSpc>
+              <a:spcBef>
+                <a:spcPts val="500"/>
+              </a:spcBef>
+              <a:buFont typeface="Arial" panose="020B0604020202020204" pitchFamily="34" charset="0"/>
+              <a:buChar char="•"/>
+              <a:defRPr sz="1800" kern="1200">
+                <a:solidFill>
+                  <a:schemeClr val="tx1"/>
+                </a:solidFill>
+                <a:latin typeface="+mn-lt"/>
+                <a:ea typeface="+mn-ea"/>
+                <a:cs typeface="+mn-cs"/>
+              </a:defRPr>
+            </a:lvl7pPr>
+            <a:lvl8pPr marL="3429000" indent="-228600" algn="l" defTabSz="914400" rtl="0" eaLnBrk="1" latinLnBrk="0" hangingPunct="1">
+              <a:lnSpc>
+                <a:spcPct val="90000"/>
+              </a:lnSpc>
+              <a:spcBef>
+                <a:spcPts val="500"/>
+              </a:spcBef>
+              <a:buFont typeface="Arial" panose="020B0604020202020204" pitchFamily="34" charset="0"/>
+              <a:buChar char="•"/>
+              <a:defRPr sz="1800" kern="1200">
+                <a:solidFill>
+                  <a:schemeClr val="tx1"/>
+                </a:solidFill>
+                <a:latin typeface="+mn-lt"/>
+                <a:ea typeface="+mn-ea"/>
+                <a:cs typeface="+mn-cs"/>
+              </a:defRPr>
+            </a:lvl8pPr>
+            <a:lvl9pPr marL="3886200" indent="-228600" algn="l" defTabSz="914400" rtl="0" eaLnBrk="1" latinLnBrk="0" hangingPunct="1">
+              <a:lnSpc>
+                <a:spcPct val="90000"/>
+              </a:lnSpc>
+              <a:spcBef>
+                <a:spcPts val="500"/>
+              </a:spcBef>
+              <a:buFont typeface="Arial" panose="020B0604020202020204" pitchFamily="34" charset="0"/>
+              <a:buChar char="•"/>
+              <a:defRPr sz="1800" kern="1200">
+                <a:solidFill>
+                  <a:schemeClr val="tx1"/>
+                </a:solidFill>
+                <a:latin typeface="+mn-lt"/>
+                <a:ea typeface="+mn-ea"/>
+                <a:cs typeface="+mn-cs"/>
+              </a:defRPr>
+            </a:lvl9pPr>
+          </a:lstStyle>
+          <a:p>
+            <a:pPr marL="0" indent="0">
+              <a:buFont typeface="Arial" panose="020B0604020202020204" pitchFamily="34" charset="0"/>
+              <a:buNone/>
+            </a:pPr>
+            <a:endParaRPr lang="fr-FR" sz="1400" dirty="0"/>
+          </a:p>
+        </p:txBody>
+      </p:sp>
+      <p:sp>
+        <p:nvSpPr>
+          <p:cNvPr id="11" name="Espace réservé du contenu 2">
+            <a:extLst>
+              <a:ext uri="{FF2B5EF4-FFF2-40B4-BE49-F238E27FC236}">
+                <a16:creationId xmlns:a16="http://schemas.microsoft.com/office/drawing/2014/main" id="{534F948C-D7ED-425C-B2BB-4056FDF0CEB3}"/>
+              </a:ext>
+            </a:extLst>
+          </p:cNvPr>
+          <p:cNvSpPr txBox="1">
+            <a:spLocks/>
+          </p:cNvSpPr>
+          <p:nvPr/>
+        </p:nvSpPr>
+        <p:spPr>
+          <a:xfrm>
+            <a:off x="838200" y="1967308"/>
+            <a:ext cx="4389120" cy="4351338"/>
+          </a:xfrm>
+          <a:prstGeom prst="rect">
+            <a:avLst/>
+          </a:prstGeom>
+        </p:spPr>
+        <p:txBody>
+          <a:bodyPr vert="horz" lIns="91440" tIns="45720" rIns="91440" bIns="45720" rtlCol="0">
+            <a:normAutofit/>
+          </a:bodyPr>
+          <a:lstStyle>
+            <a:lvl1pPr marL="228600" indent="-228600" algn="l" defTabSz="914400" rtl="0" eaLnBrk="1" latinLnBrk="0" hangingPunct="1">
+              <a:lnSpc>
+                <a:spcPct val="90000"/>
+              </a:lnSpc>
+              <a:spcBef>
+                <a:spcPts val="1000"/>
+              </a:spcBef>
+              <a:buFont typeface="Arial" panose="020B0604020202020204" pitchFamily="34" charset="0"/>
+              <a:buChar char="•"/>
+              <a:defRPr sz="2800" kern="1200">
+                <a:solidFill>
+                  <a:schemeClr val="tx1"/>
+                </a:solidFill>
+                <a:latin typeface="+mn-lt"/>
+                <a:ea typeface="+mn-ea"/>
+                <a:cs typeface="+mn-cs"/>
+              </a:defRPr>
+            </a:lvl1pPr>
+            <a:lvl2pPr marL="685800" indent="-228600" algn="l" defTabSz="914400" rtl="0" eaLnBrk="1" latinLnBrk="0" hangingPunct="1">
+              <a:lnSpc>
+                <a:spcPct val="90000"/>
+              </a:lnSpc>
+              <a:spcBef>
+                <a:spcPts val="500"/>
+              </a:spcBef>
+              <a:buFont typeface="Arial" panose="020B0604020202020204" pitchFamily="34" charset="0"/>
+              <a:buChar char="•"/>
+              <a:defRPr sz="2400" kern="1200">
+                <a:solidFill>
+                  <a:schemeClr val="tx1"/>
+                </a:solidFill>
+                <a:latin typeface="+mn-lt"/>
+                <a:ea typeface="+mn-ea"/>
+                <a:cs typeface="+mn-cs"/>
+              </a:defRPr>
+            </a:lvl2pPr>
+            <a:lvl3pPr marL="1143000" indent="-228600" algn="l" defTabSz="914400" rtl="0" eaLnBrk="1" latinLnBrk="0" hangingPunct="1">
+              <a:lnSpc>
+                <a:spcPct val="90000"/>
+              </a:lnSpc>
+              <a:spcBef>
+                <a:spcPts val="500"/>
+              </a:spcBef>
+              <a:buFont typeface="Arial" panose="020B0604020202020204" pitchFamily="34" charset="0"/>
+              <a:buChar char="•"/>
+              <a:defRPr sz="2000" kern="1200">
+                <a:solidFill>
+                  <a:schemeClr val="tx1"/>
+                </a:solidFill>
+                <a:latin typeface="+mn-lt"/>
+                <a:ea typeface="+mn-ea"/>
+                <a:cs typeface="+mn-cs"/>
+              </a:defRPr>
+            </a:lvl3pPr>
+            <a:lvl4pPr marL="1600200" indent="-228600" algn="l" defTabSz="914400" rtl="0" eaLnBrk="1" latinLnBrk="0" hangingPunct="1">
+              <a:lnSpc>
+                <a:spcPct val="90000"/>
+              </a:lnSpc>
+              <a:spcBef>
+                <a:spcPts val="500"/>
+              </a:spcBef>
+              <a:buFont typeface="Arial" panose="020B0604020202020204" pitchFamily="34" charset="0"/>
+              <a:buChar char="•"/>
+              <a:defRPr sz="1800" kern="1200">
+                <a:solidFill>
+                  <a:schemeClr val="tx1"/>
+                </a:solidFill>
+                <a:latin typeface="+mn-lt"/>
+                <a:ea typeface="+mn-ea"/>
+                <a:cs typeface="+mn-cs"/>
+              </a:defRPr>
+            </a:lvl4pPr>
+            <a:lvl5pPr marL="2057400" indent="-228600" algn="l" defTabSz="914400" rtl="0" eaLnBrk="1" latinLnBrk="0" hangingPunct="1">
+              <a:lnSpc>
+                <a:spcPct val="90000"/>
+              </a:lnSpc>
+              <a:spcBef>
+                <a:spcPts val="500"/>
+              </a:spcBef>
+              <a:buFont typeface="Arial" panose="020B0604020202020204" pitchFamily="34" charset="0"/>
+              <a:buChar char="•"/>
+              <a:defRPr sz="1800" kern="1200">
+                <a:solidFill>
+                  <a:schemeClr val="tx1"/>
+                </a:solidFill>
+                <a:latin typeface="+mn-lt"/>
+                <a:ea typeface="+mn-ea"/>
+                <a:cs typeface="+mn-cs"/>
+              </a:defRPr>
+            </a:lvl5pPr>
+            <a:lvl6pPr marL="2514600" indent="-228600" algn="l" defTabSz="914400" rtl="0" eaLnBrk="1" latinLnBrk="0" hangingPunct="1">
+              <a:lnSpc>
+                <a:spcPct val="90000"/>
+              </a:lnSpc>
+              <a:spcBef>
+                <a:spcPts val="500"/>
+              </a:spcBef>
+              <a:buFont typeface="Arial" panose="020B0604020202020204" pitchFamily="34" charset="0"/>
+              <a:buChar char="•"/>
+              <a:defRPr sz="1800" kern="1200">
+                <a:solidFill>
+                  <a:schemeClr val="tx1"/>
+                </a:solidFill>
+                <a:latin typeface="+mn-lt"/>
+                <a:ea typeface="+mn-ea"/>
+                <a:cs typeface="+mn-cs"/>
+              </a:defRPr>
+            </a:lvl6pPr>
+            <a:lvl7pPr marL="2971800" indent="-228600" algn="l" defTabSz="914400" rtl="0" eaLnBrk="1" latinLnBrk="0" hangingPunct="1">
+              <a:lnSpc>
+                <a:spcPct val="90000"/>
+              </a:lnSpc>
+              <a:spcBef>
+                <a:spcPts val="500"/>
+              </a:spcBef>
+              <a:buFont typeface="Arial" panose="020B0604020202020204" pitchFamily="34" charset="0"/>
+              <a:buChar char="•"/>
+              <a:defRPr sz="1800" kern="1200">
+                <a:solidFill>
+                  <a:schemeClr val="tx1"/>
+                </a:solidFill>
+                <a:latin typeface="+mn-lt"/>
+                <a:ea typeface="+mn-ea"/>
+                <a:cs typeface="+mn-cs"/>
+              </a:defRPr>
+            </a:lvl7pPr>
+            <a:lvl8pPr marL="3429000" indent="-228600" algn="l" defTabSz="914400" rtl="0" eaLnBrk="1" latinLnBrk="0" hangingPunct="1">
+              <a:lnSpc>
+                <a:spcPct val="90000"/>
+              </a:lnSpc>
+              <a:spcBef>
+                <a:spcPts val="500"/>
+              </a:spcBef>
+              <a:buFont typeface="Arial" panose="020B0604020202020204" pitchFamily="34" charset="0"/>
+              <a:buChar char="•"/>
+              <a:defRPr sz="1800" kern="1200">
+                <a:solidFill>
+                  <a:schemeClr val="tx1"/>
+                </a:solidFill>
+                <a:latin typeface="+mn-lt"/>
+                <a:ea typeface="+mn-ea"/>
+                <a:cs typeface="+mn-cs"/>
+              </a:defRPr>
+            </a:lvl8pPr>
+            <a:lvl9pPr marL="3886200" indent="-228600" algn="l" defTabSz="914400" rtl="0" eaLnBrk="1" latinLnBrk="0" hangingPunct="1">
+              <a:lnSpc>
+                <a:spcPct val="90000"/>
+              </a:lnSpc>
+              <a:spcBef>
+                <a:spcPts val="500"/>
+              </a:spcBef>
+              <a:buFont typeface="Arial" panose="020B0604020202020204" pitchFamily="34" charset="0"/>
+              <a:buChar char="•"/>
+              <a:defRPr sz="1800" kern="1200">
+                <a:solidFill>
+                  <a:schemeClr val="tx1"/>
+                </a:solidFill>
+                <a:latin typeface="+mn-lt"/>
+                <a:ea typeface="+mn-ea"/>
+                <a:cs typeface="+mn-cs"/>
+              </a:defRPr>
+            </a:lvl9pPr>
+          </a:lstStyle>
+          <a:p>
+            <a:pPr marL="0" indent="0">
+              <a:buFont typeface="Arial" panose="020B0604020202020204" pitchFamily="34" charset="0"/>
+              <a:buNone/>
+            </a:pPr>
+            <a:endParaRPr lang="fr-FR" sz="1400" dirty="0"/>
+          </a:p>
+          <a:p>
+            <a:pPr marL="0" indent="0">
+              <a:buFont typeface="Arial" panose="020B0604020202020204" pitchFamily="34" charset="0"/>
+              <a:buNone/>
+            </a:pPr>
+            <a:endParaRPr lang="fr-FR" sz="1400" dirty="0"/>
+          </a:p>
+        </p:txBody>
+      </p:sp>
+      <p:sp>
+        <p:nvSpPr>
+          <p:cNvPr id="7" name="Espace réservé du contenu 2">
+            <a:extLst>
+              <a:ext uri="{FF2B5EF4-FFF2-40B4-BE49-F238E27FC236}">
+                <a16:creationId xmlns:a16="http://schemas.microsoft.com/office/drawing/2014/main" id="{C186E827-4A12-4E94-B916-563ED25781C9}"/>
+              </a:ext>
+            </a:extLst>
+          </p:cNvPr>
+          <p:cNvSpPr txBox="1">
+            <a:spLocks/>
+          </p:cNvSpPr>
+          <p:nvPr/>
+        </p:nvSpPr>
+        <p:spPr>
+          <a:xfrm>
+            <a:off x="838200" y="1828998"/>
+            <a:ext cx="4389120" cy="4351338"/>
+          </a:xfrm>
+          <a:prstGeom prst="rect">
+            <a:avLst/>
+          </a:prstGeom>
+        </p:spPr>
+        <p:txBody>
+          <a:bodyPr vert="horz" lIns="91440" tIns="45720" rIns="91440" bIns="45720" rtlCol="0">
+            <a:normAutofit/>
+          </a:bodyPr>
+          <a:lstStyle>
+            <a:lvl1pPr marL="228600" indent="-228600" algn="l" defTabSz="914400" rtl="0" eaLnBrk="1" latinLnBrk="0" hangingPunct="1">
+              <a:lnSpc>
+                <a:spcPct val="90000"/>
+              </a:lnSpc>
+              <a:spcBef>
+                <a:spcPts val="1000"/>
+              </a:spcBef>
+              <a:buFont typeface="Arial" panose="020B0604020202020204" pitchFamily="34" charset="0"/>
+              <a:buChar char="•"/>
+              <a:defRPr sz="2800" kern="1200">
+                <a:solidFill>
+                  <a:schemeClr val="tx1"/>
+                </a:solidFill>
+                <a:latin typeface="+mn-lt"/>
+                <a:ea typeface="+mn-ea"/>
+                <a:cs typeface="+mn-cs"/>
+              </a:defRPr>
+            </a:lvl1pPr>
+            <a:lvl2pPr marL="685800" indent="-228600" algn="l" defTabSz="914400" rtl="0" eaLnBrk="1" latinLnBrk="0" hangingPunct="1">
+              <a:lnSpc>
+                <a:spcPct val="90000"/>
+              </a:lnSpc>
+              <a:spcBef>
+                <a:spcPts val="500"/>
+              </a:spcBef>
+              <a:buFont typeface="Arial" panose="020B0604020202020204" pitchFamily="34" charset="0"/>
+              <a:buChar char="•"/>
+              <a:defRPr sz="2400" kern="1200">
+                <a:solidFill>
+                  <a:schemeClr val="tx1"/>
+                </a:solidFill>
+                <a:latin typeface="+mn-lt"/>
+                <a:ea typeface="+mn-ea"/>
+                <a:cs typeface="+mn-cs"/>
+              </a:defRPr>
+            </a:lvl2pPr>
+            <a:lvl3pPr marL="1143000" indent="-228600" algn="l" defTabSz="914400" rtl="0" eaLnBrk="1" latinLnBrk="0" hangingPunct="1">
+              <a:lnSpc>
+                <a:spcPct val="90000"/>
+              </a:lnSpc>
+              <a:spcBef>
+                <a:spcPts val="500"/>
+              </a:spcBef>
+              <a:buFont typeface="Arial" panose="020B0604020202020204" pitchFamily="34" charset="0"/>
+              <a:buChar char="•"/>
+              <a:defRPr sz="2000" kern="1200">
+                <a:solidFill>
+                  <a:schemeClr val="tx1"/>
+                </a:solidFill>
+                <a:latin typeface="+mn-lt"/>
+                <a:ea typeface="+mn-ea"/>
+                <a:cs typeface="+mn-cs"/>
+              </a:defRPr>
+            </a:lvl3pPr>
+            <a:lvl4pPr marL="1600200" indent="-228600" algn="l" defTabSz="914400" rtl="0" eaLnBrk="1" latinLnBrk="0" hangingPunct="1">
+              <a:lnSpc>
+                <a:spcPct val="90000"/>
+              </a:lnSpc>
+              <a:spcBef>
+                <a:spcPts val="500"/>
+              </a:spcBef>
+              <a:buFont typeface="Arial" panose="020B0604020202020204" pitchFamily="34" charset="0"/>
+              <a:buChar char="•"/>
+              <a:defRPr sz="1800" kern="1200">
+                <a:solidFill>
+                  <a:schemeClr val="tx1"/>
+                </a:solidFill>
+                <a:latin typeface="+mn-lt"/>
+                <a:ea typeface="+mn-ea"/>
+                <a:cs typeface="+mn-cs"/>
+              </a:defRPr>
+            </a:lvl4pPr>
+            <a:lvl5pPr marL="2057400" indent="-228600" algn="l" defTabSz="914400" rtl="0" eaLnBrk="1" latinLnBrk="0" hangingPunct="1">
+              <a:lnSpc>
+                <a:spcPct val="90000"/>
+              </a:lnSpc>
+              <a:spcBef>
+                <a:spcPts val="500"/>
+              </a:spcBef>
+              <a:buFont typeface="Arial" panose="020B0604020202020204" pitchFamily="34" charset="0"/>
+              <a:buChar char="•"/>
+              <a:defRPr sz="1800" kern="1200">
+                <a:solidFill>
+                  <a:schemeClr val="tx1"/>
+                </a:solidFill>
+                <a:latin typeface="+mn-lt"/>
+                <a:ea typeface="+mn-ea"/>
+                <a:cs typeface="+mn-cs"/>
+              </a:defRPr>
+            </a:lvl5pPr>
+            <a:lvl6pPr marL="2514600" indent="-228600" algn="l" defTabSz="914400" rtl="0" eaLnBrk="1" latinLnBrk="0" hangingPunct="1">
+              <a:lnSpc>
+                <a:spcPct val="90000"/>
+              </a:lnSpc>
+              <a:spcBef>
+                <a:spcPts val="500"/>
+              </a:spcBef>
+              <a:buFont typeface="Arial" panose="020B0604020202020204" pitchFamily="34" charset="0"/>
+              <a:buChar char="•"/>
+              <a:defRPr sz="1800" kern="1200">
+                <a:solidFill>
+                  <a:schemeClr val="tx1"/>
+                </a:solidFill>
+                <a:latin typeface="+mn-lt"/>
+                <a:ea typeface="+mn-ea"/>
+                <a:cs typeface="+mn-cs"/>
+              </a:defRPr>
+            </a:lvl6pPr>
+            <a:lvl7pPr marL="2971800" indent="-228600" algn="l" defTabSz="914400" rtl="0" eaLnBrk="1" latinLnBrk="0" hangingPunct="1">
+              <a:lnSpc>
+                <a:spcPct val="90000"/>
+              </a:lnSpc>
+              <a:spcBef>
+                <a:spcPts val="500"/>
+              </a:spcBef>
+              <a:buFont typeface="Arial" panose="020B0604020202020204" pitchFamily="34" charset="0"/>
+              <a:buChar char="•"/>
+              <a:defRPr sz="1800" kern="1200">
+                <a:solidFill>
+                  <a:schemeClr val="tx1"/>
+                </a:solidFill>
+                <a:latin typeface="+mn-lt"/>
+                <a:ea typeface="+mn-ea"/>
+                <a:cs typeface="+mn-cs"/>
+              </a:defRPr>
+            </a:lvl7pPr>
+            <a:lvl8pPr marL="3429000" indent="-228600" algn="l" defTabSz="914400" rtl="0" eaLnBrk="1" latinLnBrk="0" hangingPunct="1">
+              <a:lnSpc>
+                <a:spcPct val="90000"/>
+              </a:lnSpc>
+              <a:spcBef>
+                <a:spcPts val="500"/>
+              </a:spcBef>
+              <a:buFont typeface="Arial" panose="020B0604020202020204" pitchFamily="34" charset="0"/>
+              <a:buChar char="•"/>
+              <a:defRPr sz="1800" kern="1200">
+                <a:solidFill>
+                  <a:schemeClr val="tx1"/>
+                </a:solidFill>
+                <a:latin typeface="+mn-lt"/>
+                <a:ea typeface="+mn-ea"/>
+                <a:cs typeface="+mn-cs"/>
+              </a:defRPr>
+            </a:lvl8pPr>
+            <a:lvl9pPr marL="3886200" indent="-228600" algn="l" defTabSz="914400" rtl="0" eaLnBrk="1" latinLnBrk="0" hangingPunct="1">
+              <a:lnSpc>
+                <a:spcPct val="90000"/>
+              </a:lnSpc>
+              <a:spcBef>
+                <a:spcPts val="500"/>
+              </a:spcBef>
+              <a:buFont typeface="Arial" panose="020B0604020202020204" pitchFamily="34" charset="0"/>
+              <a:buChar char="•"/>
+              <a:defRPr sz="1800" kern="1200">
+                <a:solidFill>
+                  <a:schemeClr val="tx1"/>
+                </a:solidFill>
+                <a:latin typeface="+mn-lt"/>
+                <a:ea typeface="+mn-ea"/>
+                <a:cs typeface="+mn-cs"/>
+              </a:defRPr>
+            </a:lvl9pPr>
+          </a:lstStyle>
+          <a:p>
+            <a:pPr marL="0" indent="0">
+              <a:buFont typeface="Arial" panose="020B0604020202020204" pitchFamily="34" charset="0"/>
+              <a:buNone/>
+            </a:pPr>
+            <a:endParaRPr lang="fr-FR" sz="1700" dirty="0"/>
+          </a:p>
+        </p:txBody>
+      </p:sp>
+      <p:sp>
+        <p:nvSpPr>
+          <p:cNvPr id="10" name="Espace réservé du contenu 2">
+            <a:extLst>
+              <a:ext uri="{FF2B5EF4-FFF2-40B4-BE49-F238E27FC236}">
+                <a16:creationId xmlns:a16="http://schemas.microsoft.com/office/drawing/2014/main" id="{043C8D8C-BDCD-46B0-9564-FF19BB4698A7}"/>
+              </a:ext>
+            </a:extLst>
+          </p:cNvPr>
+          <p:cNvSpPr txBox="1">
+            <a:spLocks/>
+          </p:cNvSpPr>
+          <p:nvPr/>
+        </p:nvSpPr>
+        <p:spPr>
+          <a:xfrm>
+            <a:off x="6096000" y="1828998"/>
+            <a:ext cx="4389120" cy="4351338"/>
+          </a:xfrm>
+          <a:prstGeom prst="rect">
+            <a:avLst/>
+          </a:prstGeom>
+        </p:spPr>
+        <p:txBody>
+          <a:bodyPr vert="horz" lIns="91440" tIns="45720" rIns="91440" bIns="45720" rtlCol="0">
+            <a:normAutofit/>
+          </a:bodyPr>
+          <a:lstStyle>
+            <a:lvl1pPr marL="228600" indent="-228600" algn="l" defTabSz="914400" rtl="0" eaLnBrk="1" latinLnBrk="0" hangingPunct="1">
+              <a:lnSpc>
+                <a:spcPct val="90000"/>
+              </a:lnSpc>
+              <a:spcBef>
+                <a:spcPts val="1000"/>
+              </a:spcBef>
+              <a:buFont typeface="Arial" panose="020B0604020202020204" pitchFamily="34" charset="0"/>
+              <a:buChar char="•"/>
+              <a:defRPr sz="2800" kern="1200">
+                <a:solidFill>
+                  <a:schemeClr val="tx1"/>
+                </a:solidFill>
+                <a:latin typeface="+mn-lt"/>
+                <a:ea typeface="+mn-ea"/>
+                <a:cs typeface="+mn-cs"/>
+              </a:defRPr>
+            </a:lvl1pPr>
+            <a:lvl2pPr marL="685800" indent="-228600" algn="l" defTabSz="914400" rtl="0" eaLnBrk="1" latinLnBrk="0" hangingPunct="1">
+              <a:lnSpc>
+                <a:spcPct val="90000"/>
+              </a:lnSpc>
+              <a:spcBef>
+                <a:spcPts val="500"/>
+              </a:spcBef>
+              <a:buFont typeface="Arial" panose="020B0604020202020204" pitchFamily="34" charset="0"/>
+              <a:buChar char="•"/>
+              <a:defRPr sz="2400" kern="1200">
+                <a:solidFill>
+                  <a:schemeClr val="tx1"/>
+                </a:solidFill>
+                <a:latin typeface="+mn-lt"/>
+                <a:ea typeface="+mn-ea"/>
+                <a:cs typeface="+mn-cs"/>
+              </a:defRPr>
+            </a:lvl2pPr>
+            <a:lvl3pPr marL="1143000" indent="-228600" algn="l" defTabSz="914400" rtl="0" eaLnBrk="1" latinLnBrk="0" hangingPunct="1">
+              <a:lnSpc>
+                <a:spcPct val="90000"/>
+              </a:lnSpc>
+              <a:spcBef>
+                <a:spcPts val="500"/>
+              </a:spcBef>
+              <a:buFont typeface="Arial" panose="020B0604020202020204" pitchFamily="34" charset="0"/>
+              <a:buChar char="•"/>
+              <a:defRPr sz="2000" kern="1200">
+                <a:solidFill>
+                  <a:schemeClr val="tx1"/>
+                </a:solidFill>
+                <a:latin typeface="+mn-lt"/>
+                <a:ea typeface="+mn-ea"/>
+                <a:cs typeface="+mn-cs"/>
+              </a:defRPr>
+            </a:lvl3pPr>
+            <a:lvl4pPr marL="1600200" indent="-228600" algn="l" defTabSz="914400" rtl="0" eaLnBrk="1" latinLnBrk="0" hangingPunct="1">
+              <a:lnSpc>
+                <a:spcPct val="90000"/>
+              </a:lnSpc>
+              <a:spcBef>
+                <a:spcPts val="500"/>
+              </a:spcBef>
+              <a:buFont typeface="Arial" panose="020B0604020202020204" pitchFamily="34" charset="0"/>
+              <a:buChar char="•"/>
+              <a:defRPr sz="1800" kern="1200">
+                <a:solidFill>
+                  <a:schemeClr val="tx1"/>
+                </a:solidFill>
+                <a:latin typeface="+mn-lt"/>
+                <a:ea typeface="+mn-ea"/>
+                <a:cs typeface="+mn-cs"/>
+              </a:defRPr>
+            </a:lvl4pPr>
+            <a:lvl5pPr marL="2057400" indent="-228600" algn="l" defTabSz="914400" rtl="0" eaLnBrk="1" latinLnBrk="0" hangingPunct="1">
+              <a:lnSpc>
+                <a:spcPct val="90000"/>
+              </a:lnSpc>
+              <a:spcBef>
+                <a:spcPts val="500"/>
+              </a:spcBef>
+              <a:buFont typeface="Arial" panose="020B0604020202020204" pitchFamily="34" charset="0"/>
+              <a:buChar char="•"/>
+              <a:defRPr sz="1800" kern="1200">
+                <a:solidFill>
+                  <a:schemeClr val="tx1"/>
+                </a:solidFill>
+                <a:latin typeface="+mn-lt"/>
+                <a:ea typeface="+mn-ea"/>
+                <a:cs typeface="+mn-cs"/>
+              </a:defRPr>
+            </a:lvl5pPr>
+            <a:lvl6pPr marL="2514600" indent="-228600" algn="l" defTabSz="914400" rtl="0" eaLnBrk="1" latinLnBrk="0" hangingPunct="1">
+              <a:lnSpc>
+                <a:spcPct val="90000"/>
+              </a:lnSpc>
+              <a:spcBef>
+                <a:spcPts val="500"/>
+              </a:spcBef>
+              <a:buFont typeface="Arial" panose="020B0604020202020204" pitchFamily="34" charset="0"/>
+              <a:buChar char="•"/>
+              <a:defRPr sz="1800" kern="1200">
+                <a:solidFill>
+                  <a:schemeClr val="tx1"/>
+                </a:solidFill>
+                <a:latin typeface="+mn-lt"/>
+                <a:ea typeface="+mn-ea"/>
+                <a:cs typeface="+mn-cs"/>
+              </a:defRPr>
+            </a:lvl6pPr>
+            <a:lvl7pPr marL="2971800" indent="-228600" algn="l" defTabSz="914400" rtl="0" eaLnBrk="1" latinLnBrk="0" hangingPunct="1">
+              <a:lnSpc>
+                <a:spcPct val="90000"/>
+              </a:lnSpc>
+              <a:spcBef>
+                <a:spcPts val="500"/>
+              </a:spcBef>
+              <a:buFont typeface="Arial" panose="020B0604020202020204" pitchFamily="34" charset="0"/>
+              <a:buChar char="•"/>
+              <a:defRPr sz="1800" kern="1200">
+                <a:solidFill>
+                  <a:schemeClr val="tx1"/>
+                </a:solidFill>
+                <a:latin typeface="+mn-lt"/>
+                <a:ea typeface="+mn-ea"/>
+                <a:cs typeface="+mn-cs"/>
+              </a:defRPr>
+            </a:lvl7pPr>
+            <a:lvl8pPr marL="3429000" indent="-228600" algn="l" defTabSz="914400" rtl="0" eaLnBrk="1" latinLnBrk="0" hangingPunct="1">
+              <a:lnSpc>
+                <a:spcPct val="90000"/>
+              </a:lnSpc>
+              <a:spcBef>
+                <a:spcPts val="500"/>
+              </a:spcBef>
+              <a:buFont typeface="Arial" panose="020B0604020202020204" pitchFamily="34" charset="0"/>
+              <a:buChar char="•"/>
+              <a:defRPr sz="1800" kern="1200">
+                <a:solidFill>
+                  <a:schemeClr val="tx1"/>
+                </a:solidFill>
+                <a:latin typeface="+mn-lt"/>
+                <a:ea typeface="+mn-ea"/>
+                <a:cs typeface="+mn-cs"/>
+              </a:defRPr>
+            </a:lvl8pPr>
+            <a:lvl9pPr marL="3886200" indent="-228600" algn="l" defTabSz="914400" rtl="0" eaLnBrk="1" latinLnBrk="0" hangingPunct="1">
+              <a:lnSpc>
+                <a:spcPct val="90000"/>
+              </a:lnSpc>
+              <a:spcBef>
+                <a:spcPts val="500"/>
+              </a:spcBef>
+              <a:buFont typeface="Arial" panose="020B0604020202020204" pitchFamily="34" charset="0"/>
+              <a:buChar char="•"/>
+              <a:defRPr sz="1800" kern="1200">
+                <a:solidFill>
+                  <a:schemeClr val="tx1"/>
+                </a:solidFill>
+                <a:latin typeface="+mn-lt"/>
+                <a:ea typeface="+mn-ea"/>
+                <a:cs typeface="+mn-cs"/>
+              </a:defRPr>
+            </a:lvl9pPr>
+          </a:lstStyle>
+          <a:p>
+            <a:pPr marL="0" indent="0">
+              <a:buFont typeface="Arial" panose="020B0604020202020204" pitchFamily="34" charset="0"/>
+              <a:buNone/>
+            </a:pPr>
+            <a:endParaRPr lang="fr-FR" sz="1700" dirty="0"/>
+          </a:p>
+        </p:txBody>
+      </p:sp>
+      <p:sp>
+        <p:nvSpPr>
+          <p:cNvPr id="8" name="Espace réservé du contenu 2">
+            <a:extLst>
+              <a:ext uri="{FF2B5EF4-FFF2-40B4-BE49-F238E27FC236}">
+                <a16:creationId xmlns:a16="http://schemas.microsoft.com/office/drawing/2014/main" id="{76D116A5-BF4D-4565-AC44-77C92C6D06E2}"/>
+              </a:ext>
+            </a:extLst>
+          </p:cNvPr>
+          <p:cNvSpPr txBox="1">
+            <a:spLocks/>
+          </p:cNvSpPr>
+          <p:nvPr/>
+        </p:nvSpPr>
+        <p:spPr>
+          <a:xfrm>
+            <a:off x="990600" y="1981398"/>
+            <a:ext cx="4389120" cy="4351338"/>
+          </a:xfrm>
+          <a:prstGeom prst="rect">
+            <a:avLst/>
+          </a:prstGeom>
+        </p:spPr>
+        <p:txBody>
+          <a:bodyPr vert="horz" lIns="91440" tIns="45720" rIns="91440" bIns="45720" rtlCol="0">
+            <a:normAutofit/>
+          </a:bodyPr>
+          <a:lstStyle>
+            <a:lvl1pPr marL="228600" indent="-228600" algn="l" defTabSz="914400" rtl="0" eaLnBrk="1" latinLnBrk="0" hangingPunct="1">
+              <a:lnSpc>
+                <a:spcPct val="90000"/>
+              </a:lnSpc>
+              <a:spcBef>
+                <a:spcPts val="1000"/>
+              </a:spcBef>
+              <a:buFont typeface="Arial" panose="020B0604020202020204" pitchFamily="34" charset="0"/>
+              <a:buChar char="•"/>
+              <a:defRPr sz="2800" kern="1200">
+                <a:solidFill>
+                  <a:schemeClr val="tx1"/>
+                </a:solidFill>
+                <a:latin typeface="+mn-lt"/>
+                <a:ea typeface="+mn-ea"/>
+                <a:cs typeface="+mn-cs"/>
+              </a:defRPr>
+            </a:lvl1pPr>
+            <a:lvl2pPr marL="685800" indent="-228600" algn="l" defTabSz="914400" rtl="0" eaLnBrk="1" latinLnBrk="0" hangingPunct="1">
+              <a:lnSpc>
+                <a:spcPct val="90000"/>
+              </a:lnSpc>
+              <a:spcBef>
+                <a:spcPts val="500"/>
+              </a:spcBef>
+              <a:buFont typeface="Arial" panose="020B0604020202020204" pitchFamily="34" charset="0"/>
+              <a:buChar char="•"/>
+              <a:defRPr sz="2400" kern="1200">
+                <a:solidFill>
+                  <a:schemeClr val="tx1"/>
+                </a:solidFill>
+                <a:latin typeface="+mn-lt"/>
+                <a:ea typeface="+mn-ea"/>
+                <a:cs typeface="+mn-cs"/>
+              </a:defRPr>
+            </a:lvl2pPr>
+            <a:lvl3pPr marL="1143000" indent="-228600" algn="l" defTabSz="914400" rtl="0" eaLnBrk="1" latinLnBrk="0" hangingPunct="1">
+              <a:lnSpc>
+                <a:spcPct val="90000"/>
+              </a:lnSpc>
+              <a:spcBef>
+                <a:spcPts val="500"/>
+              </a:spcBef>
+              <a:buFont typeface="Arial" panose="020B0604020202020204" pitchFamily="34" charset="0"/>
+              <a:buChar char="•"/>
+              <a:defRPr sz="2000" kern="1200">
+                <a:solidFill>
+                  <a:schemeClr val="tx1"/>
+                </a:solidFill>
+                <a:latin typeface="+mn-lt"/>
+                <a:ea typeface="+mn-ea"/>
+                <a:cs typeface="+mn-cs"/>
+              </a:defRPr>
+            </a:lvl3pPr>
+            <a:lvl4pPr marL="1600200" indent="-228600" algn="l" defTabSz="914400" rtl="0" eaLnBrk="1" latinLnBrk="0" hangingPunct="1">
+              <a:lnSpc>
+                <a:spcPct val="90000"/>
+              </a:lnSpc>
+              <a:spcBef>
+                <a:spcPts val="500"/>
+              </a:spcBef>
+              <a:buFont typeface="Arial" panose="020B0604020202020204" pitchFamily="34" charset="0"/>
+              <a:buChar char="•"/>
+              <a:defRPr sz="1800" kern="1200">
+                <a:solidFill>
+                  <a:schemeClr val="tx1"/>
+                </a:solidFill>
+                <a:latin typeface="+mn-lt"/>
+                <a:ea typeface="+mn-ea"/>
+                <a:cs typeface="+mn-cs"/>
+              </a:defRPr>
+            </a:lvl4pPr>
+            <a:lvl5pPr marL="2057400" indent="-228600" algn="l" defTabSz="914400" rtl="0" eaLnBrk="1" latinLnBrk="0" hangingPunct="1">
+              <a:lnSpc>
+                <a:spcPct val="90000"/>
+              </a:lnSpc>
+              <a:spcBef>
+                <a:spcPts val="500"/>
+              </a:spcBef>
+              <a:buFont typeface="Arial" panose="020B0604020202020204" pitchFamily="34" charset="0"/>
+              <a:buChar char="•"/>
+              <a:defRPr sz="1800" kern="1200">
+                <a:solidFill>
+                  <a:schemeClr val="tx1"/>
+                </a:solidFill>
+                <a:latin typeface="+mn-lt"/>
+                <a:ea typeface="+mn-ea"/>
+                <a:cs typeface="+mn-cs"/>
+              </a:defRPr>
+            </a:lvl5pPr>
+            <a:lvl6pPr marL="2514600" indent="-228600" algn="l" defTabSz="914400" rtl="0" eaLnBrk="1" latinLnBrk="0" hangingPunct="1">
+              <a:lnSpc>
+                <a:spcPct val="90000"/>
+              </a:lnSpc>
+              <a:spcBef>
+                <a:spcPts val="500"/>
+              </a:spcBef>
+              <a:buFont typeface="Arial" panose="020B0604020202020204" pitchFamily="34" charset="0"/>
+              <a:buChar char="•"/>
+              <a:defRPr sz="1800" kern="1200">
+                <a:solidFill>
+                  <a:schemeClr val="tx1"/>
+                </a:solidFill>
+                <a:latin typeface="+mn-lt"/>
+                <a:ea typeface="+mn-ea"/>
+                <a:cs typeface="+mn-cs"/>
+              </a:defRPr>
+            </a:lvl6pPr>
+            <a:lvl7pPr marL="2971800" indent="-228600" algn="l" defTabSz="914400" rtl="0" eaLnBrk="1" latinLnBrk="0" hangingPunct="1">
+              <a:lnSpc>
+                <a:spcPct val="90000"/>
+              </a:lnSpc>
+              <a:spcBef>
+                <a:spcPts val="500"/>
+              </a:spcBef>
+              <a:buFont typeface="Arial" panose="020B0604020202020204" pitchFamily="34" charset="0"/>
+              <a:buChar char="•"/>
+              <a:defRPr sz="1800" kern="1200">
+                <a:solidFill>
+                  <a:schemeClr val="tx1"/>
+                </a:solidFill>
+                <a:latin typeface="+mn-lt"/>
+                <a:ea typeface="+mn-ea"/>
+                <a:cs typeface="+mn-cs"/>
+              </a:defRPr>
+            </a:lvl7pPr>
+            <a:lvl8pPr marL="3429000" indent="-228600" algn="l" defTabSz="914400" rtl="0" eaLnBrk="1" latinLnBrk="0" hangingPunct="1">
+              <a:lnSpc>
+                <a:spcPct val="90000"/>
+              </a:lnSpc>
+              <a:spcBef>
+                <a:spcPts val="500"/>
+              </a:spcBef>
+              <a:buFont typeface="Arial" panose="020B0604020202020204" pitchFamily="34" charset="0"/>
+              <a:buChar char="•"/>
+              <a:defRPr sz="1800" kern="1200">
+                <a:solidFill>
+                  <a:schemeClr val="tx1"/>
+                </a:solidFill>
+                <a:latin typeface="+mn-lt"/>
+                <a:ea typeface="+mn-ea"/>
+                <a:cs typeface="+mn-cs"/>
+              </a:defRPr>
+            </a:lvl8pPr>
+            <a:lvl9pPr marL="3886200" indent="-228600" algn="l" defTabSz="914400" rtl="0" eaLnBrk="1" latinLnBrk="0" hangingPunct="1">
+              <a:lnSpc>
+                <a:spcPct val="90000"/>
+              </a:lnSpc>
+              <a:spcBef>
+                <a:spcPts val="500"/>
+              </a:spcBef>
+              <a:buFont typeface="Arial" panose="020B0604020202020204" pitchFamily="34" charset="0"/>
+              <a:buChar char="•"/>
+              <a:defRPr sz="1800" kern="1200">
+                <a:solidFill>
+                  <a:schemeClr val="tx1"/>
+                </a:solidFill>
+                <a:latin typeface="+mn-lt"/>
+                <a:ea typeface="+mn-ea"/>
+                <a:cs typeface="+mn-cs"/>
+              </a:defRPr>
+            </a:lvl9pPr>
+          </a:lstStyle>
+          <a:p>
+            <a:pPr marL="0" indent="0">
+              <a:buNone/>
+            </a:pPr>
+            <a:r>
+              <a:rPr lang="fr-FR" sz="1700" dirty="0"/>
+              <a:t>Pour l’unicité des entités il faut utiliser le composant </a:t>
+            </a:r>
+            <a:r>
+              <a:rPr lang="fr-FR" sz="1700" dirty="0" err="1"/>
+              <a:t>UniqueEntity</a:t>
+            </a:r>
+            <a:r>
+              <a:rPr lang="fr-FR" sz="1700" dirty="0"/>
+              <a:t> de </a:t>
+            </a:r>
+            <a:r>
+              <a:rPr lang="fr-FR" sz="1700" dirty="0" err="1"/>
+              <a:t>symfony</a:t>
+            </a:r>
+            <a:endParaRPr lang="fr-FR" sz="1700" dirty="0"/>
+          </a:p>
+          <a:p>
+            <a:pPr marL="0" indent="0">
+              <a:buNone/>
+            </a:pPr>
+            <a:r>
+              <a:rPr lang="fr-FR" sz="1700" dirty="0"/>
+              <a:t>Dans l’entité concernée, il faut insérer le </a:t>
+            </a:r>
+            <a:r>
+              <a:rPr lang="fr-FR" sz="1700" dirty="0" err="1"/>
+              <a:t>namespace</a:t>
+            </a:r>
+            <a:r>
+              <a:rPr lang="fr-FR" sz="1700" dirty="0"/>
+              <a:t> prévu à cet effet : </a:t>
+            </a:r>
+          </a:p>
+          <a:p>
+            <a:pPr marL="0" indent="0">
+              <a:buNone/>
+            </a:pPr>
+            <a:r>
+              <a:rPr lang="en-US" sz="1200" dirty="0"/>
+              <a:t>use </a:t>
+            </a:r>
+            <a:r>
+              <a:rPr lang="en-US" sz="1200" dirty="0" err="1"/>
+              <a:t>Symfony</a:t>
+            </a:r>
+            <a:r>
+              <a:rPr lang="en-US" sz="1200" dirty="0"/>
+              <a:t>\Bridge\Doctrine\Validator\Constraints\</a:t>
+            </a:r>
+            <a:r>
+              <a:rPr lang="en-US" sz="1200" dirty="0" err="1"/>
+              <a:t>UniqueEntity</a:t>
+            </a:r>
+            <a:r>
+              <a:rPr lang="en-US" sz="1200" dirty="0"/>
+              <a:t>;</a:t>
+            </a:r>
+            <a:endParaRPr lang="en-US" sz="1600" dirty="0"/>
+          </a:p>
+          <a:p>
+            <a:pPr marL="0" indent="0">
+              <a:buFont typeface="Arial" panose="020B0604020202020204" pitchFamily="34" charset="0"/>
+              <a:buNone/>
+            </a:pPr>
+            <a:endParaRPr lang="en-US" sz="1600" dirty="0"/>
+          </a:p>
+          <a:p>
+            <a:pPr marL="0" indent="0">
+              <a:buFont typeface="Arial" panose="020B0604020202020204" pitchFamily="34" charset="0"/>
+              <a:buNone/>
+            </a:pPr>
+            <a:r>
+              <a:rPr lang="en-US" sz="1600" dirty="0" err="1"/>
+              <a:t>Ensuite</a:t>
+            </a:r>
+            <a:r>
+              <a:rPr lang="en-US" sz="1600" dirty="0"/>
+              <a:t> au dessus de la class de </a:t>
+            </a:r>
+            <a:r>
+              <a:rPr lang="en-US" sz="1600" dirty="0" err="1"/>
+              <a:t>l’entity</a:t>
+            </a:r>
+            <a:r>
+              <a:rPr lang="en-US" sz="1600" dirty="0"/>
+              <a:t>, </a:t>
+            </a:r>
+            <a:r>
+              <a:rPr lang="en-US" sz="1600" dirty="0" err="1"/>
+              <a:t>il</a:t>
+            </a:r>
+            <a:r>
+              <a:rPr lang="en-US" sz="1600" dirty="0"/>
+              <a:t> </a:t>
+            </a:r>
+            <a:r>
+              <a:rPr lang="en-US" sz="1600" dirty="0" err="1"/>
+              <a:t>insérer</a:t>
+            </a:r>
+            <a:r>
+              <a:rPr lang="en-US" sz="1600" dirty="0"/>
+              <a:t> </a:t>
+            </a:r>
+            <a:r>
+              <a:rPr lang="en-US" sz="1600" dirty="0" err="1"/>
+              <a:t>l’annotation</a:t>
+            </a:r>
+            <a:r>
+              <a:rPr lang="en-US" sz="1600" dirty="0"/>
+              <a:t> prevue à </a:t>
+            </a:r>
+            <a:r>
+              <a:rPr lang="en-US" sz="1600" dirty="0" err="1"/>
+              <a:t>cet</a:t>
+            </a:r>
+            <a:r>
+              <a:rPr lang="en-US" sz="1600" dirty="0"/>
+              <a:t> </a:t>
+            </a:r>
+            <a:r>
+              <a:rPr lang="en-US" sz="1600" dirty="0" err="1"/>
+              <a:t>effet</a:t>
+            </a:r>
+            <a:r>
+              <a:rPr lang="en-US" sz="1600" dirty="0"/>
+              <a:t>, </a:t>
+            </a:r>
+            <a:r>
+              <a:rPr lang="en-US" sz="1600" dirty="0" err="1"/>
+              <a:t>ainsi</a:t>
+            </a:r>
+            <a:r>
+              <a:rPr lang="en-US" sz="1600" dirty="0"/>
+              <a:t> que les </a:t>
+            </a:r>
+            <a:r>
+              <a:rPr lang="en-US" sz="1600" dirty="0" err="1"/>
+              <a:t>paramètres</a:t>
+            </a:r>
+            <a:r>
+              <a:rPr lang="en-US" sz="1600" dirty="0"/>
+              <a:t> </a:t>
+            </a:r>
+            <a:r>
+              <a:rPr lang="en-US" sz="1600" dirty="0" err="1"/>
+              <a:t>désirées</a:t>
+            </a:r>
+            <a:r>
+              <a:rPr lang="en-US" sz="1600" dirty="0"/>
+              <a:t>.</a:t>
+            </a:r>
+            <a:endParaRPr lang="en-US" sz="1000" dirty="0"/>
+          </a:p>
+        </p:txBody>
+      </p:sp>
+      <p:pic>
+        <p:nvPicPr>
+          <p:cNvPr id="3" name="Image 2">
+            <a:extLst>
+              <a:ext uri="{FF2B5EF4-FFF2-40B4-BE49-F238E27FC236}">
+                <a16:creationId xmlns:a16="http://schemas.microsoft.com/office/drawing/2014/main" id="{633D619D-7301-4030-B854-5436B63BE6AD}"/>
+              </a:ext>
+            </a:extLst>
+          </p:cNvPr>
+          <p:cNvPicPr>
+            <a:picLocks noChangeAspect="1"/>
+          </p:cNvPicPr>
+          <p:nvPr/>
+        </p:nvPicPr>
+        <p:blipFill>
+          <a:blip r:embed="rId2"/>
+          <a:stretch>
+            <a:fillRect/>
+          </a:stretch>
+        </p:blipFill>
+        <p:spPr>
+          <a:xfrm>
+            <a:off x="5549470" y="1981398"/>
+            <a:ext cx="5804330" cy="2628900"/>
+          </a:xfrm>
+          <a:prstGeom prst="rect">
+            <a:avLst/>
+          </a:prstGeom>
+        </p:spPr>
+      </p:pic>
+    </p:spTree>
+    <p:extLst>
+      <p:ext uri="{BB962C8B-B14F-4D97-AF65-F5344CB8AC3E}">
+        <p14:creationId xmlns:p14="http://schemas.microsoft.com/office/powerpoint/2010/main" val="3745825933"/>
       </p:ext>
     </p:extLst>
   </p:cSld>
